--- a/Courses/Software-Sciences/Module-1-OOP-New/15-Design-Patterns/15-Design-Patterns.pptx
+++ b/Courses/Software-Sciences/Module-1-OOP-New/15-Design-Patterns/15-Design-Patterns.pptx
@@ -157,13 +157,13 @@
   <p:extLst>
     <p:ext uri="{521415D9-36F7-43E2-AB2F-B90AF26B5E84}">
       <p14:sectionLst xmlns:p14="http://schemas.microsoft.com/office/powerpoint/2010/main">
-        <p14:section name="Въведение" id="{86260F53-E7A8-4C36-98C6-EFA6D724CF7A}">
+        <p14:section name="Intro" id="{86260F53-E7A8-4C36-98C6-EFA6D724CF7A}">
           <p14:sldIdLst>
             <p14:sldId id="291"/>
             <p14:sldId id="292"/>
           </p14:sldIdLst>
         </p14:section>
-        <p14:section name="Design Pattern-и" id="{635BEAD6-B0B3-43E2-9502-13BB3D4723C6}">
+        <p14:section name="Design Patterns" id="{635BEAD6-B0B3-43E2-9502-13BB3D4723C6}">
           <p14:sldIdLst>
             <p14:sldId id="294"/>
             <p14:sldId id="295"/>
@@ -191,7 +191,7 @@
             <p14:sldId id="310"/>
           </p14:sldIdLst>
         </p14:section>
-        <p14:section name="Structural Pattern-и" id="{264A1D7D-1B6E-4C7C-A3A7-401F58145BC7}">
+        <p14:section name="Structural Patterns" id="{264A1D7D-1B6E-4C7C-A3A7-401F58145BC7}">
           <p14:sldIdLst>
             <p14:sldId id="311"/>
             <p14:sldId id="312"/>
@@ -223,7 +223,7 @@
             <p14:sldId id="334"/>
           </p14:sldIdLst>
         </p14:section>
-        <p14:section name="Обобщение" id="{672020F4-DF3C-4604-B595-80A0FC6FD017}">
+        <p14:section name="Conclusion" id="{672020F4-DF3C-4604-B595-80A0FC6FD017}">
           <p14:sldIdLst>
             <p14:sldId id="335"/>
             <p14:sldId id="401"/>
@@ -347,7 +347,7 @@
           <a:p>
             <a:fld id="{4E087215-0C8F-4762-A664-737A353EC9A4}" type="datetimeFigureOut">
               <a:rPr lang="bg-BG" smtClean="0"/>
-              <a:t>7.01.23 г.</a:t>
+              <a:t>31.8.2021 г.</a:t>
             </a:fld>
             <a:endParaRPr lang="bg-BG"/>
           </a:p>
@@ -538,7 +538,7 @@
           <a:p>
             <a:fld id="{72D84649-876A-46C9-8472-14CB09C070D8}" type="datetimeFigureOut">
               <a:rPr lang="en-US" smtClean="0"/>
-              <a:t>1/7/23</a:t>
+              <a:t>8/31/2021</a:t>
             </a:fld>
             <a:endParaRPr lang="en-US"/>
           </a:p>
@@ -1004,751 +1004,6 @@
           <a:bodyPr/>
           <a:lstStyle/>
           <a:p>
-            <a:endParaRPr lang="en-US" dirty="0"/>
-          </a:p>
-        </p:txBody>
-      </p:sp>
-      <p:sp>
-        <p:nvSpPr>
-          <p:cNvPr id="4" name="Slide Number Placeholder 3"/>
-          <p:cNvSpPr>
-            <a:spLocks noGrp="1"/>
-          </p:cNvSpPr>
-          <p:nvPr>
-            <p:ph type="sldNum" sz="quarter" idx="10"/>
-          </p:nvPr>
-        </p:nvSpPr>
-        <p:spPr/>
-        <p:txBody>
-          <a:bodyPr/>
-          <a:lstStyle/>
-          <a:p>
-            <a:fld id="{3EBA5BD7-F043-4D1B-AA17-CD412FC534DE}" type="slidenum">
-              <a:rPr lang="en-US" smtClean="0"/>
-              <a:pPr/>
-              <a:t>31</a:t>
-            </a:fld>
-            <a:endParaRPr lang="en-US" dirty="0"/>
-          </a:p>
-        </p:txBody>
-      </p:sp>
-      <p:sp>
-        <p:nvSpPr>
-          <p:cNvPr id="6" name="Footer Placeholder 7">
-            <a:extLst>
-              <a:ext uri="{FF2B5EF4-FFF2-40B4-BE49-F238E27FC236}">
-                <a16:creationId xmlns:a16="http://schemas.microsoft.com/office/drawing/2014/main" id="{88DC02A7-7D70-4E63-8E2D-381DBEC499A1}"/>
-              </a:ext>
-            </a:extLst>
-          </p:cNvPr>
-          <p:cNvSpPr>
-            <a:spLocks noGrp="1"/>
-          </p:cNvSpPr>
-          <p:nvPr>
-            <p:ph type="ftr" sz="quarter" idx="4"/>
-          </p:nvPr>
-        </p:nvSpPr>
-        <p:spPr>
-          <a:xfrm>
-            <a:off x="-1" y="8847000"/>
-            <a:ext cx="6488999" cy="297000"/>
-          </a:xfrm>
-          <a:prstGeom prst="rect">
-            <a:avLst/>
-          </a:prstGeom>
-        </p:spPr>
-        <p:txBody>
-          <a:bodyPr vert="horz" lIns="91440" tIns="45720" rIns="91440" bIns="45720" rtlCol="0" anchor="b"/>
-          <a:lstStyle>
-            <a:lvl1pPr algn="l">
-              <a:defRPr sz="1100"/>
-            </a:lvl1pPr>
-          </a:lstStyle>
-          <a:p>
-            <a:r>
-              <a:rPr lang="en-US" dirty="0"/>
-              <a:t>© SoftUni – </a:t>
-            </a:r>
-            <a:r>
-              <a:rPr lang="en-US" u="sng" dirty="0">
-                <a:hlinkClick r:id="rId3"/>
-              </a:rPr>
-              <a:t>https://softuni.org</a:t>
-            </a:r>
-            <a:r>
-              <a:rPr lang="en-US" dirty="0"/>
-              <a:t>. Copyrighted document. Unauthorized copy or reproduction is not permitted.</a:t>
-            </a:r>
-          </a:p>
-        </p:txBody>
-      </p:sp>
-    </p:spTree>
-    <p:extLst>
-      <p:ext uri="{BB962C8B-B14F-4D97-AF65-F5344CB8AC3E}">
-        <p14:creationId xmlns:p14="http://schemas.microsoft.com/office/powerpoint/2010/main" val="1778616773"/>
-      </p:ext>
-    </p:extLst>
-  </p:cSld>
-  <p:clrMapOvr>
-    <a:masterClrMapping/>
-  </p:clrMapOvr>
-</p:notes>
-</file>
-
-<file path=ppt/notesSlides/notesSlide11.xml><?xml version="1.0" encoding="utf-8"?>
-<p:notes xmlns:a="http://schemas.openxmlformats.org/drawingml/2006/main" xmlns:r="http://schemas.openxmlformats.org/officeDocument/2006/relationships" xmlns:p="http://schemas.openxmlformats.org/presentationml/2006/main">
-  <p:cSld>
-    <p:spTree>
-      <p:nvGrpSpPr>
-        <p:cNvPr id="1" name=""/>
-        <p:cNvGrpSpPr/>
-        <p:nvPr/>
-      </p:nvGrpSpPr>
-      <p:grpSpPr>
-        <a:xfrm>
-          <a:off x="0" y="0"/>
-          <a:ext cx="0" cy="0"/>
-          <a:chOff x="0" y="0"/>
-          <a:chExt cx="0" cy="0"/>
-        </a:xfrm>
-      </p:grpSpPr>
-      <p:sp>
-        <p:nvSpPr>
-          <p:cNvPr id="2" name="Slide Image Placeholder 1"/>
-          <p:cNvSpPr>
-            <a:spLocks noGrp="1" noRot="1" noChangeAspect="1"/>
-          </p:cNvSpPr>
-          <p:nvPr>
-            <p:ph type="sldImg"/>
-          </p:nvPr>
-        </p:nvSpPr>
-        <p:spPr/>
-      </p:sp>
-      <p:sp>
-        <p:nvSpPr>
-          <p:cNvPr id="3" name="Notes Placeholder 2"/>
-          <p:cNvSpPr>
-            <a:spLocks noGrp="1"/>
-          </p:cNvSpPr>
-          <p:nvPr>
-            <p:ph type="body" idx="1"/>
-          </p:nvPr>
-        </p:nvSpPr>
-        <p:spPr/>
-        <p:txBody>
-          <a:bodyPr/>
-          <a:lstStyle/>
-          <a:p>
-            <a:endParaRPr lang="en-BG" dirty="0"/>
-          </a:p>
-        </p:txBody>
-      </p:sp>
-      <p:sp>
-        <p:nvSpPr>
-          <p:cNvPr id="4" name="Slide Number Placeholder 3"/>
-          <p:cNvSpPr>
-            <a:spLocks noGrp="1"/>
-          </p:cNvSpPr>
-          <p:nvPr>
-            <p:ph type="sldNum" sz="quarter" idx="5"/>
-          </p:nvPr>
-        </p:nvSpPr>
-        <p:spPr/>
-        <p:txBody>
-          <a:bodyPr/>
-          <a:lstStyle/>
-          <a:p>
-            <a:fld id="{2BF067CD-8E6B-4360-9AA8-C5DF2A48A6D1}" type="slidenum">
-              <a:rPr lang="en-US" smtClean="0"/>
-              <a:t>32</a:t>
-            </a:fld>
-            <a:endParaRPr lang="en-US" dirty="0"/>
-          </a:p>
-        </p:txBody>
-      </p:sp>
-      <p:sp>
-        <p:nvSpPr>
-          <p:cNvPr id="5" name="Footer Placeholder 4"/>
-          <p:cNvSpPr>
-            <a:spLocks noGrp="1"/>
-          </p:cNvSpPr>
-          <p:nvPr>
-            <p:ph type="ftr" sz="quarter" idx="4"/>
-          </p:nvPr>
-        </p:nvSpPr>
-        <p:spPr/>
-        <p:txBody>
-          <a:bodyPr/>
-          <a:lstStyle/>
-          <a:p>
-            <a:r>
-              <a:rPr lang="en-US"/>
-              <a:t>© SoftUni – </a:t>
-            </a:r>
-            <a:r>
-              <a:rPr lang="en-US" u="sng">
-                <a:hlinkClick r:id="rId3"/>
-              </a:rPr>
-              <a:t>https://softuni.org</a:t>
-            </a:r>
-            <a:r>
-              <a:rPr lang="en-US"/>
-              <a:t>. Copyrighted document. Unauthorized copy or reproduction is not permitted.</a:t>
-            </a:r>
-            <a:endParaRPr lang="en-US" dirty="0"/>
-          </a:p>
-        </p:txBody>
-      </p:sp>
-    </p:spTree>
-    <p:extLst>
-      <p:ext uri="{BB962C8B-B14F-4D97-AF65-F5344CB8AC3E}">
-        <p14:creationId xmlns:p14="http://schemas.microsoft.com/office/powerpoint/2010/main" val="1542359863"/>
-      </p:ext>
-    </p:extLst>
-  </p:cSld>
-  <p:clrMapOvr>
-    <a:masterClrMapping/>
-  </p:clrMapOvr>
-</p:notes>
-</file>
-
-<file path=ppt/notesSlides/notesSlide12.xml><?xml version="1.0" encoding="utf-8"?>
-<p:notes xmlns:a="http://schemas.openxmlformats.org/drawingml/2006/main" xmlns:r="http://schemas.openxmlformats.org/officeDocument/2006/relationships" xmlns:p="http://schemas.openxmlformats.org/presentationml/2006/main">
-  <p:cSld>
-    <p:spTree>
-      <p:nvGrpSpPr>
-        <p:cNvPr id="1" name=""/>
-        <p:cNvGrpSpPr/>
-        <p:nvPr/>
-      </p:nvGrpSpPr>
-      <p:grpSpPr>
-        <a:xfrm>
-          <a:off x="0" y="0"/>
-          <a:ext cx="0" cy="0"/>
-          <a:chOff x="0" y="0"/>
-          <a:chExt cx="0" cy="0"/>
-        </a:xfrm>
-      </p:grpSpPr>
-      <p:sp>
-        <p:nvSpPr>
-          <p:cNvPr id="2" name="Slide Image Placeholder 1"/>
-          <p:cNvSpPr>
-            <a:spLocks noGrp="1" noRot="1" noChangeAspect="1"/>
-          </p:cNvSpPr>
-          <p:nvPr>
-            <p:ph type="sldImg"/>
-          </p:nvPr>
-        </p:nvSpPr>
-        <p:spPr/>
-      </p:sp>
-      <p:sp>
-        <p:nvSpPr>
-          <p:cNvPr id="3" name="Notes Placeholder 2"/>
-          <p:cNvSpPr>
-            <a:spLocks noGrp="1"/>
-          </p:cNvSpPr>
-          <p:nvPr>
-            <p:ph type="body" idx="1"/>
-          </p:nvPr>
-        </p:nvSpPr>
-        <p:spPr/>
-        <p:txBody>
-          <a:bodyPr/>
-          <a:lstStyle/>
-          <a:p>
-            <a:endParaRPr lang="en-BG" dirty="0"/>
-          </a:p>
-        </p:txBody>
-      </p:sp>
-      <p:sp>
-        <p:nvSpPr>
-          <p:cNvPr id="4" name="Slide Number Placeholder 3"/>
-          <p:cNvSpPr>
-            <a:spLocks noGrp="1"/>
-          </p:cNvSpPr>
-          <p:nvPr>
-            <p:ph type="sldNum" sz="quarter" idx="5"/>
-          </p:nvPr>
-        </p:nvSpPr>
-        <p:spPr/>
-        <p:txBody>
-          <a:bodyPr/>
-          <a:lstStyle/>
-          <a:p>
-            <a:fld id="{2BF067CD-8E6B-4360-9AA8-C5DF2A48A6D1}" type="slidenum">
-              <a:rPr lang="en-US" smtClean="0"/>
-              <a:t>35</a:t>
-            </a:fld>
-            <a:endParaRPr lang="en-US" dirty="0"/>
-          </a:p>
-        </p:txBody>
-      </p:sp>
-      <p:sp>
-        <p:nvSpPr>
-          <p:cNvPr id="5" name="Footer Placeholder 4"/>
-          <p:cNvSpPr>
-            <a:spLocks noGrp="1"/>
-          </p:cNvSpPr>
-          <p:nvPr>
-            <p:ph type="ftr" sz="quarter" idx="4"/>
-          </p:nvPr>
-        </p:nvSpPr>
-        <p:spPr/>
-        <p:txBody>
-          <a:bodyPr/>
-          <a:lstStyle/>
-          <a:p>
-            <a:r>
-              <a:rPr lang="en-US"/>
-              <a:t>© SoftUni – </a:t>
-            </a:r>
-            <a:r>
-              <a:rPr lang="en-US" u="sng">
-                <a:hlinkClick r:id="rId3"/>
-              </a:rPr>
-              <a:t>https://softuni.org</a:t>
-            </a:r>
-            <a:r>
-              <a:rPr lang="en-US"/>
-              <a:t>. Copyrighted document. Unauthorized copy or reproduction is not permitted.</a:t>
-            </a:r>
-            <a:endParaRPr lang="en-US" dirty="0"/>
-          </a:p>
-        </p:txBody>
-      </p:sp>
-    </p:spTree>
-    <p:extLst>
-      <p:ext uri="{BB962C8B-B14F-4D97-AF65-F5344CB8AC3E}">
-        <p14:creationId xmlns:p14="http://schemas.microsoft.com/office/powerpoint/2010/main" val="3124796468"/>
-      </p:ext>
-    </p:extLst>
-  </p:cSld>
-  <p:clrMapOvr>
-    <a:masterClrMapping/>
-  </p:clrMapOvr>
-</p:notes>
-</file>
-
-<file path=ppt/notesSlides/notesSlide13.xml><?xml version="1.0" encoding="utf-8"?>
-<p:notes xmlns:a="http://schemas.openxmlformats.org/drawingml/2006/main" xmlns:r="http://schemas.openxmlformats.org/officeDocument/2006/relationships" xmlns:p="http://schemas.openxmlformats.org/presentationml/2006/main">
-  <p:cSld>
-    <p:spTree>
-      <p:nvGrpSpPr>
-        <p:cNvPr id="1" name=""/>
-        <p:cNvGrpSpPr/>
-        <p:nvPr/>
-      </p:nvGrpSpPr>
-      <p:grpSpPr>
-        <a:xfrm>
-          <a:off x="0" y="0"/>
-          <a:ext cx="0" cy="0"/>
-          <a:chOff x="0" y="0"/>
-          <a:chExt cx="0" cy="0"/>
-        </a:xfrm>
-      </p:grpSpPr>
-      <p:sp>
-        <p:nvSpPr>
-          <p:cNvPr id="2" name="Slide Image Placeholder 1"/>
-          <p:cNvSpPr>
-            <a:spLocks noGrp="1" noRot="1" noChangeAspect="1"/>
-          </p:cNvSpPr>
-          <p:nvPr>
-            <p:ph type="sldImg"/>
-          </p:nvPr>
-        </p:nvSpPr>
-        <p:spPr/>
-      </p:sp>
-      <p:sp>
-        <p:nvSpPr>
-          <p:cNvPr id="3" name="Notes Placeholder 2"/>
-          <p:cNvSpPr>
-            <a:spLocks noGrp="1"/>
-          </p:cNvSpPr>
-          <p:nvPr>
-            <p:ph type="body" idx="1"/>
-          </p:nvPr>
-        </p:nvSpPr>
-        <p:spPr/>
-        <p:txBody>
-          <a:bodyPr/>
-          <a:lstStyle/>
-          <a:p>
-            <a:endParaRPr lang="en-US" dirty="0"/>
-          </a:p>
-        </p:txBody>
-      </p:sp>
-      <p:sp>
-        <p:nvSpPr>
-          <p:cNvPr id="5" name="Slide Number Placeholder 4"/>
-          <p:cNvSpPr>
-            <a:spLocks noGrp="1"/>
-          </p:cNvSpPr>
-          <p:nvPr>
-            <p:ph type="sldNum" sz="quarter" idx="11"/>
-          </p:nvPr>
-        </p:nvSpPr>
-        <p:spPr/>
-        <p:txBody>
-          <a:bodyPr/>
-          <a:lstStyle/>
-          <a:p>
-            <a:fld id="{3EBA5BD7-F043-4D1B-AA17-CD412FC534DE}" type="slidenum">
-              <a:rPr lang="en-US" smtClean="0"/>
-              <a:pPr/>
-              <a:t>43</a:t>
-            </a:fld>
-            <a:endParaRPr lang="en-US" dirty="0"/>
-          </a:p>
-        </p:txBody>
-      </p:sp>
-      <p:sp>
-        <p:nvSpPr>
-          <p:cNvPr id="6" name="Footer Placeholder 7">
-            <a:extLst>
-              <a:ext uri="{FF2B5EF4-FFF2-40B4-BE49-F238E27FC236}">
-                <a16:creationId xmlns:a16="http://schemas.microsoft.com/office/drawing/2014/main" id="{54A34148-6056-478C-9CDD-88D6360416CE}"/>
-              </a:ext>
-            </a:extLst>
-          </p:cNvPr>
-          <p:cNvSpPr>
-            <a:spLocks noGrp="1"/>
-          </p:cNvSpPr>
-          <p:nvPr>
-            <p:ph type="ftr" sz="quarter" idx="4"/>
-          </p:nvPr>
-        </p:nvSpPr>
-        <p:spPr>
-          <a:xfrm>
-            <a:off x="-1" y="8847000"/>
-            <a:ext cx="6488999" cy="297000"/>
-          </a:xfrm>
-          <a:prstGeom prst="rect">
-            <a:avLst/>
-          </a:prstGeom>
-        </p:spPr>
-        <p:txBody>
-          <a:bodyPr vert="horz" lIns="91440" tIns="45720" rIns="91440" bIns="45720" rtlCol="0" anchor="b"/>
-          <a:lstStyle>
-            <a:lvl1pPr algn="l">
-              <a:defRPr sz="1100"/>
-            </a:lvl1pPr>
-          </a:lstStyle>
-          <a:p>
-            <a:r>
-              <a:rPr lang="en-US" dirty="0"/>
-              <a:t>© SoftUni – </a:t>
-            </a:r>
-            <a:r>
-              <a:rPr lang="en-US" u="sng" dirty="0">
-                <a:hlinkClick r:id="rId3"/>
-              </a:rPr>
-              <a:t>https://softuni.org</a:t>
-            </a:r>
-            <a:r>
-              <a:rPr lang="en-US" dirty="0"/>
-              <a:t>. Copyrighted document. Unauthorized copy or reproduction is not permitted.</a:t>
-            </a:r>
-          </a:p>
-        </p:txBody>
-      </p:sp>
-    </p:spTree>
-    <p:extLst>
-      <p:ext uri="{BB962C8B-B14F-4D97-AF65-F5344CB8AC3E}">
-        <p14:creationId xmlns:p14="http://schemas.microsoft.com/office/powerpoint/2010/main" val="2071545545"/>
-      </p:ext>
-    </p:extLst>
-  </p:cSld>
-  <p:clrMapOvr>
-    <a:masterClrMapping/>
-  </p:clrMapOvr>
-</p:notes>
-</file>
-
-<file path=ppt/notesSlides/notesSlide14.xml><?xml version="1.0" encoding="utf-8"?>
-<p:notes xmlns:a="http://schemas.openxmlformats.org/drawingml/2006/main" xmlns:r="http://schemas.openxmlformats.org/officeDocument/2006/relationships" xmlns:p="http://schemas.openxmlformats.org/presentationml/2006/main">
-  <p:cSld>
-    <p:spTree>
-      <p:nvGrpSpPr>
-        <p:cNvPr id="1" name=""/>
-        <p:cNvGrpSpPr/>
-        <p:nvPr/>
-      </p:nvGrpSpPr>
-      <p:grpSpPr>
-        <a:xfrm>
-          <a:off x="0" y="0"/>
-          <a:ext cx="0" cy="0"/>
-          <a:chOff x="0" y="0"/>
-          <a:chExt cx="0" cy="0"/>
-        </a:xfrm>
-      </p:grpSpPr>
-      <p:sp>
-        <p:nvSpPr>
-          <p:cNvPr id="2" name="Slide Image Placeholder 1"/>
-          <p:cNvSpPr>
-            <a:spLocks noGrp="1" noRot="1" noChangeAspect="1"/>
-          </p:cNvSpPr>
-          <p:nvPr>
-            <p:ph type="sldImg"/>
-          </p:nvPr>
-        </p:nvSpPr>
-        <p:spPr/>
-      </p:sp>
-      <p:sp>
-        <p:nvSpPr>
-          <p:cNvPr id="3" name="Notes Placeholder 2"/>
-          <p:cNvSpPr>
-            <a:spLocks noGrp="1"/>
-          </p:cNvSpPr>
-          <p:nvPr>
-            <p:ph type="body" idx="1"/>
-          </p:nvPr>
-        </p:nvSpPr>
-        <p:spPr/>
-        <p:txBody>
-          <a:bodyPr/>
-          <a:lstStyle/>
-          <a:p>
-            <a:endParaRPr lang="en-US" dirty="0"/>
-          </a:p>
-        </p:txBody>
-      </p:sp>
-      <p:sp>
-        <p:nvSpPr>
-          <p:cNvPr id="7" name="Slide Number Placeholder 5">
-            <a:extLst>
-              <a:ext uri="{FF2B5EF4-FFF2-40B4-BE49-F238E27FC236}">
-                <a16:creationId xmlns:a16="http://schemas.microsoft.com/office/drawing/2014/main" id="{5049B984-F964-47FF-8179-0A3007CE21CD}"/>
-              </a:ext>
-            </a:extLst>
-          </p:cNvPr>
-          <p:cNvSpPr txBox="1">
-            <a:spLocks/>
-          </p:cNvSpPr>
-          <p:nvPr/>
-        </p:nvSpPr>
-        <p:spPr>
-          <a:xfrm>
-            <a:off x="6488999" y="8847000"/>
-            <a:ext cx="367414" cy="297000"/>
-          </a:xfrm>
-          <a:prstGeom prst="rect">
-            <a:avLst/>
-          </a:prstGeom>
-        </p:spPr>
-        <p:txBody>
-          <a:bodyPr vert="horz" lIns="91440" tIns="45720" rIns="91440" bIns="45720" rtlCol="0" anchor="b"/>
-          <a:lstStyle>
-            <a:defPPr>
-              <a:defRPr lang="en-US"/>
-            </a:defPPr>
-            <a:lvl1pPr marL="0" algn="r" defTabSz="914400" rtl="0" eaLnBrk="1" latinLnBrk="0" hangingPunct="1">
-              <a:defRPr sz="1200" kern="1200">
-                <a:solidFill>
-                  <a:schemeClr val="tx1"/>
-                </a:solidFill>
-                <a:latin typeface="+mn-lt"/>
-                <a:ea typeface="+mn-ea"/>
-                <a:cs typeface="+mn-cs"/>
-              </a:defRPr>
-            </a:lvl1pPr>
-            <a:lvl2pPr marL="457200" algn="l" defTabSz="914400" rtl="0" eaLnBrk="1" latinLnBrk="0" hangingPunct="1">
-              <a:defRPr sz="1800" kern="1200">
-                <a:solidFill>
-                  <a:schemeClr val="tx1"/>
-                </a:solidFill>
-                <a:latin typeface="+mn-lt"/>
-                <a:ea typeface="+mn-ea"/>
-                <a:cs typeface="+mn-cs"/>
-              </a:defRPr>
-            </a:lvl2pPr>
-            <a:lvl3pPr marL="914400" algn="l" defTabSz="914400" rtl="0" eaLnBrk="1" latinLnBrk="0" hangingPunct="1">
-              <a:defRPr sz="1800" kern="1200">
-                <a:solidFill>
-                  <a:schemeClr val="tx1"/>
-                </a:solidFill>
-                <a:latin typeface="+mn-lt"/>
-                <a:ea typeface="+mn-ea"/>
-                <a:cs typeface="+mn-cs"/>
-              </a:defRPr>
-            </a:lvl3pPr>
-            <a:lvl4pPr marL="1371600" algn="l" defTabSz="914400" rtl="0" eaLnBrk="1" latinLnBrk="0" hangingPunct="1">
-              <a:defRPr sz="1800" kern="1200">
-                <a:solidFill>
-                  <a:schemeClr val="tx1"/>
-                </a:solidFill>
-                <a:latin typeface="+mn-lt"/>
-                <a:ea typeface="+mn-ea"/>
-                <a:cs typeface="+mn-cs"/>
-              </a:defRPr>
-            </a:lvl4pPr>
-            <a:lvl5pPr marL="1828800" algn="l" defTabSz="914400" rtl="0" eaLnBrk="1" latinLnBrk="0" hangingPunct="1">
-              <a:defRPr sz="1800" kern="1200">
-                <a:solidFill>
-                  <a:schemeClr val="tx1"/>
-                </a:solidFill>
-                <a:latin typeface="+mn-lt"/>
-                <a:ea typeface="+mn-ea"/>
-                <a:cs typeface="+mn-cs"/>
-              </a:defRPr>
-            </a:lvl5pPr>
-            <a:lvl6pPr marL="2286000" algn="l" defTabSz="914400" rtl="0" eaLnBrk="1" latinLnBrk="0" hangingPunct="1">
-              <a:defRPr sz="1800" kern="1200">
-                <a:solidFill>
-                  <a:schemeClr val="tx1"/>
-                </a:solidFill>
-                <a:latin typeface="+mn-lt"/>
-                <a:ea typeface="+mn-ea"/>
-                <a:cs typeface="+mn-cs"/>
-              </a:defRPr>
-            </a:lvl6pPr>
-            <a:lvl7pPr marL="2743200" algn="l" defTabSz="914400" rtl="0" eaLnBrk="1" latinLnBrk="0" hangingPunct="1">
-              <a:defRPr sz="1800" kern="1200">
-                <a:solidFill>
-                  <a:schemeClr val="tx1"/>
-                </a:solidFill>
-                <a:latin typeface="+mn-lt"/>
-                <a:ea typeface="+mn-ea"/>
-                <a:cs typeface="+mn-cs"/>
-              </a:defRPr>
-            </a:lvl7pPr>
-            <a:lvl8pPr marL="3200400" algn="l" defTabSz="914400" rtl="0" eaLnBrk="1" latinLnBrk="0" hangingPunct="1">
-              <a:defRPr sz="1800" kern="1200">
-                <a:solidFill>
-                  <a:schemeClr val="tx1"/>
-                </a:solidFill>
-                <a:latin typeface="+mn-lt"/>
-                <a:ea typeface="+mn-ea"/>
-                <a:cs typeface="+mn-cs"/>
-              </a:defRPr>
-            </a:lvl8pPr>
-            <a:lvl9pPr marL="3657600" algn="l" defTabSz="914400" rtl="0" eaLnBrk="1" latinLnBrk="0" hangingPunct="1">
-              <a:defRPr sz="1800" kern="1200">
-                <a:solidFill>
-                  <a:schemeClr val="tx1"/>
-                </a:solidFill>
-                <a:latin typeface="+mn-lt"/>
-                <a:ea typeface="+mn-ea"/>
-                <a:cs typeface="+mn-cs"/>
-              </a:defRPr>
-            </a:lvl9pPr>
-          </a:lstStyle>
-          <a:p>
-            <a:fld id="{3EBA5BD7-F043-4D1B-AA17-CD412FC534DE}" type="slidenum">
-              <a:rPr lang="en-US" smtClean="0"/>
-              <a:pPr/>
-              <a:t>44</a:t>
-            </a:fld>
-            <a:endParaRPr lang="en-US" dirty="0"/>
-          </a:p>
-        </p:txBody>
-      </p:sp>
-      <p:sp>
-        <p:nvSpPr>
-          <p:cNvPr id="6" name="Footer Placeholder 7">
-            <a:extLst>
-              <a:ext uri="{FF2B5EF4-FFF2-40B4-BE49-F238E27FC236}">
-                <a16:creationId xmlns:a16="http://schemas.microsoft.com/office/drawing/2014/main" id="{C03AC01D-DF1D-49AC-9458-3F8A046E86E5}"/>
-              </a:ext>
-            </a:extLst>
-          </p:cNvPr>
-          <p:cNvSpPr>
-            <a:spLocks noGrp="1"/>
-          </p:cNvSpPr>
-          <p:nvPr>
-            <p:ph type="ftr" sz="quarter" idx="4"/>
-          </p:nvPr>
-        </p:nvSpPr>
-        <p:spPr>
-          <a:xfrm>
-            <a:off x="-1" y="8847000"/>
-            <a:ext cx="6488999" cy="297000"/>
-          </a:xfrm>
-          <a:prstGeom prst="rect">
-            <a:avLst/>
-          </a:prstGeom>
-        </p:spPr>
-        <p:txBody>
-          <a:bodyPr vert="horz" lIns="91440" tIns="45720" rIns="91440" bIns="45720" rtlCol="0" anchor="b"/>
-          <a:lstStyle>
-            <a:lvl1pPr algn="l">
-              <a:defRPr sz="1100"/>
-            </a:lvl1pPr>
-          </a:lstStyle>
-          <a:p>
-            <a:r>
-              <a:rPr lang="en-US" dirty="0"/>
-              <a:t>© SoftUni – </a:t>
-            </a:r>
-            <a:r>
-              <a:rPr lang="en-US" u="sng" dirty="0">
-                <a:hlinkClick r:id="rId3"/>
-              </a:rPr>
-              <a:t>https://softuni.org</a:t>
-            </a:r>
-            <a:r>
-              <a:rPr lang="en-US" dirty="0"/>
-              <a:t>. Copyrighted document. Unauthorized copy or reproduction is not permitted.</a:t>
-            </a:r>
-          </a:p>
-        </p:txBody>
-      </p:sp>
-    </p:spTree>
-    <p:extLst>
-      <p:ext uri="{BB962C8B-B14F-4D97-AF65-F5344CB8AC3E}">
-        <p14:creationId xmlns:p14="http://schemas.microsoft.com/office/powerpoint/2010/main" val="2039651734"/>
-      </p:ext>
-    </p:extLst>
-  </p:cSld>
-  <p:clrMapOvr>
-    <a:masterClrMapping/>
-  </p:clrMapOvr>
-</p:notes>
-</file>
-
-<file path=ppt/notesSlides/notesSlide15.xml><?xml version="1.0" encoding="utf-8"?>
-<p:notes xmlns:a="http://schemas.openxmlformats.org/drawingml/2006/main" xmlns:r="http://schemas.openxmlformats.org/officeDocument/2006/relationships" xmlns:p="http://schemas.openxmlformats.org/presentationml/2006/main">
-  <p:cSld>
-    <p:spTree>
-      <p:nvGrpSpPr>
-        <p:cNvPr id="1" name=""/>
-        <p:cNvGrpSpPr/>
-        <p:nvPr/>
-      </p:nvGrpSpPr>
-      <p:grpSpPr>
-        <a:xfrm>
-          <a:off x="0" y="0"/>
-          <a:ext cx="0" cy="0"/>
-          <a:chOff x="0" y="0"/>
-          <a:chExt cx="0" cy="0"/>
-        </a:xfrm>
-      </p:grpSpPr>
-      <p:sp>
-        <p:nvSpPr>
-          <p:cNvPr id="2" name="Slide Image Placeholder 1"/>
-          <p:cNvSpPr>
-            <a:spLocks noGrp="1" noRot="1" noChangeAspect="1"/>
-          </p:cNvSpPr>
-          <p:nvPr>
-            <p:ph type="sldImg"/>
-          </p:nvPr>
-        </p:nvSpPr>
-        <p:spPr/>
-      </p:sp>
-      <p:sp>
-        <p:nvSpPr>
-          <p:cNvPr id="3" name="Notes Placeholder 2"/>
-          <p:cNvSpPr>
-            <a:spLocks noGrp="1"/>
-          </p:cNvSpPr>
-          <p:nvPr>
-            <p:ph type="body" idx="1"/>
-          </p:nvPr>
-        </p:nvSpPr>
-        <p:spPr/>
-        <p:txBody>
-          <a:bodyPr/>
-          <a:lstStyle/>
-          <a:p>
             <a:endParaRPr lang="en-US"/>
           </a:p>
         </p:txBody>
@@ -2260,7 +1515,7 @@
           <a:bodyPr/>
           <a:lstStyle/>
           <a:p>
-            <a:endParaRPr lang="en-BG" dirty="0"/>
+            <a:endParaRPr lang="en-US" dirty="0"/>
           </a:p>
         </p:txBody>
       </p:sp>
@@ -2271,7 +1526,7 @@
             <a:spLocks noGrp="1"/>
           </p:cNvSpPr>
           <p:nvPr>
-            <p:ph type="sldNum" sz="quarter" idx="5"/>
+            <p:ph type="sldNum" sz="quarter" idx="10"/>
           </p:nvPr>
         </p:nvSpPr>
         <p:spPr/>
@@ -2279,9 +1534,10 @@
           <a:bodyPr/>
           <a:lstStyle/>
           <a:p>
-            <a:fld id="{2BF067CD-8E6B-4360-9AA8-C5DF2A48A6D1}" type="slidenum">
+            <a:fld id="{3EBA5BD7-F043-4D1B-AA17-CD412FC534DE}" type="slidenum">
               <a:rPr lang="en-US" smtClean="0"/>
-              <a:t>6</a:t>
+              <a:pPr/>
+              <a:t>8</a:t>
             </a:fld>
             <a:endParaRPr lang="en-US" dirty="0"/>
           </a:p>
@@ -2289,7 +1545,13 @@
       </p:sp>
       <p:sp>
         <p:nvSpPr>
-          <p:cNvPr id="5" name="Footer Placeholder 4"/>
+          <p:cNvPr id="6" name="Footer Placeholder 7">
+            <a:extLst>
+              <a:ext uri="{FF2B5EF4-FFF2-40B4-BE49-F238E27FC236}">
+                <a16:creationId xmlns:a16="http://schemas.microsoft.com/office/drawing/2014/main" id="{D1FE9DD6-1A8B-4B0A-8536-3B270BD2824B}"/>
+              </a:ext>
+            </a:extLst>
+          </p:cNvPr>
           <p:cNvSpPr>
             <a:spLocks noGrp="1"/>
           </p:cNvSpPr>
@@ -2297,33 +1559,44 @@
             <p:ph type="ftr" sz="quarter" idx="4"/>
           </p:nvPr>
         </p:nvSpPr>
-        <p:spPr/>
+        <p:spPr>
+          <a:xfrm>
+            <a:off x="-1" y="8847000"/>
+            <a:ext cx="6488999" cy="297000"/>
+          </a:xfrm>
+          <a:prstGeom prst="rect">
+            <a:avLst/>
+          </a:prstGeom>
+        </p:spPr>
         <p:txBody>
-          <a:bodyPr/>
-          <a:lstStyle/>
-          <a:p>
-            <a:r>
-              <a:rPr lang="en-US"/>
+          <a:bodyPr vert="horz" lIns="91440" tIns="45720" rIns="91440" bIns="45720" rtlCol="0" anchor="b"/>
+          <a:lstStyle>
+            <a:lvl1pPr algn="l">
+              <a:defRPr sz="1100"/>
+            </a:lvl1pPr>
+          </a:lstStyle>
+          <a:p>
+            <a:r>
+              <a:rPr lang="en-US" dirty="0"/>
               <a:t>© SoftUni – </a:t>
             </a:r>
             <a:r>
-              <a:rPr lang="en-US" u="sng">
+              <a:rPr lang="en-US" u="sng" dirty="0">
                 <a:hlinkClick r:id="rId3"/>
               </a:rPr>
               <a:t>https://softuni.org</a:t>
             </a:r>
             <a:r>
-              <a:rPr lang="en-US"/>
+              <a:rPr lang="en-US" dirty="0"/>
               <a:t>. Copyrighted document. Unauthorized copy or reproduction is not permitted.</a:t>
             </a:r>
-            <a:endParaRPr lang="en-US" dirty="0"/>
           </a:p>
         </p:txBody>
       </p:sp>
     </p:spTree>
     <p:extLst>
       <p:ext uri="{BB962C8B-B14F-4D97-AF65-F5344CB8AC3E}">
-        <p14:creationId xmlns:p14="http://schemas.microsoft.com/office/powerpoint/2010/main" val="4041157290"/>
+        <p14:creationId xmlns:p14="http://schemas.microsoft.com/office/powerpoint/2010/main" val="4146290454"/>
       </p:ext>
     </p:extLst>
   </p:cSld>
@@ -2377,7 +1650,7 @@
           <a:bodyPr/>
           <a:lstStyle/>
           <a:p>
-            <a:endParaRPr lang="en-BG" dirty="0"/>
+            <a:endParaRPr lang="en-US" dirty="0"/>
           </a:p>
         </p:txBody>
       </p:sp>
@@ -2388,7 +1661,7 @@
             <a:spLocks noGrp="1"/>
           </p:cNvSpPr>
           <p:nvPr>
-            <p:ph type="sldNum" sz="quarter" idx="5"/>
+            <p:ph type="sldNum" sz="quarter" idx="10"/>
           </p:nvPr>
         </p:nvSpPr>
         <p:spPr/>
@@ -2396,9 +1669,10 @@
           <a:bodyPr/>
           <a:lstStyle/>
           <a:p>
-            <a:fld id="{2BF067CD-8E6B-4360-9AA8-C5DF2A48A6D1}" type="slidenum">
+            <a:fld id="{3EBA5BD7-F043-4D1B-AA17-CD412FC534DE}" type="slidenum">
               <a:rPr lang="en-US" smtClean="0"/>
-              <a:t>7</a:t>
+              <a:pPr/>
+              <a:t>11</a:t>
             </a:fld>
             <a:endParaRPr lang="en-US" dirty="0"/>
           </a:p>
@@ -2406,7 +1680,13 @@
       </p:sp>
       <p:sp>
         <p:nvSpPr>
-          <p:cNvPr id="5" name="Footer Placeholder 4"/>
+          <p:cNvPr id="6" name="Footer Placeholder 7">
+            <a:extLst>
+              <a:ext uri="{FF2B5EF4-FFF2-40B4-BE49-F238E27FC236}">
+                <a16:creationId xmlns:a16="http://schemas.microsoft.com/office/drawing/2014/main" id="{3B4DFA43-47D5-497B-9653-4709B4572416}"/>
+              </a:ext>
+            </a:extLst>
+          </p:cNvPr>
           <p:cNvSpPr>
             <a:spLocks noGrp="1"/>
           </p:cNvSpPr>
@@ -2414,33 +1694,44 @@
             <p:ph type="ftr" sz="quarter" idx="4"/>
           </p:nvPr>
         </p:nvSpPr>
-        <p:spPr/>
+        <p:spPr>
+          <a:xfrm>
+            <a:off x="-1" y="8847000"/>
+            <a:ext cx="6488999" cy="297000"/>
+          </a:xfrm>
+          <a:prstGeom prst="rect">
+            <a:avLst/>
+          </a:prstGeom>
+        </p:spPr>
         <p:txBody>
-          <a:bodyPr/>
-          <a:lstStyle/>
-          <a:p>
-            <a:r>
-              <a:rPr lang="en-US"/>
+          <a:bodyPr vert="horz" lIns="91440" tIns="45720" rIns="91440" bIns="45720" rtlCol="0" anchor="b"/>
+          <a:lstStyle>
+            <a:lvl1pPr algn="l">
+              <a:defRPr sz="1100"/>
+            </a:lvl1pPr>
+          </a:lstStyle>
+          <a:p>
+            <a:r>
+              <a:rPr lang="en-US" dirty="0"/>
               <a:t>© SoftUni – </a:t>
             </a:r>
             <a:r>
-              <a:rPr lang="en-US" u="sng">
+              <a:rPr lang="en-US" u="sng" dirty="0">
                 <a:hlinkClick r:id="rId3"/>
               </a:rPr>
               <a:t>https://softuni.org</a:t>
             </a:r>
             <a:r>
-              <a:rPr lang="en-US"/>
+              <a:rPr lang="en-US" dirty="0"/>
               <a:t>. Copyrighted document. Unauthorized copy or reproduction is not permitted.</a:t>
             </a:r>
-            <a:endParaRPr lang="en-US" dirty="0"/>
           </a:p>
         </p:txBody>
       </p:sp>
     </p:spTree>
     <p:extLst>
       <p:ext uri="{BB962C8B-B14F-4D97-AF65-F5344CB8AC3E}">
-        <p14:creationId xmlns:p14="http://schemas.microsoft.com/office/powerpoint/2010/main" val="100796769"/>
+        <p14:creationId xmlns:p14="http://schemas.microsoft.com/office/powerpoint/2010/main" val="924143700"/>
       </p:ext>
     </p:extLst>
   </p:cSld>
@@ -2516,7 +1807,7 @@
             <a:fld id="{3EBA5BD7-F043-4D1B-AA17-CD412FC534DE}" type="slidenum">
               <a:rPr lang="en-US" smtClean="0"/>
               <a:pPr/>
-              <a:t>8</a:t>
+              <a:t>19</a:t>
             </a:fld>
             <a:endParaRPr lang="en-US" dirty="0"/>
           </a:p>
@@ -2527,7 +1818,7 @@
           <p:cNvPr id="6" name="Footer Placeholder 7">
             <a:extLst>
               <a:ext uri="{FF2B5EF4-FFF2-40B4-BE49-F238E27FC236}">
-                <a16:creationId xmlns:a16="http://schemas.microsoft.com/office/drawing/2014/main" id="{D1FE9DD6-1A8B-4B0A-8536-3B270BD2824B}"/>
+                <a16:creationId xmlns:a16="http://schemas.microsoft.com/office/drawing/2014/main" id="{D49EA391-4447-493D-AA4C-66FCD44CB3E4}"/>
               </a:ext>
             </a:extLst>
           </p:cNvPr>
@@ -2575,7 +1866,7 @@
     </p:spTree>
     <p:extLst>
       <p:ext uri="{BB962C8B-B14F-4D97-AF65-F5344CB8AC3E}">
-        <p14:creationId xmlns:p14="http://schemas.microsoft.com/office/powerpoint/2010/main" val="4146290454"/>
+        <p14:creationId xmlns:p14="http://schemas.microsoft.com/office/powerpoint/2010/main" val="2700700720"/>
       </p:ext>
     </p:extLst>
   </p:cSld>
@@ -2651,7 +1942,7 @@
             <a:fld id="{3EBA5BD7-F043-4D1B-AA17-CD412FC534DE}" type="slidenum">
               <a:rPr lang="en-US" smtClean="0"/>
               <a:pPr/>
-              <a:t>11</a:t>
+              <a:t>31</a:t>
             </a:fld>
             <a:endParaRPr lang="en-US" dirty="0"/>
           </a:p>
@@ -2662,7 +1953,7 @@
           <p:cNvPr id="6" name="Footer Placeholder 7">
             <a:extLst>
               <a:ext uri="{FF2B5EF4-FFF2-40B4-BE49-F238E27FC236}">
-                <a16:creationId xmlns:a16="http://schemas.microsoft.com/office/drawing/2014/main" id="{3B4DFA43-47D5-497B-9653-4709B4572416}"/>
+                <a16:creationId xmlns:a16="http://schemas.microsoft.com/office/drawing/2014/main" id="{88DC02A7-7D70-4E63-8E2D-381DBEC499A1}"/>
               </a:ext>
             </a:extLst>
           </p:cNvPr>
@@ -2710,7 +2001,7 @@
     </p:spTree>
     <p:extLst>
       <p:ext uri="{BB962C8B-B14F-4D97-AF65-F5344CB8AC3E}">
-        <p14:creationId xmlns:p14="http://schemas.microsoft.com/office/powerpoint/2010/main" val="924143700"/>
+        <p14:creationId xmlns:p14="http://schemas.microsoft.com/office/powerpoint/2010/main" val="1778616773"/>
       </p:ext>
     </p:extLst>
   </p:cSld>
@@ -2764,18 +2055,18 @@
           <a:bodyPr/>
           <a:lstStyle/>
           <a:p>
-            <a:endParaRPr lang="en-BG" dirty="0"/>
+            <a:endParaRPr lang="en-US" dirty="0"/>
           </a:p>
         </p:txBody>
       </p:sp>
       <p:sp>
         <p:nvSpPr>
-          <p:cNvPr id="4" name="Slide Number Placeholder 3"/>
+          <p:cNvPr id="5" name="Slide Number Placeholder 4"/>
           <p:cNvSpPr>
             <a:spLocks noGrp="1"/>
           </p:cNvSpPr>
           <p:nvPr>
-            <p:ph type="sldNum" sz="quarter" idx="5"/>
+            <p:ph type="sldNum" sz="quarter" idx="11"/>
           </p:nvPr>
         </p:nvSpPr>
         <p:spPr/>
@@ -2783,9 +2074,10 @@
           <a:bodyPr/>
           <a:lstStyle/>
           <a:p>
-            <a:fld id="{2BF067CD-8E6B-4360-9AA8-C5DF2A48A6D1}" type="slidenum">
+            <a:fld id="{3EBA5BD7-F043-4D1B-AA17-CD412FC534DE}" type="slidenum">
               <a:rPr lang="en-US" smtClean="0"/>
-              <a:t>13</a:t>
+              <a:pPr/>
+              <a:t>43</a:t>
             </a:fld>
             <a:endParaRPr lang="en-US" dirty="0"/>
           </a:p>
@@ -2793,7 +2085,13 @@
       </p:sp>
       <p:sp>
         <p:nvSpPr>
-          <p:cNvPr id="5" name="Footer Placeholder 4"/>
+          <p:cNvPr id="6" name="Footer Placeholder 7">
+            <a:extLst>
+              <a:ext uri="{FF2B5EF4-FFF2-40B4-BE49-F238E27FC236}">
+                <a16:creationId xmlns:a16="http://schemas.microsoft.com/office/drawing/2014/main" id="{54A34148-6056-478C-9CDD-88D6360416CE}"/>
+              </a:ext>
+            </a:extLst>
+          </p:cNvPr>
           <p:cNvSpPr>
             <a:spLocks noGrp="1"/>
           </p:cNvSpPr>
@@ -2801,33 +2099,44 @@
             <p:ph type="ftr" sz="quarter" idx="4"/>
           </p:nvPr>
         </p:nvSpPr>
-        <p:spPr/>
+        <p:spPr>
+          <a:xfrm>
+            <a:off x="-1" y="8847000"/>
+            <a:ext cx="6488999" cy="297000"/>
+          </a:xfrm>
+          <a:prstGeom prst="rect">
+            <a:avLst/>
+          </a:prstGeom>
+        </p:spPr>
         <p:txBody>
-          <a:bodyPr/>
-          <a:lstStyle/>
-          <a:p>
-            <a:r>
-              <a:rPr lang="en-US"/>
+          <a:bodyPr vert="horz" lIns="91440" tIns="45720" rIns="91440" bIns="45720" rtlCol="0" anchor="b"/>
+          <a:lstStyle>
+            <a:lvl1pPr algn="l">
+              <a:defRPr sz="1100"/>
+            </a:lvl1pPr>
+          </a:lstStyle>
+          <a:p>
+            <a:r>
+              <a:rPr lang="en-US" dirty="0"/>
               <a:t>© SoftUni – </a:t>
             </a:r>
             <a:r>
-              <a:rPr lang="en-US" u="sng">
+              <a:rPr lang="en-US" u="sng" dirty="0">
                 <a:hlinkClick r:id="rId3"/>
               </a:rPr>
               <a:t>https://softuni.org</a:t>
             </a:r>
             <a:r>
-              <a:rPr lang="en-US"/>
+              <a:rPr lang="en-US" dirty="0"/>
               <a:t>. Copyrighted document. Unauthorized copy or reproduction is not permitted.</a:t>
             </a:r>
-            <a:endParaRPr lang="en-US" dirty="0"/>
           </a:p>
         </p:txBody>
       </p:sp>
     </p:spTree>
     <p:extLst>
       <p:ext uri="{BB962C8B-B14F-4D97-AF65-F5344CB8AC3E}">
-        <p14:creationId xmlns:p14="http://schemas.microsoft.com/office/powerpoint/2010/main" val="387488137"/>
+        <p14:creationId xmlns:p14="http://schemas.microsoft.com/office/powerpoint/2010/main" val="2071545545"/>
       </p:ext>
     </p:extLst>
   </p:cSld>
@@ -2881,29 +2190,135 @@
           <a:bodyPr/>
           <a:lstStyle/>
           <a:p>
-            <a:endParaRPr lang="en-US" dirty="0"/>
+            <a:endParaRPr lang="en-US"/>
           </a:p>
         </p:txBody>
       </p:sp>
       <p:sp>
         <p:nvSpPr>
-          <p:cNvPr id="4" name="Slide Number Placeholder 3"/>
-          <p:cNvSpPr>
-            <a:spLocks noGrp="1"/>
+          <p:cNvPr id="7" name="Slide Number Placeholder 5">
+            <a:extLst>
+              <a:ext uri="{FF2B5EF4-FFF2-40B4-BE49-F238E27FC236}">
+                <a16:creationId xmlns:a16="http://schemas.microsoft.com/office/drawing/2014/main" id="{5049B984-F964-47FF-8179-0A3007CE21CD}"/>
+              </a:ext>
+            </a:extLst>
+          </p:cNvPr>
+          <p:cNvSpPr txBox="1">
+            <a:spLocks/>
           </p:cNvSpPr>
-          <p:nvPr>
-            <p:ph type="sldNum" sz="quarter" idx="10"/>
-          </p:nvPr>
+          <p:nvPr/>
         </p:nvSpPr>
-        <p:spPr/>
+        <p:spPr>
+          <a:xfrm>
+            <a:off x="6488999" y="8847000"/>
+            <a:ext cx="367414" cy="297000"/>
+          </a:xfrm>
+          <a:prstGeom prst="rect">
+            <a:avLst/>
+          </a:prstGeom>
+        </p:spPr>
         <p:txBody>
-          <a:bodyPr/>
-          <a:lstStyle/>
+          <a:bodyPr vert="horz" lIns="91440" tIns="45720" rIns="91440" bIns="45720" rtlCol="0" anchor="b"/>
+          <a:lstStyle>
+            <a:defPPr>
+              <a:defRPr lang="en-US"/>
+            </a:defPPr>
+            <a:lvl1pPr marL="0" algn="r" defTabSz="914400" rtl="0" eaLnBrk="1" latinLnBrk="0" hangingPunct="1">
+              <a:defRPr sz="1200" kern="1200">
+                <a:solidFill>
+                  <a:schemeClr val="tx1"/>
+                </a:solidFill>
+                <a:latin typeface="+mn-lt"/>
+                <a:ea typeface="+mn-ea"/>
+                <a:cs typeface="+mn-cs"/>
+              </a:defRPr>
+            </a:lvl1pPr>
+            <a:lvl2pPr marL="457200" algn="l" defTabSz="914400" rtl="0" eaLnBrk="1" latinLnBrk="0" hangingPunct="1">
+              <a:defRPr sz="1800" kern="1200">
+                <a:solidFill>
+                  <a:schemeClr val="tx1"/>
+                </a:solidFill>
+                <a:latin typeface="+mn-lt"/>
+                <a:ea typeface="+mn-ea"/>
+                <a:cs typeface="+mn-cs"/>
+              </a:defRPr>
+            </a:lvl2pPr>
+            <a:lvl3pPr marL="914400" algn="l" defTabSz="914400" rtl="0" eaLnBrk="1" latinLnBrk="0" hangingPunct="1">
+              <a:defRPr sz="1800" kern="1200">
+                <a:solidFill>
+                  <a:schemeClr val="tx1"/>
+                </a:solidFill>
+                <a:latin typeface="+mn-lt"/>
+                <a:ea typeface="+mn-ea"/>
+                <a:cs typeface="+mn-cs"/>
+              </a:defRPr>
+            </a:lvl3pPr>
+            <a:lvl4pPr marL="1371600" algn="l" defTabSz="914400" rtl="0" eaLnBrk="1" latinLnBrk="0" hangingPunct="1">
+              <a:defRPr sz="1800" kern="1200">
+                <a:solidFill>
+                  <a:schemeClr val="tx1"/>
+                </a:solidFill>
+                <a:latin typeface="+mn-lt"/>
+                <a:ea typeface="+mn-ea"/>
+                <a:cs typeface="+mn-cs"/>
+              </a:defRPr>
+            </a:lvl4pPr>
+            <a:lvl5pPr marL="1828800" algn="l" defTabSz="914400" rtl="0" eaLnBrk="1" latinLnBrk="0" hangingPunct="1">
+              <a:defRPr sz="1800" kern="1200">
+                <a:solidFill>
+                  <a:schemeClr val="tx1"/>
+                </a:solidFill>
+                <a:latin typeface="+mn-lt"/>
+                <a:ea typeface="+mn-ea"/>
+                <a:cs typeface="+mn-cs"/>
+              </a:defRPr>
+            </a:lvl5pPr>
+            <a:lvl6pPr marL="2286000" algn="l" defTabSz="914400" rtl="0" eaLnBrk="1" latinLnBrk="0" hangingPunct="1">
+              <a:defRPr sz="1800" kern="1200">
+                <a:solidFill>
+                  <a:schemeClr val="tx1"/>
+                </a:solidFill>
+                <a:latin typeface="+mn-lt"/>
+                <a:ea typeface="+mn-ea"/>
+                <a:cs typeface="+mn-cs"/>
+              </a:defRPr>
+            </a:lvl6pPr>
+            <a:lvl7pPr marL="2743200" algn="l" defTabSz="914400" rtl="0" eaLnBrk="1" latinLnBrk="0" hangingPunct="1">
+              <a:defRPr sz="1800" kern="1200">
+                <a:solidFill>
+                  <a:schemeClr val="tx1"/>
+                </a:solidFill>
+                <a:latin typeface="+mn-lt"/>
+                <a:ea typeface="+mn-ea"/>
+                <a:cs typeface="+mn-cs"/>
+              </a:defRPr>
+            </a:lvl7pPr>
+            <a:lvl8pPr marL="3200400" algn="l" defTabSz="914400" rtl="0" eaLnBrk="1" latinLnBrk="0" hangingPunct="1">
+              <a:defRPr sz="1800" kern="1200">
+                <a:solidFill>
+                  <a:schemeClr val="tx1"/>
+                </a:solidFill>
+                <a:latin typeface="+mn-lt"/>
+                <a:ea typeface="+mn-ea"/>
+                <a:cs typeface="+mn-cs"/>
+              </a:defRPr>
+            </a:lvl8pPr>
+            <a:lvl9pPr marL="3657600" algn="l" defTabSz="914400" rtl="0" eaLnBrk="1" latinLnBrk="0" hangingPunct="1">
+              <a:defRPr sz="1800" kern="1200">
+                <a:solidFill>
+                  <a:schemeClr val="tx1"/>
+                </a:solidFill>
+                <a:latin typeface="+mn-lt"/>
+                <a:ea typeface="+mn-ea"/>
+                <a:cs typeface="+mn-cs"/>
+              </a:defRPr>
+            </a:lvl9pPr>
+          </a:lstStyle>
           <a:p>
             <a:fld id="{3EBA5BD7-F043-4D1B-AA17-CD412FC534DE}" type="slidenum">
               <a:rPr lang="en-US" smtClean="0"/>
               <a:pPr/>
-              <a:t>19</a:t>
+              <a:t>44</a:t>
             </a:fld>
             <a:endParaRPr lang="en-US" dirty="0"/>
           </a:p>
@@ -2914,7 +2329,7 @@
           <p:cNvPr id="6" name="Footer Placeholder 7">
             <a:extLst>
               <a:ext uri="{FF2B5EF4-FFF2-40B4-BE49-F238E27FC236}">
-                <a16:creationId xmlns:a16="http://schemas.microsoft.com/office/drawing/2014/main" id="{D49EA391-4447-493D-AA4C-66FCD44CB3E4}"/>
+                <a16:creationId xmlns:a16="http://schemas.microsoft.com/office/drawing/2014/main" id="{C03AC01D-DF1D-49AC-9458-3F8A046E86E5}"/>
               </a:ext>
             </a:extLst>
           </p:cNvPr>
@@ -2962,7 +2377,7 @@
     </p:spTree>
     <p:extLst>
       <p:ext uri="{BB962C8B-B14F-4D97-AF65-F5344CB8AC3E}">
-        <p14:creationId xmlns:p14="http://schemas.microsoft.com/office/powerpoint/2010/main" val="2700700720"/>
+        <p14:creationId xmlns:p14="http://schemas.microsoft.com/office/powerpoint/2010/main" val="2039651734"/>
       </p:ext>
     </p:extLst>
   </p:cSld>
@@ -9659,10 +9074,9 @@
           <a:lstStyle/>
           <a:p>
             <a:r>
-              <a:rPr lang="bg-BG" dirty="0"/>
-              <a:t>Видове</a:t>
-            </a:r>
-            <a:endParaRPr lang="en-US" dirty="0"/>
+              <a:rPr lang="en-US" dirty="0"/>
+              <a:t>Types</a:t>
+            </a:r>
           </a:p>
         </p:txBody>
       </p:sp>
@@ -9892,18 +9306,21 @@
               </a:buClr>
             </a:pPr>
             <a:r>
-              <a:rPr lang="bg-BG" sz="3600" dirty="0"/>
-              <a:t>Създаване на </a:t>
-            </a:r>
-            <a:r>
-              <a:rPr lang="bg-BG" sz="3600" b="1" dirty="0">
+              <a:rPr lang="en-US" sz="3600" dirty="0"/>
+              <a:t>Deal with </a:t>
+            </a:r>
+            <a:r>
+              <a:rPr lang="en-US" sz="3600" b="1" dirty="0">
                 <a:solidFill>
                   <a:schemeClr val="bg1"/>
                 </a:solidFill>
               </a:rPr>
-              <a:t>механизми за обекти</a:t>
-            </a:r>
-            <a:endParaRPr lang="en-US" sz="3600" dirty="0"/>
+              <a:t>object creation </a:t>
+            </a:r>
+            <a:r>
+              <a:rPr lang="en-US" sz="3600" dirty="0"/>
+              <a:t>mechanisms</a:t>
+            </a:r>
           </a:p>
           <a:p>
             <a:pPr marL="457200" indent="-457200">
@@ -9915,37 +9332,48 @@
               </a:buClr>
             </a:pPr>
             <a:r>
-              <a:rPr lang="bg-BG" sz="3600" dirty="0"/>
-              <a:t>Създаване на обекти по начин,</a:t>
-            </a:r>
-            <a:r>
-              <a:rPr lang="bg-BG" sz="3600" b="1" dirty="0">
+              <a:rPr lang="en-US" sz="3600" dirty="0"/>
+              <a:t>Trying to create objects in a </a:t>
+            </a:r>
+            <a:r>
+              <a:rPr lang="en-US" sz="3600" b="1" dirty="0">
                 <a:solidFill>
                   <a:schemeClr val="bg1"/>
                 </a:solidFill>
               </a:rPr>
-              <a:t> подходящ</a:t>
+              <a:t>manner</a:t>
+            </a:r>
+            <a:r>
+              <a:rPr lang="en-US" sz="3600" dirty="0"/>
+              <a:t> </a:t>
+            </a:r>
+            <a:r>
+              <a:rPr lang="en-US" sz="3600" b="1" dirty="0">
+                <a:solidFill>
+                  <a:schemeClr val="bg1"/>
+                </a:solidFill>
+              </a:rPr>
+              <a:t>suitable</a:t>
             </a:r>
             <a:br>
               <a:rPr lang="bg-BG" sz="3600" dirty="0"/>
             </a:br>
             <a:r>
+              <a:rPr lang="en-US" sz="3600" dirty="0"/>
+              <a:t>to the</a:t>
+            </a:r>
+            <a:r>
               <a:rPr lang="bg-BG" sz="3600" dirty="0"/>
-              <a:t>за </a:t>
-            </a:r>
-            <a:r>
-              <a:rPr lang="bg-BG" sz="3600" b="1" dirty="0">
+              <a:t> </a:t>
+            </a:r>
+            <a:r>
+              <a:rPr lang="en-US" sz="3600" b="1" dirty="0">
                 <a:solidFill>
                   <a:schemeClr val="bg1"/>
                 </a:solidFill>
               </a:rPr>
-              <a:t>конкретната ситуация</a:t>
-            </a:r>
-            <a:endParaRPr lang="en-US" sz="3600" b="1" dirty="0">
-              <a:solidFill>
-                <a:schemeClr val="bg1"/>
-              </a:solidFill>
-            </a:endParaRPr>
+              <a:t>situation</a:t>
+            </a:r>
           </a:p>
           <a:p>
             <a:pPr marL="457200" indent="-457200">
@@ -9957,10 +9385,9 @@
               </a:buClr>
             </a:pPr>
             <a:r>
-              <a:rPr lang="bg-BG" sz="3600" dirty="0"/>
-              <a:t>Две главни идеи</a:t>
-            </a:r>
-            <a:endParaRPr lang="en-US" sz="3600" dirty="0"/>
+              <a:rPr lang="en-US" sz="3600" dirty="0"/>
+              <a:t>Two main ideas</a:t>
+            </a:r>
           </a:p>
           <a:p>
             <a:pPr marL="990266" lvl="1" indent="-457200">
@@ -9972,22 +9399,24 @@
               </a:buClr>
             </a:pPr>
             <a:r>
-              <a:rPr lang="bg-BG" sz="3400" b="1" dirty="0" err="1">
+              <a:rPr lang="en-US" sz="3400" b="1" dirty="0">
                 <a:solidFill>
                   <a:schemeClr val="bg1"/>
                 </a:solidFill>
               </a:rPr>
-              <a:t>Енкапсулиране</a:t>
+              <a:t>Encapsulating</a:t>
             </a:r>
             <a:r>
               <a:rPr lang="en-US" sz="3400" dirty="0"/>
-              <a:t> </a:t>
-            </a:r>
-            <a:r>
-              <a:rPr lang="bg-BG" sz="3400" dirty="0"/>
-              <a:t>на логика, която класовете използват</a:t>
-            </a:r>
-            <a:endParaRPr lang="en-US" sz="3400" dirty="0"/>
+              <a:t> knowledge about which classes</a:t>
+            </a:r>
+            <a:br>
+              <a:rPr lang="en-US" sz="3400" dirty="0"/>
+            </a:br>
+            <a:r>
+              <a:rPr lang="en-US" sz="3400" dirty="0"/>
+              <a:t>the system uses</a:t>
+            </a:r>
           </a:p>
           <a:p>
             <a:pPr marL="990266" lvl="1" indent="-457200">
@@ -9999,22 +9428,17 @@
               </a:buClr>
             </a:pPr>
             <a:r>
-              <a:rPr lang="bg-BG" sz="3400" b="1" dirty="0">
+              <a:rPr lang="en-US" sz="3400" b="1" dirty="0">
                 <a:solidFill>
                   <a:schemeClr val="bg1"/>
                 </a:solidFill>
               </a:rPr>
-              <a:t>Скриване</a:t>
+              <a:t>Hiding</a:t>
             </a:r>
             <a:r>
               <a:rPr lang="en-US" sz="3400" dirty="0"/>
-              <a:t> </a:t>
-            </a:r>
-            <a:r>
-              <a:rPr lang="bg-BG" sz="3400" dirty="0"/>
-              <a:t>на начина по който инстанциите на класовете са създадени</a:t>
-            </a:r>
-            <a:endParaRPr lang="en-US" sz="3400" dirty="0"/>
+              <a:t> how instances of these classes are created</a:t>
+            </a:r>
           </a:p>
         </p:txBody>
       </p:sp>
@@ -10036,10 +9460,9 @@
           <a:lstStyle/>
           <a:p>
             <a:r>
-              <a:rPr lang="bg-BG" dirty="0"/>
-              <a:t>Цели</a:t>
-            </a:r>
-            <a:endParaRPr lang="en-US" dirty="0"/>
+              <a:rPr lang="en-US" dirty="0"/>
+              <a:t>Purposes</a:t>
+            </a:r>
           </a:p>
         </p:txBody>
       </p:sp>
@@ -10492,17 +9915,10 @@
           <a:lstStyle/>
           <a:p>
             <a:r>
-              <a:rPr lang="bg-BG" dirty="0"/>
-              <a:t>Списък със </a:t>
-            </a:r>
-            <a:r>
               <a:rPr lang="en-US" dirty="0"/>
-              <a:t>Creational Pattern</a:t>
-            </a:r>
-            <a:r>
-              <a:rPr lang="bg-BG" dirty="0"/>
-              <a:t>-и</a:t>
-            </a:r>
+              <a:t>List of Creational Patterns</a:t>
+            </a:r>
+            <a:endParaRPr lang="bg-BG" dirty="0"/>
           </a:p>
         </p:txBody>
       </p:sp>
@@ -10515,7 +9931,7 @@
           <p:nvPr/>
         </p:nvPicPr>
         <p:blipFill>
-          <a:blip r:embed="rId3"/>
+          <a:blip r:embed="rId2"/>
           <a:stretch>
             <a:fillRect/>
           </a:stretch>
@@ -10544,7 +9960,7 @@
           <p:nvPr/>
         </p:nvPicPr>
         <p:blipFill>
-          <a:blip r:embed="rId4"/>
+          <a:blip r:embed="rId3"/>
           <a:stretch>
             <a:fillRect/>
           </a:stretch>
@@ -10573,7 +9989,7 @@
           <p:nvPr/>
         </p:nvPicPr>
         <p:blipFill>
-          <a:blip r:embed="rId5"/>
+          <a:blip r:embed="rId4"/>
           <a:stretch>
             <a:fillRect/>
           </a:stretch>
@@ -10602,7 +10018,7 @@
           <p:nvPr/>
         </p:nvPicPr>
         <p:blipFill>
-          <a:blip r:embed="rId6"/>
+          <a:blip r:embed="rId5"/>
           <a:stretch>
             <a:fillRect/>
           </a:stretch>
@@ -10631,7 +10047,7 @@
           <p:nvPr/>
         </p:nvPicPr>
         <p:blipFill>
-          <a:blip r:embed="rId7">
+          <a:blip r:embed="rId6">
             <a:extLst>
               <a:ext uri="{28A0092B-C50C-407E-A947-70E740481C1C}">
                 <a14:useLocalDpi xmlns:a14="http://schemas.microsoft.com/office/drawing/2010/main" val="0"/>
@@ -11304,74 +10720,43 @@
           <a:lstStyle/>
           <a:p>
             <a:r>
-              <a:rPr lang="bg-BG" sz="3600" dirty="0"/>
-              <a:t>Най-често използваният</a:t>
-            </a:r>
-            <a:r>
               <a:rPr lang="en-GB" sz="3600" dirty="0"/>
-              <a:t> creational design pattern</a:t>
+              <a:t>The most often used creational design pattern</a:t>
             </a:r>
           </a:p>
           <a:p>
             <a:r>
               <a:rPr lang="en-GB" sz="3600" dirty="0"/>
-              <a:t>Singleton </a:t>
-            </a:r>
-            <a:r>
-              <a:rPr lang="bg-BG" sz="3600" dirty="0"/>
-              <a:t>клас</a:t>
-            </a:r>
+              <a:t>A Singleton class is supposed to have </a:t>
+            </a:r>
+            <a:r>
+              <a:rPr lang="en-GB" sz="3600" b="1" dirty="0">
+                <a:solidFill>
+                  <a:schemeClr val="bg1"/>
+                </a:solidFill>
+              </a:rPr>
+              <a:t>only one instance</a:t>
+            </a:r>
+          </a:p>
+          <a:p>
             <a:r>
               <a:rPr lang="en-GB" sz="3600" dirty="0"/>
-              <a:t> </a:t>
-            </a:r>
-            <a:r>
-              <a:rPr lang="bg-BG" sz="3600" dirty="0"/>
-              <a:t>трябва да има </a:t>
-            </a:r>
-            <a:r>
-              <a:rPr lang="bg-BG" sz="3600" b="1" dirty="0">
+              <a:t>It is </a:t>
+            </a:r>
+            <a:r>
+              <a:rPr lang="en-GB" sz="3600" b="1" dirty="0">
                 <a:solidFill>
                   <a:schemeClr val="bg1"/>
                 </a:solidFill>
               </a:rPr>
-              <a:t>само една инстанция</a:t>
-            </a:r>
-            <a:endParaRPr lang="en-GB" sz="3600" b="1" dirty="0">
-              <a:solidFill>
-                <a:schemeClr val="bg1"/>
-              </a:solidFill>
-            </a:endParaRPr>
-          </a:p>
-          <a:p>
-            <a:r>
-              <a:rPr lang="bg-BG" sz="3600" dirty="0"/>
-              <a:t>Не е</a:t>
-            </a:r>
+              <a:t>not a global variable</a:t>
+            </a:r>
+          </a:p>
+          <a:p>
             <a:r>
               <a:rPr lang="en-GB" sz="3600" dirty="0"/>
-              <a:t> </a:t>
-            </a:r>
-            <a:r>
-              <a:rPr lang="bg-BG" sz="3600" b="1" dirty="0">
-                <a:solidFill>
-                  <a:schemeClr val="bg1"/>
-                </a:solidFill>
-              </a:rPr>
-              <a:t>глобална променлива</a:t>
-            </a:r>
-            <a:endParaRPr lang="en-GB" sz="3600" b="1" dirty="0">
-              <a:solidFill>
-                <a:schemeClr val="bg1"/>
-              </a:solidFill>
-            </a:endParaRPr>
-          </a:p>
-          <a:p>
-            <a:r>
-              <a:rPr lang="bg-BG" sz="3600" dirty="0"/>
-              <a:t>Възможни проблеми</a:t>
-            </a:r>
-            <a:endParaRPr lang="en-GB" sz="3600" dirty="0"/>
+              <a:t>Possible problems</a:t>
+            </a:r>
           </a:p>
           <a:p>
             <a:pPr lvl="1"/>
@@ -12257,26 +11642,21 @@
               </a:spcAft>
             </a:pPr>
             <a:r>
-              <a:rPr lang="bg-BG" sz="3600" noProof="1"/>
-              <a:t>„Фабрика“ за </a:t>
-            </a:r>
-            <a:r>
-              <a:rPr lang="bg-BG" sz="3600" b="1" noProof="1">
+              <a:rPr lang="en-US" sz="3600" noProof="1"/>
+              <a:t>Factory for </a:t>
+            </a:r>
+            <a:r>
+              <a:rPr lang="en-US" sz="3600" b="1" noProof="1">
                 <a:solidFill>
                   <a:schemeClr val="bg1"/>
                 </a:solidFill>
               </a:rPr>
-              <a:t>клониране</a:t>
+              <a:t>cloning</a:t>
             </a:r>
             <a:r>
               <a:rPr lang="en-US" sz="3600" noProof="1"/>
-              <a:t> </a:t>
-            </a:r>
-            <a:r>
-              <a:rPr lang="bg-BG" sz="3600" noProof="1"/>
-              <a:t>на нови инстанции от прототип</a:t>
-            </a:r>
-            <a:endParaRPr lang="en-US" sz="3600" noProof="1"/>
+              <a:t> new instances from a prototype</a:t>
+            </a:r>
           </a:p>
           <a:p>
             <a:pPr lvl="1">
@@ -12291,14 +11671,9 @@
               </a:spcAft>
             </a:pPr>
             <a:r>
-              <a:rPr lang="bg-BG" sz="3400" noProof="1"/>
-              <a:t>Създава нови обекти като копира прототипа, вместо с ключовата дума </a:t>
-            </a:r>
-            <a:r>
               <a:rPr lang="en-US" sz="3400" noProof="1"/>
-              <a:t>“new"</a:t>
-            </a:r>
-            <a:endParaRPr lang="bg-BG" sz="3400" noProof="1"/>
+              <a:t>Create new objects by copying this prototype instead of using the "new" keyword</a:t>
+            </a:r>
           </a:p>
           <a:p>
             <a:pPr>
@@ -12325,26 +11700,28 @@
             </a:r>
             <a:r>
               <a:rPr lang="en-US" sz="3600" noProof="1"/>
-              <a:t> </a:t>
-            </a:r>
-            <a:r>
-              <a:rPr lang="bg-BG" sz="3600" noProof="1"/>
-              <a:t>интерфейс</a:t>
-            </a:r>
+              <a:t> interface </a:t>
+            </a:r>
+          </a:p>
+          <a:p>
+            <a:pPr marL="0" indent="0">
+              <a:lnSpc>
+                <a:spcPct val="100000"/>
+              </a:lnSpc>
+              <a:spcBef>
+                <a:spcPts val="400"/>
+              </a:spcBef>
+              <a:spcAft>
+                <a:spcPts val="400"/>
+              </a:spcAft>
+              <a:buClr>
+                <a:schemeClr val="tx2"/>
+              </a:buClr>
+              <a:buNone/>
+            </a:pPr>
             <a:r>
               <a:rPr lang="en-US" sz="3600" noProof="1"/>
-              <a:t> </a:t>
-            </a:r>
-            <a:br>
-              <a:rPr lang="bg-BG" sz="3600" noProof="1"/>
-            </a:br>
-            <a:r>
-              <a:rPr lang="bg-BG" sz="3600" noProof="1"/>
-              <a:t>играе ролята на прототип</a:t>
-            </a:r>
-            <a:r>
-              <a:rPr lang="en-US" sz="3600" noProof="1"/>
-              <a:t> </a:t>
+              <a:t>    acts as Prototype </a:t>
             </a:r>
             <a:endParaRPr lang="en-US" noProof="1"/>
           </a:p>
@@ -12388,8 +11765,8 @@
         </p:blipFill>
         <p:spPr>
           <a:xfrm>
-            <a:off x="5874871" y="2664000"/>
-            <a:ext cx="6133627" cy="3358891"/>
+            <a:off x="4840349" y="2544519"/>
+            <a:ext cx="7091375" cy="3883372"/>
           </a:xfrm>
           <a:prstGeom prst="rect">
             <a:avLst/>
@@ -12513,6 +11890,55 @@
                       </p:childTnLst>
                     </p:cTn>
                   </p:par>
+                  <p:par>
+                    <p:cTn id="7" fill="hold">
+                      <p:stCondLst>
+                        <p:cond delay="indefinite"/>
+                      </p:stCondLst>
+                      <p:childTnLst>
+                        <p:par>
+                          <p:cTn id="8" fill="hold">
+                            <p:stCondLst>
+                              <p:cond delay="0"/>
+                            </p:stCondLst>
+                            <p:childTnLst>
+                              <p:par>
+                                <p:cTn id="9" presetID="1" presetClass="entr" presetSubtype="0" fill="hold" nodeType="clickEffect">
+                                  <p:stCondLst>
+                                    <p:cond delay="0"/>
+                                  </p:stCondLst>
+                                  <p:childTnLst>
+                                    <p:set>
+                                      <p:cBhvr>
+                                        <p:cTn id="10" dur="1" fill="hold">
+                                          <p:stCondLst>
+                                            <p:cond delay="0"/>
+                                          </p:stCondLst>
+                                        </p:cTn>
+                                        <p:tgtEl>
+                                          <p:spTgt spid="3">
+                                            <p:txEl>
+                                              <p:pRg st="3" end="3"/>
+                                            </p:txEl>
+                                          </p:spTgt>
+                                        </p:tgtEl>
+                                        <p:attrNameLst>
+                                          <p:attrName>style.visibility</p:attrName>
+                                        </p:attrNameLst>
+                                      </p:cBhvr>
+                                      <p:to>
+                                        <p:strVal val="visible"/>
+                                      </p:to>
+                                    </p:set>
+                                  </p:childTnLst>
+                                </p:cTn>
+                              </p:par>
+                            </p:childTnLst>
+                          </p:cTn>
+                        </p:par>
+                      </p:childTnLst>
+                    </p:cTn>
+                  </p:par>
                 </p:childTnLst>
               </p:cTn>
               <p:prevCondLst>
@@ -12571,18 +11997,9 @@
           <a:lstStyle/>
           <a:p>
             <a:r>
-              <a:rPr lang="bg-BG" dirty="0"/>
-              <a:t>Абстрактен </a:t>
-            </a:r>
-            <a:r>
               <a:rPr lang="en-US" dirty="0"/>
-              <a:t>Prototype</a:t>
-            </a:r>
-            <a:r>
-              <a:rPr lang="bg-BG" dirty="0"/>
-              <a:t> клас</a:t>
-            </a:r>
-            <a:endParaRPr lang="en-US" dirty="0"/>
+              <a:t>The Prototype Abstract Class</a:t>
+            </a:r>
           </a:p>
         </p:txBody>
       </p:sp>
@@ -13122,18 +12539,9 @@
           <a:lstStyle/>
           <a:p>
             <a:r>
-              <a:rPr lang="bg-BG" dirty="0"/>
-              <a:t>Конкретен </a:t>
-            </a:r>
-            <a:r>
               <a:rPr lang="en-US" dirty="0"/>
-              <a:t>Prototype </a:t>
-            </a:r>
-            <a:r>
-              <a:rPr lang="bg-BG" dirty="0"/>
-              <a:t>клас</a:t>
-            </a:r>
-            <a:endParaRPr lang="en-US" dirty="0"/>
+              <a:t>A Concrete Prototype Class</a:t>
+            </a:r>
           </a:p>
         </p:txBody>
       </p:sp>
@@ -13566,14 +12974,9 @@
           <a:lstStyle/>
           <a:p>
             <a:r>
-              <a:rPr lang="en-GB" dirty="0"/>
-              <a:t>Structural Pattern</a:t>
-            </a:r>
-            <a:r>
-              <a:rPr lang="bg-BG" dirty="0"/>
-              <a:t>-и</a:t>
-            </a:r>
-            <a:endParaRPr lang="en-GB" dirty="0"/>
+              <a:rPr lang="en-GB"/>
+              <a:t>Structural Patterns</a:t>
+            </a:r>
           </a:p>
         </p:txBody>
       </p:sp>
@@ -13644,13 +13047,8 @@
             </a:pPr>
             <a:r>
               <a:rPr lang="en-US" sz="3600" dirty="0"/>
-              <a:t>Design Pattern</a:t>
-            </a:r>
-            <a:r>
-              <a:rPr lang="bg-BG" sz="3600" dirty="0"/>
-              <a:t>-и</a:t>
-            </a:r>
-            <a:endParaRPr lang="en-US" sz="3600" dirty="0"/>
+              <a:t>Design Patterns</a:t>
+            </a:r>
           </a:p>
           <a:p>
             <a:pPr marL="742950" indent="-742950">
@@ -13658,54 +13056,39 @@
               <a:buAutoNum type="arabicPeriod"/>
             </a:pPr>
             <a:r>
-              <a:rPr lang="bg-BG" sz="3600" dirty="0"/>
-              <a:t>Видове </a:t>
-            </a:r>
-            <a:r>
               <a:rPr lang="en-US" sz="3600" dirty="0"/>
-              <a:t>Design Pattern</a:t>
-            </a:r>
-            <a:r>
-              <a:rPr lang="bg-BG" sz="3600" dirty="0"/>
-              <a:t>-и</a:t>
-            </a:r>
-            <a:endParaRPr lang="en-US" sz="3600" dirty="0"/>
-          </a:p>
-          <a:p>
-            <a:pPr lvl="1"/>
-            <a:r>
-              <a:rPr lang="en-US" sz="3400" dirty="0"/>
-              <a:t>Creational Pattern</a:t>
-            </a:r>
-            <a:r>
-              <a:rPr lang="bg-BG" sz="3400" dirty="0"/>
-              <a:t>-и</a:t>
-            </a:r>
-            <a:endParaRPr lang="en-US" sz="3400" dirty="0"/>
-          </a:p>
-          <a:p>
-            <a:pPr lvl="1"/>
-            <a:r>
-              <a:rPr lang="en-US" sz="3400" dirty="0"/>
-              <a:t>Structural Pattern</a:t>
-            </a:r>
-            <a:r>
-              <a:rPr lang="bg-BG" sz="3400" dirty="0"/>
-              <a:t>-и</a:t>
-            </a:r>
-            <a:endParaRPr lang="en-US" sz="3400" dirty="0"/>
-          </a:p>
-          <a:p>
-            <a:pPr lvl="1"/>
-            <a:r>
-              <a:rPr lang="en-US" sz="3400" dirty="0"/>
-              <a:t>Behavioral Pattern</a:t>
-            </a:r>
-            <a:r>
-              <a:rPr lang="bg-BG" sz="3400" dirty="0"/>
-              <a:t>-и</a:t>
-            </a:r>
-            <a:endParaRPr lang="en-US" sz="3400" dirty="0"/>
+              <a:t>Types of Design Patterns</a:t>
+            </a:r>
+          </a:p>
+          <a:p>
+            <a:pPr marL="742950" indent="-742950">
+              <a:buFont typeface="+mj-lt"/>
+              <a:buAutoNum type="arabicPeriod"/>
+            </a:pPr>
+            <a:r>
+              <a:rPr lang="en-US" sz="3600" dirty="0"/>
+              <a:t>Creational Patterns</a:t>
+            </a:r>
+          </a:p>
+          <a:p>
+            <a:pPr marL="742950" indent="-742950">
+              <a:buFont typeface="+mj-lt"/>
+              <a:buAutoNum type="arabicPeriod"/>
+            </a:pPr>
+            <a:r>
+              <a:rPr lang="en-US" sz="3600" dirty="0"/>
+              <a:t>Structural Patterns</a:t>
+            </a:r>
+          </a:p>
+          <a:p>
+            <a:pPr marL="742950" indent="-742950">
+              <a:buFont typeface="+mj-lt"/>
+              <a:buAutoNum type="arabicPeriod"/>
+            </a:pPr>
+            <a:r>
+              <a:rPr lang="en-US" sz="3600" dirty="0"/>
+              <a:t>Behavioral Patterns</a:t>
+            </a:r>
           </a:p>
           <a:p>
             <a:endParaRPr lang="en-US" dirty="0"/>
@@ -13734,8 +13117,8 @@
           <a:lstStyle/>
           <a:p>
             <a:r>
-              <a:rPr lang="bg-BG" dirty="0"/>
-              <a:t>Съдържание</a:t>
+              <a:rPr lang="en-GB" dirty="0"/>
+              <a:t>Table of Contents</a:t>
             </a:r>
             <a:endParaRPr lang="en-US" dirty="0"/>
           </a:p>
@@ -14073,38 +13456,36 @@
               </a:buClr>
             </a:pPr>
             <a:r>
-              <a:rPr lang="bg-BG" sz="3600" dirty="0"/>
-              <a:t>Описват начини за структуриране </a:t>
-            </a:r>
-            <a:r>
-              <a:rPr lang="bg-BG" sz="3600" b="1" dirty="0">
+              <a:rPr lang="en-US" sz="3600" dirty="0"/>
+              <a:t>Describe ways to assemble </a:t>
+            </a:r>
+            <a:r>
+              <a:rPr lang="en-US" sz="3600" b="1" dirty="0">
                 <a:solidFill>
                   <a:schemeClr val="bg1"/>
                 </a:solidFill>
               </a:rPr>
-              <a:t>на обекти</a:t>
+              <a:t>objects</a:t>
             </a:r>
             <a:r>
               <a:rPr lang="en-US" sz="3600" dirty="0"/>
-              <a:t> </a:t>
-            </a:r>
-            <a:r>
-              <a:rPr lang="bg-BG" sz="3600" dirty="0"/>
-              <a:t>, за да се имплементира </a:t>
-            </a:r>
-            <a:r>
-              <a:rPr lang="bg-BG" sz="3600" b="1" dirty="0">
+              <a:t> to implement</a:t>
+            </a:r>
+            <a:br>
+              <a:rPr lang="en-US" sz="3600" dirty="0"/>
+            </a:br>
+            <a:r>
+              <a:rPr lang="en-US" sz="3600" dirty="0"/>
+              <a:t>a </a:t>
+            </a:r>
+            <a:r>
+              <a:rPr lang="en-US" sz="3600" b="1" dirty="0">
                 <a:solidFill>
                   <a:schemeClr val="bg1"/>
                 </a:solidFill>
               </a:rPr>
-              <a:t>нова функционалност</a:t>
-            </a:r>
-            <a:endParaRPr lang="en-US" sz="3600" b="1" dirty="0">
-              <a:solidFill>
-                <a:schemeClr val="bg1"/>
-              </a:solidFill>
-            </a:endParaRPr>
+              <a:t>new functionality</a:t>
+            </a:r>
           </a:p>
           <a:p>
             <a:pPr marL="457200" indent="-457200">
@@ -14116,34 +13497,28 @@
               </a:buClr>
             </a:pPr>
             <a:r>
-              <a:rPr lang="bg-BG" sz="3600" dirty="0"/>
-              <a:t>Улесняват дизайна като идентифицират лесен начин за осъществяване на </a:t>
-            </a:r>
-            <a:r>
-              <a:rPr lang="bg-BG" sz="3600" b="1" dirty="0">
+              <a:rPr lang="en-US" sz="3600" dirty="0"/>
+              <a:t>Ease the design by identifying a simple way to</a:t>
+            </a:r>
+            <a:br>
+              <a:rPr lang="en-US" sz="3600" dirty="0"/>
+            </a:br>
+            <a:r>
+              <a:rPr lang="en-US" sz="3600" dirty="0"/>
+              <a:t>realize </a:t>
+            </a:r>
+            <a:r>
+              <a:rPr lang="en-US" sz="3600" b="1" dirty="0">
                 <a:solidFill>
                   <a:schemeClr val="bg1"/>
                 </a:solidFill>
               </a:rPr>
-              <a:t>връзка</a:t>
+              <a:t>relationship</a:t>
             </a:r>
             <a:r>
               <a:rPr lang="en-US" sz="3600" dirty="0"/>
-              <a:t> </a:t>
-            </a:r>
-            <a:r>
-              <a:rPr lang="bg-BG" sz="3600" dirty="0"/>
-              <a:t>между</a:t>
-            </a:r>
-            <a:r>
-              <a:rPr lang="en-US" sz="3600" dirty="0"/>
-              <a:t> </a:t>
-            </a:r>
-            <a:r>
-              <a:rPr lang="bg-BG" sz="3600" dirty="0"/>
-              <a:t>елементите</a:t>
-            </a:r>
-            <a:endParaRPr lang="en-US" sz="3600" dirty="0"/>
+              <a:t> between entities</a:t>
+            </a:r>
           </a:p>
           <a:p>
             <a:pPr marL="457200" indent="-457200">
@@ -14155,34 +13530,9 @@
               </a:buClr>
             </a:pPr>
             <a:r>
-              <a:rPr lang="bg-BG" sz="3600" dirty="0"/>
-              <a:t>Всичко за класова</a:t>
-            </a:r>
-            <a:r>
               <a:rPr lang="en-US" sz="3600" dirty="0"/>
-              <a:t> </a:t>
-            </a:r>
-            <a:r>
-              <a:rPr lang="bg-BG" sz="3600" dirty="0"/>
-              <a:t>и</a:t>
-            </a:r>
-            <a:r>
-              <a:rPr lang="en-US" sz="3600" dirty="0"/>
-              <a:t> </a:t>
-            </a:r>
-            <a:r>
-              <a:rPr lang="bg-BG" sz="3600" dirty="0"/>
-              <a:t>обектна</a:t>
-            </a:r>
-            <a:r>
-              <a:rPr lang="en-US" sz="3600" dirty="0"/>
-              <a:t> </a:t>
-            </a:r>
-            <a:r>
-              <a:rPr lang="bg-BG" sz="3600" dirty="0"/>
-              <a:t>композиция</a:t>
-            </a:r>
-            <a:endParaRPr lang="en-US" sz="3600" dirty="0"/>
+              <a:t>All about Class and Object composition</a:t>
+            </a:r>
           </a:p>
           <a:p>
             <a:pPr marL="990266" lvl="1" indent="-457200">
@@ -14194,18 +13544,17 @@
               </a:buClr>
             </a:pPr>
             <a:r>
-              <a:rPr lang="bg-BG" sz="3400" b="1" dirty="0">
+              <a:rPr lang="en-US" sz="3400" b="1" dirty="0">
                 <a:solidFill>
                   <a:schemeClr val="bg1"/>
                 </a:solidFill>
               </a:rPr>
-              <a:t>Наследственост</a:t>
-            </a:r>
-            <a:r>
-              <a:rPr lang="bg-BG" sz="3400" dirty="0"/>
-              <a:t>, за да се композират интерфейси</a:t>
-            </a:r>
-            <a:endParaRPr lang="en-US" sz="3400" dirty="0"/>
+              <a:t>Inheritance</a:t>
+            </a:r>
+            <a:r>
+              <a:rPr lang="en-US" sz="3400" dirty="0"/>
+              <a:t> to compose interfaces</a:t>
+            </a:r>
           </a:p>
           <a:p>
             <a:pPr marL="990266" lvl="1" indent="-457200">
@@ -14217,22 +13566,17 @@
               </a:buClr>
             </a:pPr>
             <a:r>
-              <a:rPr lang="bg-BG" sz="3400" dirty="0"/>
-              <a:t>Начини да се композират обекти, за да се получи </a:t>
-            </a:r>
-            <a:r>
-              <a:rPr lang="bg-BG" sz="3400" b="1" dirty="0">
+              <a:rPr lang="en-US" sz="3400" dirty="0"/>
+              <a:t>Ways to compose objects to obtain </a:t>
+            </a:r>
+            <a:r>
+              <a:rPr lang="en-US" sz="3400" b="1" dirty="0">
                 <a:solidFill>
                   <a:schemeClr val="bg1"/>
                 </a:solidFill>
               </a:rPr>
-              <a:t>нова функционалност</a:t>
-            </a:r>
-            <a:endParaRPr lang="en-US" sz="3400" b="1" dirty="0">
-              <a:solidFill>
-                <a:schemeClr val="bg1"/>
-              </a:solidFill>
-            </a:endParaRPr>
+              <a:t>new functionality</a:t>
+            </a:r>
           </a:p>
         </p:txBody>
       </p:sp>
@@ -14254,10 +13598,9 @@
           <a:lstStyle/>
           <a:p>
             <a:r>
-              <a:rPr lang="bg-BG" dirty="0"/>
-              <a:t>Цели</a:t>
-            </a:r>
-            <a:endParaRPr lang="en-US" dirty="0"/>
+              <a:rPr lang="en-US" dirty="0"/>
+              <a:t>Purposes</a:t>
+            </a:r>
           </a:p>
         </p:txBody>
       </p:sp>
@@ -14625,25 +13968,10 @@
           <a:lstStyle/>
           <a:p>
             <a:r>
-              <a:rPr lang="bg-BG" dirty="0"/>
-              <a:t>Списък</a:t>
-            </a:r>
-            <a:r>
               <a:rPr lang="en-US" dirty="0"/>
-              <a:t> </a:t>
-            </a:r>
-            <a:r>
-              <a:rPr lang="bg-BG" dirty="0"/>
-              <a:t>от</a:t>
-            </a:r>
-            <a:r>
-              <a:rPr lang="en-US" dirty="0"/>
-              <a:t> Structural Pattern</a:t>
-            </a:r>
-            <a:r>
-              <a:rPr lang="bg-BG" dirty="0"/>
-              <a:t>-и</a:t>
-            </a:r>
+              <a:t>List of Structural Patterns</a:t>
+            </a:r>
+            <a:endParaRPr lang="bg-BG" dirty="0"/>
           </a:p>
         </p:txBody>
       </p:sp>
@@ -15514,26 +14842,28 @@
           <a:lstStyle/>
           <a:p>
             <a:r>
-              <a:rPr lang="bg-BG" sz="3400" dirty="0"/>
-              <a:t>Дава</a:t>
-            </a:r>
-            <a:r>
-              <a:rPr lang="en-GB" sz="3400" dirty="0"/>
-              <a:t> </a:t>
-            </a:r>
-            <a:r>
-              <a:rPr lang="bg-BG" sz="3400" b="1" dirty="0">
+              <a:rPr lang="en-GB" sz="3600" dirty="0"/>
+              <a:t>Provides a </a:t>
+            </a:r>
+            <a:r>
+              <a:rPr lang="en-GB" sz="3600" b="1" dirty="0">
                 <a:solidFill>
                   <a:schemeClr val="bg1"/>
                 </a:solidFill>
               </a:rPr>
-              <a:t>унифициран интерфейс </a:t>
-            </a:r>
-            <a:r>
-              <a:rPr lang="bg-BG" sz="3400" dirty="0"/>
-              <a:t>на група от интерфейси</a:t>
-            </a:r>
-            <a:endParaRPr lang="en-GB" sz="3400" dirty="0"/>
+              <a:t>unified interface </a:t>
+            </a:r>
+            <a:r>
+              <a:rPr lang="en-GB" sz="3600" dirty="0"/>
+              <a:t>to a set of interfaces</a:t>
+            </a:r>
+            <a:br>
+              <a:rPr lang="en-GB" sz="3600" dirty="0"/>
+            </a:br>
+            <a:r>
+              <a:rPr lang="en-GB" sz="3600" dirty="0"/>
+              <a:t>in a subsystem</a:t>
+            </a:r>
           </a:p>
         </p:txBody>
       </p:sp>
@@ -15580,8 +14910,8 @@
         </p:blipFill>
         <p:spPr bwMode="auto">
           <a:xfrm>
-            <a:off x="4867374" y="3339000"/>
-            <a:ext cx="3345491" cy="3375000"/>
+            <a:off x="4465916" y="2884269"/>
+            <a:ext cx="3796246" cy="3829731"/>
           </a:xfrm>
           <a:prstGeom prst="rect">
             <a:avLst/>
@@ -15619,8 +14949,8 @@
         </p:blipFill>
         <p:spPr bwMode="auto">
           <a:xfrm>
-            <a:off x="8681700" y="3328866"/>
-            <a:ext cx="3305591" cy="3375000"/>
+            <a:off x="8285030" y="2874135"/>
+            <a:ext cx="3750970" cy="3829731"/>
           </a:xfrm>
           <a:prstGeom prst="rect">
             <a:avLst/>
@@ -15653,7 +14983,7 @@
         </p:nvSpPr>
         <p:spPr>
           <a:xfrm>
-            <a:off x="168300" y="2079000"/>
+            <a:off x="190402" y="2394000"/>
             <a:ext cx="6220598" cy="3375000"/>
           </a:xfrm>
           <a:prstGeom prst="rect">
@@ -15833,22 +15163,21 @@
           </a:lstStyle>
           <a:p>
             <a:r>
-              <a:rPr lang="bg-BG" sz="3400" dirty="0"/>
-              <a:t>Дефинира </a:t>
-            </a:r>
-            <a:r>
-              <a:rPr lang="bg-BG" sz="3400" b="1" dirty="0">
+              <a:rPr lang="en-GB" sz="3600" dirty="0"/>
+              <a:t>Defines a </a:t>
+            </a:r>
+            <a:r>
+              <a:rPr lang="en-GB" sz="3600" b="1" dirty="0">
                 <a:solidFill>
                   <a:schemeClr val="bg1"/>
                 </a:solidFill>
               </a:rPr>
-              <a:t>интерфейс от по-висок ред</a:t>
-            </a:r>
-            <a:r>
-              <a:rPr lang="bg-BG" sz="3400" dirty="0"/>
-              <a:t>, който прави подсистемата по-лесна за ползване</a:t>
-            </a:r>
-            <a:endParaRPr lang="en-GB" sz="3400" dirty="0"/>
+              <a:t>higher-level interface </a:t>
+            </a:r>
+            <a:r>
+              <a:rPr lang="en-GB" sz="3600" dirty="0"/>
+              <a:t>that makes the subsystem easier to use</a:t>
+            </a:r>
           </a:p>
         </p:txBody>
       </p:sp>
@@ -16028,15 +15357,7 @@
           <a:p>
             <a:r>
               <a:rPr lang="en-US" dirty="0"/>
-              <a:t>Façade </a:t>
-            </a:r>
-            <a:r>
-              <a:rPr lang="bg-BG" dirty="0"/>
-              <a:t>клас</a:t>
-            </a:r>
-            <a:r>
-              <a:rPr lang="en-US" dirty="0"/>
-              <a:t> (1)</a:t>
+              <a:t>The Façade Class (1)</a:t>
             </a:r>
           </a:p>
         </p:txBody>
@@ -16474,15 +15795,7 @@
           <a:p>
             <a:r>
               <a:rPr lang="en-US" dirty="0"/>
-              <a:t>Façade </a:t>
-            </a:r>
-            <a:r>
-              <a:rPr lang="bg-BG" dirty="0"/>
-              <a:t>клас</a:t>
-            </a:r>
-            <a:r>
-              <a:rPr lang="en-US" dirty="0"/>
-              <a:t> (2)</a:t>
+              <a:t>The Façade Class (2)</a:t>
             </a:r>
           </a:p>
         </p:txBody>
@@ -17086,14 +16399,9 @@
           <a:lstStyle/>
           <a:p>
             <a:r>
-              <a:rPr lang="bg-BG" dirty="0" err="1"/>
-              <a:t>Подсистемни</a:t>
-            </a:r>
-            <a:r>
-              <a:rPr lang="bg-BG" dirty="0"/>
-              <a:t> класове</a:t>
-            </a:r>
-            <a:endParaRPr lang="en-US" dirty="0"/>
+              <a:rPr lang="en-US" dirty="0"/>
+              <a:t>Subsystem Classes</a:t>
+            </a:r>
           </a:p>
         </p:txBody>
       </p:sp>
@@ -17751,9 +17059,7 @@
         </p:nvSpPr>
         <p:spPr/>
         <p:txBody>
-          <a:bodyPr>
-            <a:normAutofit/>
-          </a:bodyPr>
+          <a:bodyPr/>
           <a:lstStyle/>
           <a:p>
             <a:pPr>
@@ -17762,26 +17068,21 @@
               </a:lnSpc>
             </a:pPr>
             <a:r>
-              <a:rPr lang="bg-BG" sz="2800" dirty="0"/>
-              <a:t>Позволява </a:t>
-            </a:r>
-            <a:r>
-              <a:rPr lang="bg-BG" sz="2800" b="1" dirty="0">
+              <a:rPr lang="en-GB" dirty="0"/>
+              <a:t>Allows to </a:t>
+            </a:r>
+            <a:r>
+              <a:rPr lang="en-GB" b="1" dirty="0">
                 <a:solidFill>
                   <a:schemeClr val="bg1"/>
                 </a:solidFill>
               </a:rPr>
-              <a:t>комбинирането</a:t>
-            </a:r>
-            <a:r>
-              <a:rPr lang="en-GB" sz="2800" dirty="0"/>
-              <a:t> </a:t>
-            </a:r>
-            <a:r>
-              <a:rPr lang="bg-BG" sz="2800" dirty="0"/>
-              <a:t>на различни типове обекти в дървовидни структури</a:t>
-            </a:r>
-            <a:endParaRPr lang="en-US" sz="2800" dirty="0"/>
+              <a:t>combine</a:t>
+            </a:r>
+            <a:r>
+              <a:rPr lang="en-GB" dirty="0"/>
+              <a:t> different types of objects in tree structures</a:t>
+            </a:r>
           </a:p>
           <a:p>
             <a:pPr>
@@ -17790,84 +17091,28 @@
               </a:lnSpc>
             </a:pPr>
             <a:r>
-              <a:rPr lang="bg-BG" sz="2800" dirty="0"/>
-              <a:t>Използва се когато</a:t>
-            </a:r>
-          </a:p>
-          <a:p>
-            <a:pPr lvl="1">
+              <a:rPr lang="en-GB" dirty="0"/>
+              <a:t>Gives the possibility to treat the </a:t>
+            </a:r>
+            <a:r>
+              <a:rPr lang="en-GB" b="1" dirty="0">
+                <a:solidFill>
+                  <a:schemeClr val="bg1"/>
+                </a:solidFill>
+              </a:rPr>
+              <a:t>same object(s)</a:t>
+            </a:r>
+          </a:p>
+          <a:p>
+            <a:pPr>
               <a:lnSpc>
                 <a:spcPct val="100000"/>
               </a:lnSpc>
             </a:pPr>
             <a:r>
-              <a:rPr lang="bg-BG" sz="2800" dirty="0"/>
-              <a:t>Имате различни</a:t>
-            </a:r>
-            <a:br>
-              <a:rPr lang="bg-BG" sz="2800" dirty="0"/>
-            </a:br>
-            <a:r>
-              <a:rPr lang="bg-BG" sz="2800" dirty="0"/>
-              <a:t>обекти, които </a:t>
-            </a:r>
-            <a:br>
-              <a:rPr lang="bg-BG" sz="2800" dirty="0"/>
-            </a:br>
-            <a:r>
-              <a:rPr lang="bg-BG" sz="2800" dirty="0"/>
-              <a:t>искате да </a:t>
-            </a:r>
-            <a:r>
-              <a:rPr lang="bg-BG" sz="2800" b="1" dirty="0">
-                <a:solidFill>
-                  <a:schemeClr val="bg1"/>
-                </a:solidFill>
-              </a:rPr>
-              <a:t>третирате </a:t>
-            </a:r>
-            <a:br>
-              <a:rPr lang="bg-BG" sz="2800" b="1" dirty="0">
-                <a:solidFill>
-                  <a:schemeClr val="bg1"/>
-                </a:solidFill>
-              </a:rPr>
-            </a:br>
-            <a:r>
-              <a:rPr lang="bg-BG" sz="2800" b="1" dirty="0">
-                <a:solidFill>
-                  <a:schemeClr val="bg1"/>
-                </a:solidFill>
-              </a:rPr>
-              <a:t>по еднакъв начин</a:t>
-            </a:r>
-          </a:p>
-          <a:p>
-            <a:pPr lvl="1">
-              <a:lnSpc>
-                <a:spcPct val="100000"/>
-              </a:lnSpc>
-            </a:pPr>
-            <a:r>
-              <a:rPr lang="bg-BG" sz="2800" dirty="0"/>
-              <a:t>Искате да представите</a:t>
-            </a:r>
-            <a:br>
-              <a:rPr lang="bg-BG" sz="2800" dirty="0"/>
-            </a:br>
-            <a:r>
-              <a:rPr lang="bg-BG" sz="2800" b="1" dirty="0">
-                <a:solidFill>
-                  <a:schemeClr val="bg1"/>
-                </a:solidFill>
-              </a:rPr>
-              <a:t>йерархия</a:t>
-            </a:r>
-            <a:r>
-              <a:rPr lang="bg-BG" sz="2800" dirty="0"/>
-              <a:t> от обекти</a:t>
-            </a:r>
-            <a:endParaRPr lang="en-GB" sz="2800" dirty="0"/>
+              <a:rPr lang="en-GB" dirty="0"/>
+              <a:t>Used when</a:t>
+            </a:r>
           </a:p>
         </p:txBody>
       </p:sp>
@@ -17909,14 +17154,252 @@
         </p:blipFill>
         <p:spPr>
           <a:xfrm>
-            <a:off x="4705800" y="2647533"/>
-            <a:ext cx="7413377" cy="3431994"/>
+            <a:off x="3933332" y="2646715"/>
+            <a:ext cx="8131139" cy="3764279"/>
           </a:xfrm>
           <a:prstGeom prst="rect">
             <a:avLst/>
           </a:prstGeom>
         </p:spPr>
       </p:pic>
+      <p:sp>
+        <p:nvSpPr>
+          <p:cNvPr id="10" name="Text Placeholder 2">
+            <a:extLst>
+              <a:ext uri="{FF2B5EF4-FFF2-40B4-BE49-F238E27FC236}">
+                <a16:creationId xmlns:a16="http://schemas.microsoft.com/office/drawing/2014/main" id="{D7B8E157-6C8A-4802-A6DE-28D4534C00E0}"/>
+              </a:ext>
+            </a:extLst>
+          </p:cNvPr>
+          <p:cNvSpPr txBox="1">
+            <a:spLocks/>
+          </p:cNvSpPr>
+          <p:nvPr/>
+        </p:nvSpPr>
+        <p:spPr>
+          <a:xfrm>
+            <a:off x="0" y="3204000"/>
+            <a:ext cx="5286000" cy="3206994"/>
+          </a:xfrm>
+          <a:prstGeom prst="rect">
+            <a:avLst/>
+          </a:prstGeom>
+        </p:spPr>
+        <p:txBody>
+          <a:bodyPr vert="horz" lIns="108000" tIns="36000" rIns="108000" bIns="36000" rtlCol="0">
+            <a:normAutofit/>
+          </a:bodyPr>
+          <a:lstStyle>
+            <a:lvl1pPr marL="360363" indent="-360363" algn="l" defTabSz="1218438" rtl="0" eaLnBrk="1" latinLnBrk="0" hangingPunct="1">
+              <a:lnSpc>
+                <a:spcPct val="105000"/>
+              </a:lnSpc>
+              <a:spcBef>
+                <a:spcPts val="600"/>
+              </a:spcBef>
+              <a:spcAft>
+                <a:spcPts val="600"/>
+              </a:spcAft>
+              <a:buFont typeface="Wingdings" panose="05000000000000000000" pitchFamily="2" charset="2"/>
+              <a:buChar char="§"/>
+              <a:defRPr sz="3398" kern="1200">
+                <a:solidFill>
+                  <a:schemeClr val="tx1"/>
+                </a:solidFill>
+                <a:latin typeface="+mn-lt"/>
+                <a:ea typeface="+mn-ea"/>
+                <a:cs typeface="+mn-cs"/>
+              </a:defRPr>
+            </a:lvl1pPr>
+            <a:lvl2pPr marL="803275" indent="-360363" algn="l" defTabSz="1218438" rtl="0" eaLnBrk="1" latinLnBrk="0" hangingPunct="1">
+              <a:lnSpc>
+                <a:spcPct val="105000"/>
+              </a:lnSpc>
+              <a:spcBef>
+                <a:spcPts val="600"/>
+              </a:spcBef>
+              <a:spcAft>
+                <a:spcPts val="600"/>
+              </a:spcAft>
+              <a:buFont typeface="Wingdings" panose="05000000000000000000" pitchFamily="2" charset="2"/>
+              <a:buChar char="§"/>
+              <a:defRPr sz="3198" kern="1200">
+                <a:solidFill>
+                  <a:schemeClr val="tx1"/>
+                </a:solidFill>
+                <a:latin typeface="+mn-lt"/>
+                <a:ea typeface="+mn-ea"/>
+                <a:cs typeface="+mn-cs"/>
+              </a:defRPr>
+            </a:lvl2pPr>
+            <a:lvl3pPr marL="1255713" indent="-360363" algn="l" defTabSz="1218438" rtl="0" eaLnBrk="1" latinLnBrk="0" hangingPunct="1">
+              <a:lnSpc>
+                <a:spcPct val="105000"/>
+              </a:lnSpc>
+              <a:spcBef>
+                <a:spcPts val="600"/>
+              </a:spcBef>
+              <a:spcAft>
+                <a:spcPts val="600"/>
+              </a:spcAft>
+              <a:buFont typeface="Wingdings" panose="05000000000000000000" pitchFamily="2" charset="2"/>
+              <a:buChar char="§"/>
+              <a:defRPr sz="2998" kern="1200">
+                <a:solidFill>
+                  <a:schemeClr val="tx1"/>
+                </a:solidFill>
+                <a:latin typeface="+mn-lt"/>
+                <a:ea typeface="+mn-ea"/>
+                <a:cs typeface="+mn-cs"/>
+              </a:defRPr>
+            </a:lvl3pPr>
+            <a:lvl4pPr marL="1700213" indent="-352425" algn="l" defTabSz="1218438" rtl="0" eaLnBrk="1" latinLnBrk="0" hangingPunct="1">
+              <a:lnSpc>
+                <a:spcPct val="105000"/>
+              </a:lnSpc>
+              <a:spcBef>
+                <a:spcPts val="600"/>
+              </a:spcBef>
+              <a:spcAft>
+                <a:spcPts val="600"/>
+              </a:spcAft>
+              <a:buFont typeface="Wingdings" panose="05000000000000000000" pitchFamily="2" charset="2"/>
+              <a:buChar char="§"/>
+              <a:defRPr sz="2798" kern="1200">
+                <a:solidFill>
+                  <a:schemeClr val="tx1"/>
+                </a:solidFill>
+                <a:latin typeface="+mn-lt"/>
+                <a:ea typeface="+mn-ea"/>
+                <a:cs typeface="+mn-cs"/>
+              </a:defRPr>
+            </a:lvl4pPr>
+            <a:lvl5pPr marL="2058988" indent="-266700" algn="l" defTabSz="1218438" rtl="0" eaLnBrk="1" latinLnBrk="0" hangingPunct="1">
+              <a:lnSpc>
+                <a:spcPct val="105000"/>
+              </a:lnSpc>
+              <a:spcBef>
+                <a:spcPts val="600"/>
+              </a:spcBef>
+              <a:spcAft>
+                <a:spcPts val="600"/>
+              </a:spcAft>
+              <a:buFont typeface="Wingdings" panose="05000000000000000000" pitchFamily="2" charset="2"/>
+              <a:buChar char="§"/>
+              <a:defRPr sz="2598" kern="1200">
+                <a:solidFill>
+                  <a:schemeClr val="tx1"/>
+                </a:solidFill>
+                <a:latin typeface="+mn-lt"/>
+                <a:ea typeface="+mn-ea"/>
+                <a:cs typeface="+mn-cs"/>
+              </a:defRPr>
+            </a:lvl5pPr>
+            <a:lvl6pPr marL="3350704" indent="-304610" algn="l" defTabSz="1218438" rtl="0" eaLnBrk="1" latinLnBrk="1" hangingPunct="1">
+              <a:spcBef>
+                <a:spcPct val="20000"/>
+              </a:spcBef>
+              <a:buFont typeface="Arial" pitchFamily="34" charset="0"/>
+              <a:buChar char="•"/>
+              <a:defRPr sz="2665" kern="1200">
+                <a:solidFill>
+                  <a:schemeClr val="tx1"/>
+                </a:solidFill>
+                <a:latin typeface="+mn-lt"/>
+                <a:ea typeface="+mn-ea"/>
+                <a:cs typeface="+mn-cs"/>
+              </a:defRPr>
+            </a:lvl6pPr>
+            <a:lvl7pPr marL="3959924" indent="-304610" algn="l" defTabSz="1218438" rtl="0" eaLnBrk="1" latinLnBrk="1" hangingPunct="1">
+              <a:spcBef>
+                <a:spcPct val="20000"/>
+              </a:spcBef>
+              <a:buFont typeface="Arial" pitchFamily="34" charset="0"/>
+              <a:buChar char="•"/>
+              <a:defRPr sz="2665" kern="1200">
+                <a:solidFill>
+                  <a:schemeClr val="tx1"/>
+                </a:solidFill>
+                <a:latin typeface="+mn-lt"/>
+                <a:ea typeface="+mn-ea"/>
+                <a:cs typeface="+mn-cs"/>
+              </a:defRPr>
+            </a:lvl7pPr>
+            <a:lvl8pPr marL="4569143" indent="-304610" algn="l" defTabSz="1218438" rtl="0" eaLnBrk="1" latinLnBrk="1" hangingPunct="1">
+              <a:spcBef>
+                <a:spcPct val="20000"/>
+              </a:spcBef>
+              <a:buFont typeface="Arial" pitchFamily="34" charset="0"/>
+              <a:buChar char="•"/>
+              <a:defRPr sz="2665" kern="1200">
+                <a:solidFill>
+                  <a:schemeClr val="tx1"/>
+                </a:solidFill>
+                <a:latin typeface="+mn-lt"/>
+                <a:ea typeface="+mn-ea"/>
+                <a:cs typeface="+mn-cs"/>
+              </a:defRPr>
+            </a:lvl8pPr>
+            <a:lvl9pPr marL="5178362" indent="-304610" algn="l" defTabSz="1218438" rtl="0" eaLnBrk="1" latinLnBrk="1" hangingPunct="1">
+              <a:spcBef>
+                <a:spcPct val="20000"/>
+              </a:spcBef>
+              <a:buFont typeface="Arial" pitchFamily="34" charset="0"/>
+              <a:buChar char="•"/>
+              <a:defRPr sz="2665" kern="1200">
+                <a:solidFill>
+                  <a:schemeClr val="tx1"/>
+                </a:solidFill>
+                <a:latin typeface="+mn-lt"/>
+                <a:ea typeface="+mn-ea"/>
+                <a:cs typeface="+mn-cs"/>
+              </a:defRPr>
+            </a:lvl9pPr>
+          </a:lstStyle>
+          <a:p>
+            <a:pPr lvl="1">
+              <a:lnSpc>
+                <a:spcPct val="100000"/>
+              </a:lnSpc>
+            </a:pPr>
+            <a:r>
+              <a:rPr lang="en-GB" dirty="0"/>
+              <a:t>You have different objects that you want to </a:t>
+            </a:r>
+            <a:r>
+              <a:rPr lang="en-GB" b="1" dirty="0">
+                <a:solidFill>
+                  <a:schemeClr val="bg1"/>
+                </a:solidFill>
+              </a:rPr>
+              <a:t>treat the same way</a:t>
+            </a:r>
+          </a:p>
+          <a:p>
+            <a:pPr lvl="1">
+              <a:lnSpc>
+                <a:spcPct val="100000"/>
+              </a:lnSpc>
+            </a:pPr>
+            <a:r>
+              <a:rPr lang="en-GB" dirty="0"/>
+              <a:t>You want to present </a:t>
+            </a:r>
+            <a:r>
+              <a:rPr lang="en-GB" b="1" dirty="0">
+                <a:solidFill>
+                  <a:schemeClr val="bg1"/>
+                </a:solidFill>
+              </a:rPr>
+              <a:t>hierarchy</a:t>
+            </a:r>
+            <a:r>
+              <a:rPr lang="en-GB" dirty="0"/>
+              <a:t> of objects</a:t>
+            </a:r>
+          </a:p>
+        </p:txBody>
+      </p:sp>
       <p:sp>
         <p:nvSpPr>
           <p:cNvPr id="8" name="Slide Number">
@@ -18006,6 +17489,184 @@
                                     <p:set>
                                       <p:cBhvr>
                                         <p:cTn id="6" dur="1" fill="hold">
+                                          <p:stCondLst>
+                                            <p:cond delay="0"/>
+                                          </p:stCondLst>
+                                        </p:cTn>
+                                        <p:tgtEl>
+                                          <p:spTgt spid="3">
+                                            <p:txEl>
+                                              <p:pRg st="1" end="1"/>
+                                            </p:txEl>
+                                          </p:spTgt>
+                                        </p:tgtEl>
+                                        <p:attrNameLst>
+                                          <p:attrName>style.visibility</p:attrName>
+                                        </p:attrNameLst>
+                                      </p:cBhvr>
+                                      <p:to>
+                                        <p:strVal val="visible"/>
+                                      </p:to>
+                                    </p:set>
+                                  </p:childTnLst>
+                                </p:cTn>
+                              </p:par>
+                            </p:childTnLst>
+                          </p:cTn>
+                        </p:par>
+                      </p:childTnLst>
+                    </p:cTn>
+                  </p:par>
+                  <p:par>
+                    <p:cTn id="7" fill="hold">
+                      <p:stCondLst>
+                        <p:cond delay="indefinite"/>
+                      </p:stCondLst>
+                      <p:childTnLst>
+                        <p:par>
+                          <p:cTn id="8" fill="hold">
+                            <p:stCondLst>
+                              <p:cond delay="0"/>
+                            </p:stCondLst>
+                            <p:childTnLst>
+                              <p:par>
+                                <p:cTn id="9" presetID="1" presetClass="entr" presetSubtype="0" fill="hold" nodeType="clickEffect">
+                                  <p:stCondLst>
+                                    <p:cond delay="0"/>
+                                  </p:stCondLst>
+                                  <p:childTnLst>
+                                    <p:set>
+                                      <p:cBhvr>
+                                        <p:cTn id="10" dur="1" fill="hold">
+                                          <p:stCondLst>
+                                            <p:cond delay="0"/>
+                                          </p:stCondLst>
+                                        </p:cTn>
+                                        <p:tgtEl>
+                                          <p:spTgt spid="3">
+                                            <p:txEl>
+                                              <p:pRg st="2" end="2"/>
+                                            </p:txEl>
+                                          </p:spTgt>
+                                        </p:tgtEl>
+                                        <p:attrNameLst>
+                                          <p:attrName>style.visibility</p:attrName>
+                                        </p:attrNameLst>
+                                      </p:cBhvr>
+                                      <p:to>
+                                        <p:strVal val="visible"/>
+                                      </p:to>
+                                    </p:set>
+                                  </p:childTnLst>
+                                </p:cTn>
+                              </p:par>
+                              <p:par>
+                                <p:cTn id="11" presetID="1" presetClass="entr" presetSubtype="0" fill="hold" nodeType="withEffect">
+                                  <p:stCondLst>
+                                    <p:cond delay="0"/>
+                                  </p:stCondLst>
+                                  <p:childTnLst>
+                                    <p:set>
+                                      <p:cBhvr>
+                                        <p:cTn id="12" dur="1" fill="hold">
+                                          <p:stCondLst>
+                                            <p:cond delay="0"/>
+                                          </p:stCondLst>
+                                        </p:cTn>
+                                        <p:tgtEl>
+                                          <p:spTgt spid="10">
+                                            <p:txEl>
+                                              <p:pRg st="0" end="0"/>
+                                            </p:txEl>
+                                          </p:spTgt>
+                                        </p:tgtEl>
+                                        <p:attrNameLst>
+                                          <p:attrName>style.visibility</p:attrName>
+                                        </p:attrNameLst>
+                                      </p:cBhvr>
+                                      <p:to>
+                                        <p:strVal val="visible"/>
+                                      </p:to>
+                                    </p:set>
+                                  </p:childTnLst>
+                                </p:cTn>
+                              </p:par>
+                            </p:childTnLst>
+                          </p:cTn>
+                        </p:par>
+                      </p:childTnLst>
+                    </p:cTn>
+                  </p:par>
+                  <p:par>
+                    <p:cTn id="13" fill="hold">
+                      <p:stCondLst>
+                        <p:cond delay="indefinite"/>
+                      </p:stCondLst>
+                      <p:childTnLst>
+                        <p:par>
+                          <p:cTn id="14" fill="hold">
+                            <p:stCondLst>
+                              <p:cond delay="0"/>
+                            </p:stCondLst>
+                            <p:childTnLst>
+                              <p:par>
+                                <p:cTn id="15" presetID="1" presetClass="entr" presetSubtype="0" fill="hold" nodeType="clickEffect">
+                                  <p:stCondLst>
+                                    <p:cond delay="0"/>
+                                  </p:stCondLst>
+                                  <p:childTnLst>
+                                    <p:set>
+                                      <p:cBhvr>
+                                        <p:cTn id="16" dur="1" fill="hold">
+                                          <p:stCondLst>
+                                            <p:cond delay="0"/>
+                                          </p:stCondLst>
+                                        </p:cTn>
+                                        <p:tgtEl>
+                                          <p:spTgt spid="10">
+                                            <p:txEl>
+                                              <p:pRg st="1" end="1"/>
+                                            </p:txEl>
+                                          </p:spTgt>
+                                        </p:tgtEl>
+                                        <p:attrNameLst>
+                                          <p:attrName>style.visibility</p:attrName>
+                                        </p:attrNameLst>
+                                      </p:cBhvr>
+                                      <p:to>
+                                        <p:strVal val="visible"/>
+                                      </p:to>
+                                    </p:set>
+                                  </p:childTnLst>
+                                </p:cTn>
+                              </p:par>
+                            </p:childTnLst>
+                          </p:cTn>
+                        </p:par>
+                      </p:childTnLst>
+                    </p:cTn>
+                  </p:par>
+                  <p:par>
+                    <p:cTn id="17" fill="hold">
+                      <p:stCondLst>
+                        <p:cond delay="indefinite"/>
+                      </p:stCondLst>
+                      <p:childTnLst>
+                        <p:par>
+                          <p:cTn id="18" fill="hold">
+                            <p:stCondLst>
+                              <p:cond delay="0"/>
+                            </p:stCondLst>
+                            <p:childTnLst>
+                              <p:par>
+                                <p:cTn id="19" presetID="1" presetClass="entr" presetSubtype="0" fill="hold" nodeType="clickEffect">
+                                  <p:stCondLst>
+                                    <p:cond delay="0"/>
+                                  </p:stCondLst>
+                                  <p:childTnLst>
+                                    <p:set>
+                                      <p:cBhvr>
+                                        <p:cTn id="20" dur="1" fill="hold">
                                           <p:stCondLst>
                                             <p:cond delay="0"/>
                                           </p:stCondLst>
@@ -18089,13 +17750,8 @@
           <a:p>
             <a:r>
               <a:rPr lang="en-US" dirty="0"/>
-              <a:t>Component </a:t>
-            </a:r>
-            <a:r>
-              <a:rPr lang="bg-BG" dirty="0"/>
-              <a:t>абстрактен клас</a:t>
-            </a:r>
-            <a:endParaRPr lang="en-US" dirty="0"/>
+              <a:t>The Component Abstract Class</a:t>
+            </a:r>
           </a:p>
         </p:txBody>
       </p:sp>
@@ -18950,15 +18606,7 @@
           <a:p>
             <a:r>
               <a:rPr lang="en-US" dirty="0"/>
-              <a:t>Composite </a:t>
-            </a:r>
-            <a:r>
-              <a:rPr lang="bg-BG" dirty="0"/>
-              <a:t>клас</a:t>
-            </a:r>
-            <a:r>
-              <a:rPr lang="en-US" dirty="0"/>
-              <a:t> (1)</a:t>
+              <a:t>The Composite Class (1)</a:t>
             </a:r>
           </a:p>
         </p:txBody>
@@ -19148,15 +18796,7 @@
           <a:p>
             <a:r>
               <a:rPr lang="en-US" dirty="0"/>
-              <a:t>Composite </a:t>
-            </a:r>
-            <a:r>
-              <a:rPr lang="bg-BG" dirty="0"/>
-              <a:t>клас</a:t>
-            </a:r>
-            <a:r>
-              <a:rPr lang="en-US" dirty="0"/>
-              <a:t> (2)</a:t>
+              <a:t>The Composite Class (2)</a:t>
             </a:r>
           </a:p>
         </p:txBody>
@@ -19715,32 +19355,8 @@
           <a:lstStyle/>
           <a:p>
             <a:r>
-              <a:rPr lang="bg-BG" dirty="0"/>
-              <a:t>Дефиниция</a:t>
-            </a:r>
-            <a:r>
-              <a:rPr lang="en-US" dirty="0"/>
-              <a:t>, </a:t>
-            </a:r>
-            <a:r>
-              <a:rPr lang="bg-BG" dirty="0"/>
-              <a:t>решения</a:t>
-            </a:r>
-            <a:r>
-              <a:rPr lang="en-US" dirty="0"/>
-              <a:t> </a:t>
-            </a:r>
-            <a:r>
-              <a:rPr lang="bg-BG" dirty="0"/>
-              <a:t>и</a:t>
-            </a:r>
-            <a:r>
-              <a:rPr lang="en-US" dirty="0"/>
-              <a:t> </a:t>
-            </a:r>
-            <a:r>
-              <a:rPr lang="bg-BG" dirty="0"/>
-              <a:t>елементи</a:t>
+              <a:rPr lang="en-US"/>
+              <a:t>Definition, Solutions and Elements</a:t>
             </a:r>
             <a:endParaRPr lang="en-US" dirty="0"/>
           </a:p>
@@ -19801,13 +19417,8 @@
           <a:p>
             <a:r>
               <a:rPr lang="en-US" dirty="0"/>
-              <a:t>Leaf </a:t>
-            </a:r>
-            <a:r>
-              <a:rPr lang="bg-BG" dirty="0"/>
-              <a:t>клас</a:t>
-            </a:r>
-            <a:endParaRPr lang="en-US" dirty="0"/>
+              <a:t>The Leaf Class</a:t>
+            </a:r>
           </a:p>
         </p:txBody>
       </p:sp>
@@ -20374,18 +19985,9 @@
           <a:lstStyle/>
           <a:p>
             <a:r>
-              <a:rPr lang="en-GB" dirty="0" err="1"/>
-              <a:t>Behavioral</a:t>
-            </a:r>
-            <a:r>
-              <a:rPr lang="en-GB" dirty="0"/>
-              <a:t> Pattern</a:t>
-            </a:r>
-            <a:r>
-              <a:rPr lang="bg-BG" dirty="0"/>
-              <a:t>-и</a:t>
-            </a:r>
-            <a:endParaRPr lang="en-GB" dirty="0"/>
+              <a:rPr lang="en-GB"/>
+              <a:t>Behavioral Patterns</a:t>
+            </a:r>
           </a:p>
         </p:txBody>
       </p:sp>
@@ -20453,34 +20055,21 @@
               </a:buClr>
             </a:pPr>
             <a:r>
-              <a:rPr lang="bg-BG" sz="3600" dirty="0"/>
-              <a:t>Свързани са с </a:t>
-            </a:r>
-            <a:r>
-              <a:rPr lang="bg-BG" sz="3600" b="1" dirty="0">
+              <a:rPr lang="en-US" sz="3600" dirty="0"/>
+              <a:t>Concerned with </a:t>
+            </a:r>
+            <a:r>
+              <a:rPr lang="en-US" sz="3600" b="1" dirty="0">
                 <a:solidFill>
                   <a:schemeClr val="bg1"/>
                 </a:solidFill>
               </a:rPr>
-              <a:t>интеракцията</a:t>
+              <a:t>interaction</a:t>
             </a:r>
             <a:r>
               <a:rPr lang="en-US" sz="3600" dirty="0"/>
-              <a:t> </a:t>
-            </a:r>
-            <a:r>
-              <a:rPr lang="bg-BG" sz="3600" dirty="0"/>
-              <a:t>между</a:t>
-            </a:r>
-            <a:r>
-              <a:rPr lang="en-US" sz="3600" dirty="0"/>
-              <a:t> </a:t>
-            </a:r>
-            <a:r>
-              <a:rPr lang="bg-BG" sz="3600" dirty="0"/>
-              <a:t>обекти</a:t>
-            </a:r>
-            <a:endParaRPr lang="en-US" sz="3600" dirty="0"/>
+              <a:t> between objects</a:t>
+            </a:r>
           </a:p>
           <a:p>
             <a:pPr marL="990266" lvl="1" indent="-457200">
@@ -20492,57 +20081,24 @@
               </a:buClr>
             </a:pPr>
             <a:r>
-              <a:rPr lang="bg-BG" sz="3400" dirty="0"/>
-              <a:t>Или с </a:t>
-            </a:r>
-            <a:r>
-              <a:rPr lang="bg-BG" sz="3400" b="1" dirty="0">
+              <a:rPr lang="en-US" sz="3400" dirty="0"/>
+              <a:t>Either with the </a:t>
+            </a:r>
+            <a:r>
+              <a:rPr lang="en-US" sz="3400" b="1" dirty="0">
                 <a:solidFill>
                   <a:schemeClr val="bg1"/>
                 </a:solidFill>
               </a:rPr>
-              <a:t>разпределянето</a:t>
-            </a:r>
-            <a:r>
-              <a:rPr lang="en-US" sz="3400" b="1" dirty="0">
-                <a:solidFill>
-                  <a:schemeClr val="bg1"/>
-                </a:solidFill>
-              </a:rPr>
-              <a:t> </a:t>
-            </a:r>
-            <a:r>
-              <a:rPr lang="bg-BG" sz="3400" b="1" dirty="0">
-                <a:solidFill>
-                  <a:schemeClr val="bg1"/>
-                </a:solidFill>
-              </a:rPr>
-              <a:t>на</a:t>
-            </a:r>
-            <a:r>
-              <a:rPr lang="en-US" sz="3400" b="1" dirty="0">
-                <a:solidFill>
-                  <a:schemeClr val="bg1"/>
-                </a:solidFill>
-              </a:rPr>
-              <a:t> </a:t>
-            </a:r>
-            <a:r>
-              <a:rPr lang="bg-BG" sz="3400" b="1" dirty="0">
-                <a:solidFill>
-                  <a:schemeClr val="bg1"/>
-                </a:solidFill>
-              </a:rPr>
-              <a:t>отговорности</a:t>
+              <a:t>assignment of responsibilities</a:t>
             </a:r>
             <a:br>
               <a:rPr lang="en-US" sz="3400" dirty="0"/>
             </a:br>
             <a:r>
-              <a:rPr lang="bg-BG" sz="3400" dirty="0"/>
-              <a:t>между обекти</a:t>
-            </a:r>
-            <a:endParaRPr lang="en-US" sz="3400" dirty="0"/>
+              <a:rPr lang="en-US" sz="3400" dirty="0"/>
+              <a:t>between objects</a:t>
+            </a:r>
           </a:p>
           <a:p>
             <a:pPr marL="990266" lvl="1" indent="-457200">
@@ -20554,42 +20110,28 @@
               </a:buClr>
             </a:pPr>
             <a:r>
-              <a:rPr lang="bg-BG" sz="3400" dirty="0"/>
-              <a:t>Или с</a:t>
-            </a:r>
-            <a:r>
               <a:rPr lang="en-US" sz="3400" dirty="0"/>
-              <a:t> </a:t>
-            </a:r>
-            <a:r>
-              <a:rPr lang="bg-BG" sz="3400" b="1" dirty="0" err="1">
+              <a:t>Or </a:t>
+            </a:r>
+            <a:r>
+              <a:rPr lang="en-US" sz="3400" b="1" dirty="0">
                 <a:solidFill>
                   <a:schemeClr val="bg1"/>
                 </a:solidFill>
               </a:rPr>
-              <a:t>енкапсулирането</a:t>
-            </a:r>
-            <a:r>
-              <a:rPr lang="bg-BG" sz="3400" b="1" dirty="0">
-                <a:solidFill>
-                  <a:schemeClr val="bg1"/>
-                </a:solidFill>
-              </a:rPr>
-              <a:t> на поведение</a:t>
-            </a:r>
-            <a:r>
-              <a:rPr lang="en-US" sz="3400" b="1" dirty="0">
-                <a:solidFill>
-                  <a:schemeClr val="bg1"/>
-                </a:solidFill>
-              </a:rPr>
-              <a:t> </a:t>
-            </a:r>
-            <a:r>
-              <a:rPr lang="bg-BG" sz="3400" dirty="0"/>
-              <a:t>в обект и делегирането на заявки към него</a:t>
-            </a:r>
-            <a:endParaRPr lang="en-US" sz="3400" dirty="0"/>
+              <a:t>encapsulating behavior </a:t>
+            </a:r>
+            <a:r>
+              <a:rPr lang="en-US" sz="3400" dirty="0"/>
+              <a:t>in an object and</a:t>
+            </a:r>
+            <a:br>
+              <a:rPr lang="en-US" sz="3400" dirty="0"/>
+            </a:br>
+            <a:r>
+              <a:rPr lang="en-US" sz="3400" dirty="0"/>
+              <a:t>delegating requests to it</a:t>
+            </a:r>
           </a:p>
           <a:p>
             <a:pPr marL="457200" indent="-457200">
@@ -20601,30 +20143,28 @@
               </a:buClr>
             </a:pPr>
             <a:r>
-              <a:rPr lang="bg-BG" sz="3600" dirty="0"/>
-              <a:t>Увеличава</a:t>
-            </a:r>
-            <a:r>
               <a:rPr lang="en-US" sz="3600" dirty="0"/>
-              <a:t> </a:t>
-            </a:r>
-            <a:r>
-              <a:rPr lang="bg-BG" sz="3600" b="1" dirty="0">
+              <a:t>Increases </a:t>
+            </a:r>
+            <a:r>
+              <a:rPr lang="en-US" sz="3600" b="1" dirty="0">
                 <a:solidFill>
                   <a:schemeClr val="bg1"/>
                 </a:solidFill>
               </a:rPr>
-              <a:t>гъвкавостта</a:t>
+              <a:t>flexibility</a:t>
             </a:r>
             <a:r>
               <a:rPr lang="en-US" sz="3600" dirty="0"/>
-              <a:t> </a:t>
-            </a:r>
-            <a:r>
-              <a:rPr lang="bg-BG" sz="3600" dirty="0"/>
-              <a:t>при провеждането на комуникация между класове</a:t>
-            </a:r>
-            <a:endParaRPr lang="en-US" sz="3600" dirty="0"/>
+              <a:t> in carrying out cross-classes</a:t>
+            </a:r>
+            <a:br>
+              <a:rPr lang="en-US" sz="3600" dirty="0"/>
+            </a:br>
+            <a:r>
+              <a:rPr lang="en-US" sz="3600" dirty="0"/>
+              <a:t>communication</a:t>
+            </a:r>
           </a:p>
         </p:txBody>
       </p:sp>
@@ -20646,10 +20186,9 @@
           <a:lstStyle/>
           <a:p>
             <a:r>
-              <a:rPr lang="bg-BG" dirty="0"/>
-              <a:t>Цели</a:t>
-            </a:r>
-            <a:endParaRPr lang="en-US" dirty="0"/>
+              <a:rPr lang="en-US" dirty="0"/>
+              <a:t>Purposes</a:t>
+            </a:r>
           </a:p>
         </p:txBody>
       </p:sp>
@@ -20931,20 +20470,8 @@
           <a:lstStyle/>
           <a:p>
             <a:r>
-              <a:rPr lang="bg-BG" dirty="0"/>
-              <a:t>Списък с </a:t>
-            </a:r>
-            <a:r>
               <a:rPr lang="en-US" dirty="0"/>
-              <a:t>Behavioral Pattern</a:t>
-            </a:r>
-            <a:r>
-              <a:rPr lang="bg-BG" dirty="0"/>
-              <a:t>-и</a:t>
-            </a:r>
-            <a:r>
-              <a:rPr lang="en-US" dirty="0"/>
-              <a:t> (1)</a:t>
+              <a:t>List of Behavioral Patterns (1)</a:t>
             </a:r>
             <a:endParaRPr lang="bg-BG" dirty="0"/>
           </a:p>
@@ -21729,20 +21256,8 @@
           <a:lstStyle/>
           <a:p>
             <a:r>
-              <a:rPr lang="bg-BG" dirty="0"/>
-              <a:t>Списък с </a:t>
-            </a:r>
-            <a:r>
               <a:rPr lang="en-US" dirty="0"/>
-              <a:t>Behavioral Pattern</a:t>
-            </a:r>
-            <a:r>
-              <a:rPr lang="bg-BG" dirty="0"/>
-              <a:t>-и</a:t>
-            </a:r>
-            <a:r>
-              <a:rPr lang="en-US" dirty="0"/>
-              <a:t> (2)</a:t>
+              <a:t>List of Behavioral Patterns (2)</a:t>
             </a:r>
             <a:endParaRPr lang="bg-BG" dirty="0"/>
           </a:p>
@@ -22386,29 +21901,28 @@
           <a:lstStyle/>
           <a:p>
             <a:r>
-              <a:rPr lang="bg-BG" dirty="0"/>
-              <a:t>Обект, който </a:t>
-            </a:r>
-            <a:r>
-              <a:rPr lang="bg-BG" b="1" dirty="0" err="1">
+              <a:rPr lang="en-GB" dirty="0"/>
+              <a:t>An object </a:t>
+            </a:r>
+            <a:r>
+              <a:rPr lang="en-GB" b="1" dirty="0">
                 <a:solidFill>
                   <a:schemeClr val="bg1"/>
                 </a:solidFill>
               </a:rPr>
-              <a:t>енкапсулира</a:t>
+              <a:t>encapsulates</a:t>
             </a:r>
             <a:r>
               <a:rPr lang="en-GB" dirty="0"/>
-              <a:t> </a:t>
-            </a:r>
-            <a:r>
-              <a:rPr lang="bg-BG" dirty="0"/>
-              <a:t>цялата информация, нужна за да се извика метод по-късно</a:t>
+              <a:t> all the information needed to call</a:t>
             </a:r>
             <a:br>
               <a:rPr lang="en-GB" dirty="0"/>
             </a:br>
-            <a:endParaRPr lang="en-GB" dirty="0"/>
+            <a:r>
+              <a:rPr lang="en-GB" dirty="0"/>
+              <a:t>a method at a later time</a:t>
+            </a:r>
           </a:p>
         </p:txBody>
       </p:sp>
@@ -22443,15 +21957,15 @@
           <p:nvPr/>
         </p:nvPicPr>
         <p:blipFill>
-          <a:blip r:embed="rId3"/>
+          <a:blip r:embed="rId2"/>
           <a:stretch>
             <a:fillRect/>
           </a:stretch>
         </p:blipFill>
         <p:spPr>
           <a:xfrm>
-            <a:off x="5103773" y="2250831"/>
-            <a:ext cx="6832964" cy="3878169"/>
+            <a:off x="4447036" y="2250830"/>
+            <a:ext cx="7498964" cy="4256169"/>
           </a:xfrm>
           <a:prstGeom prst="rect">
             <a:avLst/>
@@ -22654,42 +22168,21 @@
           </a:lstStyle>
           <a:p>
             <a:r>
-              <a:rPr lang="bg-BG" dirty="0"/>
-              <a:t>Позволява </a:t>
-            </a:r>
-            <a:r>
-              <a:rPr lang="bg-BG" b="1" dirty="0" err="1">
+              <a:rPr lang="en-GB" dirty="0"/>
+              <a:t>Lets you </a:t>
+            </a:r>
+            <a:r>
+              <a:rPr lang="en-GB" b="1" dirty="0">
                 <a:solidFill>
                   <a:schemeClr val="bg1"/>
                 </a:solidFill>
               </a:rPr>
-              <a:t>параметризирането</a:t>
+              <a:t>parameterize</a:t>
             </a:r>
             <a:r>
               <a:rPr lang="en-GB" dirty="0"/>
-              <a:t> </a:t>
-            </a:r>
-            <a:r>
-              <a:rPr lang="bg-BG" dirty="0"/>
-              <a:t>на клиенти</a:t>
-            </a:r>
-            <a:r>
-              <a:rPr lang="en-GB" dirty="0"/>
-              <a:t> </a:t>
-            </a:r>
-            <a:r>
-              <a:rPr lang="bg-BG" dirty="0"/>
-              <a:t>с</a:t>
-            </a:r>
-            <a:r>
-              <a:rPr lang="en-GB" dirty="0"/>
-              <a:t> </a:t>
-            </a:r>
-            <a:r>
-              <a:rPr lang="bg-BG" dirty="0"/>
-              <a:t>различни заявки</a:t>
-            </a:r>
-            <a:endParaRPr lang="en-GB" dirty="0"/>
+              <a:t> clients with different requests, queue or log requests, and support undoable operations</a:t>
+            </a:r>
           </a:p>
         </p:txBody>
       </p:sp>
@@ -22871,13 +22364,8 @@
           <a:p>
             <a:r>
               <a:rPr lang="en-US" dirty="0"/>
-              <a:t>Command </a:t>
-            </a:r>
-            <a:r>
-              <a:rPr lang="bg-BG" dirty="0"/>
-              <a:t>абстрактен клас</a:t>
-            </a:r>
-            <a:endParaRPr lang="en-US" dirty="0"/>
+              <a:t>The Command Abstract Class</a:t>
+            </a:r>
           </a:p>
         </p:txBody>
       </p:sp>
@@ -23388,13 +22876,8 @@
           <a:p>
             <a:r>
               <a:rPr lang="en-US" dirty="0"/>
-              <a:t>Concrete Command </a:t>
-            </a:r>
-            <a:r>
-              <a:rPr lang="bg-BG" dirty="0"/>
-              <a:t>клас</a:t>
-            </a:r>
-            <a:endParaRPr lang="en-US" dirty="0"/>
+              <a:t>Concrete Command Class</a:t>
+            </a:r>
           </a:p>
         </p:txBody>
       </p:sp>
@@ -23805,13 +23288,8 @@
           <a:p>
             <a:r>
               <a:rPr lang="en-US" dirty="0"/>
-              <a:t>Receiver </a:t>
-            </a:r>
-            <a:r>
-              <a:rPr lang="bg-BG" dirty="0"/>
-              <a:t>клас</a:t>
-            </a:r>
-            <a:endParaRPr lang="en-US" dirty="0"/>
+              <a:t>The Receiver Class</a:t>
+            </a:r>
           </a:p>
         </p:txBody>
       </p:sp>
@@ -24210,13 +23688,8 @@
           <a:p>
             <a:r>
               <a:rPr lang="en-US" dirty="0"/>
-              <a:t>Invoker </a:t>
-            </a:r>
-            <a:r>
-              <a:rPr lang="bg-BG" dirty="0"/>
-              <a:t>клас</a:t>
-            </a:r>
-            <a:endParaRPr lang="en-US" dirty="0"/>
+              <a:t>The Invoker Class</a:t>
+            </a:r>
           </a:p>
         </p:txBody>
       </p:sp>
@@ -24700,81 +24173,48 @@
               </a:buClr>
             </a:pPr>
             <a:r>
-              <a:rPr lang="bg-BG" sz="4000" b="1" dirty="0">
+              <a:rPr lang="en-US" sz="4000" b="1" dirty="0">
                 <a:solidFill>
                   <a:schemeClr val="bg1"/>
                 </a:solidFill>
               </a:rPr>
-              <a:t>Генерални</a:t>
+              <a:t>General</a:t>
+            </a:r>
+            <a:r>
+              <a:rPr lang="en-US" sz="4000" dirty="0"/>
+              <a:t> and </a:t>
+            </a:r>
+            <a:r>
+              <a:rPr lang="en-US" sz="4000" b="1" dirty="0">
+                <a:solidFill>
+                  <a:schemeClr val="bg1"/>
+                </a:solidFill>
+              </a:rPr>
+              <a:t>reusable</a:t>
             </a:r>
             <a:r>
               <a:rPr lang="en-US" sz="4000" dirty="0"/>
               <a:t> </a:t>
             </a:r>
             <a:r>
-              <a:rPr lang="bg-BG" sz="4000" dirty="0"/>
-              <a:t>и</a:t>
+              <a:rPr lang="en-US" sz="4000" b="1" dirty="0">
+                <a:solidFill>
+                  <a:schemeClr val="bg1"/>
+                </a:solidFill>
+              </a:rPr>
+              <a:t>solutions</a:t>
             </a:r>
             <a:r>
               <a:rPr lang="en-US" sz="4000" dirty="0"/>
-              <a:t> </a:t>
-            </a:r>
-            <a:r>
-              <a:rPr lang="bg-BG" sz="4000" b="1" dirty="0" err="1">
-                <a:solidFill>
-                  <a:schemeClr val="bg1"/>
-                </a:solidFill>
-              </a:rPr>
-              <a:t>преизползваеми</a:t>
-            </a:r>
-            <a:r>
+              <a:t> to common</a:t>
+            </a:r>
+            <a:br>
               <a:rPr lang="en-US" sz="4000" dirty="0"/>
-              <a:t> </a:t>
-            </a:r>
-            <a:r>
-              <a:rPr lang="bg-BG" sz="4000" b="1" dirty="0">
-                <a:solidFill>
-                  <a:schemeClr val="bg1"/>
-                </a:solidFill>
-              </a:rPr>
-              <a:t>решения</a:t>
-            </a:r>
+            </a:br>
             <a:r>
               <a:rPr lang="en-US" sz="4000" dirty="0"/>
-              <a:t> </a:t>
-            </a:r>
-            <a:r>
-              <a:rPr lang="bg-BG" sz="4000" dirty="0"/>
-              <a:t>на често срещани казуси в софтуерния дизайн</a:t>
-            </a:r>
-            <a:endParaRPr lang="en-US" sz="4000" dirty="0"/>
-          </a:p>
-          <a:p>
-            <a:pPr>
-              <a:lnSpc>
-                <a:spcPct val="100000"/>
-              </a:lnSpc>
-              <a:buClr>
-                <a:schemeClr val="tx1"/>
-              </a:buClr>
-            </a:pPr>
-            <a:r>
-              <a:rPr lang="bg-BG" sz="4000" b="1" dirty="0">
-                <a:solidFill>
-                  <a:schemeClr val="bg1"/>
-                </a:solidFill>
-              </a:rPr>
-              <a:t>Шаблон</a:t>
-            </a:r>
-            <a:r>
-              <a:rPr lang="en-US" sz="4000" dirty="0"/>
-              <a:t> </a:t>
-            </a:r>
-            <a:r>
-              <a:rPr lang="bg-BG" sz="4000" dirty="0"/>
-              <a:t>за решаване на проблеми</a:t>
-            </a:r>
-            <a:endParaRPr lang="en-US" sz="4000" dirty="0"/>
+              <a:t>problems in software design</a:t>
+            </a:r>
           </a:p>
           <a:p>
             <a:pPr>
@@ -24783,26 +24223,44 @@
               </a:lnSpc>
             </a:pPr>
             <a:r>
-              <a:rPr lang="bg-BG" sz="4000" dirty="0"/>
-              <a:t>Добавя допълнителни слоеве на</a:t>
-            </a:r>
-            <a:r>
               <a:rPr lang="en-US" sz="4000" dirty="0"/>
-              <a:t> </a:t>
-            </a:r>
-            <a:r>
-              <a:rPr lang="bg-BG" sz="4000" b="1" dirty="0">
+              <a:t>A </a:t>
+            </a:r>
+            <a:r>
+              <a:rPr lang="en-US" sz="4000" b="1" dirty="0">
                 <a:solidFill>
                   <a:schemeClr val="bg1"/>
                 </a:solidFill>
               </a:rPr>
-              <a:t>абстракция</a:t>
-            </a:r>
-            <a:r>
-              <a:rPr lang="bg-BG" sz="4000" dirty="0"/>
-              <a:t>, за да се постигне гъвкавост</a:t>
-            </a:r>
-            <a:endParaRPr lang="en-US" sz="4000" dirty="0"/>
+              <a:t>template</a:t>
+            </a:r>
+            <a:r>
+              <a:rPr lang="en-US" sz="4000" dirty="0"/>
+              <a:t> for solving given problems</a:t>
+            </a:r>
+          </a:p>
+          <a:p>
+            <a:pPr>
+              <a:lnSpc>
+                <a:spcPct val="100000"/>
+              </a:lnSpc>
+            </a:pPr>
+            <a:r>
+              <a:rPr lang="en-US" sz="4000" dirty="0"/>
+              <a:t>Add additional layers of </a:t>
+            </a:r>
+            <a:r>
+              <a:rPr lang="en-US" sz="4000" b="1" dirty="0">
+                <a:solidFill>
+                  <a:schemeClr val="bg1"/>
+                </a:solidFill>
+              </a:rPr>
+              <a:t>abstraction</a:t>
+            </a:r>
+            <a:r>
+              <a:rPr lang="en-US" sz="4000" dirty="0"/>
+              <a:t> in order to reach flexibility</a:t>
+            </a:r>
           </a:p>
         </p:txBody>
       </p:sp>
@@ -24822,20 +24280,8 @@
           <a:lstStyle/>
           <a:p>
             <a:r>
-              <a:rPr lang="bg-BG" dirty="0"/>
-              <a:t>Какво представляват </a:t>
-            </a:r>
-            <a:r>
               <a:rPr lang="en-US" dirty="0"/>
-              <a:t>Design Pattern</a:t>
-            </a:r>
-            <a:r>
-              <a:rPr lang="bg-BG" dirty="0"/>
-              <a:t>-ите</a:t>
-            </a:r>
-            <a:r>
-              <a:rPr lang="en-US" dirty="0"/>
-              <a:t>?</a:t>
+              <a:t>What Are Design Patterns?</a:t>
             </a:r>
             <a:endParaRPr lang="bg-BG" dirty="0"/>
           </a:p>
@@ -25076,81 +24522,51 @@
           <a:lstStyle/>
           <a:p>
             <a:r>
-              <a:rPr lang="bg-BG" dirty="0"/>
-              <a:t>Дефинира </a:t>
-            </a:r>
-            <a:r>
-              <a:rPr lang="bg-BG" b="1" dirty="0">
+              <a:rPr lang="en-GB" dirty="0"/>
+              <a:t>Define the </a:t>
+            </a:r>
+            <a:r>
+              <a:rPr lang="en-GB" b="1" dirty="0">
                 <a:solidFill>
                   <a:schemeClr val="bg1"/>
                 </a:solidFill>
               </a:rPr>
-              <a:t>скелет</a:t>
+              <a:t>skeleton</a:t>
             </a:r>
             <a:r>
               <a:rPr lang="en-GB" dirty="0"/>
-              <a:t> </a:t>
-            </a:r>
-            <a:r>
-              <a:rPr lang="bg-BG" dirty="0"/>
-              <a:t>за алгоритъм в метод</a:t>
-            </a:r>
+              <a:t> of an algorithm in a method, leaving some implementation to its subclasses</a:t>
+            </a:r>
+          </a:p>
+          <a:p>
             <a:r>
               <a:rPr lang="en-GB" dirty="0"/>
-              <a:t>, </a:t>
-            </a:r>
-            <a:r>
-              <a:rPr lang="bg-BG" dirty="0"/>
-              <a:t>като оставя част от имплементацията на подкласовете</a:t>
-            </a:r>
-            <a:endParaRPr lang="en-GB" dirty="0"/>
-          </a:p>
-          <a:p>
-            <a:r>
-              <a:rPr lang="bg-BG" dirty="0"/>
-              <a:t>Позволява на подкласовете да </a:t>
-            </a:r>
-            <a:r>
-              <a:rPr lang="bg-BG" b="1" dirty="0" err="1">
+              <a:t>Allows the subclasses to </a:t>
+            </a:r>
+            <a:r>
+              <a:rPr lang="en-GB" b="1" dirty="0">
                 <a:solidFill>
                   <a:schemeClr val="bg1"/>
                 </a:solidFill>
               </a:rPr>
-              <a:t>редефинират</a:t>
+              <a:t>redefine</a:t>
             </a:r>
             <a:r>
               <a:rPr lang="en-GB" dirty="0"/>
-              <a:t> </a:t>
-            </a:r>
-            <a:r>
-              <a:rPr lang="bg-BG" dirty="0"/>
-              <a:t>имплементацията на някои </a:t>
-            </a:r>
-            <a:r>
-              <a:rPr lang="bg-BG" b="1" dirty="0">
+              <a:t> the implementation of some of the </a:t>
+            </a:r>
+            <a:r>
+              <a:rPr lang="en-GB" b="1" dirty="0">
                 <a:solidFill>
                   <a:schemeClr val="bg1"/>
                 </a:solidFill>
               </a:rPr>
-              <a:t>части</a:t>
+              <a:t>parts</a:t>
             </a:r>
             <a:r>
               <a:rPr lang="en-GB" dirty="0"/>
-              <a:t> </a:t>
-            </a:r>
-            <a:r>
-              <a:rPr lang="bg-BG" dirty="0"/>
-              <a:t>от алгоритъма</a:t>
-            </a:r>
-            <a:r>
-              <a:rPr lang="en-GB" dirty="0"/>
-              <a:t>, </a:t>
-            </a:r>
-            <a:r>
-              <a:rPr lang="bg-BG" dirty="0"/>
-              <a:t>но не неговата структура</a:t>
-            </a:r>
-            <a:endParaRPr lang="en-GB" dirty="0"/>
+              <a:t> of the algorithm, but not its structure</a:t>
+            </a:r>
           </a:p>
         </p:txBody>
       </p:sp>
@@ -25378,13 +24794,8 @@
           <a:p>
             <a:r>
               <a:rPr lang="en-US" dirty="0"/>
-              <a:t>Abstract </a:t>
-            </a:r>
-            <a:r>
-              <a:rPr lang="bg-BG" dirty="0"/>
-              <a:t>клас</a:t>
-            </a:r>
-            <a:endParaRPr lang="en-US" dirty="0"/>
+              <a:t>The Abstract Class</a:t>
+            </a:r>
           </a:p>
         </p:txBody>
       </p:sp>
@@ -25808,13 +25219,8 @@
           <a:p>
             <a:r>
               <a:rPr lang="en-US" dirty="0"/>
-              <a:t>Concrete </a:t>
-            </a:r>
-            <a:r>
-              <a:rPr lang="bg-BG" dirty="0"/>
-              <a:t>клас</a:t>
-            </a:r>
-            <a:endParaRPr lang="en-US" dirty="0"/>
+              <a:t>A Concrete Class</a:t>
+            </a:r>
           </a:p>
         </p:txBody>
       </p:sp>
@@ -26353,10 +25759,9 @@
           <a:lstStyle/>
           <a:p>
             <a:r>
-              <a:rPr lang="bg-BG" dirty="0"/>
-              <a:t>Обобщение</a:t>
-            </a:r>
-            <a:endParaRPr lang="en-US" dirty="0"/>
+              <a:rPr lang="en-US" dirty="0"/>
+              <a:t>Summary</a:t>
+            </a:r>
           </a:p>
         </p:txBody>
       </p:sp>
@@ -26607,8 +26012,8 @@
         </p:nvSpPr>
         <p:spPr>
           <a:xfrm>
-            <a:off x="498386" y="1624495"/>
-            <a:ext cx="8201388" cy="5201066"/>
+            <a:off x="543073" y="1723767"/>
+            <a:ext cx="11815018" cy="5201066"/>
           </a:xfrm>
           <a:prstGeom prst="rect">
             <a:avLst/>
@@ -26616,7 +26021,7 @@
         </p:spPr>
         <p:txBody>
           <a:bodyPr vert="horz" lIns="108000" tIns="36000" rIns="108000" bIns="36000" rtlCol="0">
-            <a:normAutofit fontScale="92500" lnSpcReduction="10000"/>
+            <a:normAutofit/>
           </a:bodyPr>
           <a:lstStyle>
             <a:lvl1pPr marL="456915" indent="-456915" algn="l" defTabSz="1218438" rtl="0" eaLnBrk="1" latinLnBrk="1" hangingPunct="1">
@@ -26813,33 +26218,13 @@
               </a:lnSpc>
             </a:pPr>
             <a:r>
-              <a:rPr lang="bg-BG" sz="3400" dirty="0">
+              <a:rPr lang="en-US" sz="3400" dirty="0">
                 <a:solidFill>
                   <a:schemeClr val="bg2"/>
                 </a:solidFill>
               </a:rPr>
-              <a:t>Дават решение на често срещани </a:t>
-            </a:r>
-            <a:br>
-              <a:rPr lang="bg-BG" sz="3400" dirty="0">
-                <a:solidFill>
-                  <a:schemeClr val="bg2"/>
-                </a:solidFill>
-              </a:rPr>
-            </a:br>
-            <a:r>
-              <a:rPr lang="bg-BG" sz="3400" dirty="0">
-                <a:solidFill>
-                  <a:schemeClr val="bg2"/>
-                </a:solidFill>
-              </a:rPr>
-              <a:t>проблеми</a:t>
-            </a:r>
-            <a:endParaRPr lang="en-US" sz="3400" dirty="0">
-              <a:solidFill>
-                <a:schemeClr val="bg2"/>
-              </a:solidFill>
-            </a:endParaRPr>
+              <a:t>Provide solution to common problems</a:t>
+            </a:r>
           </a:p>
           <a:p>
             <a:pPr lvl="1">
@@ -26848,22 +26233,15 @@
               </a:lnSpc>
             </a:pPr>
             <a:r>
-              <a:rPr lang="bg-BG" sz="3400" dirty="0">
+              <a:rPr lang="en-US" sz="3400" dirty="0">
                 <a:solidFill>
                   <a:schemeClr val="bg2"/>
                 </a:solidFill>
               </a:rPr>
-              <a:t>Създава допълнителни слоеве на </a:t>
-            </a:r>
-            <a:br>
-              <a:rPr lang="bg-BG" sz="3400" dirty="0">
-                <a:solidFill>
-                  <a:schemeClr val="bg2"/>
-                </a:solidFill>
-              </a:rPr>
-            </a:br>
-            <a:r>
-              <a:rPr lang="bg-BG" sz="3400" b="1" dirty="0">
+              <a:t>Add additional layers of </a:t>
+            </a:r>
+            <a:r>
+              <a:rPr lang="en-US" sz="3400" b="1" dirty="0">
                 <a:solidFill>
                   <a:schemeClr val="bg1">
                     <a:lumMod val="60000"/>
@@ -26871,16 +26249,8 @@
                   </a:schemeClr>
                 </a:solidFill>
               </a:rPr>
-              <a:t>абстракция</a:t>
-            </a:r>
-            <a:endParaRPr lang="en-US" sz="3400" b="1" dirty="0">
-              <a:solidFill>
-                <a:schemeClr val="bg1">
-                  <a:lumMod val="60000"/>
-                  <a:lumOff val="40000"/>
-                </a:schemeClr>
-              </a:solidFill>
-            </a:endParaRPr>
+              <a:t>abstraction</a:t>
+            </a:r>
           </a:p>
           <a:p>
             <a:pPr>
@@ -26889,15 +26259,15 @@
               </a:lnSpc>
             </a:pPr>
             <a:r>
-              <a:rPr lang="bg-BG" sz="3600" dirty="0">
+              <a:rPr lang="en-US" sz="3600" dirty="0">
                 <a:solidFill>
                   <a:schemeClr val="bg2"/>
                 </a:solidFill>
               </a:rPr>
-              <a:t>Три главни </a:t>
-            </a:r>
-            <a:r>
-              <a:rPr lang="bg-BG" sz="3600" b="1" dirty="0">
+              <a:t>Three main </a:t>
+            </a:r>
+            <a:r>
+              <a:rPr lang="en-US" sz="3600" b="1" dirty="0">
                 <a:solidFill>
                   <a:schemeClr val="bg1">
                     <a:lumMod val="60000"/>
@@ -26905,7 +26275,7 @@
                   </a:schemeClr>
                 </a:solidFill>
               </a:rPr>
-              <a:t>типа</a:t>
+              <a:t>types</a:t>
             </a:r>
             <a:r>
               <a:rPr lang="en-US" sz="3600" dirty="0">
@@ -26913,21 +26283,8 @@
                   <a:schemeClr val="bg2"/>
                 </a:solidFill>
               </a:rPr>
-              <a:t> Design Pattern</a:t>
-            </a:r>
-            <a:r>
-              <a:rPr lang="bg-BG" sz="3600" dirty="0">
-                <a:solidFill>
-                  <a:schemeClr val="bg2"/>
-                </a:solidFill>
-              </a:rPr>
-              <a:t>-и</a:t>
-            </a:r>
-            <a:endParaRPr lang="en-US" sz="3600" dirty="0">
-              <a:solidFill>
-                <a:schemeClr val="bg2"/>
-              </a:solidFill>
-            </a:endParaRPr>
+              <a:t> of Design Patterns</a:t>
+            </a:r>
           </a:p>
           <a:p>
             <a:pPr lvl="1">
@@ -27335,20 +26692,12 @@
           <a:lstStyle/>
           <a:p>
             <a:r>
-              <a:rPr lang="bg-BG" sz="8800" dirty="0">
+              <a:rPr lang="en-US" sz="8800" dirty="0">
                 <a:solidFill>
                   <a:srgbClr val="234465"/>
                 </a:solidFill>
               </a:rPr>
-              <a:t>Въпроси</a:t>
-            </a:r>
-            <a:r>
-              <a:rPr lang="en-US" sz="8800" dirty="0">
-                <a:solidFill>
-                  <a:srgbClr val="234465"/>
-                </a:solidFill>
-              </a:rPr>
-              <a:t>?</a:t>
+              <a:t>Questions?</a:t>
             </a:r>
             <a:endParaRPr lang="en-US" sz="8800" dirty="0"/>
           </a:p>
@@ -27424,32 +26773,12 @@
               </a:lnSpc>
             </a:pPr>
             <a:r>
-              <a:rPr lang="bg-BG" dirty="0"/>
-              <a:t>Този курс</a:t>
-            </a:r>
-            <a:r>
               <a:rPr lang="en-US" dirty="0"/>
-              <a:t> (</a:t>
-            </a:r>
-            <a:r>
-              <a:rPr lang="bg-BG" dirty="0"/>
-              <a:t>презентации, примери, демонстрационен код, упражнения, домашни, видео и други активи</a:t>
-            </a:r>
-            <a:r>
-              <a:rPr lang="en-US" dirty="0"/>
-              <a:t>) </a:t>
-            </a:r>
-            <a:r>
-              <a:rPr lang="bg-BG" dirty="0"/>
-              <a:t>представлява</a:t>
-            </a:r>
-            <a:r>
-              <a:rPr lang="en-US" dirty="0"/>
-              <a:t> </a:t>
-            </a:r>
-            <a:r>
-              <a:rPr lang="bg-BG" b="1" dirty="0"/>
-              <a:t>защитено авторско съдържание</a:t>
+              <a:t>This course (slides, examples, demos, exercises, homework, documents, videos and other assets) is </a:t>
+            </a:r>
+            <a:r>
+              <a:rPr lang="en-US" b="1" dirty="0"/>
+              <a:t>copyrighted content</a:t>
             </a:r>
             <a:endParaRPr lang="en-US" dirty="0"/>
           </a:p>
@@ -27460,16 +26789,8 @@
               </a:lnSpc>
             </a:pPr>
             <a:r>
-              <a:rPr lang="bg-BG" dirty="0"/>
-              <a:t>Нерегламентирано копиране</a:t>
-            </a:r>
-            <a:r>
               <a:rPr lang="en-US" dirty="0"/>
-              <a:t>,</a:t>
-            </a:r>
-            <a:r>
-              <a:rPr lang="bg-BG" dirty="0"/>
-              <a:t> разпространение или използване е незаконно</a:t>
+              <a:t>Unauthorized copy, reproduction or use is illegal</a:t>
             </a:r>
           </a:p>
           <a:p>
@@ -27480,15 +26801,7 @@
             </a:pPr>
             <a:r>
               <a:rPr lang="en-US" dirty="0"/>
-              <a:t>© </a:t>
-            </a:r>
-            <a:r>
-              <a:rPr lang="bg-BG" dirty="0" err="1"/>
-              <a:t>СофтУни</a:t>
-            </a:r>
-            <a:r>
-              <a:rPr lang="en-US" dirty="0"/>
-              <a:t> – </a:t>
+              <a:t>© SoftUni – </a:t>
             </a:r>
             <a:r>
               <a:rPr lang="en-US" dirty="0">
@@ -27506,15 +26819,7 @@
             </a:pPr>
             <a:r>
               <a:rPr lang="en-US" dirty="0"/>
-              <a:t>© </a:t>
-            </a:r>
-            <a:r>
-              <a:rPr lang="bg-BG" dirty="0"/>
-              <a:t>Софтуерен университет</a:t>
-            </a:r>
-            <a:r>
-              <a:rPr lang="en-US" dirty="0"/>
-              <a:t> – </a:t>
+              <a:t>© Software University – </a:t>
             </a:r>
             <a:r>
               <a:rPr lang="en-US" dirty="0">
@@ -27522,15 +26827,6 @@
               </a:rPr>
               <a:t>https://softuni.bg</a:t>
             </a:r>
-            <a:endParaRPr lang="bg-BG" dirty="0"/>
-          </a:p>
-          <a:p>
-            <a:pPr marL="0" indent="0">
-              <a:lnSpc>
-                <a:spcPct val="120000"/>
-              </a:lnSpc>
-              <a:buNone/>
-            </a:pPr>
             <a:endParaRPr lang="bg-BG" dirty="0"/>
           </a:p>
         </p:txBody>
@@ -27598,9 +26894,10 @@
           <a:lstStyle/>
           <a:p>
             <a:r>
-              <a:rPr lang="bg-BG" dirty="0"/>
-              <a:t>Лиценз</a:t>
-            </a:r>
+              <a:rPr lang="en-US" dirty="0"/>
+              <a:t>License</a:t>
+            </a:r>
+            <a:endParaRPr lang="bg-BG" dirty="0"/>
           </a:p>
         </p:txBody>
       </p:sp>
@@ -27711,55 +27008,19 @@
             </a:pPr>
             <a:r>
               <a:rPr lang="en-US" sz="4400" dirty="0"/>
-              <a:t>Pattern</a:t>
-            </a:r>
-            <a:r>
-              <a:rPr lang="bg-BG" sz="4400" dirty="0"/>
-              <a:t>-ите</a:t>
+              <a:t>Patterns solve </a:t>
+            </a:r>
+            <a:r>
+              <a:rPr lang="en-US" sz="4400" b="1" dirty="0">
+                <a:solidFill>
+                  <a:schemeClr val="bg1"/>
+                </a:solidFill>
+              </a:rPr>
+              <a:t>software structural problems </a:t>
             </a:r>
             <a:r>
               <a:rPr lang="en-US" sz="4400" dirty="0"/>
-              <a:t> </a:t>
-            </a:r>
-            <a:r>
-              <a:rPr lang="bg-BG" sz="4400" dirty="0"/>
-              <a:t>решават</a:t>
-            </a:r>
-            <a:r>
-              <a:rPr lang="en-US" sz="4400" dirty="0"/>
-              <a:t> </a:t>
-            </a:r>
-            <a:r>
-              <a:rPr lang="bg-BG" sz="4400" b="1" dirty="0">
-                <a:solidFill>
-                  <a:schemeClr val="bg1"/>
-                </a:solidFill>
-              </a:rPr>
-              <a:t>структурни софтуерни </a:t>
-            </a:r>
-            <a:r>
-              <a:rPr lang="bg-BG" sz="4400" b="1" dirty="0" err="1">
-                <a:solidFill>
-                  <a:schemeClr val="bg1"/>
-                </a:solidFill>
-              </a:rPr>
-              <a:t>пробелми</a:t>
-            </a:r>
-            <a:r>
-              <a:rPr lang="bg-BG" sz="4400" b="1" dirty="0">
-                <a:solidFill>
-                  <a:schemeClr val="bg1"/>
-                </a:solidFill>
-              </a:rPr>
-              <a:t> </a:t>
-            </a:r>
-            <a:r>
-              <a:rPr lang="bg-BG" sz="4400" dirty="0"/>
-              <a:t>като</a:t>
-            </a:r>
-            <a:r>
-              <a:rPr lang="en-US" sz="4400" dirty="0"/>
-              <a:t>:</a:t>
+              <a:t>like:</a:t>
             </a:r>
           </a:p>
           <a:p>
@@ -27772,10 +27033,9 @@
               </a:buClr>
             </a:pPr>
             <a:r>
-              <a:rPr lang="bg-BG" sz="4000" dirty="0"/>
-              <a:t>Абстракция</a:t>
-            </a:r>
-            <a:endParaRPr lang="en-US" sz="4000" dirty="0"/>
+              <a:rPr lang="en-US" sz="4000" dirty="0"/>
+              <a:t>Abstraction</a:t>
+            </a:r>
           </a:p>
           <a:p>
             <a:pPr marL="990266" lvl="1" indent="-457200">
@@ -27787,10 +27047,9 @@
               </a:buClr>
             </a:pPr>
             <a:r>
-              <a:rPr lang="bg-BG" sz="4000" dirty="0" err="1"/>
-              <a:t>Енкапсулация</a:t>
-            </a:r>
-            <a:endParaRPr lang="en-US" sz="4000" dirty="0"/>
+              <a:rPr lang="en-US" sz="4000" dirty="0"/>
+              <a:t>Encapsulation</a:t>
+            </a:r>
           </a:p>
           <a:p>
             <a:pPr marL="990266" lvl="1" indent="-457200">
@@ -27830,42 +27089,9 @@
               </a:buClr>
             </a:pPr>
             <a:r>
-              <a:rPr lang="bg-BG" sz="4000" dirty="0"/>
-              <a:t>Разделяне</a:t>
-            </a:r>
-            <a:r>
               <a:rPr lang="en-US" sz="4000" dirty="0"/>
-              <a:t> </a:t>
-            </a:r>
-            <a:r>
-              <a:rPr lang="bg-BG" sz="4000" dirty="0"/>
-              <a:t>на</a:t>
-            </a:r>
-            <a:r>
-              <a:rPr lang="en-US" sz="4000" dirty="0"/>
-              <a:t> </a:t>
-            </a:r>
-            <a:r>
-              <a:rPr lang="bg-BG" sz="4000" dirty="0"/>
-              <a:t>интерфейс</a:t>
-            </a:r>
-            <a:r>
-              <a:rPr lang="en-US" sz="4000" dirty="0"/>
-              <a:t> </a:t>
-            </a:r>
-            <a:r>
-              <a:rPr lang="bg-BG" sz="4000" dirty="0"/>
-              <a:t>и</a:t>
-            </a:r>
-            <a:r>
-              <a:rPr lang="en-US" sz="4000" dirty="0"/>
-              <a:t> </a:t>
-            </a:r>
-            <a:r>
-              <a:rPr lang="bg-BG" sz="4000" dirty="0"/>
-              <a:t>имплементация</a:t>
-            </a:r>
-            <a:endParaRPr lang="en-US" sz="4000" dirty="0"/>
+              <a:t>Separation of interface and implementation</a:t>
+            </a:r>
           </a:p>
         </p:txBody>
       </p:sp>
@@ -27882,26 +27108,15 @@
         <p:spPr/>
         <p:txBody>
           <a:bodyPr>
-            <a:normAutofit fontScale="90000"/>
+            <a:normAutofit/>
           </a:bodyPr>
           <a:lstStyle/>
           <a:p>
             <a:r>
-              <a:rPr lang="bg-BG" dirty="0"/>
-              <a:t>Какви проблеми решават </a:t>
-            </a:r>
-            <a:r>
-              <a:rPr lang="en-US" dirty="0"/>
-              <a:t>Design Pattern</a:t>
-            </a:r>
-            <a:r>
-              <a:rPr lang="bg-BG" dirty="0"/>
-              <a:t>-ите</a:t>
-            </a:r>
-            <a:r>
-              <a:rPr lang="en-US" dirty="0"/>
-              <a:t>?</a:t>
-            </a:r>
+              <a:rPr lang="en-US"/>
+              <a:t>What Do Design Patterns Solve?</a:t>
+            </a:r>
+            <a:endParaRPr lang="en-US" dirty="0"/>
           </a:p>
         </p:txBody>
       </p:sp>
@@ -28221,12 +27436,7 @@
             <p:ph type="body" sz="quarter" idx="10"/>
           </p:nvPr>
         </p:nvSpPr>
-        <p:spPr>
-          <a:xfrm>
-            <a:off x="190402" y="1196125"/>
-            <a:ext cx="12001598" cy="5528766"/>
-          </a:xfrm>
-        </p:spPr>
+        <p:spPr/>
         <p:txBody>
           <a:bodyPr>
             <a:normAutofit/>
@@ -28242,46 +27452,21 @@
               </a:buClr>
             </a:pPr>
             <a:r>
-              <a:rPr lang="bg-BG" sz="3600" dirty="0"/>
-              <a:t>Име на </a:t>
-            </a:r>
-            <a:r>
-              <a:rPr lang="en-US" sz="3600" dirty="0"/>
-              <a:t>pattern-</a:t>
-            </a:r>
-            <a:r>
-              <a:rPr lang="bg-BG" sz="3600" dirty="0"/>
-              <a:t>а</a:t>
-            </a:r>
-            <a:r>
-              <a:rPr lang="en-US" sz="3600" dirty="0"/>
-              <a:t> - </a:t>
-            </a:r>
-            <a:r>
-              <a:rPr lang="bg-BG" sz="3600" dirty="0"/>
-              <a:t>обогатява</a:t>
-            </a:r>
-            <a:r>
-              <a:rPr lang="en-US" sz="3600" dirty="0"/>
-              <a:t> </a:t>
-            </a:r>
-            <a:r>
-              <a:rPr lang="bg-BG" sz="3600" b="1" dirty="0">
+              <a:rPr lang="en-US" sz="4000" dirty="0"/>
+              <a:t>Pattern name - Increases </a:t>
+            </a:r>
+            <a:r>
+              <a:rPr lang="en-US" sz="4000" b="1" dirty="0">
                 <a:solidFill>
                   <a:schemeClr val="bg1"/>
                 </a:solidFill>
               </a:rPr>
-              <a:t>лексиката</a:t>
-            </a:r>
-            <a:r>
-              <a:rPr lang="en-US" sz="3600" dirty="0"/>
-              <a:t> </a:t>
-            </a:r>
-            <a:r>
-              <a:rPr lang="bg-BG" sz="3600" dirty="0"/>
-              <a:t>на дизайнерите</a:t>
-            </a:r>
-            <a:endParaRPr lang="en-US" sz="3600" dirty="0"/>
+              <a:t>vocabulary</a:t>
+            </a:r>
+            <a:r>
+              <a:rPr lang="en-US" sz="4000" dirty="0"/>
+              <a:t> of designers</a:t>
+            </a:r>
           </a:p>
           <a:p>
             <a:pPr marL="457200" indent="-457200">
@@ -28293,46 +27478,21 @@
               </a:buClr>
             </a:pPr>
             <a:r>
-              <a:rPr lang="bg-BG" sz="3600" dirty="0"/>
-              <a:t>Проблем</a:t>
-            </a:r>
-            <a:r>
-              <a:rPr lang="en-US" sz="3600" dirty="0"/>
-              <a:t> - </a:t>
-            </a:r>
-            <a:r>
-              <a:rPr lang="bg-BG" sz="3600" b="1" dirty="0">
+              <a:rPr lang="en-US" sz="4000" dirty="0"/>
+              <a:t>Problem - </a:t>
+            </a:r>
+            <a:r>
+              <a:rPr lang="en-US" sz="4000" b="1" dirty="0">
                 <a:solidFill>
                   <a:schemeClr val="bg1"/>
                 </a:solidFill>
               </a:rPr>
-              <a:t>намерение</a:t>
-            </a:r>
-            <a:r>
-              <a:rPr lang="en-US" sz="3600" dirty="0"/>
-              <a:t>, </a:t>
-            </a:r>
-            <a:r>
-              <a:rPr lang="bg-BG" sz="3600" dirty="0"/>
-              <a:t>контекст</a:t>
-            </a:r>
-            <a:r>
-              <a:rPr lang="en-US" sz="3600" dirty="0"/>
-              <a:t> </a:t>
-            </a:r>
-            <a:r>
-              <a:rPr lang="bg-BG" sz="3600" dirty="0"/>
-              <a:t>и</a:t>
-            </a:r>
-            <a:r>
-              <a:rPr lang="en-US" sz="3600" dirty="0"/>
-              <a:t> </a:t>
-            </a:r>
-            <a:r>
-              <a:rPr lang="bg-BG" sz="3600" dirty="0"/>
-              <a:t>как да се приложи</a:t>
-            </a:r>
-            <a:endParaRPr lang="en-US" sz="3600" dirty="0"/>
+              <a:t>Intent</a:t>
+            </a:r>
+            <a:r>
+              <a:rPr lang="en-US" sz="4000" dirty="0"/>
+              <a:t>, context and when to apply</a:t>
+            </a:r>
           </a:p>
           <a:p>
             <a:pPr marL="457200" indent="-457200">
@@ -28344,30 +27504,21 @@
               </a:buClr>
             </a:pPr>
             <a:r>
-              <a:rPr lang="bg-BG" sz="3600" dirty="0"/>
-              <a:t>Решение</a:t>
-            </a:r>
-            <a:r>
-              <a:rPr lang="en-US" sz="3600" dirty="0"/>
-              <a:t> - </a:t>
-            </a:r>
-            <a:r>
-              <a:rPr lang="bg-BG" sz="3600" b="1" dirty="0">
+              <a:rPr lang="en-US" sz="4000" dirty="0"/>
+              <a:t>Solution - </a:t>
+            </a:r>
+            <a:r>
+              <a:rPr lang="en-US" sz="4000" b="1" dirty="0">
                 <a:solidFill>
                   <a:schemeClr val="bg1"/>
                 </a:solidFill>
               </a:rPr>
-              <a:t>абстрактен</a:t>
-            </a:r>
-            <a:r>
-              <a:rPr lang="en-US" sz="3600" dirty="0"/>
-              <a:t> </a:t>
-            </a:r>
-            <a:r>
-              <a:rPr lang="bg-BG" sz="3600" dirty="0"/>
-              <a:t>код</a:t>
-            </a:r>
-            <a:endParaRPr lang="en-US" sz="3600" dirty="0"/>
+              <a:t>Abstract</a:t>
+            </a:r>
+            <a:r>
+              <a:rPr lang="en-US" sz="4000" dirty="0"/>
+              <a:t> code</a:t>
+            </a:r>
           </a:p>
           <a:p>
             <a:pPr marL="457200" indent="-457200">
@@ -28379,32 +27530,20 @@
               </a:buClr>
             </a:pPr>
             <a:r>
-              <a:rPr lang="bg-BG" sz="3600" dirty="0"/>
-              <a:t>Последствия</a:t>
-            </a:r>
-            <a:r>
-              <a:rPr lang="en-US" sz="3600" dirty="0"/>
-              <a:t> - </a:t>
-            </a:r>
-            <a:r>
-              <a:rPr lang="bg-BG" sz="3600" b="1" dirty="0">
+              <a:rPr lang="en-US" sz="4000" dirty="0"/>
+              <a:t>Consequences - </a:t>
+            </a:r>
+            <a:r>
+              <a:rPr lang="en-US" sz="4000" b="1" dirty="0">
                 <a:solidFill>
                   <a:schemeClr val="bg1"/>
                 </a:solidFill>
               </a:rPr>
-              <a:t>резултати</a:t>
-            </a:r>
-            <a:r>
-              <a:rPr lang="en-US" sz="3600" dirty="0"/>
-              <a:t> </a:t>
-            </a:r>
-            <a:r>
-              <a:rPr lang="bg-BG" sz="3600" dirty="0"/>
-              <a:t>и</a:t>
-            </a:r>
-            <a:r>
-              <a:rPr lang="en-US" sz="3600" dirty="0"/>
-              <a:t> trade-offs</a:t>
+              <a:t>Results</a:t>
+            </a:r>
+            <a:r>
+              <a:rPr lang="en-US" sz="4000" dirty="0"/>
+              <a:t> and trade-offs</a:t>
             </a:r>
           </a:p>
         </p:txBody>
@@ -28427,26 +27566,9 @@
           <a:lstStyle/>
           <a:p>
             <a:r>
-              <a:rPr lang="bg-BG" dirty="0"/>
-              <a:t>Елементи</a:t>
-            </a:r>
-            <a:r>
               <a:rPr lang="en-US" dirty="0"/>
-              <a:t> </a:t>
-            </a:r>
-            <a:r>
-              <a:rPr lang="bg-BG" dirty="0"/>
-              <a:t>на </a:t>
-            </a:r>
-            <a:r>
-              <a:rPr lang="en-US" dirty="0"/>
-              <a:t>Design Pattern</a:t>
-            </a:r>
-            <a:r>
-              <a:rPr lang="bg-BG" dirty="0"/>
-              <a:t>-ите</a:t>
-            </a:r>
-            <a:endParaRPr lang="en-US" dirty="0"/>
+              <a:t>Elements of a Design Pattern</a:t>
+            </a:r>
           </a:p>
         </p:txBody>
       </p:sp>
@@ -28750,10 +27872,9 @@
               </a:buClr>
             </a:pPr>
             <a:r>
-              <a:rPr lang="bg-BG" sz="3100" dirty="0"/>
-              <a:t>Недостатъци</a:t>
-            </a:r>
-            <a:endParaRPr lang="en-US" sz="3100" dirty="0"/>
+              <a:rPr lang="en-US" sz="3600" dirty="0"/>
+              <a:t>Drawbacks</a:t>
+            </a:r>
           </a:p>
           <a:p>
             <a:pPr lvl="1">
@@ -28768,42 +27889,9 @@
               </a:spcAft>
             </a:pPr>
             <a:r>
-              <a:rPr lang="bg-BG" sz="3100" dirty="0"/>
-              <a:t>Разработчиците могат да изпитат </a:t>
-            </a:r>
-            <a:r>
-              <a:rPr lang="bg-BG" sz="3100" b="1" dirty="0" err="1">
-                <a:solidFill>
-                  <a:schemeClr val="bg1"/>
-                </a:solidFill>
-              </a:rPr>
-              <a:t>пренатоварване</a:t>
-            </a:r>
-            <a:r>
-              <a:rPr lang="bg-BG" sz="3100" dirty="0"/>
-              <a:t> с </a:t>
-            </a:r>
-            <a:r>
-              <a:rPr lang="en-US" sz="3100" b="1" dirty="0">
-                <a:solidFill>
-                  <a:schemeClr val="bg1"/>
-                </a:solidFill>
-              </a:rPr>
-              <a:t>pattern</a:t>
-            </a:r>
-            <a:r>
-              <a:rPr lang="bg-BG" sz="3100" b="1" dirty="0">
-                <a:solidFill>
-                  <a:schemeClr val="bg1"/>
-                </a:solidFill>
-              </a:rPr>
-              <a:t>-и</a:t>
-            </a:r>
-            <a:endParaRPr lang="en-US" sz="3100" b="1" dirty="0">
-              <a:solidFill>
-                <a:schemeClr val="bg1"/>
-              </a:solidFill>
-            </a:endParaRPr>
+              <a:rPr lang="en-US" sz="3200" dirty="0"/>
+              <a:t>Deceptively simple</a:t>
+            </a:r>
           </a:p>
           <a:p>
             <a:pPr lvl="1">
@@ -28818,38 +27906,29 @@
               </a:spcAft>
             </a:pPr>
             <a:r>
-              <a:rPr lang="bg-BG" sz="3100" dirty="0"/>
-              <a:t>Валидират се чрез </a:t>
-            </a:r>
-            <a:r>
-              <a:rPr lang="bg-BG" sz="3100" b="1" dirty="0">
+              <a:rPr lang="en-US" sz="3200" dirty="0"/>
+              <a:t>Developers may suffer from </a:t>
+            </a:r>
+            <a:r>
+              <a:rPr lang="en-US" sz="3200" b="1" dirty="0">
                 <a:solidFill>
                   <a:schemeClr val="bg1"/>
                 </a:solidFill>
               </a:rPr>
-              <a:t>дискусии</a:t>
-            </a:r>
-            <a:r>
-              <a:rPr lang="bg-BG" sz="3100" dirty="0"/>
-              <a:t> и чрез </a:t>
-            </a:r>
-            <a:r>
-              <a:rPr lang="bg-BG" sz="3100" b="1" dirty="0">
+              <a:t>pattern overload </a:t>
+            </a:r>
+            <a:r>
+              <a:rPr lang="en-US" sz="3200" dirty="0"/>
+              <a:t>and </a:t>
+            </a:r>
+            <a:r>
+              <a:rPr lang="en-US" sz="3200" b="1" dirty="0">
                 <a:solidFill>
                   <a:schemeClr val="bg1"/>
                 </a:solidFill>
               </a:rPr>
-              <a:t>опит</a:t>
-            </a:r>
-            <a:r>
-              <a:rPr lang="en-US" sz="3100" dirty="0"/>
-              <a:t>, </a:t>
-            </a:r>
-            <a:r>
-              <a:rPr lang="bg-BG" sz="3100" dirty="0"/>
-              <a:t>а не чрез автоматизирано тестване</a:t>
-            </a:r>
-            <a:endParaRPr lang="en-US" sz="3100" dirty="0"/>
+              <a:t>overdesign</a:t>
+            </a:r>
           </a:p>
           <a:p>
             <a:pPr lvl="1">
@@ -28864,22 +27943,46 @@
               </a:spcAft>
             </a:pPr>
             <a:r>
-              <a:rPr lang="bg-BG" sz="3100" dirty="0"/>
-              <a:t>Използват се само ако са </a:t>
-            </a:r>
-            <a:r>
-              <a:rPr lang="bg-BG" sz="3100" b="1" dirty="0">
+              <a:rPr lang="en-US" sz="3200" dirty="0"/>
+              <a:t>Validated by </a:t>
+            </a:r>
+            <a:r>
+              <a:rPr lang="en-US" sz="3200" b="1" dirty="0">
                 <a:solidFill>
                   <a:schemeClr val="bg1"/>
                 </a:solidFill>
               </a:rPr>
-              <a:t>добре разбрани</a:t>
-            </a:r>
-            <a:endParaRPr lang="en-US" sz="3100" b="1" dirty="0">
-              <a:solidFill>
-                <a:schemeClr val="bg1"/>
-              </a:solidFill>
-            </a:endParaRPr>
+              <a:t>experience</a:t>
+            </a:r>
+            <a:r>
+              <a:rPr lang="en-US" sz="3200" dirty="0"/>
+              <a:t> and discussion, not by automated testing</a:t>
+            </a:r>
+          </a:p>
+          <a:p>
+            <a:pPr lvl="1">
+              <a:lnSpc>
+                <a:spcPct val="100000"/>
+              </a:lnSpc>
+              <a:spcBef>
+                <a:spcPts val="200"/>
+              </a:spcBef>
+              <a:spcAft>
+                <a:spcPts val="200"/>
+              </a:spcAft>
+            </a:pPr>
+            <a:r>
+              <a:rPr lang="en-US" sz="3200" dirty="0"/>
+              <a:t>Should be used only if </a:t>
+            </a:r>
+            <a:r>
+              <a:rPr lang="en-US" sz="3200" b="1" dirty="0">
+                <a:solidFill>
+                  <a:schemeClr val="bg1"/>
+                </a:solidFill>
+              </a:rPr>
+              <a:t>understood well</a:t>
+            </a:r>
           </a:p>
         </p:txBody>
       </p:sp>
@@ -28901,13 +28004,13 @@
         </p:nvSpPr>
         <p:spPr>
           <a:xfrm>
-            <a:off x="190406" y="1150608"/>
+            <a:off x="190402" y="1147500"/>
             <a:ext cx="5275598" cy="4957073"/>
           </a:xfrm>
         </p:spPr>
         <p:txBody>
           <a:bodyPr>
-            <a:noAutofit/>
+            <a:normAutofit lnSpcReduction="10000"/>
           </a:bodyPr>
           <a:lstStyle/>
           <a:p>
@@ -28917,10 +28020,9 @@
               </a:lnSpc>
             </a:pPr>
             <a:r>
-              <a:rPr lang="bg-BG" sz="2800" dirty="0"/>
-              <a:t>Предимства</a:t>
-            </a:r>
-            <a:endParaRPr lang="en-GB" sz="2800" dirty="0"/>
+              <a:rPr lang="en-GB" sz="3600" dirty="0"/>
+              <a:t>Benefits</a:t>
+            </a:r>
           </a:p>
           <a:p>
             <a:pPr lvl="1">
@@ -28932,10 +28034,9 @@
               </a:buClr>
             </a:pPr>
             <a:r>
-              <a:rPr lang="bg-BG" sz="2800" dirty="0"/>
-              <a:t>Имената формират сходна лексика</a:t>
-            </a:r>
-            <a:endParaRPr lang="en-US" sz="2800" dirty="0"/>
+              <a:rPr lang="en-US" sz="3200" dirty="0"/>
+              <a:t>Names form a common vocabulary</a:t>
+            </a:r>
           </a:p>
           <a:p>
             <a:pPr lvl="1">
@@ -28947,34 +28048,21 @@
               </a:buClr>
             </a:pPr>
             <a:r>
-              <a:rPr lang="bg-BG" sz="2800" dirty="0"/>
-              <a:t>Осигуряват</a:t>
-            </a:r>
-            <a:r>
-              <a:rPr lang="en-US" sz="2800" dirty="0"/>
-              <a:t> </a:t>
-            </a:r>
-            <a:r>
-              <a:rPr lang="bg-BG" sz="2800" b="1" dirty="0" err="1">
+              <a:rPr lang="en-US" sz="3200" dirty="0"/>
+              <a:t>Enable large-scale </a:t>
+            </a:r>
+            <a:r>
+              <a:rPr lang="en-US" sz="3200" b="1" dirty="0">
                 <a:solidFill>
                   <a:schemeClr val="bg1"/>
                 </a:solidFill>
               </a:rPr>
-              <a:t>преизползване</a:t>
-            </a:r>
-            <a:r>
-              <a:rPr lang="en-US" sz="2800" b="1" dirty="0">
-                <a:solidFill>
-                  <a:schemeClr val="bg1"/>
-                </a:solidFill>
-              </a:rPr>
-              <a:t> </a:t>
-            </a:r>
-            <a:r>
-              <a:rPr lang="bg-BG" sz="2800" dirty="0"/>
-              <a:t>на софтуерни архитектури в голям мащаб</a:t>
-            </a:r>
-            <a:endParaRPr lang="en-US" sz="2800" dirty="0"/>
+              <a:t>reuse</a:t>
+            </a:r>
+            <a:r>
+              <a:rPr lang="en-US" sz="3200" dirty="0"/>
+              <a:t> of software architectures</a:t>
+            </a:r>
           </a:p>
           <a:p>
             <a:pPr lvl="1">
@@ -28986,22 +28074,17 @@
               </a:buClr>
             </a:pPr>
             <a:r>
-              <a:rPr lang="bg-BG" sz="2800" dirty="0"/>
-              <a:t>Помагат за подобряване на </a:t>
-            </a:r>
-            <a:r>
-              <a:rPr lang="bg-BG" sz="2800" b="1" dirty="0">
+              <a:rPr lang="en-US" sz="3200" dirty="0"/>
+              <a:t>Help improve developer </a:t>
+            </a:r>
+            <a:r>
+              <a:rPr lang="en-US" sz="3200" b="1" dirty="0">
                 <a:solidFill>
                   <a:schemeClr val="bg1"/>
                 </a:solidFill>
               </a:rPr>
-              <a:t>комуникацията</a:t>
-            </a:r>
-            <a:endParaRPr lang="en-US" sz="2800" b="1" dirty="0">
-              <a:solidFill>
-                <a:schemeClr val="bg1"/>
-              </a:solidFill>
-            </a:endParaRPr>
+              <a:t>communication</a:t>
+            </a:r>
           </a:p>
           <a:p>
             <a:pPr lvl="1">
@@ -29013,25 +28096,24 @@
               </a:buClr>
             </a:pPr>
             <a:r>
-              <a:rPr lang="bg-BG" sz="2800" b="1" dirty="0">
+              <a:rPr lang="en-US" sz="3200" dirty="0"/>
+              <a:t>Can </a:t>
+            </a:r>
+            <a:r>
+              <a:rPr lang="en-US" sz="3200" b="1" dirty="0">
                 <a:solidFill>
                   <a:schemeClr val="bg1"/>
                 </a:solidFill>
               </a:rPr>
-              <a:t>Забързват</a:t>
-            </a:r>
-            <a:r>
-              <a:rPr lang="en-US" sz="2800" dirty="0"/>
-              <a:t> </a:t>
-            </a:r>
-            <a:r>
-              <a:rPr lang="bg-BG" sz="2800" dirty="0"/>
-              <a:t>разработката на кода</a:t>
-            </a:r>
-            <a:endParaRPr lang="en-US" sz="2800" dirty="0"/>
-          </a:p>
-          <a:p>
-            <a:endParaRPr lang="en-GB" sz="2800" dirty="0"/>
+              <a:t>speed-up</a:t>
+            </a:r>
+            <a:r>
+              <a:rPr lang="en-US" sz="3200" dirty="0"/>
+              <a:t> the development</a:t>
+            </a:r>
+          </a:p>
+          <a:p>
+            <a:endParaRPr lang="en-GB" sz="3000" dirty="0"/>
           </a:p>
         </p:txBody>
       </p:sp>
@@ -29057,8 +28139,8 @@
           <a:lstStyle/>
           <a:p>
             <a:r>
-              <a:rPr lang="bg-BG" dirty="0"/>
-              <a:t>Предимства и недостатъци</a:t>
+              <a:rPr lang="en-US" dirty="0"/>
+              <a:t>Benefits and Drawbacks</a:t>
             </a:r>
             <a:endParaRPr lang="en-GB" dirty="0"/>
           </a:p>
@@ -29410,33 +28492,15 @@
                                   </p:childTnLst>
                                 </p:cTn>
                               </p:par>
-                            </p:childTnLst>
-                          </p:cTn>
-                        </p:par>
-                      </p:childTnLst>
-                    </p:cTn>
-                  </p:par>
-                  <p:par>
-                    <p:cTn id="19" fill="hold">
-                      <p:stCondLst>
-                        <p:cond delay="indefinite"/>
-                      </p:stCondLst>
-                      <p:childTnLst>
-                        <p:par>
-                          <p:cTn id="20" fill="hold">
-                            <p:stCondLst>
-                              <p:cond delay="0"/>
-                            </p:stCondLst>
-                            <p:childTnLst>
                               <p:par>
-                                <p:cTn id="21" presetID="1" presetClass="entr" presetSubtype="0" fill="hold" nodeType="clickEffect">
+                                <p:cTn id="19" presetID="1" presetClass="entr" presetSubtype="0" fill="hold" nodeType="withEffect">
                                   <p:stCondLst>
                                     <p:cond delay="0"/>
                                   </p:stCondLst>
                                   <p:childTnLst>
                                     <p:set>
                                       <p:cBhvr>
-                                        <p:cTn id="22" dur="1" fill="hold">
+                                        <p:cTn id="20" dur="1" fill="hold">
                                           <p:stCondLst>
                                             <p:cond delay="0"/>
                                           </p:stCondLst>
@@ -29466,26 +28530,26 @@
                     </p:cTn>
                   </p:par>
                   <p:par>
-                    <p:cTn id="23" fill="hold">
+                    <p:cTn id="21" fill="hold">
                       <p:stCondLst>
                         <p:cond delay="indefinite"/>
                       </p:stCondLst>
                       <p:childTnLst>
                         <p:par>
-                          <p:cTn id="24" fill="hold">
+                          <p:cTn id="22" fill="hold">
                             <p:stCondLst>
                               <p:cond delay="0"/>
                             </p:stCondLst>
                             <p:childTnLst>
                               <p:par>
-                                <p:cTn id="25" presetID="1" presetClass="entr" presetSubtype="0" fill="hold" nodeType="clickEffect">
+                                <p:cTn id="23" presetID="1" presetClass="entr" presetSubtype="0" fill="hold" nodeType="clickEffect">
                                   <p:stCondLst>
                                     <p:cond delay="0"/>
                                   </p:stCondLst>
                                   <p:childTnLst>
                                     <p:set>
                                       <p:cBhvr>
-                                        <p:cTn id="26" dur="1" fill="hold">
+                                        <p:cTn id="24" dur="1" fill="hold">
                                           <p:stCondLst>
                                             <p:cond delay="0"/>
                                           </p:stCondLst>
@@ -29515,26 +28579,26 @@
                     </p:cTn>
                   </p:par>
                   <p:par>
-                    <p:cTn id="27" fill="hold">
+                    <p:cTn id="25" fill="hold">
                       <p:stCondLst>
                         <p:cond delay="indefinite"/>
                       </p:stCondLst>
                       <p:childTnLst>
                         <p:par>
-                          <p:cTn id="28" fill="hold">
+                          <p:cTn id="26" fill="hold">
                             <p:stCondLst>
                               <p:cond delay="0"/>
                             </p:stCondLst>
                             <p:childTnLst>
                               <p:par>
-                                <p:cTn id="29" presetID="1" presetClass="entr" presetSubtype="0" fill="hold" nodeType="clickEffect">
+                                <p:cTn id="27" presetID="1" presetClass="entr" presetSubtype="0" fill="hold" nodeType="clickEffect">
                                   <p:stCondLst>
                                     <p:cond delay="0"/>
                                   </p:stCondLst>
                                   <p:childTnLst>
                                     <p:set>
                                       <p:cBhvr>
-                                        <p:cTn id="30" dur="1" fill="hold">
+                                        <p:cTn id="28" dur="1" fill="hold">
                                           <p:stCondLst>
                                             <p:cond delay="0"/>
                                           </p:stCondLst>
@@ -29543,6 +28607,55 @@
                                           <p:spTgt spid="7">
                                             <p:txEl>
                                               <p:pRg st="3" end="3"/>
+                                            </p:txEl>
+                                          </p:spTgt>
+                                        </p:tgtEl>
+                                        <p:attrNameLst>
+                                          <p:attrName>style.visibility</p:attrName>
+                                        </p:attrNameLst>
+                                      </p:cBhvr>
+                                      <p:to>
+                                        <p:strVal val="visible"/>
+                                      </p:to>
+                                    </p:set>
+                                  </p:childTnLst>
+                                </p:cTn>
+                              </p:par>
+                            </p:childTnLst>
+                          </p:cTn>
+                        </p:par>
+                      </p:childTnLst>
+                    </p:cTn>
+                  </p:par>
+                  <p:par>
+                    <p:cTn id="29" fill="hold">
+                      <p:stCondLst>
+                        <p:cond delay="indefinite"/>
+                      </p:stCondLst>
+                      <p:childTnLst>
+                        <p:par>
+                          <p:cTn id="30" fill="hold">
+                            <p:stCondLst>
+                              <p:cond delay="0"/>
+                            </p:stCondLst>
+                            <p:childTnLst>
+                              <p:par>
+                                <p:cTn id="31" presetID="1" presetClass="entr" presetSubtype="0" fill="hold" nodeType="clickEffect">
+                                  <p:stCondLst>
+                                    <p:cond delay="0"/>
+                                  </p:stCondLst>
+                                  <p:childTnLst>
+                                    <p:set>
+                                      <p:cBhvr>
+                                        <p:cTn id="32" dur="1" fill="hold">
+                                          <p:stCondLst>
+                                            <p:cond delay="0"/>
+                                          </p:stCondLst>
+                                        </p:cTn>
+                                        <p:tgtEl>
+                                          <p:spTgt spid="7">
+                                            <p:txEl>
+                                              <p:pRg st="4" end="4"/>
                                             </p:txEl>
                                           </p:spTgt>
                                         </p:tgtEl>
@@ -29717,18 +28830,9 @@
           <a:lstStyle/>
           <a:p>
             <a:r>
-              <a:rPr lang="bg-BG" dirty="0"/>
-              <a:t>Видове </a:t>
-            </a:r>
-            <a:r>
-              <a:rPr lang="en-GB" dirty="0"/>
-              <a:t>Design Pattern</a:t>
-            </a:r>
-            <a:r>
-              <a:rPr lang="bg-BG" dirty="0"/>
-              <a:t>-и</a:t>
-            </a:r>
-            <a:endParaRPr lang="en-GB" dirty="0"/>
+              <a:rPr lang="en-GB"/>
+              <a:t>Types of Design Patterns</a:t>
+            </a:r>
           </a:p>
         </p:txBody>
       </p:sp>
@@ -29788,10 +28892,9 @@
           <a:lstStyle/>
           <a:p>
             <a:r>
-              <a:rPr lang="bg-BG" dirty="0"/>
-              <a:t>Главни типове</a:t>
-            </a:r>
-            <a:endParaRPr lang="en-US" dirty="0"/>
+              <a:rPr lang="en-US" dirty="0"/>
+              <a:t>Main Types</a:t>
+            </a:r>
           </a:p>
         </p:txBody>
       </p:sp>
@@ -29812,7 +28915,7 @@
         <p:spPr>
           <a:xfrm>
             <a:off x="6928219" y="3699000"/>
-            <a:ext cx="5060170" cy="3034800"/>
+            <a:ext cx="5062781" cy="3036366"/>
           </a:xfrm>
           <a:prstGeom prst="rect">
             <a:avLst/>
@@ -29965,7 +29068,7 @@
         </p:nvSpPr>
         <p:spPr>
           <a:xfrm>
-            <a:off x="156000" y="1235138"/>
+            <a:off x="191989" y="1190138"/>
             <a:ext cx="11808021" cy="5478862"/>
           </a:xfrm>
           <a:prstGeom prst="rect">
@@ -30159,7 +29262,7 @@
               </a:buClr>
             </a:pPr>
             <a:r>
-              <a:rPr lang="en-US" sz="3400" b="1" dirty="0">
+              <a:rPr lang="en-US" sz="3400" b="1">
                 <a:solidFill>
                   <a:schemeClr val="bg1"/>
                 </a:solidFill>
@@ -30167,14 +29270,9 @@
               <a:t>Creational</a:t>
             </a:r>
             <a:r>
-              <a:rPr lang="en-US" sz="3400" dirty="0"/>
-              <a:t> pattern</a:t>
-            </a:r>
-            <a:r>
-              <a:rPr lang="bg-BG" sz="3400" dirty="0"/>
-              <a:t>-и</a:t>
-            </a:r>
-            <a:endParaRPr lang="en-US" sz="3400" dirty="0"/>
+              <a:rPr lang="en-US" sz="3400"/>
+              <a:t> patterns</a:t>
+            </a:r>
           </a:p>
           <a:p>
             <a:pPr marL="1066419" lvl="1" indent="-457200">
@@ -30192,58 +29290,21 @@
               </a:buClr>
             </a:pPr>
             <a:r>
-              <a:rPr lang="bg-BG" sz="3200" b="1" dirty="0">
+              <a:rPr lang="en-US" sz="3200"/>
+              <a:t>Deal with </a:t>
+            </a:r>
+            <a:r>
+              <a:rPr lang="en-US" sz="3200" b="1">
                 <a:solidFill>
                   <a:schemeClr val="bg1"/>
                 </a:solidFill>
               </a:rPr>
-              <a:t>Инициализация</a:t>
-            </a:r>
-            <a:r>
-              <a:rPr lang="en-US" sz="3200" b="1" dirty="0">
-                <a:solidFill>
-                  <a:schemeClr val="bg1"/>
-                </a:solidFill>
-              </a:rPr>
-              <a:t> </a:t>
-            </a:r>
-            <a:r>
-              <a:rPr lang="bg-BG" sz="3200" b="1" dirty="0">
-                <a:solidFill>
-                  <a:schemeClr val="bg1"/>
-                </a:solidFill>
-              </a:rPr>
-              <a:t>и</a:t>
-            </a:r>
-            <a:r>
-              <a:rPr lang="en-US" sz="3200" b="1" dirty="0">
-                <a:solidFill>
-                  <a:schemeClr val="bg1"/>
-                </a:solidFill>
-              </a:rPr>
-              <a:t> </a:t>
-            </a:r>
-            <a:r>
-              <a:rPr lang="bg-BG" sz="3200" b="1" dirty="0">
-                <a:solidFill>
-                  <a:schemeClr val="bg1"/>
-                </a:solidFill>
-              </a:rPr>
-              <a:t>конфигурация</a:t>
-            </a:r>
-            <a:r>
-              <a:rPr lang="en-US" sz="3200" b="1" dirty="0">
-                <a:solidFill>
-                  <a:schemeClr val="bg1"/>
-                </a:solidFill>
-              </a:rPr>
-              <a:t> </a:t>
-            </a:r>
-            <a:r>
-              <a:rPr lang="bg-BG" sz="3200" dirty="0"/>
-              <a:t>на класове и обекти</a:t>
-            </a:r>
-            <a:endParaRPr lang="en-US" sz="3200" dirty="0"/>
+              <a:t>initialization and configuration </a:t>
+            </a:r>
+            <a:r>
+              <a:rPr lang="en-US" sz="3200"/>
+              <a:t>of classes and objects</a:t>
+            </a:r>
           </a:p>
           <a:p>
             <a:pPr marL="457200" indent="-457200">
@@ -30261,7 +29322,7 @@
               </a:buClr>
             </a:pPr>
             <a:r>
-              <a:rPr lang="en-US" sz="3400" b="1" dirty="0">
+              <a:rPr lang="en-US" sz="3400" b="1">
                 <a:solidFill>
                   <a:schemeClr val="bg1"/>
                 </a:solidFill>
@@ -30269,14 +29330,9 @@
               <a:t>Structural</a:t>
             </a:r>
             <a:r>
-              <a:rPr lang="en-US" sz="3400" dirty="0"/>
-              <a:t> pattern</a:t>
-            </a:r>
-            <a:r>
-              <a:rPr lang="bg-BG" sz="3400" dirty="0"/>
-              <a:t>-и</a:t>
-            </a:r>
-            <a:endParaRPr lang="en-US" sz="3400" dirty="0"/>
+              <a:rPr lang="en-US" sz="3400"/>
+              <a:t> patterns</a:t>
+            </a:r>
           </a:p>
           <a:p>
             <a:pPr marL="1066419" lvl="1" indent="-457200">
@@ -30294,38 +29350,29 @@
               </a:buClr>
             </a:pPr>
             <a:r>
-              <a:rPr lang="bg-BG" sz="3200" dirty="0"/>
-              <a:t>Използват начини за </a:t>
-            </a:r>
-            <a:r>
-              <a:rPr lang="bg-BG" sz="3200" b="1" dirty="0">
+              <a:rPr lang="en-US" sz="3200"/>
+              <a:t>Describe ways to </a:t>
+            </a:r>
+            <a:r>
+              <a:rPr lang="en-US" sz="3200" b="1">
                 <a:solidFill>
                   <a:schemeClr val="bg1"/>
                 </a:solidFill>
               </a:rPr>
-              <a:t>структуриране</a:t>
-            </a:r>
-            <a:r>
-              <a:rPr lang="en-US" sz="3200" dirty="0"/>
-              <a:t> </a:t>
-            </a:r>
-            <a:r>
-              <a:rPr lang="bg-BG" sz="3200" dirty="0"/>
-              <a:t>на обекти, за да имплементират </a:t>
-            </a:r>
-            <a:r>
-              <a:rPr lang="bg-BG" sz="3200" b="1" dirty="0">
+              <a:t>assemble</a:t>
+            </a:r>
+            <a:r>
+              <a:rPr lang="en-US" sz="3200"/>
+              <a:t> objects to implement </a:t>
+            </a:r>
+            <a:r>
+              <a:rPr lang="en-US" sz="3200" b="1">
                 <a:solidFill>
                   <a:schemeClr val="bg1"/>
                 </a:solidFill>
               </a:rPr>
-              <a:t>нова функционалност</a:t>
-            </a:r>
-            <a:endParaRPr lang="en-US" sz="3200" b="1" dirty="0">
-              <a:solidFill>
-                <a:schemeClr val="bg1"/>
-              </a:solidFill>
-            </a:endParaRPr>
+              <a:t>new functionality</a:t>
+            </a:r>
           </a:p>
           <a:p>
             <a:pPr marL="1066419" lvl="1" indent="-457200">
@@ -30343,22 +29390,17 @@
               </a:buClr>
             </a:pPr>
             <a:r>
-              <a:rPr lang="bg-BG" sz="3200" b="1" dirty="0">
+              <a:rPr lang="en-US" sz="3200" b="1">
                 <a:solidFill>
                   <a:schemeClr val="bg1"/>
                 </a:solidFill>
               </a:rPr>
-              <a:t>Композиция</a:t>
-            </a:r>
-            <a:r>
-              <a:rPr lang="en-US" sz="3200" dirty="0"/>
-              <a:t> </a:t>
-            </a:r>
-            <a:r>
-              <a:rPr lang="bg-BG" sz="3200" dirty="0"/>
-              <a:t>на класове и обекти</a:t>
-            </a:r>
-            <a:endParaRPr lang="en-US" sz="3200" dirty="0"/>
+              <a:t>Composition</a:t>
+            </a:r>
+            <a:r>
+              <a:rPr lang="en-US" sz="3200"/>
+              <a:t> of classes and objects</a:t>
+            </a:r>
           </a:p>
           <a:p>
             <a:pPr marL="457200" indent="-457200">
@@ -30376,7 +29418,7 @@
               </a:buClr>
             </a:pPr>
             <a:r>
-              <a:rPr lang="en-US" sz="3400" b="1" dirty="0">
+              <a:rPr lang="en-US" sz="3400" b="1">
                 <a:solidFill>
                   <a:schemeClr val="bg1"/>
                 </a:solidFill>
@@ -30384,14 +29426,9 @@
               <a:t>Behavioral</a:t>
             </a:r>
             <a:r>
-              <a:rPr lang="en-US" sz="3400" dirty="0"/>
-              <a:t> pattern</a:t>
-            </a:r>
-            <a:r>
-              <a:rPr lang="bg-BG" sz="3400" dirty="0"/>
-              <a:t>-и</a:t>
-            </a:r>
-            <a:endParaRPr lang="en-US" sz="3400" dirty="0"/>
+              <a:rPr lang="en-US" sz="3400"/>
+              <a:t> patterns</a:t>
+            </a:r>
           </a:p>
           <a:p>
             <a:pPr marL="1066419" lvl="1" indent="-457200">
@@ -30409,24 +29446,24 @@
               </a:buClr>
             </a:pPr>
             <a:r>
-              <a:rPr lang="bg-BG" sz="3200" dirty="0"/>
-              <a:t>Динамични </a:t>
-            </a:r>
-            <a:r>
-              <a:rPr lang="bg-BG" sz="3200" b="1" dirty="0">
+              <a:rPr lang="en-US" sz="3200"/>
+              <a:t>Deal with dynamic </a:t>
+            </a:r>
+            <a:r>
+              <a:rPr lang="en-US" sz="3200" b="1">
                 <a:solidFill>
                   <a:schemeClr val="bg1"/>
                 </a:solidFill>
               </a:rPr>
-              <a:t>интеракции</a:t>
-            </a:r>
-            <a:r>
-              <a:rPr lang="en-US" sz="3200" dirty="0"/>
+              <a:t>interactions</a:t>
+            </a:r>
+            <a:r>
+              <a:rPr lang="en-US" sz="3200"/>
               <a:t> </a:t>
             </a:r>
           </a:p>
           <a:p>
-            <a:pPr marL="1066419" lvl="1" indent="-457200">
+            <a:pPr lvl="1">
               <a:lnSpc>
                 <a:spcPct val="100000"/>
               </a:lnSpc>
@@ -30441,43 +29478,36 @@
               </a:buClr>
             </a:pPr>
             <a:r>
-              <a:rPr lang="bg-BG" sz="3200" dirty="0"/>
-              <a:t>Разпределят </a:t>
-            </a:r>
-            <a:r>
-              <a:rPr lang="en-US" sz="3200" dirty="0"/>
-              <a:t> </a:t>
-            </a:r>
-            <a:r>
-              <a:rPr lang="bg-BG" sz="3200" b="1" dirty="0">
-                <a:solidFill>
-                  <a:schemeClr val="bg1"/>
-                </a:solidFill>
-              </a:rPr>
-              <a:t>отговорност</a:t>
-            </a:r>
-            <a:r>
-              <a:rPr lang="bg-BG" sz="3200" dirty="0"/>
-              <a:t> </a:t>
-            </a:r>
-            <a:br>
-              <a:rPr lang="bg-BG" sz="3200" dirty="0"/>
-            </a:br>
-            <a:r>
-              <a:rPr lang="bg-BG" sz="3200" dirty="0"/>
-              <a:t>(</a:t>
-            </a:r>
-            <a:r>
-              <a:rPr lang="en-US" sz="3200" b="1" dirty="0">
+              <a:rPr lang="en-US" sz="3200"/>
+              <a:t>     among societies of classes</a:t>
+            </a:r>
+          </a:p>
+          <a:p>
+            <a:pPr marL="1066419" lvl="1" indent="-457200">
+              <a:lnSpc>
+                <a:spcPct val="100000"/>
+              </a:lnSpc>
+              <a:spcBef>
+                <a:spcPts val="100"/>
+              </a:spcBef>
+              <a:spcAft>
+                <a:spcPts val="100"/>
+              </a:spcAft>
+              <a:buClr>
+                <a:srgbClr val="234465"/>
+              </a:buClr>
+            </a:pPr>
+            <a:r>
+              <a:rPr lang="en-US" sz="3200"/>
+              <a:t>Distribute </a:t>
+            </a:r>
+            <a:r>
+              <a:rPr lang="en-US" sz="3200" b="1">
                 <a:solidFill>
                   <a:schemeClr val="bg1"/>
                 </a:solidFill>
               </a:rPr>
               <a:t>responsibility</a:t>
-            </a:r>
-            <a:r>
-              <a:rPr lang="bg-BG" sz="3200" dirty="0"/>
-              <a:t>)</a:t>
             </a:r>
             <a:endParaRPr lang="en-US" sz="3200" b="1" dirty="0">
               <a:solidFill>
@@ -30761,33 +29791,15 @@
                                   </p:childTnLst>
                                 </p:cTn>
                               </p:par>
-                            </p:childTnLst>
-                          </p:cTn>
-                        </p:par>
-                      </p:childTnLst>
-                    </p:cTn>
-                  </p:par>
-                  <p:par>
-                    <p:cTn id="23" fill="hold">
-                      <p:stCondLst>
-                        <p:cond delay="indefinite"/>
-                      </p:stCondLst>
-                      <p:childTnLst>
-                        <p:par>
-                          <p:cTn id="24" fill="hold">
-                            <p:stCondLst>
-                              <p:cond delay="0"/>
-                            </p:stCondLst>
-                            <p:childTnLst>
                               <p:par>
-                                <p:cTn id="25" presetID="1" presetClass="entr" presetSubtype="0" fill="hold" nodeType="clickEffect">
+                                <p:cTn id="23" presetID="1" presetClass="entr" presetSubtype="0" fill="hold" nodeType="withEffect">
                                   <p:stCondLst>
                                     <p:cond delay="0"/>
                                   </p:stCondLst>
                                   <p:childTnLst>
                                     <p:set>
                                       <p:cBhvr>
-                                        <p:cTn id="26" dur="1" fill="hold">
+                                        <p:cTn id="24" dur="1" fill="hold">
                                           <p:stCondLst>
                                             <p:cond delay="0"/>
                                           </p:stCondLst>
@@ -30796,6 +29808,55 @@
                                           <p:spTgt spid="9">
                                             <p:txEl>
                                               <p:pRg st="7" end="7"/>
+                                            </p:txEl>
+                                          </p:spTgt>
+                                        </p:tgtEl>
+                                        <p:attrNameLst>
+                                          <p:attrName>style.visibility</p:attrName>
+                                        </p:attrNameLst>
+                                      </p:cBhvr>
+                                      <p:to>
+                                        <p:strVal val="visible"/>
+                                      </p:to>
+                                    </p:set>
+                                  </p:childTnLst>
+                                </p:cTn>
+                              </p:par>
+                            </p:childTnLst>
+                          </p:cTn>
+                        </p:par>
+                      </p:childTnLst>
+                    </p:cTn>
+                  </p:par>
+                  <p:par>
+                    <p:cTn id="25" fill="hold">
+                      <p:stCondLst>
+                        <p:cond delay="indefinite"/>
+                      </p:stCondLst>
+                      <p:childTnLst>
+                        <p:par>
+                          <p:cTn id="26" fill="hold">
+                            <p:stCondLst>
+                              <p:cond delay="0"/>
+                            </p:stCondLst>
+                            <p:childTnLst>
+                              <p:par>
+                                <p:cTn id="27" presetID="1" presetClass="entr" presetSubtype="0" fill="hold" nodeType="clickEffect">
+                                  <p:stCondLst>
+                                    <p:cond delay="0"/>
+                                  </p:stCondLst>
+                                  <p:childTnLst>
+                                    <p:set>
+                                      <p:cBhvr>
+                                        <p:cTn id="28" dur="1" fill="hold">
+                                          <p:stCondLst>
+                                            <p:cond delay="0"/>
+                                          </p:stCondLst>
+                                        </p:cTn>
+                                        <p:tgtEl>
+                                          <p:spTgt spid="9">
+                                            <p:txEl>
+                                              <p:pRg st="8" end="8"/>
                                             </p:txEl>
                                           </p:spTgt>
                                         </p:tgtEl>

--- a/Courses/Software-Sciences/Module-1-OOP-New/15-Design-Patterns/15-Design-Patterns.pptx
+++ b/Courses/Software-Sciences/Module-1-OOP-New/15-Design-Patterns/15-Design-Patterns.pptx
@@ -157,13 +157,13 @@
   <p:extLst>
     <p:ext uri="{521415D9-36F7-43E2-AB2F-B90AF26B5E84}">
       <p14:sectionLst xmlns:p14="http://schemas.microsoft.com/office/powerpoint/2010/main">
-        <p14:section name="Intro" id="{86260F53-E7A8-4C36-98C6-EFA6D724CF7A}">
+        <p14:section name="Въведение" id="{86260F53-E7A8-4C36-98C6-EFA6D724CF7A}">
           <p14:sldIdLst>
             <p14:sldId id="291"/>
             <p14:sldId id="292"/>
           </p14:sldIdLst>
         </p14:section>
-        <p14:section name="Design Patterns" id="{635BEAD6-B0B3-43E2-9502-13BB3D4723C6}">
+        <p14:section name="Шаблони за дизайн" id="{635BEAD6-B0B3-43E2-9502-13BB3D4723C6}">
           <p14:sldIdLst>
             <p14:sldId id="294"/>
             <p14:sldId id="295"/>
@@ -172,14 +172,14 @@
             <p14:sldId id="494"/>
           </p14:sldIdLst>
         </p14:section>
-        <p14:section name="Types of Design Patterns" id="{7DCB62EB-7460-4581-BA2C-EEA1D73FD929}">
+        <p14:section name="Типове шаблони за дизайн" id="{7DCB62EB-7460-4581-BA2C-EEA1D73FD929}">
           <p14:sldIdLst>
             <p14:sldId id="301"/>
             <p14:sldId id="302"/>
             <p14:sldId id="495"/>
           </p14:sldIdLst>
         </p14:section>
-        <p14:section name="Creational Patterns" id="{9245A61C-C383-496A-8C32-90D8A4D551CE}">
+        <p14:section name="Creational шаблони" id="{9245A61C-C383-496A-8C32-90D8A4D551CE}">
           <p14:sldIdLst>
             <p14:sldId id="303"/>
             <p14:sldId id="304"/>
@@ -191,7 +191,7 @@
             <p14:sldId id="310"/>
           </p14:sldIdLst>
         </p14:section>
-        <p14:section name="Structural Patterns" id="{264A1D7D-1B6E-4C7C-A3A7-401F58145BC7}">
+        <p14:section name="Structural шаблони" id="{264A1D7D-1B6E-4C7C-A3A7-401F58145BC7}">
           <p14:sldIdLst>
             <p14:sldId id="311"/>
             <p14:sldId id="312"/>
@@ -207,7 +207,7 @@
             <p14:sldId id="322"/>
           </p14:sldIdLst>
         </p14:section>
-        <p14:section name="Behavioral Patterns" id="{33DDB4CA-31A3-437D-9DAC-6302010EA2AC}">
+        <p14:section name="Behavioral шаблони" id="{33DDB4CA-31A3-437D-9DAC-6302010EA2AC}">
           <p14:sldIdLst>
             <p14:sldId id="323"/>
             <p14:sldId id="324"/>
@@ -223,7 +223,7 @@
             <p14:sldId id="334"/>
           </p14:sldIdLst>
         </p14:section>
-        <p14:section name="Conclusion" id="{672020F4-DF3C-4604-B595-80A0FC6FD017}">
+        <p14:section name="Обобщение" id="{672020F4-DF3C-4604-B595-80A0FC6FD017}">
           <p14:sldIdLst>
             <p14:sldId id="335"/>
             <p14:sldId id="401"/>
@@ -347,7 +347,7 @@
           <a:p>
             <a:fld id="{4E087215-0C8F-4762-A664-737A353EC9A4}" type="datetimeFigureOut">
               <a:rPr lang="bg-BG" smtClean="0"/>
-              <a:t>31.8.2021 г.</a:t>
+              <a:t>13.01.23 г.</a:t>
             </a:fld>
             <a:endParaRPr lang="bg-BG"/>
           </a:p>
@@ -538,7 +538,7 @@
           <a:p>
             <a:fld id="{72D84649-876A-46C9-8472-14CB09C070D8}" type="datetimeFigureOut">
               <a:rPr lang="en-US" smtClean="0"/>
-              <a:t>8/31/2021</a:t>
+              <a:t>1/13/23</a:t>
             </a:fld>
             <a:endParaRPr lang="en-US"/>
           </a:p>
@@ -1004,6 +1004,868 @@
           <a:bodyPr/>
           <a:lstStyle/>
           <a:p>
+            <a:endParaRPr lang="en-BG" dirty="0"/>
+          </a:p>
+        </p:txBody>
+      </p:sp>
+      <p:sp>
+        <p:nvSpPr>
+          <p:cNvPr id="4" name="Slide Number Placeholder 3"/>
+          <p:cNvSpPr>
+            <a:spLocks noGrp="1"/>
+          </p:cNvSpPr>
+          <p:nvPr>
+            <p:ph type="sldNum" sz="quarter" idx="5"/>
+          </p:nvPr>
+        </p:nvSpPr>
+        <p:spPr/>
+        <p:txBody>
+          <a:bodyPr/>
+          <a:lstStyle/>
+          <a:p>
+            <a:fld id="{2BF067CD-8E6B-4360-9AA8-C5DF2A48A6D1}" type="slidenum">
+              <a:rPr lang="en-US" smtClean="0"/>
+              <a:t>22</a:t>
+            </a:fld>
+            <a:endParaRPr lang="en-US" dirty="0"/>
+          </a:p>
+        </p:txBody>
+      </p:sp>
+      <p:sp>
+        <p:nvSpPr>
+          <p:cNvPr id="5" name="Footer Placeholder 4"/>
+          <p:cNvSpPr>
+            <a:spLocks noGrp="1"/>
+          </p:cNvSpPr>
+          <p:nvPr>
+            <p:ph type="ftr" sz="quarter" idx="4"/>
+          </p:nvPr>
+        </p:nvSpPr>
+        <p:spPr/>
+        <p:txBody>
+          <a:bodyPr/>
+          <a:lstStyle/>
+          <a:p>
+            <a:r>
+              <a:rPr lang="en-US"/>
+              <a:t>© SoftUni – </a:t>
+            </a:r>
+            <a:r>
+              <a:rPr lang="en-US" u="sng">
+                <a:hlinkClick r:id="rId3"/>
+              </a:rPr>
+              <a:t>https://softuni.org</a:t>
+            </a:r>
+            <a:r>
+              <a:rPr lang="en-US"/>
+              <a:t>. Copyrighted document. Unauthorized copy or reproduction is not permitted.</a:t>
+            </a:r>
+            <a:endParaRPr lang="en-US" dirty="0"/>
+          </a:p>
+        </p:txBody>
+      </p:sp>
+    </p:spTree>
+    <p:extLst>
+      <p:ext uri="{BB962C8B-B14F-4D97-AF65-F5344CB8AC3E}">
+        <p14:creationId xmlns:p14="http://schemas.microsoft.com/office/powerpoint/2010/main" val="1406144760"/>
+      </p:ext>
+    </p:extLst>
+  </p:cSld>
+  <p:clrMapOvr>
+    <a:masterClrMapping/>
+  </p:clrMapOvr>
+</p:notes>
+</file>
+
+<file path=ppt/notesSlides/notesSlide11.xml><?xml version="1.0" encoding="utf-8"?>
+<p:notes xmlns:a="http://schemas.openxmlformats.org/drawingml/2006/main" xmlns:r="http://schemas.openxmlformats.org/officeDocument/2006/relationships" xmlns:p="http://schemas.openxmlformats.org/presentationml/2006/main">
+  <p:cSld>
+    <p:spTree>
+      <p:nvGrpSpPr>
+        <p:cNvPr id="1" name=""/>
+        <p:cNvGrpSpPr/>
+        <p:nvPr/>
+      </p:nvGrpSpPr>
+      <p:grpSpPr>
+        <a:xfrm>
+          <a:off x="0" y="0"/>
+          <a:ext cx="0" cy="0"/>
+          <a:chOff x="0" y="0"/>
+          <a:chExt cx="0" cy="0"/>
+        </a:xfrm>
+      </p:grpSpPr>
+      <p:sp>
+        <p:nvSpPr>
+          <p:cNvPr id="2" name="Slide Image Placeholder 1"/>
+          <p:cNvSpPr>
+            <a:spLocks noGrp="1" noRot="1" noChangeAspect="1"/>
+          </p:cNvSpPr>
+          <p:nvPr>
+            <p:ph type="sldImg"/>
+          </p:nvPr>
+        </p:nvSpPr>
+        <p:spPr/>
+      </p:sp>
+      <p:sp>
+        <p:nvSpPr>
+          <p:cNvPr id="3" name="Notes Placeholder 2"/>
+          <p:cNvSpPr>
+            <a:spLocks noGrp="1"/>
+          </p:cNvSpPr>
+          <p:nvPr>
+            <p:ph type="body" idx="1"/>
+          </p:nvPr>
+        </p:nvSpPr>
+        <p:spPr/>
+        <p:txBody>
+          <a:bodyPr/>
+          <a:lstStyle/>
+          <a:p>
+            <a:endParaRPr lang="en-US" dirty="0"/>
+          </a:p>
+        </p:txBody>
+      </p:sp>
+      <p:sp>
+        <p:nvSpPr>
+          <p:cNvPr id="4" name="Slide Number Placeholder 3"/>
+          <p:cNvSpPr>
+            <a:spLocks noGrp="1"/>
+          </p:cNvSpPr>
+          <p:nvPr>
+            <p:ph type="sldNum" sz="quarter" idx="10"/>
+          </p:nvPr>
+        </p:nvSpPr>
+        <p:spPr/>
+        <p:txBody>
+          <a:bodyPr/>
+          <a:lstStyle/>
+          <a:p>
+            <a:fld id="{3EBA5BD7-F043-4D1B-AA17-CD412FC534DE}" type="slidenum">
+              <a:rPr lang="en-US" smtClean="0"/>
+              <a:pPr/>
+              <a:t>31</a:t>
+            </a:fld>
+            <a:endParaRPr lang="en-US" dirty="0"/>
+          </a:p>
+        </p:txBody>
+      </p:sp>
+      <p:sp>
+        <p:nvSpPr>
+          <p:cNvPr id="6" name="Footer Placeholder 7">
+            <a:extLst>
+              <a:ext uri="{FF2B5EF4-FFF2-40B4-BE49-F238E27FC236}">
+                <a16:creationId xmlns:a16="http://schemas.microsoft.com/office/drawing/2014/main" id="{88DC02A7-7D70-4E63-8E2D-381DBEC499A1}"/>
+              </a:ext>
+            </a:extLst>
+          </p:cNvPr>
+          <p:cNvSpPr>
+            <a:spLocks noGrp="1"/>
+          </p:cNvSpPr>
+          <p:nvPr>
+            <p:ph type="ftr" sz="quarter" idx="4"/>
+          </p:nvPr>
+        </p:nvSpPr>
+        <p:spPr>
+          <a:xfrm>
+            <a:off x="-1" y="8847000"/>
+            <a:ext cx="6488999" cy="297000"/>
+          </a:xfrm>
+          <a:prstGeom prst="rect">
+            <a:avLst/>
+          </a:prstGeom>
+        </p:spPr>
+        <p:txBody>
+          <a:bodyPr vert="horz" lIns="91440" tIns="45720" rIns="91440" bIns="45720" rtlCol="0" anchor="b"/>
+          <a:lstStyle>
+            <a:lvl1pPr algn="l">
+              <a:defRPr sz="1100"/>
+            </a:lvl1pPr>
+          </a:lstStyle>
+          <a:p>
+            <a:r>
+              <a:rPr lang="en-US" dirty="0"/>
+              <a:t>© SoftUni – </a:t>
+            </a:r>
+            <a:r>
+              <a:rPr lang="en-US" u="sng" dirty="0">
+                <a:hlinkClick r:id="rId3"/>
+              </a:rPr>
+              <a:t>https://softuni.org</a:t>
+            </a:r>
+            <a:r>
+              <a:rPr lang="en-US" dirty="0"/>
+              <a:t>. Copyrighted document. Unauthorized copy or reproduction is not permitted.</a:t>
+            </a:r>
+          </a:p>
+        </p:txBody>
+      </p:sp>
+    </p:spTree>
+    <p:extLst>
+      <p:ext uri="{BB962C8B-B14F-4D97-AF65-F5344CB8AC3E}">
+        <p14:creationId xmlns:p14="http://schemas.microsoft.com/office/powerpoint/2010/main" val="1778616773"/>
+      </p:ext>
+    </p:extLst>
+  </p:cSld>
+  <p:clrMapOvr>
+    <a:masterClrMapping/>
+  </p:clrMapOvr>
+</p:notes>
+</file>
+
+<file path=ppt/notesSlides/notesSlide12.xml><?xml version="1.0" encoding="utf-8"?>
+<p:notes xmlns:a="http://schemas.openxmlformats.org/drawingml/2006/main" xmlns:r="http://schemas.openxmlformats.org/officeDocument/2006/relationships" xmlns:p="http://schemas.openxmlformats.org/presentationml/2006/main">
+  <p:cSld>
+    <p:spTree>
+      <p:nvGrpSpPr>
+        <p:cNvPr id="1" name=""/>
+        <p:cNvGrpSpPr/>
+        <p:nvPr/>
+      </p:nvGrpSpPr>
+      <p:grpSpPr>
+        <a:xfrm>
+          <a:off x="0" y="0"/>
+          <a:ext cx="0" cy="0"/>
+          <a:chOff x="0" y="0"/>
+          <a:chExt cx="0" cy="0"/>
+        </a:xfrm>
+      </p:grpSpPr>
+      <p:sp>
+        <p:nvSpPr>
+          <p:cNvPr id="2" name="Slide Image Placeholder 1"/>
+          <p:cNvSpPr>
+            <a:spLocks noGrp="1" noRot="1" noChangeAspect="1"/>
+          </p:cNvSpPr>
+          <p:nvPr>
+            <p:ph type="sldImg"/>
+          </p:nvPr>
+        </p:nvSpPr>
+        <p:spPr/>
+      </p:sp>
+      <p:sp>
+        <p:nvSpPr>
+          <p:cNvPr id="3" name="Notes Placeholder 2"/>
+          <p:cNvSpPr>
+            <a:spLocks noGrp="1"/>
+          </p:cNvSpPr>
+          <p:nvPr>
+            <p:ph type="body" idx="1"/>
+          </p:nvPr>
+        </p:nvSpPr>
+        <p:spPr/>
+        <p:txBody>
+          <a:bodyPr/>
+          <a:lstStyle/>
+          <a:p>
+            <a:endParaRPr lang="en-BG" dirty="0"/>
+          </a:p>
+        </p:txBody>
+      </p:sp>
+      <p:sp>
+        <p:nvSpPr>
+          <p:cNvPr id="4" name="Slide Number Placeholder 3"/>
+          <p:cNvSpPr>
+            <a:spLocks noGrp="1"/>
+          </p:cNvSpPr>
+          <p:nvPr>
+            <p:ph type="sldNum" sz="quarter" idx="5"/>
+          </p:nvPr>
+        </p:nvSpPr>
+        <p:spPr/>
+        <p:txBody>
+          <a:bodyPr/>
+          <a:lstStyle/>
+          <a:p>
+            <a:fld id="{2BF067CD-8E6B-4360-9AA8-C5DF2A48A6D1}" type="slidenum">
+              <a:rPr lang="en-US" smtClean="0"/>
+              <a:t>32</a:t>
+            </a:fld>
+            <a:endParaRPr lang="en-US" dirty="0"/>
+          </a:p>
+        </p:txBody>
+      </p:sp>
+      <p:sp>
+        <p:nvSpPr>
+          <p:cNvPr id="5" name="Footer Placeholder 4"/>
+          <p:cNvSpPr>
+            <a:spLocks noGrp="1"/>
+          </p:cNvSpPr>
+          <p:nvPr>
+            <p:ph type="ftr" sz="quarter" idx="4"/>
+          </p:nvPr>
+        </p:nvSpPr>
+        <p:spPr/>
+        <p:txBody>
+          <a:bodyPr/>
+          <a:lstStyle/>
+          <a:p>
+            <a:r>
+              <a:rPr lang="en-US"/>
+              <a:t>© SoftUni – </a:t>
+            </a:r>
+            <a:r>
+              <a:rPr lang="en-US" u="sng">
+                <a:hlinkClick r:id="rId3"/>
+              </a:rPr>
+              <a:t>https://softuni.org</a:t>
+            </a:r>
+            <a:r>
+              <a:rPr lang="en-US"/>
+              <a:t>. Copyrighted document. Unauthorized copy or reproduction is not permitted.</a:t>
+            </a:r>
+            <a:endParaRPr lang="en-US" dirty="0"/>
+          </a:p>
+        </p:txBody>
+      </p:sp>
+    </p:spTree>
+    <p:extLst>
+      <p:ext uri="{BB962C8B-B14F-4D97-AF65-F5344CB8AC3E}">
+        <p14:creationId xmlns:p14="http://schemas.microsoft.com/office/powerpoint/2010/main" val="1542359863"/>
+      </p:ext>
+    </p:extLst>
+  </p:cSld>
+  <p:clrMapOvr>
+    <a:masterClrMapping/>
+  </p:clrMapOvr>
+</p:notes>
+</file>
+
+<file path=ppt/notesSlides/notesSlide13.xml><?xml version="1.0" encoding="utf-8"?>
+<p:notes xmlns:a="http://schemas.openxmlformats.org/drawingml/2006/main" xmlns:r="http://schemas.openxmlformats.org/officeDocument/2006/relationships" xmlns:p="http://schemas.openxmlformats.org/presentationml/2006/main">
+  <p:cSld>
+    <p:spTree>
+      <p:nvGrpSpPr>
+        <p:cNvPr id="1" name=""/>
+        <p:cNvGrpSpPr/>
+        <p:nvPr/>
+      </p:nvGrpSpPr>
+      <p:grpSpPr>
+        <a:xfrm>
+          <a:off x="0" y="0"/>
+          <a:ext cx="0" cy="0"/>
+          <a:chOff x="0" y="0"/>
+          <a:chExt cx="0" cy="0"/>
+        </a:xfrm>
+      </p:grpSpPr>
+      <p:sp>
+        <p:nvSpPr>
+          <p:cNvPr id="2" name="Slide Image Placeholder 1"/>
+          <p:cNvSpPr>
+            <a:spLocks noGrp="1" noRot="1" noChangeAspect="1"/>
+          </p:cNvSpPr>
+          <p:nvPr>
+            <p:ph type="sldImg"/>
+          </p:nvPr>
+        </p:nvSpPr>
+        <p:spPr/>
+      </p:sp>
+      <p:sp>
+        <p:nvSpPr>
+          <p:cNvPr id="3" name="Notes Placeholder 2"/>
+          <p:cNvSpPr>
+            <a:spLocks noGrp="1"/>
+          </p:cNvSpPr>
+          <p:nvPr>
+            <p:ph type="body" idx="1"/>
+          </p:nvPr>
+        </p:nvSpPr>
+        <p:spPr/>
+        <p:txBody>
+          <a:bodyPr/>
+          <a:lstStyle/>
+          <a:p>
+            <a:endParaRPr lang="en-BG" dirty="0"/>
+          </a:p>
+        </p:txBody>
+      </p:sp>
+      <p:sp>
+        <p:nvSpPr>
+          <p:cNvPr id="4" name="Slide Number Placeholder 3"/>
+          <p:cNvSpPr>
+            <a:spLocks noGrp="1"/>
+          </p:cNvSpPr>
+          <p:nvPr>
+            <p:ph type="sldNum" sz="quarter" idx="5"/>
+          </p:nvPr>
+        </p:nvSpPr>
+        <p:spPr/>
+        <p:txBody>
+          <a:bodyPr/>
+          <a:lstStyle/>
+          <a:p>
+            <a:fld id="{2BF067CD-8E6B-4360-9AA8-C5DF2A48A6D1}" type="slidenum">
+              <a:rPr lang="en-US" smtClean="0"/>
+              <a:t>35</a:t>
+            </a:fld>
+            <a:endParaRPr lang="en-US" dirty="0"/>
+          </a:p>
+        </p:txBody>
+      </p:sp>
+      <p:sp>
+        <p:nvSpPr>
+          <p:cNvPr id="5" name="Footer Placeholder 4"/>
+          <p:cNvSpPr>
+            <a:spLocks noGrp="1"/>
+          </p:cNvSpPr>
+          <p:nvPr>
+            <p:ph type="ftr" sz="quarter" idx="4"/>
+          </p:nvPr>
+        </p:nvSpPr>
+        <p:spPr/>
+        <p:txBody>
+          <a:bodyPr/>
+          <a:lstStyle/>
+          <a:p>
+            <a:r>
+              <a:rPr lang="en-US"/>
+              <a:t>© SoftUni – </a:t>
+            </a:r>
+            <a:r>
+              <a:rPr lang="en-US" u="sng">
+                <a:hlinkClick r:id="rId3"/>
+              </a:rPr>
+              <a:t>https://softuni.org</a:t>
+            </a:r>
+            <a:r>
+              <a:rPr lang="en-US"/>
+              <a:t>. Copyrighted document. Unauthorized copy or reproduction is not permitted.</a:t>
+            </a:r>
+            <a:endParaRPr lang="en-US" dirty="0"/>
+          </a:p>
+        </p:txBody>
+      </p:sp>
+    </p:spTree>
+    <p:extLst>
+      <p:ext uri="{BB962C8B-B14F-4D97-AF65-F5344CB8AC3E}">
+        <p14:creationId xmlns:p14="http://schemas.microsoft.com/office/powerpoint/2010/main" val="3124796468"/>
+      </p:ext>
+    </p:extLst>
+  </p:cSld>
+  <p:clrMapOvr>
+    <a:masterClrMapping/>
+  </p:clrMapOvr>
+</p:notes>
+</file>
+
+<file path=ppt/notesSlides/notesSlide14.xml><?xml version="1.0" encoding="utf-8"?>
+<p:notes xmlns:a="http://schemas.openxmlformats.org/drawingml/2006/main" xmlns:r="http://schemas.openxmlformats.org/officeDocument/2006/relationships" xmlns:p="http://schemas.openxmlformats.org/presentationml/2006/main">
+  <p:cSld>
+    <p:spTree>
+      <p:nvGrpSpPr>
+        <p:cNvPr id="1" name=""/>
+        <p:cNvGrpSpPr/>
+        <p:nvPr/>
+      </p:nvGrpSpPr>
+      <p:grpSpPr>
+        <a:xfrm>
+          <a:off x="0" y="0"/>
+          <a:ext cx="0" cy="0"/>
+          <a:chOff x="0" y="0"/>
+          <a:chExt cx="0" cy="0"/>
+        </a:xfrm>
+      </p:grpSpPr>
+      <p:sp>
+        <p:nvSpPr>
+          <p:cNvPr id="2" name="Slide Image Placeholder 1"/>
+          <p:cNvSpPr>
+            <a:spLocks noGrp="1" noRot="1" noChangeAspect="1"/>
+          </p:cNvSpPr>
+          <p:nvPr>
+            <p:ph type="sldImg"/>
+          </p:nvPr>
+        </p:nvSpPr>
+        <p:spPr/>
+      </p:sp>
+      <p:sp>
+        <p:nvSpPr>
+          <p:cNvPr id="3" name="Notes Placeholder 2"/>
+          <p:cNvSpPr>
+            <a:spLocks noGrp="1"/>
+          </p:cNvSpPr>
+          <p:nvPr>
+            <p:ph type="body" idx="1"/>
+          </p:nvPr>
+        </p:nvSpPr>
+        <p:spPr/>
+        <p:txBody>
+          <a:bodyPr/>
+          <a:lstStyle/>
+          <a:p>
+            <a:endParaRPr lang="en-US" dirty="0"/>
+          </a:p>
+        </p:txBody>
+      </p:sp>
+      <p:sp>
+        <p:nvSpPr>
+          <p:cNvPr id="5" name="Slide Number Placeholder 4"/>
+          <p:cNvSpPr>
+            <a:spLocks noGrp="1"/>
+          </p:cNvSpPr>
+          <p:nvPr>
+            <p:ph type="sldNum" sz="quarter" idx="11"/>
+          </p:nvPr>
+        </p:nvSpPr>
+        <p:spPr/>
+        <p:txBody>
+          <a:bodyPr/>
+          <a:lstStyle/>
+          <a:p>
+            <a:fld id="{3EBA5BD7-F043-4D1B-AA17-CD412FC534DE}" type="slidenum">
+              <a:rPr lang="en-US" smtClean="0"/>
+              <a:pPr/>
+              <a:t>43</a:t>
+            </a:fld>
+            <a:endParaRPr lang="en-US" dirty="0"/>
+          </a:p>
+        </p:txBody>
+      </p:sp>
+      <p:sp>
+        <p:nvSpPr>
+          <p:cNvPr id="6" name="Footer Placeholder 7">
+            <a:extLst>
+              <a:ext uri="{FF2B5EF4-FFF2-40B4-BE49-F238E27FC236}">
+                <a16:creationId xmlns:a16="http://schemas.microsoft.com/office/drawing/2014/main" id="{54A34148-6056-478C-9CDD-88D6360416CE}"/>
+              </a:ext>
+            </a:extLst>
+          </p:cNvPr>
+          <p:cNvSpPr>
+            <a:spLocks noGrp="1"/>
+          </p:cNvSpPr>
+          <p:nvPr>
+            <p:ph type="ftr" sz="quarter" idx="4"/>
+          </p:nvPr>
+        </p:nvSpPr>
+        <p:spPr>
+          <a:xfrm>
+            <a:off x="-1" y="8847000"/>
+            <a:ext cx="6488999" cy="297000"/>
+          </a:xfrm>
+          <a:prstGeom prst="rect">
+            <a:avLst/>
+          </a:prstGeom>
+        </p:spPr>
+        <p:txBody>
+          <a:bodyPr vert="horz" lIns="91440" tIns="45720" rIns="91440" bIns="45720" rtlCol="0" anchor="b"/>
+          <a:lstStyle>
+            <a:lvl1pPr algn="l">
+              <a:defRPr sz="1100"/>
+            </a:lvl1pPr>
+          </a:lstStyle>
+          <a:p>
+            <a:r>
+              <a:rPr lang="en-US" dirty="0"/>
+              <a:t>© SoftUni – </a:t>
+            </a:r>
+            <a:r>
+              <a:rPr lang="en-US" u="sng" dirty="0">
+                <a:hlinkClick r:id="rId3"/>
+              </a:rPr>
+              <a:t>https://softuni.org</a:t>
+            </a:r>
+            <a:r>
+              <a:rPr lang="en-US" dirty="0"/>
+              <a:t>. Copyrighted document. Unauthorized copy or reproduction is not permitted.</a:t>
+            </a:r>
+          </a:p>
+        </p:txBody>
+      </p:sp>
+    </p:spTree>
+    <p:extLst>
+      <p:ext uri="{BB962C8B-B14F-4D97-AF65-F5344CB8AC3E}">
+        <p14:creationId xmlns:p14="http://schemas.microsoft.com/office/powerpoint/2010/main" val="2071545545"/>
+      </p:ext>
+    </p:extLst>
+  </p:cSld>
+  <p:clrMapOvr>
+    <a:masterClrMapping/>
+  </p:clrMapOvr>
+</p:notes>
+</file>
+
+<file path=ppt/notesSlides/notesSlide15.xml><?xml version="1.0" encoding="utf-8"?>
+<p:notes xmlns:a="http://schemas.openxmlformats.org/drawingml/2006/main" xmlns:r="http://schemas.openxmlformats.org/officeDocument/2006/relationships" xmlns:p="http://schemas.openxmlformats.org/presentationml/2006/main">
+  <p:cSld>
+    <p:spTree>
+      <p:nvGrpSpPr>
+        <p:cNvPr id="1" name=""/>
+        <p:cNvGrpSpPr/>
+        <p:nvPr/>
+      </p:nvGrpSpPr>
+      <p:grpSpPr>
+        <a:xfrm>
+          <a:off x="0" y="0"/>
+          <a:ext cx="0" cy="0"/>
+          <a:chOff x="0" y="0"/>
+          <a:chExt cx="0" cy="0"/>
+        </a:xfrm>
+      </p:grpSpPr>
+      <p:sp>
+        <p:nvSpPr>
+          <p:cNvPr id="2" name="Slide Image Placeholder 1"/>
+          <p:cNvSpPr>
+            <a:spLocks noGrp="1" noRot="1" noChangeAspect="1"/>
+          </p:cNvSpPr>
+          <p:nvPr>
+            <p:ph type="sldImg"/>
+          </p:nvPr>
+        </p:nvSpPr>
+        <p:spPr/>
+      </p:sp>
+      <p:sp>
+        <p:nvSpPr>
+          <p:cNvPr id="3" name="Notes Placeholder 2"/>
+          <p:cNvSpPr>
+            <a:spLocks noGrp="1"/>
+          </p:cNvSpPr>
+          <p:nvPr>
+            <p:ph type="body" idx="1"/>
+          </p:nvPr>
+        </p:nvSpPr>
+        <p:spPr/>
+        <p:txBody>
+          <a:bodyPr/>
+          <a:lstStyle/>
+          <a:p>
+            <a:endParaRPr lang="en-US" dirty="0"/>
+          </a:p>
+        </p:txBody>
+      </p:sp>
+      <p:sp>
+        <p:nvSpPr>
+          <p:cNvPr id="7" name="Slide Number Placeholder 5">
+            <a:extLst>
+              <a:ext uri="{FF2B5EF4-FFF2-40B4-BE49-F238E27FC236}">
+                <a16:creationId xmlns:a16="http://schemas.microsoft.com/office/drawing/2014/main" id="{5049B984-F964-47FF-8179-0A3007CE21CD}"/>
+              </a:ext>
+            </a:extLst>
+          </p:cNvPr>
+          <p:cNvSpPr txBox="1">
+            <a:spLocks/>
+          </p:cNvSpPr>
+          <p:nvPr/>
+        </p:nvSpPr>
+        <p:spPr>
+          <a:xfrm>
+            <a:off x="6488999" y="8847000"/>
+            <a:ext cx="367414" cy="297000"/>
+          </a:xfrm>
+          <a:prstGeom prst="rect">
+            <a:avLst/>
+          </a:prstGeom>
+        </p:spPr>
+        <p:txBody>
+          <a:bodyPr vert="horz" lIns="91440" tIns="45720" rIns="91440" bIns="45720" rtlCol="0" anchor="b"/>
+          <a:lstStyle>
+            <a:defPPr>
+              <a:defRPr lang="en-US"/>
+            </a:defPPr>
+            <a:lvl1pPr marL="0" algn="r" defTabSz="914400" rtl="0" eaLnBrk="1" latinLnBrk="0" hangingPunct="1">
+              <a:defRPr sz="1200" kern="1200">
+                <a:solidFill>
+                  <a:schemeClr val="tx1"/>
+                </a:solidFill>
+                <a:latin typeface="+mn-lt"/>
+                <a:ea typeface="+mn-ea"/>
+                <a:cs typeface="+mn-cs"/>
+              </a:defRPr>
+            </a:lvl1pPr>
+            <a:lvl2pPr marL="457200" algn="l" defTabSz="914400" rtl="0" eaLnBrk="1" latinLnBrk="0" hangingPunct="1">
+              <a:defRPr sz="1800" kern="1200">
+                <a:solidFill>
+                  <a:schemeClr val="tx1"/>
+                </a:solidFill>
+                <a:latin typeface="+mn-lt"/>
+                <a:ea typeface="+mn-ea"/>
+                <a:cs typeface="+mn-cs"/>
+              </a:defRPr>
+            </a:lvl2pPr>
+            <a:lvl3pPr marL="914400" algn="l" defTabSz="914400" rtl="0" eaLnBrk="1" latinLnBrk="0" hangingPunct="1">
+              <a:defRPr sz="1800" kern="1200">
+                <a:solidFill>
+                  <a:schemeClr val="tx1"/>
+                </a:solidFill>
+                <a:latin typeface="+mn-lt"/>
+                <a:ea typeface="+mn-ea"/>
+                <a:cs typeface="+mn-cs"/>
+              </a:defRPr>
+            </a:lvl3pPr>
+            <a:lvl4pPr marL="1371600" algn="l" defTabSz="914400" rtl="0" eaLnBrk="1" latinLnBrk="0" hangingPunct="1">
+              <a:defRPr sz="1800" kern="1200">
+                <a:solidFill>
+                  <a:schemeClr val="tx1"/>
+                </a:solidFill>
+                <a:latin typeface="+mn-lt"/>
+                <a:ea typeface="+mn-ea"/>
+                <a:cs typeface="+mn-cs"/>
+              </a:defRPr>
+            </a:lvl4pPr>
+            <a:lvl5pPr marL="1828800" algn="l" defTabSz="914400" rtl="0" eaLnBrk="1" latinLnBrk="0" hangingPunct="1">
+              <a:defRPr sz="1800" kern="1200">
+                <a:solidFill>
+                  <a:schemeClr val="tx1"/>
+                </a:solidFill>
+                <a:latin typeface="+mn-lt"/>
+                <a:ea typeface="+mn-ea"/>
+                <a:cs typeface="+mn-cs"/>
+              </a:defRPr>
+            </a:lvl5pPr>
+            <a:lvl6pPr marL="2286000" algn="l" defTabSz="914400" rtl="0" eaLnBrk="1" latinLnBrk="0" hangingPunct="1">
+              <a:defRPr sz="1800" kern="1200">
+                <a:solidFill>
+                  <a:schemeClr val="tx1"/>
+                </a:solidFill>
+                <a:latin typeface="+mn-lt"/>
+                <a:ea typeface="+mn-ea"/>
+                <a:cs typeface="+mn-cs"/>
+              </a:defRPr>
+            </a:lvl6pPr>
+            <a:lvl7pPr marL="2743200" algn="l" defTabSz="914400" rtl="0" eaLnBrk="1" latinLnBrk="0" hangingPunct="1">
+              <a:defRPr sz="1800" kern="1200">
+                <a:solidFill>
+                  <a:schemeClr val="tx1"/>
+                </a:solidFill>
+                <a:latin typeface="+mn-lt"/>
+                <a:ea typeface="+mn-ea"/>
+                <a:cs typeface="+mn-cs"/>
+              </a:defRPr>
+            </a:lvl7pPr>
+            <a:lvl8pPr marL="3200400" algn="l" defTabSz="914400" rtl="0" eaLnBrk="1" latinLnBrk="0" hangingPunct="1">
+              <a:defRPr sz="1800" kern="1200">
+                <a:solidFill>
+                  <a:schemeClr val="tx1"/>
+                </a:solidFill>
+                <a:latin typeface="+mn-lt"/>
+                <a:ea typeface="+mn-ea"/>
+                <a:cs typeface="+mn-cs"/>
+              </a:defRPr>
+            </a:lvl8pPr>
+            <a:lvl9pPr marL="3657600" algn="l" defTabSz="914400" rtl="0" eaLnBrk="1" latinLnBrk="0" hangingPunct="1">
+              <a:defRPr sz="1800" kern="1200">
+                <a:solidFill>
+                  <a:schemeClr val="tx1"/>
+                </a:solidFill>
+                <a:latin typeface="+mn-lt"/>
+                <a:ea typeface="+mn-ea"/>
+                <a:cs typeface="+mn-cs"/>
+              </a:defRPr>
+            </a:lvl9pPr>
+          </a:lstStyle>
+          <a:p>
+            <a:fld id="{3EBA5BD7-F043-4D1B-AA17-CD412FC534DE}" type="slidenum">
+              <a:rPr lang="en-US" smtClean="0"/>
+              <a:pPr/>
+              <a:t>44</a:t>
+            </a:fld>
+            <a:endParaRPr lang="en-US" dirty="0"/>
+          </a:p>
+        </p:txBody>
+      </p:sp>
+      <p:sp>
+        <p:nvSpPr>
+          <p:cNvPr id="6" name="Footer Placeholder 7">
+            <a:extLst>
+              <a:ext uri="{FF2B5EF4-FFF2-40B4-BE49-F238E27FC236}">
+                <a16:creationId xmlns:a16="http://schemas.microsoft.com/office/drawing/2014/main" id="{C03AC01D-DF1D-49AC-9458-3F8A046E86E5}"/>
+              </a:ext>
+            </a:extLst>
+          </p:cNvPr>
+          <p:cNvSpPr>
+            <a:spLocks noGrp="1"/>
+          </p:cNvSpPr>
+          <p:nvPr>
+            <p:ph type="ftr" sz="quarter" idx="4"/>
+          </p:nvPr>
+        </p:nvSpPr>
+        <p:spPr>
+          <a:xfrm>
+            <a:off x="-1" y="8847000"/>
+            <a:ext cx="6488999" cy="297000"/>
+          </a:xfrm>
+          <a:prstGeom prst="rect">
+            <a:avLst/>
+          </a:prstGeom>
+        </p:spPr>
+        <p:txBody>
+          <a:bodyPr vert="horz" lIns="91440" tIns="45720" rIns="91440" bIns="45720" rtlCol="0" anchor="b"/>
+          <a:lstStyle>
+            <a:lvl1pPr algn="l">
+              <a:defRPr sz="1100"/>
+            </a:lvl1pPr>
+          </a:lstStyle>
+          <a:p>
+            <a:r>
+              <a:rPr lang="en-US" dirty="0"/>
+              <a:t>© SoftUni – </a:t>
+            </a:r>
+            <a:r>
+              <a:rPr lang="en-US" u="sng" dirty="0">
+                <a:hlinkClick r:id="rId3"/>
+              </a:rPr>
+              <a:t>https://softuni.org</a:t>
+            </a:r>
+            <a:r>
+              <a:rPr lang="en-US" dirty="0"/>
+              <a:t>. Copyrighted document. Unauthorized copy or reproduction is not permitted.</a:t>
+            </a:r>
+          </a:p>
+        </p:txBody>
+      </p:sp>
+    </p:spTree>
+    <p:extLst>
+      <p:ext uri="{BB962C8B-B14F-4D97-AF65-F5344CB8AC3E}">
+        <p14:creationId xmlns:p14="http://schemas.microsoft.com/office/powerpoint/2010/main" val="2039651734"/>
+      </p:ext>
+    </p:extLst>
+  </p:cSld>
+  <p:clrMapOvr>
+    <a:masterClrMapping/>
+  </p:clrMapOvr>
+</p:notes>
+</file>
+
+<file path=ppt/notesSlides/notesSlide16.xml><?xml version="1.0" encoding="utf-8"?>
+<p:notes xmlns:a="http://schemas.openxmlformats.org/drawingml/2006/main" xmlns:r="http://schemas.openxmlformats.org/officeDocument/2006/relationships" xmlns:p="http://schemas.openxmlformats.org/presentationml/2006/main">
+  <p:cSld>
+    <p:spTree>
+      <p:nvGrpSpPr>
+        <p:cNvPr id="1" name=""/>
+        <p:cNvGrpSpPr/>
+        <p:nvPr/>
+      </p:nvGrpSpPr>
+      <p:grpSpPr>
+        <a:xfrm>
+          <a:off x="0" y="0"/>
+          <a:ext cx="0" cy="0"/>
+          <a:chOff x="0" y="0"/>
+          <a:chExt cx="0" cy="0"/>
+        </a:xfrm>
+      </p:grpSpPr>
+      <p:sp>
+        <p:nvSpPr>
+          <p:cNvPr id="2" name="Slide Image Placeholder 1"/>
+          <p:cNvSpPr>
+            <a:spLocks noGrp="1" noRot="1" noChangeAspect="1"/>
+          </p:cNvSpPr>
+          <p:nvPr>
+            <p:ph type="sldImg"/>
+          </p:nvPr>
+        </p:nvSpPr>
+        <p:spPr/>
+      </p:sp>
+      <p:sp>
+        <p:nvSpPr>
+          <p:cNvPr id="3" name="Notes Placeholder 2"/>
+          <p:cNvSpPr>
+            <a:spLocks noGrp="1"/>
+          </p:cNvSpPr>
+          <p:nvPr>
+            <p:ph type="body" idx="1"/>
+          </p:nvPr>
+        </p:nvSpPr>
+        <p:spPr/>
+        <p:txBody>
+          <a:bodyPr/>
+          <a:lstStyle/>
+          <a:p>
             <a:endParaRPr lang="en-US"/>
           </a:p>
         </p:txBody>
@@ -1515,7 +2377,7 @@
           <a:bodyPr/>
           <a:lstStyle/>
           <a:p>
-            <a:endParaRPr lang="en-US" dirty="0"/>
+            <a:endParaRPr lang="en-BG" dirty="0"/>
           </a:p>
         </p:txBody>
       </p:sp>
@@ -1526,7 +2388,7 @@
             <a:spLocks noGrp="1"/>
           </p:cNvSpPr>
           <p:nvPr>
-            <p:ph type="sldNum" sz="quarter" idx="10"/>
+            <p:ph type="sldNum" sz="quarter" idx="5"/>
           </p:nvPr>
         </p:nvSpPr>
         <p:spPr/>
@@ -1534,10 +2396,9 @@
           <a:bodyPr/>
           <a:lstStyle/>
           <a:p>
-            <a:fld id="{3EBA5BD7-F043-4D1B-AA17-CD412FC534DE}" type="slidenum">
+            <a:fld id="{2BF067CD-8E6B-4360-9AA8-C5DF2A48A6D1}" type="slidenum">
               <a:rPr lang="en-US" smtClean="0"/>
-              <a:pPr/>
-              <a:t>8</a:t>
+              <a:t>6</a:t>
             </a:fld>
             <a:endParaRPr lang="en-US" dirty="0"/>
           </a:p>
@@ -1545,13 +2406,7 @@
       </p:sp>
       <p:sp>
         <p:nvSpPr>
-          <p:cNvPr id="6" name="Footer Placeholder 7">
-            <a:extLst>
-              <a:ext uri="{FF2B5EF4-FFF2-40B4-BE49-F238E27FC236}">
-                <a16:creationId xmlns:a16="http://schemas.microsoft.com/office/drawing/2014/main" id="{D1FE9DD6-1A8B-4B0A-8536-3B270BD2824B}"/>
-              </a:ext>
-            </a:extLst>
-          </p:cNvPr>
+          <p:cNvPr id="5" name="Footer Placeholder 4"/>
           <p:cNvSpPr>
             <a:spLocks noGrp="1"/>
           </p:cNvSpPr>
@@ -1559,44 +2414,33 @@
             <p:ph type="ftr" sz="quarter" idx="4"/>
           </p:nvPr>
         </p:nvSpPr>
-        <p:spPr>
-          <a:xfrm>
-            <a:off x="-1" y="8847000"/>
-            <a:ext cx="6488999" cy="297000"/>
-          </a:xfrm>
-          <a:prstGeom prst="rect">
-            <a:avLst/>
-          </a:prstGeom>
-        </p:spPr>
+        <p:spPr/>
         <p:txBody>
-          <a:bodyPr vert="horz" lIns="91440" tIns="45720" rIns="91440" bIns="45720" rtlCol="0" anchor="b"/>
-          <a:lstStyle>
-            <a:lvl1pPr algn="l">
-              <a:defRPr sz="1100"/>
-            </a:lvl1pPr>
-          </a:lstStyle>
-          <a:p>
-            <a:r>
-              <a:rPr lang="en-US" dirty="0"/>
+          <a:bodyPr/>
+          <a:lstStyle/>
+          <a:p>
+            <a:r>
+              <a:rPr lang="en-US"/>
               <a:t>© SoftUni – </a:t>
             </a:r>
             <a:r>
-              <a:rPr lang="en-US" u="sng" dirty="0">
+              <a:rPr lang="en-US" u="sng">
                 <a:hlinkClick r:id="rId3"/>
               </a:rPr>
               <a:t>https://softuni.org</a:t>
             </a:r>
             <a:r>
-              <a:rPr lang="en-US" dirty="0"/>
+              <a:rPr lang="en-US"/>
               <a:t>. Copyrighted document. Unauthorized copy or reproduction is not permitted.</a:t>
             </a:r>
+            <a:endParaRPr lang="en-US" dirty="0"/>
           </a:p>
         </p:txBody>
       </p:sp>
     </p:spTree>
     <p:extLst>
       <p:ext uri="{BB962C8B-B14F-4D97-AF65-F5344CB8AC3E}">
-        <p14:creationId xmlns:p14="http://schemas.microsoft.com/office/powerpoint/2010/main" val="4146290454"/>
+        <p14:creationId xmlns:p14="http://schemas.microsoft.com/office/powerpoint/2010/main" val="4041157290"/>
       </p:ext>
     </p:extLst>
   </p:cSld>
@@ -1650,7 +2494,7 @@
           <a:bodyPr/>
           <a:lstStyle/>
           <a:p>
-            <a:endParaRPr lang="en-US" dirty="0"/>
+            <a:endParaRPr lang="en-BG" dirty="0"/>
           </a:p>
         </p:txBody>
       </p:sp>
@@ -1661,7 +2505,7 @@
             <a:spLocks noGrp="1"/>
           </p:cNvSpPr>
           <p:nvPr>
-            <p:ph type="sldNum" sz="quarter" idx="10"/>
+            <p:ph type="sldNum" sz="quarter" idx="5"/>
           </p:nvPr>
         </p:nvSpPr>
         <p:spPr/>
@@ -1669,10 +2513,9 @@
           <a:bodyPr/>
           <a:lstStyle/>
           <a:p>
-            <a:fld id="{3EBA5BD7-F043-4D1B-AA17-CD412FC534DE}" type="slidenum">
+            <a:fld id="{2BF067CD-8E6B-4360-9AA8-C5DF2A48A6D1}" type="slidenum">
               <a:rPr lang="en-US" smtClean="0"/>
-              <a:pPr/>
-              <a:t>11</a:t>
+              <a:t>7</a:t>
             </a:fld>
             <a:endParaRPr lang="en-US" dirty="0"/>
           </a:p>
@@ -1680,13 +2523,7 @@
       </p:sp>
       <p:sp>
         <p:nvSpPr>
-          <p:cNvPr id="6" name="Footer Placeholder 7">
-            <a:extLst>
-              <a:ext uri="{FF2B5EF4-FFF2-40B4-BE49-F238E27FC236}">
-                <a16:creationId xmlns:a16="http://schemas.microsoft.com/office/drawing/2014/main" id="{3B4DFA43-47D5-497B-9653-4709B4572416}"/>
-              </a:ext>
-            </a:extLst>
-          </p:cNvPr>
+          <p:cNvPr id="5" name="Footer Placeholder 4"/>
           <p:cNvSpPr>
             <a:spLocks noGrp="1"/>
           </p:cNvSpPr>
@@ -1694,44 +2531,33 @@
             <p:ph type="ftr" sz="quarter" idx="4"/>
           </p:nvPr>
         </p:nvSpPr>
-        <p:spPr>
-          <a:xfrm>
-            <a:off x="-1" y="8847000"/>
-            <a:ext cx="6488999" cy="297000"/>
-          </a:xfrm>
-          <a:prstGeom prst="rect">
-            <a:avLst/>
-          </a:prstGeom>
-        </p:spPr>
+        <p:spPr/>
         <p:txBody>
-          <a:bodyPr vert="horz" lIns="91440" tIns="45720" rIns="91440" bIns="45720" rtlCol="0" anchor="b"/>
-          <a:lstStyle>
-            <a:lvl1pPr algn="l">
-              <a:defRPr sz="1100"/>
-            </a:lvl1pPr>
-          </a:lstStyle>
-          <a:p>
-            <a:r>
-              <a:rPr lang="en-US" dirty="0"/>
+          <a:bodyPr/>
+          <a:lstStyle/>
+          <a:p>
+            <a:r>
+              <a:rPr lang="en-US"/>
               <a:t>© SoftUni – </a:t>
             </a:r>
             <a:r>
-              <a:rPr lang="en-US" u="sng" dirty="0">
+              <a:rPr lang="en-US" u="sng">
                 <a:hlinkClick r:id="rId3"/>
               </a:rPr>
               <a:t>https://softuni.org</a:t>
             </a:r>
             <a:r>
-              <a:rPr lang="en-US" dirty="0"/>
+              <a:rPr lang="en-US"/>
               <a:t>. Copyrighted document. Unauthorized copy or reproduction is not permitted.</a:t>
             </a:r>
+            <a:endParaRPr lang="en-US" dirty="0"/>
           </a:p>
         </p:txBody>
       </p:sp>
     </p:spTree>
     <p:extLst>
       <p:ext uri="{BB962C8B-B14F-4D97-AF65-F5344CB8AC3E}">
-        <p14:creationId xmlns:p14="http://schemas.microsoft.com/office/powerpoint/2010/main" val="924143700"/>
+        <p14:creationId xmlns:p14="http://schemas.microsoft.com/office/powerpoint/2010/main" val="100796769"/>
       </p:ext>
     </p:extLst>
   </p:cSld>
@@ -1807,7 +2633,7 @@
             <a:fld id="{3EBA5BD7-F043-4D1B-AA17-CD412FC534DE}" type="slidenum">
               <a:rPr lang="en-US" smtClean="0"/>
               <a:pPr/>
-              <a:t>19</a:t>
+              <a:t>8</a:t>
             </a:fld>
             <a:endParaRPr lang="en-US" dirty="0"/>
           </a:p>
@@ -1818,7 +2644,7 @@
           <p:cNvPr id="6" name="Footer Placeholder 7">
             <a:extLst>
               <a:ext uri="{FF2B5EF4-FFF2-40B4-BE49-F238E27FC236}">
-                <a16:creationId xmlns:a16="http://schemas.microsoft.com/office/drawing/2014/main" id="{D49EA391-4447-493D-AA4C-66FCD44CB3E4}"/>
+                <a16:creationId xmlns:a16="http://schemas.microsoft.com/office/drawing/2014/main" id="{D1FE9DD6-1A8B-4B0A-8536-3B270BD2824B}"/>
               </a:ext>
             </a:extLst>
           </p:cNvPr>
@@ -1866,7 +2692,7 @@
     </p:spTree>
     <p:extLst>
       <p:ext uri="{BB962C8B-B14F-4D97-AF65-F5344CB8AC3E}">
-        <p14:creationId xmlns:p14="http://schemas.microsoft.com/office/powerpoint/2010/main" val="2700700720"/>
+        <p14:creationId xmlns:p14="http://schemas.microsoft.com/office/powerpoint/2010/main" val="4146290454"/>
       </p:ext>
     </p:extLst>
   </p:cSld>
@@ -1942,7 +2768,7 @@
             <a:fld id="{3EBA5BD7-F043-4D1B-AA17-CD412FC534DE}" type="slidenum">
               <a:rPr lang="en-US" smtClean="0"/>
               <a:pPr/>
-              <a:t>31</a:t>
+              <a:t>11</a:t>
             </a:fld>
             <a:endParaRPr lang="en-US" dirty="0"/>
           </a:p>
@@ -1953,7 +2779,7 @@
           <p:cNvPr id="6" name="Footer Placeholder 7">
             <a:extLst>
               <a:ext uri="{FF2B5EF4-FFF2-40B4-BE49-F238E27FC236}">
-                <a16:creationId xmlns:a16="http://schemas.microsoft.com/office/drawing/2014/main" id="{88DC02A7-7D70-4E63-8E2D-381DBEC499A1}"/>
+                <a16:creationId xmlns:a16="http://schemas.microsoft.com/office/drawing/2014/main" id="{3B4DFA43-47D5-497B-9653-4709B4572416}"/>
               </a:ext>
             </a:extLst>
           </p:cNvPr>
@@ -2001,7 +2827,7 @@
     </p:spTree>
     <p:extLst>
       <p:ext uri="{BB962C8B-B14F-4D97-AF65-F5344CB8AC3E}">
-        <p14:creationId xmlns:p14="http://schemas.microsoft.com/office/powerpoint/2010/main" val="1778616773"/>
+        <p14:creationId xmlns:p14="http://schemas.microsoft.com/office/powerpoint/2010/main" val="924143700"/>
       </p:ext>
     </p:extLst>
   </p:cSld>
@@ -2055,18 +2881,18 @@
           <a:bodyPr/>
           <a:lstStyle/>
           <a:p>
-            <a:endParaRPr lang="en-US" dirty="0"/>
+            <a:endParaRPr lang="en-BG" dirty="0"/>
           </a:p>
         </p:txBody>
       </p:sp>
       <p:sp>
         <p:nvSpPr>
-          <p:cNvPr id="5" name="Slide Number Placeholder 4"/>
+          <p:cNvPr id="4" name="Slide Number Placeholder 3"/>
           <p:cNvSpPr>
             <a:spLocks noGrp="1"/>
           </p:cNvSpPr>
           <p:nvPr>
-            <p:ph type="sldNum" sz="quarter" idx="11"/>
+            <p:ph type="sldNum" sz="quarter" idx="5"/>
           </p:nvPr>
         </p:nvSpPr>
         <p:spPr/>
@@ -2074,10 +2900,9 @@
           <a:bodyPr/>
           <a:lstStyle/>
           <a:p>
-            <a:fld id="{3EBA5BD7-F043-4D1B-AA17-CD412FC534DE}" type="slidenum">
+            <a:fld id="{2BF067CD-8E6B-4360-9AA8-C5DF2A48A6D1}" type="slidenum">
               <a:rPr lang="en-US" smtClean="0"/>
-              <a:pPr/>
-              <a:t>43</a:t>
+              <a:t>13</a:t>
             </a:fld>
             <a:endParaRPr lang="en-US" dirty="0"/>
           </a:p>
@@ -2085,13 +2910,7 @@
       </p:sp>
       <p:sp>
         <p:nvSpPr>
-          <p:cNvPr id="6" name="Footer Placeholder 7">
-            <a:extLst>
-              <a:ext uri="{FF2B5EF4-FFF2-40B4-BE49-F238E27FC236}">
-                <a16:creationId xmlns:a16="http://schemas.microsoft.com/office/drawing/2014/main" id="{54A34148-6056-478C-9CDD-88D6360416CE}"/>
-              </a:ext>
-            </a:extLst>
-          </p:cNvPr>
+          <p:cNvPr id="5" name="Footer Placeholder 4"/>
           <p:cNvSpPr>
             <a:spLocks noGrp="1"/>
           </p:cNvSpPr>
@@ -2099,44 +2918,33 @@
             <p:ph type="ftr" sz="quarter" idx="4"/>
           </p:nvPr>
         </p:nvSpPr>
-        <p:spPr>
-          <a:xfrm>
-            <a:off x="-1" y="8847000"/>
-            <a:ext cx="6488999" cy="297000"/>
-          </a:xfrm>
-          <a:prstGeom prst="rect">
-            <a:avLst/>
-          </a:prstGeom>
-        </p:spPr>
+        <p:spPr/>
         <p:txBody>
-          <a:bodyPr vert="horz" lIns="91440" tIns="45720" rIns="91440" bIns="45720" rtlCol="0" anchor="b"/>
-          <a:lstStyle>
-            <a:lvl1pPr algn="l">
-              <a:defRPr sz="1100"/>
-            </a:lvl1pPr>
-          </a:lstStyle>
-          <a:p>
-            <a:r>
-              <a:rPr lang="en-US" dirty="0"/>
+          <a:bodyPr/>
+          <a:lstStyle/>
+          <a:p>
+            <a:r>
+              <a:rPr lang="en-US"/>
               <a:t>© SoftUni – </a:t>
             </a:r>
             <a:r>
-              <a:rPr lang="en-US" u="sng" dirty="0">
+              <a:rPr lang="en-US" u="sng">
                 <a:hlinkClick r:id="rId3"/>
               </a:rPr>
               <a:t>https://softuni.org</a:t>
             </a:r>
             <a:r>
-              <a:rPr lang="en-US" dirty="0"/>
+              <a:rPr lang="en-US"/>
               <a:t>. Copyrighted document. Unauthorized copy or reproduction is not permitted.</a:t>
             </a:r>
+            <a:endParaRPr lang="en-US" dirty="0"/>
           </a:p>
         </p:txBody>
       </p:sp>
     </p:spTree>
     <p:extLst>
       <p:ext uri="{BB962C8B-B14F-4D97-AF65-F5344CB8AC3E}">
-        <p14:creationId xmlns:p14="http://schemas.microsoft.com/office/powerpoint/2010/main" val="2071545545"/>
+        <p14:creationId xmlns:p14="http://schemas.microsoft.com/office/powerpoint/2010/main" val="387488137"/>
       </p:ext>
     </p:extLst>
   </p:cSld>
@@ -2190,135 +2998,29 @@
           <a:bodyPr/>
           <a:lstStyle/>
           <a:p>
-            <a:endParaRPr lang="en-US"/>
+            <a:endParaRPr lang="en-US" dirty="0"/>
           </a:p>
         </p:txBody>
       </p:sp>
       <p:sp>
         <p:nvSpPr>
-          <p:cNvPr id="7" name="Slide Number Placeholder 5">
-            <a:extLst>
-              <a:ext uri="{FF2B5EF4-FFF2-40B4-BE49-F238E27FC236}">
-                <a16:creationId xmlns:a16="http://schemas.microsoft.com/office/drawing/2014/main" id="{5049B984-F964-47FF-8179-0A3007CE21CD}"/>
-              </a:ext>
-            </a:extLst>
-          </p:cNvPr>
-          <p:cNvSpPr txBox="1">
-            <a:spLocks/>
+          <p:cNvPr id="4" name="Slide Number Placeholder 3"/>
+          <p:cNvSpPr>
+            <a:spLocks noGrp="1"/>
           </p:cNvSpPr>
-          <p:nvPr/>
+          <p:nvPr>
+            <p:ph type="sldNum" sz="quarter" idx="10"/>
+          </p:nvPr>
         </p:nvSpPr>
-        <p:spPr>
-          <a:xfrm>
-            <a:off x="6488999" y="8847000"/>
-            <a:ext cx="367414" cy="297000"/>
-          </a:xfrm>
-          <a:prstGeom prst="rect">
-            <a:avLst/>
-          </a:prstGeom>
-        </p:spPr>
+        <p:spPr/>
         <p:txBody>
-          <a:bodyPr vert="horz" lIns="91440" tIns="45720" rIns="91440" bIns="45720" rtlCol="0" anchor="b"/>
-          <a:lstStyle>
-            <a:defPPr>
-              <a:defRPr lang="en-US"/>
-            </a:defPPr>
-            <a:lvl1pPr marL="0" algn="r" defTabSz="914400" rtl="0" eaLnBrk="1" latinLnBrk="0" hangingPunct="1">
-              <a:defRPr sz="1200" kern="1200">
-                <a:solidFill>
-                  <a:schemeClr val="tx1"/>
-                </a:solidFill>
-                <a:latin typeface="+mn-lt"/>
-                <a:ea typeface="+mn-ea"/>
-                <a:cs typeface="+mn-cs"/>
-              </a:defRPr>
-            </a:lvl1pPr>
-            <a:lvl2pPr marL="457200" algn="l" defTabSz="914400" rtl="0" eaLnBrk="1" latinLnBrk="0" hangingPunct="1">
-              <a:defRPr sz="1800" kern="1200">
-                <a:solidFill>
-                  <a:schemeClr val="tx1"/>
-                </a:solidFill>
-                <a:latin typeface="+mn-lt"/>
-                <a:ea typeface="+mn-ea"/>
-                <a:cs typeface="+mn-cs"/>
-              </a:defRPr>
-            </a:lvl2pPr>
-            <a:lvl3pPr marL="914400" algn="l" defTabSz="914400" rtl="0" eaLnBrk="1" latinLnBrk="0" hangingPunct="1">
-              <a:defRPr sz="1800" kern="1200">
-                <a:solidFill>
-                  <a:schemeClr val="tx1"/>
-                </a:solidFill>
-                <a:latin typeface="+mn-lt"/>
-                <a:ea typeface="+mn-ea"/>
-                <a:cs typeface="+mn-cs"/>
-              </a:defRPr>
-            </a:lvl3pPr>
-            <a:lvl4pPr marL="1371600" algn="l" defTabSz="914400" rtl="0" eaLnBrk="1" latinLnBrk="0" hangingPunct="1">
-              <a:defRPr sz="1800" kern="1200">
-                <a:solidFill>
-                  <a:schemeClr val="tx1"/>
-                </a:solidFill>
-                <a:latin typeface="+mn-lt"/>
-                <a:ea typeface="+mn-ea"/>
-                <a:cs typeface="+mn-cs"/>
-              </a:defRPr>
-            </a:lvl4pPr>
-            <a:lvl5pPr marL="1828800" algn="l" defTabSz="914400" rtl="0" eaLnBrk="1" latinLnBrk="0" hangingPunct="1">
-              <a:defRPr sz="1800" kern="1200">
-                <a:solidFill>
-                  <a:schemeClr val="tx1"/>
-                </a:solidFill>
-                <a:latin typeface="+mn-lt"/>
-                <a:ea typeface="+mn-ea"/>
-                <a:cs typeface="+mn-cs"/>
-              </a:defRPr>
-            </a:lvl5pPr>
-            <a:lvl6pPr marL="2286000" algn="l" defTabSz="914400" rtl="0" eaLnBrk="1" latinLnBrk="0" hangingPunct="1">
-              <a:defRPr sz="1800" kern="1200">
-                <a:solidFill>
-                  <a:schemeClr val="tx1"/>
-                </a:solidFill>
-                <a:latin typeface="+mn-lt"/>
-                <a:ea typeface="+mn-ea"/>
-                <a:cs typeface="+mn-cs"/>
-              </a:defRPr>
-            </a:lvl6pPr>
-            <a:lvl7pPr marL="2743200" algn="l" defTabSz="914400" rtl="0" eaLnBrk="1" latinLnBrk="0" hangingPunct="1">
-              <a:defRPr sz="1800" kern="1200">
-                <a:solidFill>
-                  <a:schemeClr val="tx1"/>
-                </a:solidFill>
-                <a:latin typeface="+mn-lt"/>
-                <a:ea typeface="+mn-ea"/>
-                <a:cs typeface="+mn-cs"/>
-              </a:defRPr>
-            </a:lvl7pPr>
-            <a:lvl8pPr marL="3200400" algn="l" defTabSz="914400" rtl="0" eaLnBrk="1" latinLnBrk="0" hangingPunct="1">
-              <a:defRPr sz="1800" kern="1200">
-                <a:solidFill>
-                  <a:schemeClr val="tx1"/>
-                </a:solidFill>
-                <a:latin typeface="+mn-lt"/>
-                <a:ea typeface="+mn-ea"/>
-                <a:cs typeface="+mn-cs"/>
-              </a:defRPr>
-            </a:lvl8pPr>
-            <a:lvl9pPr marL="3657600" algn="l" defTabSz="914400" rtl="0" eaLnBrk="1" latinLnBrk="0" hangingPunct="1">
-              <a:defRPr sz="1800" kern="1200">
-                <a:solidFill>
-                  <a:schemeClr val="tx1"/>
-                </a:solidFill>
-                <a:latin typeface="+mn-lt"/>
-                <a:ea typeface="+mn-ea"/>
-                <a:cs typeface="+mn-cs"/>
-              </a:defRPr>
-            </a:lvl9pPr>
-          </a:lstStyle>
+          <a:bodyPr/>
+          <a:lstStyle/>
           <a:p>
             <a:fld id="{3EBA5BD7-F043-4D1B-AA17-CD412FC534DE}" type="slidenum">
               <a:rPr lang="en-US" smtClean="0"/>
               <a:pPr/>
-              <a:t>44</a:t>
+              <a:t>19</a:t>
             </a:fld>
             <a:endParaRPr lang="en-US" dirty="0"/>
           </a:p>
@@ -2329,7 +3031,7 @@
           <p:cNvPr id="6" name="Footer Placeholder 7">
             <a:extLst>
               <a:ext uri="{FF2B5EF4-FFF2-40B4-BE49-F238E27FC236}">
-                <a16:creationId xmlns:a16="http://schemas.microsoft.com/office/drawing/2014/main" id="{C03AC01D-DF1D-49AC-9458-3F8A046E86E5}"/>
+                <a16:creationId xmlns:a16="http://schemas.microsoft.com/office/drawing/2014/main" id="{D49EA391-4447-493D-AA4C-66FCD44CB3E4}"/>
               </a:ext>
             </a:extLst>
           </p:cNvPr>
@@ -2377,7 +3079,7 @@
     </p:spTree>
     <p:extLst>
       <p:ext uri="{BB962C8B-B14F-4D97-AF65-F5344CB8AC3E}">
-        <p14:creationId xmlns:p14="http://schemas.microsoft.com/office/powerpoint/2010/main" val="2039651734"/>
+        <p14:creationId xmlns:p14="http://schemas.microsoft.com/office/powerpoint/2010/main" val="2700700720"/>
       </p:ext>
     </p:extLst>
   </p:cSld>
@@ -8976,17 +9678,38 @@
             <p:ph type="title"/>
           </p:nvPr>
         </p:nvSpPr>
-        <p:spPr/>
+        <p:spPr>
+          <a:xfrm>
+            <a:off x="554182" y="620006"/>
+            <a:ext cx="11083636" cy="882654"/>
+          </a:xfrm>
+        </p:spPr>
         <p:txBody>
           <a:bodyPr>
-            <a:normAutofit/>
+            <a:normAutofit fontScale="90000"/>
           </a:bodyPr>
           <a:lstStyle/>
           <a:p>
             <a:r>
+              <a:rPr lang="bg-BG" dirty="0"/>
+              <a:t>Шаблони за дизайн</a:t>
+            </a:r>
+            <a:br>
+              <a:rPr lang="bg-BG" dirty="0"/>
+            </a:br>
+            <a:r>
+              <a:rPr lang="bg-BG" dirty="0"/>
+              <a:t>(</a:t>
+            </a:r>
+            <a:r>
               <a:rPr lang="en-US" dirty="0"/>
               <a:t>Design Patterns</a:t>
             </a:r>
+            <a:r>
+              <a:rPr lang="bg-BG" dirty="0"/>
+              <a:t>)</a:t>
+            </a:r>
+            <a:endParaRPr lang="en-US" dirty="0"/>
           </a:p>
         </p:txBody>
       </p:sp>
@@ -9074,9 +9797,10 @@
           <a:lstStyle/>
           <a:p>
             <a:r>
-              <a:rPr lang="en-US" dirty="0"/>
-              <a:t>Types</a:t>
-            </a:r>
+              <a:rPr lang="bg-BG" dirty="0"/>
+              <a:t>Видове</a:t>
+            </a:r>
+            <a:endParaRPr lang="en-US" dirty="0"/>
           </a:p>
         </p:txBody>
       </p:sp>
@@ -9236,9 +9960,14 @@
           <a:lstStyle/>
           <a:p>
             <a:r>
-              <a:rPr lang="en-GB"/>
-              <a:t>Creational Patterns</a:t>
-            </a:r>
+              <a:rPr lang="en-GB" dirty="0"/>
+              <a:t>Creational </a:t>
+            </a:r>
+            <a:r>
+              <a:rPr lang="bg-BG" dirty="0"/>
+              <a:t>шаблони</a:t>
+            </a:r>
+            <a:endParaRPr lang="en-GB" dirty="0"/>
           </a:p>
         </p:txBody>
       </p:sp>
@@ -9306,21 +10035,18 @@
               </a:buClr>
             </a:pPr>
             <a:r>
-              <a:rPr lang="en-US" sz="3600" dirty="0"/>
-              <a:t>Deal with </a:t>
-            </a:r>
-            <a:r>
-              <a:rPr lang="en-US" sz="3600" b="1" dirty="0">
+              <a:rPr lang="bg-BG" sz="3600" dirty="0"/>
+              <a:t>Създаване на </a:t>
+            </a:r>
+            <a:r>
+              <a:rPr lang="bg-BG" sz="3600" b="1" dirty="0">
                 <a:solidFill>
                   <a:schemeClr val="bg1"/>
                 </a:solidFill>
               </a:rPr>
-              <a:t>object creation </a:t>
-            </a:r>
-            <a:r>
-              <a:rPr lang="en-US" sz="3600" dirty="0"/>
-              <a:t>mechanisms</a:t>
-            </a:r>
+              <a:t>механизми за обекти</a:t>
+            </a:r>
+            <a:endParaRPr lang="en-US" sz="3600" dirty="0"/>
           </a:p>
           <a:p>
             <a:pPr marL="457200" indent="-457200">
@@ -9332,48 +10058,37 @@
               </a:buClr>
             </a:pPr>
             <a:r>
-              <a:rPr lang="en-US" sz="3600" dirty="0"/>
-              <a:t>Trying to create objects in a </a:t>
-            </a:r>
-            <a:r>
-              <a:rPr lang="en-US" sz="3600" b="1" dirty="0">
+              <a:rPr lang="bg-BG" sz="3600" dirty="0"/>
+              <a:t>Създаване на обекти по начин,</a:t>
+            </a:r>
+            <a:r>
+              <a:rPr lang="bg-BG" sz="3600" b="1" dirty="0">
                 <a:solidFill>
                   <a:schemeClr val="bg1"/>
                 </a:solidFill>
               </a:rPr>
-              <a:t>manner</a:t>
-            </a:r>
-            <a:r>
-              <a:rPr lang="en-US" sz="3600" dirty="0"/>
-              <a:t> </a:t>
-            </a:r>
-            <a:r>
-              <a:rPr lang="en-US" sz="3600" b="1" dirty="0">
-                <a:solidFill>
-                  <a:schemeClr val="bg1"/>
-                </a:solidFill>
-              </a:rPr>
-              <a:t>suitable</a:t>
+              <a:t> подходящ</a:t>
             </a:r>
             <a:br>
               <a:rPr lang="bg-BG" sz="3600" dirty="0"/>
             </a:br>
             <a:r>
-              <a:rPr lang="en-US" sz="3600" dirty="0"/>
-              <a:t>to the</a:t>
-            </a:r>
-            <a:r>
               <a:rPr lang="bg-BG" sz="3600" dirty="0"/>
-              <a:t> </a:t>
-            </a:r>
-            <a:r>
-              <a:rPr lang="en-US" sz="3600" b="1" dirty="0">
+              <a:t>за </a:t>
+            </a:r>
+            <a:r>
+              <a:rPr lang="bg-BG" sz="3600" b="1" dirty="0">
                 <a:solidFill>
                   <a:schemeClr val="bg1"/>
                 </a:solidFill>
               </a:rPr>
-              <a:t>situation</a:t>
-            </a:r>
+              <a:t>конкретната ситуация</a:t>
+            </a:r>
+            <a:endParaRPr lang="en-US" sz="3600" b="1" dirty="0">
+              <a:solidFill>
+                <a:schemeClr val="bg1"/>
+              </a:solidFill>
+            </a:endParaRPr>
           </a:p>
           <a:p>
             <a:pPr marL="457200" indent="-457200">
@@ -9385,9 +10100,10 @@
               </a:buClr>
             </a:pPr>
             <a:r>
-              <a:rPr lang="en-US" sz="3600" dirty="0"/>
-              <a:t>Two main ideas</a:t>
-            </a:r>
+              <a:rPr lang="bg-BG" sz="3600" dirty="0"/>
+              <a:t>Две главни идеи</a:t>
+            </a:r>
+            <a:endParaRPr lang="en-US" sz="3600" dirty="0"/>
           </a:p>
           <a:p>
             <a:pPr marL="990266" lvl="1" indent="-457200">
@@ -9399,24 +10115,22 @@
               </a:buClr>
             </a:pPr>
             <a:r>
-              <a:rPr lang="en-US" sz="3400" b="1" dirty="0">
+              <a:rPr lang="bg-BG" sz="3400" b="1" dirty="0" err="1">
                 <a:solidFill>
                   <a:schemeClr val="bg1"/>
                 </a:solidFill>
               </a:rPr>
-              <a:t>Encapsulating</a:t>
+              <a:t>Енкапсулиране</a:t>
             </a:r>
             <a:r>
               <a:rPr lang="en-US" sz="3400" dirty="0"/>
-              <a:t> knowledge about which classes</a:t>
-            </a:r>
-            <a:br>
-              <a:rPr lang="en-US" sz="3400" dirty="0"/>
-            </a:br>
-            <a:r>
-              <a:rPr lang="en-US" sz="3400" dirty="0"/>
-              <a:t>the system uses</a:t>
-            </a:r>
+              <a:t> </a:t>
+            </a:r>
+            <a:r>
+              <a:rPr lang="bg-BG" sz="3400" dirty="0"/>
+              <a:t>на логика, която класовете използват</a:t>
+            </a:r>
+            <a:endParaRPr lang="en-US" sz="3400" dirty="0"/>
           </a:p>
           <a:p>
             <a:pPr marL="990266" lvl="1" indent="-457200">
@@ -9428,17 +10142,22 @@
               </a:buClr>
             </a:pPr>
             <a:r>
-              <a:rPr lang="en-US" sz="3400" b="1" dirty="0">
+              <a:rPr lang="bg-BG" sz="3400" b="1" dirty="0">
                 <a:solidFill>
                   <a:schemeClr val="bg1"/>
                 </a:solidFill>
               </a:rPr>
-              <a:t>Hiding</a:t>
+              <a:t>Скриване</a:t>
             </a:r>
             <a:r>
               <a:rPr lang="en-US" sz="3400" dirty="0"/>
-              <a:t> how instances of these classes are created</a:t>
-            </a:r>
+              <a:t> </a:t>
+            </a:r>
+            <a:r>
+              <a:rPr lang="bg-BG" sz="3400" dirty="0"/>
+              <a:t>на начина по който инстанциите на класовете са създадени</a:t>
+            </a:r>
+            <a:endParaRPr lang="en-US" sz="3400" dirty="0"/>
           </a:p>
         </p:txBody>
       </p:sp>
@@ -9460,9 +10179,10 @@
           <a:lstStyle/>
           <a:p>
             <a:r>
-              <a:rPr lang="en-US" dirty="0"/>
-              <a:t>Purposes</a:t>
-            </a:r>
+              <a:rPr lang="bg-BG" dirty="0"/>
+              <a:t>Цели</a:t>
+            </a:r>
+            <a:endParaRPr lang="en-US" dirty="0"/>
           </a:p>
         </p:txBody>
       </p:sp>
@@ -9915,10 +10635,17 @@
           <a:lstStyle/>
           <a:p>
             <a:r>
+              <a:rPr lang="bg-BG" dirty="0"/>
+              <a:t>Списък с </a:t>
+            </a:r>
+            <a:r>
               <a:rPr lang="en-US" dirty="0"/>
-              <a:t>List of Creational Patterns</a:t>
-            </a:r>
-            <a:endParaRPr lang="bg-BG" dirty="0"/>
+              <a:t>Creational </a:t>
+            </a:r>
+            <a:r>
+              <a:rPr lang="bg-BG" dirty="0"/>
+              <a:t>шаблони</a:t>
+            </a:r>
           </a:p>
         </p:txBody>
       </p:sp>
@@ -9931,7 +10658,7 @@
           <p:nvPr/>
         </p:nvPicPr>
         <p:blipFill>
-          <a:blip r:embed="rId2"/>
+          <a:blip r:embed="rId3"/>
           <a:stretch>
             <a:fillRect/>
           </a:stretch>
@@ -9960,7 +10687,7 @@
           <p:nvPr/>
         </p:nvPicPr>
         <p:blipFill>
-          <a:blip r:embed="rId3"/>
+          <a:blip r:embed="rId4"/>
           <a:stretch>
             <a:fillRect/>
           </a:stretch>
@@ -9989,7 +10716,7 @@
           <p:nvPr/>
         </p:nvPicPr>
         <p:blipFill>
-          <a:blip r:embed="rId4"/>
+          <a:blip r:embed="rId5"/>
           <a:stretch>
             <a:fillRect/>
           </a:stretch>
@@ -10018,7 +10745,7 @@
           <p:nvPr/>
         </p:nvPicPr>
         <p:blipFill>
-          <a:blip r:embed="rId5"/>
+          <a:blip r:embed="rId6"/>
           <a:stretch>
             <a:fillRect/>
           </a:stretch>
@@ -10047,7 +10774,7 @@
           <p:nvPr/>
         </p:nvPicPr>
         <p:blipFill>
-          <a:blip r:embed="rId6">
+          <a:blip r:embed="rId7">
             <a:extLst>
               <a:ext uri="{28A0092B-C50C-407E-A947-70E740481C1C}">
                 <a14:useLocalDpi xmlns:a14="http://schemas.microsoft.com/office/drawing/2010/main" val="0"/>
@@ -10720,43 +11447,79 @@
           <a:lstStyle/>
           <a:p>
             <a:r>
+              <a:rPr lang="bg-BG" sz="3600" dirty="0"/>
+              <a:t>Най-често използваният</a:t>
+            </a:r>
+            <a:r>
               <a:rPr lang="en-GB" sz="3600" dirty="0"/>
-              <a:t>The most often used creational design pattern</a:t>
-            </a:r>
+              <a:t> creational </a:t>
+            </a:r>
+            <a:r>
+              <a:rPr lang="bg-BG" sz="3600" dirty="0"/>
+              <a:t>шаблони за дизайн</a:t>
+            </a:r>
+            <a:endParaRPr lang="en-GB" sz="3600" dirty="0"/>
           </a:p>
           <a:p>
             <a:r>
               <a:rPr lang="en-GB" sz="3600" dirty="0"/>
-              <a:t>A Singleton class is supposed to have </a:t>
-            </a:r>
-            <a:r>
-              <a:rPr lang="en-GB" sz="3600" b="1" dirty="0">
+              <a:t>Singleton </a:t>
+            </a:r>
+            <a:r>
+              <a:rPr lang="bg-BG" sz="3600" dirty="0"/>
+              <a:t>клас</a:t>
+            </a:r>
+            <a:r>
+              <a:rPr lang="en-GB" sz="3600" dirty="0"/>
+              <a:t> </a:t>
+            </a:r>
+            <a:r>
+              <a:rPr lang="bg-BG" sz="3600" dirty="0"/>
+              <a:t>трябва да има </a:t>
+            </a:r>
+            <a:r>
+              <a:rPr lang="bg-BG" sz="3600" b="1" dirty="0">
                 <a:solidFill>
                   <a:schemeClr val="bg1"/>
                 </a:solidFill>
               </a:rPr>
-              <a:t>only one instance</a:t>
-            </a:r>
-          </a:p>
-          <a:p>
+              <a:t>само една инстанция</a:t>
+            </a:r>
+            <a:endParaRPr lang="en-GB" sz="3600" b="1" dirty="0">
+              <a:solidFill>
+                <a:schemeClr val="bg1"/>
+              </a:solidFill>
+            </a:endParaRPr>
+          </a:p>
+          <a:p>
+            <a:r>
+              <a:rPr lang="bg-BG" sz="3600" dirty="0"/>
+              <a:t>Не е</a:t>
+            </a:r>
             <a:r>
               <a:rPr lang="en-GB" sz="3600" dirty="0"/>
-              <a:t>It is </a:t>
-            </a:r>
-            <a:r>
-              <a:rPr lang="en-GB" sz="3600" b="1" dirty="0">
+              <a:t> </a:t>
+            </a:r>
+            <a:r>
+              <a:rPr lang="bg-BG" sz="3600" b="1" dirty="0">
                 <a:solidFill>
                   <a:schemeClr val="bg1"/>
                 </a:solidFill>
               </a:rPr>
-              <a:t>not a global variable</a:t>
-            </a:r>
-          </a:p>
-          <a:p>
-            <a:r>
-              <a:rPr lang="en-GB" sz="3600" dirty="0"/>
-              <a:t>Possible problems</a:t>
-            </a:r>
+              <a:t>глобална променлива</a:t>
+            </a:r>
+            <a:endParaRPr lang="en-GB" sz="3600" b="1" dirty="0">
+              <a:solidFill>
+                <a:schemeClr val="bg1"/>
+              </a:solidFill>
+            </a:endParaRPr>
+          </a:p>
+          <a:p>
+            <a:r>
+              <a:rPr lang="bg-BG" sz="3600" dirty="0"/>
+              <a:t>Възможни проблеми</a:t>
+            </a:r>
+            <a:endParaRPr lang="en-GB" sz="3600" dirty="0"/>
           </a:p>
           <a:p>
             <a:pPr lvl="1"/>
@@ -10791,8 +11554,13 @@
           <a:p>
             <a:r>
               <a:rPr lang="en-US" dirty="0"/>
-              <a:t>Singleton Pattern</a:t>
-            </a:r>
+              <a:t>Singleton </a:t>
+            </a:r>
+            <a:r>
+              <a:rPr lang="bg-BG" dirty="0"/>
+              <a:t>шаблон</a:t>
+            </a:r>
+            <a:endParaRPr lang="en-US" dirty="0"/>
           </a:p>
         </p:txBody>
       </p:sp>
@@ -11207,8 +11975,13 @@
           <a:p>
             <a:r>
               <a:rPr lang="en-US" dirty="0"/>
-              <a:t>Double-Check Singleton Example</a:t>
-            </a:r>
+              <a:t>Double-Check Singleton </a:t>
+            </a:r>
+            <a:r>
+              <a:rPr lang="bg-BG" dirty="0"/>
+              <a:t>пример</a:t>
+            </a:r>
+            <a:endParaRPr lang="en-US" dirty="0"/>
           </a:p>
         </p:txBody>
       </p:sp>
@@ -11642,21 +12415,26 @@
               </a:spcAft>
             </a:pPr>
             <a:r>
+              <a:rPr lang="bg-BG" sz="3600" noProof="1"/>
+              <a:t>„Фабрика“ за </a:t>
+            </a:r>
+            <a:r>
+              <a:rPr lang="bg-BG" sz="3600" b="1" noProof="1">
+                <a:solidFill>
+                  <a:schemeClr val="bg1"/>
+                </a:solidFill>
+              </a:rPr>
+              <a:t>клониране</a:t>
+            </a:r>
+            <a:r>
               <a:rPr lang="en-US" sz="3600" noProof="1"/>
-              <a:t>Factory for </a:t>
-            </a:r>
-            <a:r>
-              <a:rPr lang="en-US" sz="3600" b="1" noProof="1">
-                <a:solidFill>
-                  <a:schemeClr val="bg1"/>
-                </a:solidFill>
-              </a:rPr>
-              <a:t>cloning</a:t>
-            </a:r>
-            <a:r>
-              <a:rPr lang="en-US" sz="3600" noProof="1"/>
-              <a:t> new instances from a prototype</a:t>
-            </a:r>
+              <a:t> </a:t>
+            </a:r>
+            <a:r>
+              <a:rPr lang="bg-BG" sz="3600" noProof="1"/>
+              <a:t>на нови инстанции от прототип</a:t>
+            </a:r>
+            <a:endParaRPr lang="en-US" sz="3600" noProof="1"/>
           </a:p>
           <a:p>
             <a:pPr lvl="1">
@@ -11671,9 +12449,14 @@
               </a:spcAft>
             </a:pPr>
             <a:r>
+              <a:rPr lang="bg-BG" sz="3400" noProof="1"/>
+              <a:t>Създава нови обекти като копира прототипа, вместо с ключовата дума </a:t>
+            </a:r>
+            <a:r>
               <a:rPr lang="en-US" sz="3400" noProof="1"/>
-              <a:t>Create new objects by copying this prototype instead of using the "new" keyword</a:t>
-            </a:r>
+              <a:t>“new"</a:t>
+            </a:r>
+            <a:endParaRPr lang="bg-BG" sz="3400" noProof="1"/>
           </a:p>
           <a:p>
             <a:pPr>
@@ -11700,28 +12483,26 @@
             </a:r>
             <a:r>
               <a:rPr lang="en-US" sz="3600" noProof="1"/>
-              <a:t> interface </a:t>
-            </a:r>
-          </a:p>
-          <a:p>
-            <a:pPr marL="0" indent="0">
-              <a:lnSpc>
-                <a:spcPct val="100000"/>
-              </a:lnSpc>
-              <a:spcBef>
-                <a:spcPts val="400"/>
-              </a:spcBef>
-              <a:spcAft>
-                <a:spcPts val="400"/>
-              </a:spcAft>
-              <a:buClr>
-                <a:schemeClr val="tx2"/>
-              </a:buClr>
-              <a:buNone/>
-            </a:pPr>
+              <a:t> </a:t>
+            </a:r>
+            <a:r>
+              <a:rPr lang="bg-BG" sz="3600" noProof="1"/>
+              <a:t>интерфейс</a:t>
+            </a:r>
             <a:r>
               <a:rPr lang="en-US" sz="3600" noProof="1"/>
-              <a:t>    acts as Prototype </a:t>
+              <a:t> </a:t>
+            </a:r>
+            <a:br>
+              <a:rPr lang="bg-BG" sz="3600" noProof="1"/>
+            </a:br>
+            <a:r>
+              <a:rPr lang="bg-BG" sz="3600" noProof="1"/>
+              <a:t>играе ролята на прототип</a:t>
+            </a:r>
+            <a:r>
+              <a:rPr lang="en-US" sz="3600" noProof="1"/>
+              <a:t> </a:t>
             </a:r>
             <a:endParaRPr lang="en-US" noProof="1"/>
           </a:p>
@@ -11744,8 +12525,13 @@
           <a:p>
             <a:r>
               <a:rPr lang="en-US" dirty="0"/>
-              <a:t>Prototype Pattern</a:t>
-            </a:r>
+              <a:t>Prototype </a:t>
+            </a:r>
+            <a:r>
+              <a:rPr lang="bg-BG" dirty="0"/>
+              <a:t>шаблон</a:t>
+            </a:r>
+            <a:endParaRPr lang="en-US" dirty="0"/>
           </a:p>
         </p:txBody>
       </p:sp>
@@ -11765,8 +12551,8 @@
         </p:blipFill>
         <p:spPr>
           <a:xfrm>
-            <a:off x="4840349" y="2544519"/>
-            <a:ext cx="7091375" cy="3883372"/>
+            <a:off x="5874871" y="2664000"/>
+            <a:ext cx="6133627" cy="3358891"/>
           </a:xfrm>
           <a:prstGeom prst="rect">
             <a:avLst/>
@@ -11890,55 +12676,6 @@
                       </p:childTnLst>
                     </p:cTn>
                   </p:par>
-                  <p:par>
-                    <p:cTn id="7" fill="hold">
-                      <p:stCondLst>
-                        <p:cond delay="indefinite"/>
-                      </p:stCondLst>
-                      <p:childTnLst>
-                        <p:par>
-                          <p:cTn id="8" fill="hold">
-                            <p:stCondLst>
-                              <p:cond delay="0"/>
-                            </p:stCondLst>
-                            <p:childTnLst>
-                              <p:par>
-                                <p:cTn id="9" presetID="1" presetClass="entr" presetSubtype="0" fill="hold" nodeType="clickEffect">
-                                  <p:stCondLst>
-                                    <p:cond delay="0"/>
-                                  </p:stCondLst>
-                                  <p:childTnLst>
-                                    <p:set>
-                                      <p:cBhvr>
-                                        <p:cTn id="10" dur="1" fill="hold">
-                                          <p:stCondLst>
-                                            <p:cond delay="0"/>
-                                          </p:stCondLst>
-                                        </p:cTn>
-                                        <p:tgtEl>
-                                          <p:spTgt spid="3">
-                                            <p:txEl>
-                                              <p:pRg st="3" end="3"/>
-                                            </p:txEl>
-                                          </p:spTgt>
-                                        </p:tgtEl>
-                                        <p:attrNameLst>
-                                          <p:attrName>style.visibility</p:attrName>
-                                        </p:attrNameLst>
-                                      </p:cBhvr>
-                                      <p:to>
-                                        <p:strVal val="visible"/>
-                                      </p:to>
-                                    </p:set>
-                                  </p:childTnLst>
-                                </p:cTn>
-                              </p:par>
-                            </p:childTnLst>
-                          </p:cTn>
-                        </p:par>
-                      </p:childTnLst>
-                    </p:cTn>
-                  </p:par>
                 </p:childTnLst>
               </p:cTn>
               <p:prevCondLst>
@@ -11997,9 +12734,18 @@
           <a:lstStyle/>
           <a:p>
             <a:r>
+              <a:rPr lang="bg-BG" dirty="0"/>
+              <a:t>Абстрактен </a:t>
+            </a:r>
+            <a:r>
               <a:rPr lang="en-US" dirty="0"/>
-              <a:t>The Prototype Abstract Class</a:t>
-            </a:r>
+              <a:t>Prototype</a:t>
+            </a:r>
+            <a:r>
+              <a:rPr lang="bg-BG" dirty="0"/>
+              <a:t> клас</a:t>
+            </a:r>
+            <a:endParaRPr lang="en-US" dirty="0"/>
           </a:p>
         </p:txBody>
       </p:sp>
@@ -12539,9 +13285,18 @@
           <a:lstStyle/>
           <a:p>
             <a:r>
+              <a:rPr lang="bg-BG" dirty="0"/>
+              <a:t>Конкретен </a:t>
+            </a:r>
+            <a:r>
               <a:rPr lang="en-US" dirty="0"/>
-              <a:t>A Concrete Prototype Class</a:t>
-            </a:r>
+              <a:t>Prototype </a:t>
+            </a:r>
+            <a:r>
+              <a:rPr lang="bg-BG" dirty="0"/>
+              <a:t>клас</a:t>
+            </a:r>
+            <a:endParaRPr lang="en-US" dirty="0"/>
           </a:p>
         </p:txBody>
       </p:sp>
@@ -12974,9 +13729,14 @@
           <a:lstStyle/>
           <a:p>
             <a:r>
-              <a:rPr lang="en-GB"/>
-              <a:t>Structural Patterns</a:t>
-            </a:r>
+              <a:rPr lang="en-GB" dirty="0"/>
+              <a:t>Structural </a:t>
+            </a:r>
+            <a:r>
+              <a:rPr lang="bg-BG" dirty="0"/>
+              <a:t>шаблони</a:t>
+            </a:r>
+            <a:endParaRPr lang="en-GB" dirty="0"/>
           </a:p>
         </p:txBody>
       </p:sp>
@@ -13046,9 +13806,10 @@
               <a:buAutoNum type="arabicPeriod"/>
             </a:pPr>
             <a:r>
-              <a:rPr lang="en-US" sz="3600" dirty="0"/>
-              <a:t>Design Patterns</a:t>
-            </a:r>
+              <a:rPr lang="bg-BG" sz="3600" dirty="0"/>
+              <a:t>Шаблони за дизайн</a:t>
+            </a:r>
+            <a:endParaRPr lang="en-US" sz="3600" dirty="0"/>
           </a:p>
           <a:p>
             <a:pPr marL="742950" indent="-742950">
@@ -13056,39 +13817,46 @@
               <a:buAutoNum type="arabicPeriod"/>
             </a:pPr>
             <a:r>
-              <a:rPr lang="en-US" sz="3600" dirty="0"/>
-              <a:t>Types of Design Patterns</a:t>
-            </a:r>
-          </a:p>
-          <a:p>
-            <a:pPr marL="742950" indent="-742950">
-              <a:buFont typeface="+mj-lt"/>
-              <a:buAutoNum type="arabicPeriod"/>
-            </a:pPr>
-            <a:r>
-              <a:rPr lang="en-US" sz="3600" dirty="0"/>
-              <a:t>Creational Patterns</a:t>
-            </a:r>
-          </a:p>
-          <a:p>
-            <a:pPr marL="742950" indent="-742950">
-              <a:buFont typeface="+mj-lt"/>
-              <a:buAutoNum type="arabicPeriod"/>
-            </a:pPr>
-            <a:r>
-              <a:rPr lang="en-US" sz="3600" dirty="0"/>
-              <a:t>Structural Patterns</a:t>
-            </a:r>
-          </a:p>
-          <a:p>
-            <a:pPr marL="742950" indent="-742950">
-              <a:buFont typeface="+mj-lt"/>
-              <a:buAutoNum type="arabicPeriod"/>
-            </a:pPr>
-            <a:r>
-              <a:rPr lang="en-US" sz="3600" dirty="0"/>
-              <a:t>Behavioral Patterns</a:t>
-            </a:r>
+              <a:rPr lang="bg-BG" sz="3600" dirty="0"/>
+              <a:t>Видове шаблони</a:t>
+            </a:r>
+            <a:endParaRPr lang="en-US" sz="3600" dirty="0"/>
+          </a:p>
+          <a:p>
+            <a:pPr lvl="1"/>
+            <a:r>
+              <a:rPr lang="en-US" sz="3400" dirty="0"/>
+              <a:t>Creational </a:t>
+            </a:r>
+            <a:r>
+              <a:rPr lang="bg-BG" sz="3400" dirty="0"/>
+              <a:t>шаблони</a:t>
+            </a:r>
+            <a:endParaRPr lang="en-US" sz="3400" dirty="0"/>
+          </a:p>
+          <a:p>
+            <a:pPr lvl="1"/>
+            <a:r>
+              <a:rPr lang="en-US" sz="3400" dirty="0"/>
+              <a:t>Structural </a:t>
+            </a:r>
+            <a:r>
+              <a:rPr lang="bg-BG" sz="3400" dirty="0"/>
+              <a:t>шаблони</a:t>
+            </a:r>
+            <a:endParaRPr lang="en-US" sz="3400" dirty="0"/>
+          </a:p>
+          <a:p>
+            <a:pPr lvl="1"/>
+            <a:r>
+              <a:rPr lang="en-US" sz="3400" dirty="0"/>
+              <a:t>Behavioral </a:t>
+            </a:r>
+            <a:r>
+              <a:rPr lang="bg-BG" sz="3400" dirty="0"/>
+              <a:t>шаблони</a:t>
+            </a:r>
+            <a:endParaRPr lang="en-US" sz="3400" dirty="0"/>
           </a:p>
           <a:p>
             <a:endParaRPr lang="en-US" dirty="0"/>
@@ -13117,8 +13885,8 @@
           <a:lstStyle/>
           <a:p>
             <a:r>
-              <a:rPr lang="en-GB" dirty="0"/>
-              <a:t>Table of Contents</a:t>
+              <a:rPr lang="bg-BG" dirty="0"/>
+              <a:t>Съдържание</a:t>
             </a:r>
             <a:endParaRPr lang="en-US" dirty="0"/>
           </a:p>
@@ -13456,36 +14224,38 @@
               </a:buClr>
             </a:pPr>
             <a:r>
+              <a:rPr lang="bg-BG" sz="3600" dirty="0"/>
+              <a:t>Описват начини за структуриране </a:t>
+            </a:r>
+            <a:r>
+              <a:rPr lang="bg-BG" sz="3600" b="1" dirty="0">
+                <a:solidFill>
+                  <a:schemeClr val="bg1"/>
+                </a:solidFill>
+              </a:rPr>
+              <a:t>на обекти</a:t>
+            </a:r>
+            <a:r>
               <a:rPr lang="en-US" sz="3600" dirty="0"/>
-              <a:t>Describe ways to assemble </a:t>
-            </a:r>
-            <a:r>
-              <a:rPr lang="en-US" sz="3600" b="1" dirty="0">
+              <a:t> </a:t>
+            </a:r>
+            <a:r>
+              <a:rPr lang="bg-BG" sz="3600" dirty="0"/>
+              <a:t>, за да се имплементира </a:t>
+            </a:r>
+            <a:r>
+              <a:rPr lang="bg-BG" sz="3600" b="1" dirty="0">
                 <a:solidFill>
                   <a:schemeClr val="bg1"/>
                 </a:solidFill>
               </a:rPr>
-              <a:t>objects</a:t>
-            </a:r>
-            <a:r>
-              <a:rPr lang="en-US" sz="3600" dirty="0"/>
-              <a:t> to implement</a:t>
-            </a:r>
-            <a:br>
-              <a:rPr lang="en-US" sz="3600" dirty="0"/>
-            </a:br>
-            <a:r>
-              <a:rPr lang="en-US" sz="3600" dirty="0"/>
-              <a:t>a </a:t>
-            </a:r>
-            <a:r>
-              <a:rPr lang="en-US" sz="3600" b="1" dirty="0">
-                <a:solidFill>
-                  <a:schemeClr val="bg1"/>
-                </a:solidFill>
-              </a:rPr>
-              <a:t>new functionality</a:t>
-            </a:r>
+              <a:t>нова функционалност</a:t>
+            </a:r>
+            <a:endParaRPr lang="en-US" sz="3600" b="1" dirty="0">
+              <a:solidFill>
+                <a:schemeClr val="bg1"/>
+              </a:solidFill>
+            </a:endParaRPr>
           </a:p>
           <a:p>
             <a:pPr marL="457200" indent="-457200">
@@ -13497,28 +14267,34 @@
               </a:buClr>
             </a:pPr>
             <a:r>
+              <a:rPr lang="bg-BG" sz="3600" dirty="0"/>
+              <a:t>Улесняват дизайна като идентифицират лесен начин за осъществяване на </a:t>
+            </a:r>
+            <a:r>
+              <a:rPr lang="bg-BG" sz="3600" b="1" dirty="0">
+                <a:solidFill>
+                  <a:schemeClr val="bg1"/>
+                </a:solidFill>
+              </a:rPr>
+              <a:t>връзка</a:t>
+            </a:r>
+            <a:r>
               <a:rPr lang="en-US" sz="3600" dirty="0"/>
-              <a:t>Ease the design by identifying a simple way to</a:t>
-            </a:r>
-            <a:br>
+              <a:t> </a:t>
+            </a:r>
+            <a:r>
+              <a:rPr lang="bg-BG" sz="3600" dirty="0"/>
+              <a:t>между</a:t>
+            </a:r>
+            <a:r>
               <a:rPr lang="en-US" sz="3600" dirty="0"/>
-            </a:br>
-            <a:r>
-              <a:rPr lang="en-US" sz="3600" dirty="0"/>
-              <a:t>realize </a:t>
-            </a:r>
-            <a:r>
-              <a:rPr lang="en-US" sz="3600" b="1" dirty="0">
-                <a:solidFill>
-                  <a:schemeClr val="bg1"/>
-                </a:solidFill>
-              </a:rPr>
-              <a:t>relationship</a:t>
-            </a:r>
-            <a:r>
-              <a:rPr lang="en-US" sz="3600" dirty="0"/>
-              <a:t> between entities</a:t>
-            </a:r>
+              <a:t> </a:t>
+            </a:r>
+            <a:r>
+              <a:rPr lang="bg-BG" sz="3600" dirty="0"/>
+              <a:t>елементите</a:t>
+            </a:r>
+            <a:endParaRPr lang="en-US" sz="3600" dirty="0"/>
           </a:p>
           <a:p>
             <a:pPr marL="457200" indent="-457200">
@@ -13530,9 +14306,34 @@
               </a:buClr>
             </a:pPr>
             <a:r>
+              <a:rPr lang="bg-BG" sz="3600" dirty="0"/>
+              <a:t>Всичко за класова</a:t>
+            </a:r>
+            <a:r>
               <a:rPr lang="en-US" sz="3600" dirty="0"/>
-              <a:t>All about Class and Object composition</a:t>
-            </a:r>
+              <a:t> </a:t>
+            </a:r>
+            <a:r>
+              <a:rPr lang="bg-BG" sz="3600" dirty="0"/>
+              <a:t>и</a:t>
+            </a:r>
+            <a:r>
+              <a:rPr lang="en-US" sz="3600" dirty="0"/>
+              <a:t> </a:t>
+            </a:r>
+            <a:r>
+              <a:rPr lang="bg-BG" sz="3600" dirty="0"/>
+              <a:t>обектна</a:t>
+            </a:r>
+            <a:r>
+              <a:rPr lang="en-US" sz="3600" dirty="0"/>
+              <a:t> </a:t>
+            </a:r>
+            <a:r>
+              <a:rPr lang="bg-BG" sz="3600" dirty="0"/>
+              <a:t>композиция</a:t>
+            </a:r>
+            <a:endParaRPr lang="en-US" sz="3600" dirty="0"/>
           </a:p>
           <a:p>
             <a:pPr marL="990266" lvl="1" indent="-457200">
@@ -13544,17 +14345,18 @@
               </a:buClr>
             </a:pPr>
             <a:r>
-              <a:rPr lang="en-US" sz="3400" b="1" dirty="0">
+              <a:rPr lang="bg-BG" sz="3400" b="1" dirty="0">
                 <a:solidFill>
                   <a:schemeClr val="bg1"/>
                 </a:solidFill>
               </a:rPr>
-              <a:t>Inheritance</a:t>
-            </a:r>
-            <a:r>
-              <a:rPr lang="en-US" sz="3400" dirty="0"/>
-              <a:t> to compose interfaces</a:t>
-            </a:r>
+              <a:t>Наследственост</a:t>
+            </a:r>
+            <a:r>
+              <a:rPr lang="bg-BG" sz="3400" dirty="0"/>
+              <a:t>, за да се композират интерфейси</a:t>
+            </a:r>
+            <a:endParaRPr lang="en-US" sz="3400" dirty="0"/>
           </a:p>
           <a:p>
             <a:pPr marL="990266" lvl="1" indent="-457200">
@@ -13566,17 +14368,22 @@
               </a:buClr>
             </a:pPr>
             <a:r>
-              <a:rPr lang="en-US" sz="3400" dirty="0"/>
-              <a:t>Ways to compose objects to obtain </a:t>
-            </a:r>
-            <a:r>
-              <a:rPr lang="en-US" sz="3400" b="1" dirty="0">
+              <a:rPr lang="bg-BG" sz="3400" dirty="0"/>
+              <a:t>Начини да се композират обекти, за да се получи </a:t>
+            </a:r>
+            <a:r>
+              <a:rPr lang="bg-BG" sz="3400" b="1" dirty="0">
                 <a:solidFill>
                   <a:schemeClr val="bg1"/>
                 </a:solidFill>
               </a:rPr>
-              <a:t>new functionality</a:t>
-            </a:r>
+              <a:t>нова функционалност</a:t>
+            </a:r>
+            <a:endParaRPr lang="en-US" sz="3400" b="1" dirty="0">
+              <a:solidFill>
+                <a:schemeClr val="bg1"/>
+              </a:solidFill>
+            </a:endParaRPr>
           </a:p>
         </p:txBody>
       </p:sp>
@@ -13598,9 +14405,10 @@
           <a:lstStyle/>
           <a:p>
             <a:r>
-              <a:rPr lang="en-US" dirty="0"/>
-              <a:t>Purposes</a:t>
-            </a:r>
+              <a:rPr lang="bg-BG" dirty="0"/>
+              <a:t>Цели</a:t>
+            </a:r>
+            <a:endParaRPr lang="en-US" dirty="0"/>
           </a:p>
         </p:txBody>
       </p:sp>
@@ -13968,10 +14776,25 @@
           <a:lstStyle/>
           <a:p>
             <a:r>
+              <a:rPr lang="bg-BG" dirty="0"/>
+              <a:t>Списък</a:t>
+            </a:r>
+            <a:r>
               <a:rPr lang="en-US" dirty="0"/>
-              <a:t>List of Structural Patterns</a:t>
-            </a:r>
-            <a:endParaRPr lang="bg-BG" dirty="0"/>
+              <a:t> </a:t>
+            </a:r>
+            <a:r>
+              <a:rPr lang="bg-BG" dirty="0"/>
+              <a:t>от</a:t>
+            </a:r>
+            <a:r>
+              <a:rPr lang="en-US" dirty="0"/>
+              <a:t> Structural </a:t>
+            </a:r>
+            <a:r>
+              <a:rPr lang="bg-BG" dirty="0"/>
+              <a:t>шаблони</a:t>
+            </a:r>
           </a:p>
         </p:txBody>
       </p:sp>
@@ -14842,28 +15665,26 @@
           <a:lstStyle/>
           <a:p>
             <a:r>
-              <a:rPr lang="en-GB" sz="3600" dirty="0"/>
-              <a:t>Provides a </a:t>
-            </a:r>
-            <a:r>
-              <a:rPr lang="en-GB" sz="3600" b="1" dirty="0">
+              <a:rPr lang="bg-BG" sz="3400" dirty="0"/>
+              <a:t>Дава</a:t>
+            </a:r>
+            <a:r>
+              <a:rPr lang="en-GB" sz="3400" dirty="0"/>
+              <a:t> </a:t>
+            </a:r>
+            <a:r>
+              <a:rPr lang="bg-BG" sz="3400" b="1" dirty="0">
                 <a:solidFill>
                   <a:schemeClr val="bg1"/>
                 </a:solidFill>
               </a:rPr>
-              <a:t>unified interface </a:t>
-            </a:r>
-            <a:r>
-              <a:rPr lang="en-GB" sz="3600" dirty="0"/>
-              <a:t>to a set of interfaces</a:t>
-            </a:r>
-            <a:br>
-              <a:rPr lang="en-GB" sz="3600" dirty="0"/>
-            </a:br>
-            <a:r>
-              <a:rPr lang="en-GB" sz="3600" dirty="0"/>
-              <a:t>in a subsystem</a:t>
-            </a:r>
+              <a:t>унифициран интерфейс </a:t>
+            </a:r>
+            <a:r>
+              <a:rPr lang="bg-BG" sz="3400" dirty="0"/>
+              <a:t>на група от интерфейси</a:t>
+            </a:r>
+            <a:endParaRPr lang="en-GB" sz="3400" dirty="0"/>
           </a:p>
         </p:txBody>
       </p:sp>
@@ -14884,8 +15705,13 @@
           <a:p>
             <a:r>
               <a:rPr lang="en-US" dirty="0"/>
-              <a:t>Façade Pattern</a:t>
-            </a:r>
+              <a:t>Façade </a:t>
+            </a:r>
+            <a:r>
+              <a:rPr lang="bg-BG" dirty="0"/>
+              <a:t>шаблон</a:t>
+            </a:r>
+            <a:endParaRPr lang="en-US" dirty="0"/>
           </a:p>
         </p:txBody>
       </p:sp>
@@ -14898,7 +15724,7 @@
           <p:nvPr/>
         </p:nvPicPr>
         <p:blipFill rotWithShape="1">
-          <a:blip r:embed="rId2">
+          <a:blip r:embed="rId3">
             <a:extLst>
               <a:ext uri="{28A0092B-C50C-407E-A947-70E740481C1C}">
                 <a14:useLocalDpi xmlns:a14="http://schemas.microsoft.com/office/drawing/2010/main" val="0"/>
@@ -14910,8 +15736,8 @@
         </p:blipFill>
         <p:spPr bwMode="auto">
           <a:xfrm>
-            <a:off x="4465916" y="2884269"/>
-            <a:ext cx="3796246" cy="3829731"/>
+            <a:off x="4867374" y="3339000"/>
+            <a:ext cx="3345491" cy="3375000"/>
           </a:xfrm>
           <a:prstGeom prst="rect">
             <a:avLst/>
@@ -14937,7 +15763,7 @@
           <p:nvPr/>
         </p:nvPicPr>
         <p:blipFill rotWithShape="1">
-          <a:blip r:embed="rId2">
+          <a:blip r:embed="rId3">
             <a:extLst>
               <a:ext uri="{28A0092B-C50C-407E-A947-70E740481C1C}">
                 <a14:useLocalDpi xmlns:a14="http://schemas.microsoft.com/office/drawing/2010/main" val="0"/>
@@ -14949,8 +15775,8 @@
         </p:blipFill>
         <p:spPr bwMode="auto">
           <a:xfrm>
-            <a:off x="8285030" y="2874135"/>
-            <a:ext cx="3750970" cy="3829731"/>
+            <a:off x="8681700" y="3328866"/>
+            <a:ext cx="3305591" cy="3375000"/>
           </a:xfrm>
           <a:prstGeom prst="rect">
             <a:avLst/>
@@ -14983,7 +15809,7 @@
         </p:nvSpPr>
         <p:spPr>
           <a:xfrm>
-            <a:off x="190402" y="2394000"/>
+            <a:off x="168300" y="2079000"/>
             <a:ext cx="6220598" cy="3375000"/>
           </a:xfrm>
           <a:prstGeom prst="rect">
@@ -15163,21 +15989,22 @@
           </a:lstStyle>
           <a:p>
             <a:r>
-              <a:rPr lang="en-GB" sz="3600" dirty="0"/>
-              <a:t>Defines a </a:t>
-            </a:r>
-            <a:r>
-              <a:rPr lang="en-GB" sz="3600" b="1" dirty="0">
+              <a:rPr lang="bg-BG" sz="3400" dirty="0"/>
+              <a:t>Дефинира </a:t>
+            </a:r>
+            <a:r>
+              <a:rPr lang="bg-BG" sz="3400" b="1" dirty="0">
                 <a:solidFill>
                   <a:schemeClr val="bg1"/>
                 </a:solidFill>
               </a:rPr>
-              <a:t>higher-level interface </a:t>
-            </a:r>
-            <a:r>
-              <a:rPr lang="en-GB" sz="3600" dirty="0"/>
-              <a:t>that makes the subsystem easier to use</a:t>
-            </a:r>
+              <a:t>интерфейс от по-висок ред</a:t>
+            </a:r>
+            <a:r>
+              <a:rPr lang="bg-BG" sz="3400" dirty="0"/>
+              <a:t>, който прави подсистемата по-лесна за ползване</a:t>
+            </a:r>
+            <a:endParaRPr lang="en-GB" sz="3400" dirty="0"/>
           </a:p>
         </p:txBody>
       </p:sp>
@@ -15357,7 +16184,15 @@
           <a:p>
             <a:r>
               <a:rPr lang="en-US" dirty="0"/>
-              <a:t>The Façade Class (1)</a:t>
+              <a:t>Façade </a:t>
+            </a:r>
+            <a:r>
+              <a:rPr lang="bg-BG" dirty="0"/>
+              <a:t>клас</a:t>
+            </a:r>
+            <a:r>
+              <a:rPr lang="en-US" dirty="0"/>
+              <a:t> (1)</a:t>
             </a:r>
           </a:p>
         </p:txBody>
@@ -15795,7 +16630,15 @@
           <a:p>
             <a:r>
               <a:rPr lang="en-US" dirty="0"/>
-              <a:t>The Façade Class (2)</a:t>
+              <a:t>Façade </a:t>
+            </a:r>
+            <a:r>
+              <a:rPr lang="bg-BG" dirty="0"/>
+              <a:t>клас</a:t>
+            </a:r>
+            <a:r>
+              <a:rPr lang="en-US" dirty="0"/>
+              <a:t> (2)</a:t>
             </a:r>
           </a:p>
         </p:txBody>
@@ -16399,9 +17242,14 @@
           <a:lstStyle/>
           <a:p>
             <a:r>
-              <a:rPr lang="en-US" dirty="0"/>
-              <a:t>Subsystem Classes</a:t>
-            </a:r>
+              <a:rPr lang="bg-BG" dirty="0" err="1"/>
+              <a:t>Подсистемни</a:t>
+            </a:r>
+            <a:r>
+              <a:rPr lang="bg-BG" dirty="0"/>
+              <a:t> класове</a:t>
+            </a:r>
+            <a:endParaRPr lang="en-US" dirty="0"/>
           </a:p>
         </p:txBody>
       </p:sp>
@@ -17059,7 +17907,9 @@
         </p:nvSpPr>
         <p:spPr/>
         <p:txBody>
-          <a:bodyPr/>
+          <a:bodyPr>
+            <a:normAutofit/>
+          </a:bodyPr>
           <a:lstStyle/>
           <a:p>
             <a:pPr>
@@ -17068,21 +17918,26 @@
               </a:lnSpc>
             </a:pPr>
             <a:r>
-              <a:rPr lang="en-GB" dirty="0"/>
-              <a:t>Allows to </a:t>
-            </a:r>
-            <a:r>
-              <a:rPr lang="en-GB" b="1" dirty="0">
+              <a:rPr lang="bg-BG" sz="2800" dirty="0"/>
+              <a:t>Позволява </a:t>
+            </a:r>
+            <a:r>
+              <a:rPr lang="bg-BG" sz="2800" b="1" dirty="0">
                 <a:solidFill>
                   <a:schemeClr val="bg1"/>
                 </a:solidFill>
               </a:rPr>
-              <a:t>combine</a:t>
-            </a:r>
-            <a:r>
-              <a:rPr lang="en-GB" dirty="0"/>
-              <a:t> different types of objects in tree structures</a:t>
-            </a:r>
+              <a:t>комбинирането</a:t>
+            </a:r>
+            <a:r>
+              <a:rPr lang="en-GB" sz="2800" dirty="0"/>
+              <a:t> </a:t>
+            </a:r>
+            <a:r>
+              <a:rPr lang="bg-BG" sz="2800" dirty="0"/>
+              <a:t>на различни типове обекти в дървовидни структури</a:t>
+            </a:r>
+            <a:endParaRPr lang="en-US" sz="2800" dirty="0"/>
           </a:p>
           <a:p>
             <a:pPr>
@@ -17091,28 +17946,84 @@
               </a:lnSpc>
             </a:pPr>
             <a:r>
-              <a:rPr lang="en-GB" dirty="0"/>
-              <a:t>Gives the possibility to treat the </a:t>
-            </a:r>
-            <a:r>
-              <a:rPr lang="en-GB" b="1" dirty="0">
-                <a:solidFill>
-                  <a:schemeClr val="bg1"/>
-                </a:solidFill>
-              </a:rPr>
-              <a:t>same object(s)</a:t>
-            </a:r>
-          </a:p>
-          <a:p>
-            <a:pPr>
+              <a:rPr lang="bg-BG" sz="2800" dirty="0"/>
+              <a:t>Използва се, когато:</a:t>
+            </a:r>
+          </a:p>
+          <a:p>
+            <a:pPr lvl="1">
               <a:lnSpc>
                 <a:spcPct val="100000"/>
               </a:lnSpc>
             </a:pPr>
             <a:r>
-              <a:rPr lang="en-GB" dirty="0"/>
-              <a:t>Used when</a:t>
-            </a:r>
+              <a:rPr lang="bg-BG" sz="2800" dirty="0"/>
+              <a:t>Имате различни</a:t>
+            </a:r>
+            <a:br>
+              <a:rPr lang="bg-BG" sz="2800" dirty="0"/>
+            </a:br>
+            <a:r>
+              <a:rPr lang="bg-BG" sz="2800" dirty="0"/>
+              <a:t>обекти, които </a:t>
+            </a:r>
+            <a:br>
+              <a:rPr lang="bg-BG" sz="2800" dirty="0"/>
+            </a:br>
+            <a:r>
+              <a:rPr lang="bg-BG" sz="2800" dirty="0"/>
+              <a:t>искате да </a:t>
+            </a:r>
+            <a:r>
+              <a:rPr lang="bg-BG" sz="2800" b="1" dirty="0">
+                <a:solidFill>
+                  <a:schemeClr val="bg1"/>
+                </a:solidFill>
+              </a:rPr>
+              <a:t>третирате </a:t>
+            </a:r>
+            <a:br>
+              <a:rPr lang="bg-BG" sz="2800" b="1" dirty="0">
+                <a:solidFill>
+                  <a:schemeClr val="bg1"/>
+                </a:solidFill>
+              </a:rPr>
+            </a:br>
+            <a:r>
+              <a:rPr lang="bg-BG" sz="2800" b="1" dirty="0">
+                <a:solidFill>
+                  <a:schemeClr val="bg1"/>
+                </a:solidFill>
+              </a:rPr>
+              <a:t>по еднакъв начин</a:t>
+            </a:r>
+          </a:p>
+          <a:p>
+            <a:pPr lvl="1">
+              <a:lnSpc>
+                <a:spcPct val="100000"/>
+              </a:lnSpc>
+            </a:pPr>
+            <a:r>
+              <a:rPr lang="bg-BG" sz="2800" dirty="0"/>
+              <a:t>Искате да представите</a:t>
+            </a:r>
+            <a:br>
+              <a:rPr lang="bg-BG" sz="2800" dirty="0"/>
+            </a:br>
+            <a:r>
+              <a:rPr lang="bg-BG" sz="2800" b="1" dirty="0">
+                <a:solidFill>
+                  <a:schemeClr val="bg1"/>
+                </a:solidFill>
+              </a:rPr>
+              <a:t>йерархия</a:t>
+            </a:r>
+            <a:r>
+              <a:rPr lang="bg-BG" sz="2800" dirty="0"/>
+              <a:t> от обекти</a:t>
+            </a:r>
+            <a:endParaRPr lang="en-GB" sz="2800" dirty="0"/>
           </a:p>
         </p:txBody>
       </p:sp>
@@ -17133,8 +18044,13 @@
           <a:p>
             <a:r>
               <a:rPr lang="en-US" dirty="0"/>
-              <a:t>Composite Pattern</a:t>
-            </a:r>
+              <a:t>Composite </a:t>
+            </a:r>
+            <a:r>
+              <a:rPr lang="bg-BG" dirty="0"/>
+              <a:t>шаблон</a:t>
+            </a:r>
+            <a:endParaRPr lang="en-US" dirty="0"/>
           </a:p>
         </p:txBody>
       </p:sp>
@@ -17154,252 +18070,14 @@
         </p:blipFill>
         <p:spPr>
           <a:xfrm>
-            <a:off x="3933332" y="2646715"/>
-            <a:ext cx="8131139" cy="3764279"/>
+            <a:off x="4705800" y="2647533"/>
+            <a:ext cx="7413377" cy="3431994"/>
           </a:xfrm>
           <a:prstGeom prst="rect">
             <a:avLst/>
           </a:prstGeom>
         </p:spPr>
       </p:pic>
-      <p:sp>
-        <p:nvSpPr>
-          <p:cNvPr id="10" name="Text Placeholder 2">
-            <a:extLst>
-              <a:ext uri="{FF2B5EF4-FFF2-40B4-BE49-F238E27FC236}">
-                <a16:creationId xmlns:a16="http://schemas.microsoft.com/office/drawing/2014/main" id="{D7B8E157-6C8A-4802-A6DE-28D4534C00E0}"/>
-              </a:ext>
-            </a:extLst>
-          </p:cNvPr>
-          <p:cNvSpPr txBox="1">
-            <a:spLocks/>
-          </p:cNvSpPr>
-          <p:nvPr/>
-        </p:nvSpPr>
-        <p:spPr>
-          <a:xfrm>
-            <a:off x="0" y="3204000"/>
-            <a:ext cx="5286000" cy="3206994"/>
-          </a:xfrm>
-          <a:prstGeom prst="rect">
-            <a:avLst/>
-          </a:prstGeom>
-        </p:spPr>
-        <p:txBody>
-          <a:bodyPr vert="horz" lIns="108000" tIns="36000" rIns="108000" bIns="36000" rtlCol="0">
-            <a:normAutofit/>
-          </a:bodyPr>
-          <a:lstStyle>
-            <a:lvl1pPr marL="360363" indent="-360363" algn="l" defTabSz="1218438" rtl="0" eaLnBrk="1" latinLnBrk="0" hangingPunct="1">
-              <a:lnSpc>
-                <a:spcPct val="105000"/>
-              </a:lnSpc>
-              <a:spcBef>
-                <a:spcPts val="600"/>
-              </a:spcBef>
-              <a:spcAft>
-                <a:spcPts val="600"/>
-              </a:spcAft>
-              <a:buFont typeface="Wingdings" panose="05000000000000000000" pitchFamily="2" charset="2"/>
-              <a:buChar char="§"/>
-              <a:defRPr sz="3398" kern="1200">
-                <a:solidFill>
-                  <a:schemeClr val="tx1"/>
-                </a:solidFill>
-                <a:latin typeface="+mn-lt"/>
-                <a:ea typeface="+mn-ea"/>
-                <a:cs typeface="+mn-cs"/>
-              </a:defRPr>
-            </a:lvl1pPr>
-            <a:lvl2pPr marL="803275" indent="-360363" algn="l" defTabSz="1218438" rtl="0" eaLnBrk="1" latinLnBrk="0" hangingPunct="1">
-              <a:lnSpc>
-                <a:spcPct val="105000"/>
-              </a:lnSpc>
-              <a:spcBef>
-                <a:spcPts val="600"/>
-              </a:spcBef>
-              <a:spcAft>
-                <a:spcPts val="600"/>
-              </a:spcAft>
-              <a:buFont typeface="Wingdings" panose="05000000000000000000" pitchFamily="2" charset="2"/>
-              <a:buChar char="§"/>
-              <a:defRPr sz="3198" kern="1200">
-                <a:solidFill>
-                  <a:schemeClr val="tx1"/>
-                </a:solidFill>
-                <a:latin typeface="+mn-lt"/>
-                <a:ea typeface="+mn-ea"/>
-                <a:cs typeface="+mn-cs"/>
-              </a:defRPr>
-            </a:lvl2pPr>
-            <a:lvl3pPr marL="1255713" indent="-360363" algn="l" defTabSz="1218438" rtl="0" eaLnBrk="1" latinLnBrk="0" hangingPunct="1">
-              <a:lnSpc>
-                <a:spcPct val="105000"/>
-              </a:lnSpc>
-              <a:spcBef>
-                <a:spcPts val="600"/>
-              </a:spcBef>
-              <a:spcAft>
-                <a:spcPts val="600"/>
-              </a:spcAft>
-              <a:buFont typeface="Wingdings" panose="05000000000000000000" pitchFamily="2" charset="2"/>
-              <a:buChar char="§"/>
-              <a:defRPr sz="2998" kern="1200">
-                <a:solidFill>
-                  <a:schemeClr val="tx1"/>
-                </a:solidFill>
-                <a:latin typeface="+mn-lt"/>
-                <a:ea typeface="+mn-ea"/>
-                <a:cs typeface="+mn-cs"/>
-              </a:defRPr>
-            </a:lvl3pPr>
-            <a:lvl4pPr marL="1700213" indent="-352425" algn="l" defTabSz="1218438" rtl="0" eaLnBrk="1" latinLnBrk="0" hangingPunct="1">
-              <a:lnSpc>
-                <a:spcPct val="105000"/>
-              </a:lnSpc>
-              <a:spcBef>
-                <a:spcPts val="600"/>
-              </a:spcBef>
-              <a:spcAft>
-                <a:spcPts val="600"/>
-              </a:spcAft>
-              <a:buFont typeface="Wingdings" panose="05000000000000000000" pitchFamily="2" charset="2"/>
-              <a:buChar char="§"/>
-              <a:defRPr sz="2798" kern="1200">
-                <a:solidFill>
-                  <a:schemeClr val="tx1"/>
-                </a:solidFill>
-                <a:latin typeface="+mn-lt"/>
-                <a:ea typeface="+mn-ea"/>
-                <a:cs typeface="+mn-cs"/>
-              </a:defRPr>
-            </a:lvl4pPr>
-            <a:lvl5pPr marL="2058988" indent="-266700" algn="l" defTabSz="1218438" rtl="0" eaLnBrk="1" latinLnBrk="0" hangingPunct="1">
-              <a:lnSpc>
-                <a:spcPct val="105000"/>
-              </a:lnSpc>
-              <a:spcBef>
-                <a:spcPts val="600"/>
-              </a:spcBef>
-              <a:spcAft>
-                <a:spcPts val="600"/>
-              </a:spcAft>
-              <a:buFont typeface="Wingdings" panose="05000000000000000000" pitchFamily="2" charset="2"/>
-              <a:buChar char="§"/>
-              <a:defRPr sz="2598" kern="1200">
-                <a:solidFill>
-                  <a:schemeClr val="tx1"/>
-                </a:solidFill>
-                <a:latin typeface="+mn-lt"/>
-                <a:ea typeface="+mn-ea"/>
-                <a:cs typeface="+mn-cs"/>
-              </a:defRPr>
-            </a:lvl5pPr>
-            <a:lvl6pPr marL="3350704" indent="-304610" algn="l" defTabSz="1218438" rtl="0" eaLnBrk="1" latinLnBrk="1" hangingPunct="1">
-              <a:spcBef>
-                <a:spcPct val="20000"/>
-              </a:spcBef>
-              <a:buFont typeface="Arial" pitchFamily="34" charset="0"/>
-              <a:buChar char="•"/>
-              <a:defRPr sz="2665" kern="1200">
-                <a:solidFill>
-                  <a:schemeClr val="tx1"/>
-                </a:solidFill>
-                <a:latin typeface="+mn-lt"/>
-                <a:ea typeface="+mn-ea"/>
-                <a:cs typeface="+mn-cs"/>
-              </a:defRPr>
-            </a:lvl6pPr>
-            <a:lvl7pPr marL="3959924" indent="-304610" algn="l" defTabSz="1218438" rtl="0" eaLnBrk="1" latinLnBrk="1" hangingPunct="1">
-              <a:spcBef>
-                <a:spcPct val="20000"/>
-              </a:spcBef>
-              <a:buFont typeface="Arial" pitchFamily="34" charset="0"/>
-              <a:buChar char="•"/>
-              <a:defRPr sz="2665" kern="1200">
-                <a:solidFill>
-                  <a:schemeClr val="tx1"/>
-                </a:solidFill>
-                <a:latin typeface="+mn-lt"/>
-                <a:ea typeface="+mn-ea"/>
-                <a:cs typeface="+mn-cs"/>
-              </a:defRPr>
-            </a:lvl7pPr>
-            <a:lvl8pPr marL="4569143" indent="-304610" algn="l" defTabSz="1218438" rtl="0" eaLnBrk="1" latinLnBrk="1" hangingPunct="1">
-              <a:spcBef>
-                <a:spcPct val="20000"/>
-              </a:spcBef>
-              <a:buFont typeface="Arial" pitchFamily="34" charset="0"/>
-              <a:buChar char="•"/>
-              <a:defRPr sz="2665" kern="1200">
-                <a:solidFill>
-                  <a:schemeClr val="tx1"/>
-                </a:solidFill>
-                <a:latin typeface="+mn-lt"/>
-                <a:ea typeface="+mn-ea"/>
-                <a:cs typeface="+mn-cs"/>
-              </a:defRPr>
-            </a:lvl8pPr>
-            <a:lvl9pPr marL="5178362" indent="-304610" algn="l" defTabSz="1218438" rtl="0" eaLnBrk="1" latinLnBrk="1" hangingPunct="1">
-              <a:spcBef>
-                <a:spcPct val="20000"/>
-              </a:spcBef>
-              <a:buFont typeface="Arial" pitchFamily="34" charset="0"/>
-              <a:buChar char="•"/>
-              <a:defRPr sz="2665" kern="1200">
-                <a:solidFill>
-                  <a:schemeClr val="tx1"/>
-                </a:solidFill>
-                <a:latin typeface="+mn-lt"/>
-                <a:ea typeface="+mn-ea"/>
-                <a:cs typeface="+mn-cs"/>
-              </a:defRPr>
-            </a:lvl9pPr>
-          </a:lstStyle>
-          <a:p>
-            <a:pPr lvl="1">
-              <a:lnSpc>
-                <a:spcPct val="100000"/>
-              </a:lnSpc>
-            </a:pPr>
-            <a:r>
-              <a:rPr lang="en-GB" dirty="0"/>
-              <a:t>You have different objects that you want to </a:t>
-            </a:r>
-            <a:r>
-              <a:rPr lang="en-GB" b="1" dirty="0">
-                <a:solidFill>
-                  <a:schemeClr val="bg1"/>
-                </a:solidFill>
-              </a:rPr>
-              <a:t>treat the same way</a:t>
-            </a:r>
-          </a:p>
-          <a:p>
-            <a:pPr lvl="1">
-              <a:lnSpc>
-                <a:spcPct val="100000"/>
-              </a:lnSpc>
-            </a:pPr>
-            <a:r>
-              <a:rPr lang="en-GB" dirty="0"/>
-              <a:t>You want to present </a:t>
-            </a:r>
-            <a:r>
-              <a:rPr lang="en-GB" b="1" dirty="0">
-                <a:solidFill>
-                  <a:schemeClr val="bg1"/>
-                </a:solidFill>
-              </a:rPr>
-              <a:t>hierarchy</a:t>
-            </a:r>
-            <a:r>
-              <a:rPr lang="en-GB" dirty="0"/>
-              <a:t> of objects</a:t>
-            </a:r>
-          </a:p>
-        </p:txBody>
-      </p:sp>
       <p:sp>
         <p:nvSpPr>
           <p:cNvPr id="8" name="Slide Number">
@@ -17489,184 +18167,6 @@
                                     <p:set>
                                       <p:cBhvr>
                                         <p:cTn id="6" dur="1" fill="hold">
-                                          <p:stCondLst>
-                                            <p:cond delay="0"/>
-                                          </p:stCondLst>
-                                        </p:cTn>
-                                        <p:tgtEl>
-                                          <p:spTgt spid="3">
-                                            <p:txEl>
-                                              <p:pRg st="1" end="1"/>
-                                            </p:txEl>
-                                          </p:spTgt>
-                                        </p:tgtEl>
-                                        <p:attrNameLst>
-                                          <p:attrName>style.visibility</p:attrName>
-                                        </p:attrNameLst>
-                                      </p:cBhvr>
-                                      <p:to>
-                                        <p:strVal val="visible"/>
-                                      </p:to>
-                                    </p:set>
-                                  </p:childTnLst>
-                                </p:cTn>
-                              </p:par>
-                            </p:childTnLst>
-                          </p:cTn>
-                        </p:par>
-                      </p:childTnLst>
-                    </p:cTn>
-                  </p:par>
-                  <p:par>
-                    <p:cTn id="7" fill="hold">
-                      <p:stCondLst>
-                        <p:cond delay="indefinite"/>
-                      </p:stCondLst>
-                      <p:childTnLst>
-                        <p:par>
-                          <p:cTn id="8" fill="hold">
-                            <p:stCondLst>
-                              <p:cond delay="0"/>
-                            </p:stCondLst>
-                            <p:childTnLst>
-                              <p:par>
-                                <p:cTn id="9" presetID="1" presetClass="entr" presetSubtype="0" fill="hold" nodeType="clickEffect">
-                                  <p:stCondLst>
-                                    <p:cond delay="0"/>
-                                  </p:stCondLst>
-                                  <p:childTnLst>
-                                    <p:set>
-                                      <p:cBhvr>
-                                        <p:cTn id="10" dur="1" fill="hold">
-                                          <p:stCondLst>
-                                            <p:cond delay="0"/>
-                                          </p:stCondLst>
-                                        </p:cTn>
-                                        <p:tgtEl>
-                                          <p:spTgt spid="3">
-                                            <p:txEl>
-                                              <p:pRg st="2" end="2"/>
-                                            </p:txEl>
-                                          </p:spTgt>
-                                        </p:tgtEl>
-                                        <p:attrNameLst>
-                                          <p:attrName>style.visibility</p:attrName>
-                                        </p:attrNameLst>
-                                      </p:cBhvr>
-                                      <p:to>
-                                        <p:strVal val="visible"/>
-                                      </p:to>
-                                    </p:set>
-                                  </p:childTnLst>
-                                </p:cTn>
-                              </p:par>
-                              <p:par>
-                                <p:cTn id="11" presetID="1" presetClass="entr" presetSubtype="0" fill="hold" nodeType="withEffect">
-                                  <p:stCondLst>
-                                    <p:cond delay="0"/>
-                                  </p:stCondLst>
-                                  <p:childTnLst>
-                                    <p:set>
-                                      <p:cBhvr>
-                                        <p:cTn id="12" dur="1" fill="hold">
-                                          <p:stCondLst>
-                                            <p:cond delay="0"/>
-                                          </p:stCondLst>
-                                        </p:cTn>
-                                        <p:tgtEl>
-                                          <p:spTgt spid="10">
-                                            <p:txEl>
-                                              <p:pRg st="0" end="0"/>
-                                            </p:txEl>
-                                          </p:spTgt>
-                                        </p:tgtEl>
-                                        <p:attrNameLst>
-                                          <p:attrName>style.visibility</p:attrName>
-                                        </p:attrNameLst>
-                                      </p:cBhvr>
-                                      <p:to>
-                                        <p:strVal val="visible"/>
-                                      </p:to>
-                                    </p:set>
-                                  </p:childTnLst>
-                                </p:cTn>
-                              </p:par>
-                            </p:childTnLst>
-                          </p:cTn>
-                        </p:par>
-                      </p:childTnLst>
-                    </p:cTn>
-                  </p:par>
-                  <p:par>
-                    <p:cTn id="13" fill="hold">
-                      <p:stCondLst>
-                        <p:cond delay="indefinite"/>
-                      </p:stCondLst>
-                      <p:childTnLst>
-                        <p:par>
-                          <p:cTn id="14" fill="hold">
-                            <p:stCondLst>
-                              <p:cond delay="0"/>
-                            </p:stCondLst>
-                            <p:childTnLst>
-                              <p:par>
-                                <p:cTn id="15" presetID="1" presetClass="entr" presetSubtype="0" fill="hold" nodeType="clickEffect">
-                                  <p:stCondLst>
-                                    <p:cond delay="0"/>
-                                  </p:stCondLst>
-                                  <p:childTnLst>
-                                    <p:set>
-                                      <p:cBhvr>
-                                        <p:cTn id="16" dur="1" fill="hold">
-                                          <p:stCondLst>
-                                            <p:cond delay="0"/>
-                                          </p:stCondLst>
-                                        </p:cTn>
-                                        <p:tgtEl>
-                                          <p:spTgt spid="10">
-                                            <p:txEl>
-                                              <p:pRg st="1" end="1"/>
-                                            </p:txEl>
-                                          </p:spTgt>
-                                        </p:tgtEl>
-                                        <p:attrNameLst>
-                                          <p:attrName>style.visibility</p:attrName>
-                                        </p:attrNameLst>
-                                      </p:cBhvr>
-                                      <p:to>
-                                        <p:strVal val="visible"/>
-                                      </p:to>
-                                    </p:set>
-                                  </p:childTnLst>
-                                </p:cTn>
-                              </p:par>
-                            </p:childTnLst>
-                          </p:cTn>
-                        </p:par>
-                      </p:childTnLst>
-                    </p:cTn>
-                  </p:par>
-                  <p:par>
-                    <p:cTn id="17" fill="hold">
-                      <p:stCondLst>
-                        <p:cond delay="indefinite"/>
-                      </p:stCondLst>
-                      <p:childTnLst>
-                        <p:par>
-                          <p:cTn id="18" fill="hold">
-                            <p:stCondLst>
-                              <p:cond delay="0"/>
-                            </p:stCondLst>
-                            <p:childTnLst>
-                              <p:par>
-                                <p:cTn id="19" presetID="1" presetClass="entr" presetSubtype="0" fill="hold" nodeType="clickEffect">
-                                  <p:stCondLst>
-                                    <p:cond delay="0"/>
-                                  </p:stCondLst>
-                                  <p:childTnLst>
-                                    <p:set>
-                                      <p:cBhvr>
-                                        <p:cTn id="20" dur="1" fill="hold">
                                           <p:stCondLst>
                                             <p:cond delay="0"/>
                                           </p:stCondLst>
@@ -17750,8 +18250,13 @@
           <a:p>
             <a:r>
               <a:rPr lang="en-US" dirty="0"/>
-              <a:t>The Component Abstract Class</a:t>
-            </a:r>
+              <a:t>Component </a:t>
+            </a:r>
+            <a:r>
+              <a:rPr lang="bg-BG" dirty="0"/>
+              <a:t>абстрактен клас</a:t>
+            </a:r>
+            <a:endParaRPr lang="en-US" dirty="0"/>
           </a:p>
         </p:txBody>
       </p:sp>
@@ -18606,7 +19111,15 @@
           <a:p>
             <a:r>
               <a:rPr lang="en-US" dirty="0"/>
-              <a:t>The Composite Class (1)</a:t>
+              <a:t>Composite </a:t>
+            </a:r>
+            <a:r>
+              <a:rPr lang="bg-BG" dirty="0"/>
+              <a:t>клас</a:t>
+            </a:r>
+            <a:r>
+              <a:rPr lang="en-US" dirty="0"/>
+              <a:t> (1)</a:t>
             </a:r>
           </a:p>
         </p:txBody>
@@ -18796,7 +19309,15 @@
           <a:p>
             <a:r>
               <a:rPr lang="en-US" dirty="0"/>
-              <a:t>The Composite Class (2)</a:t>
+              <a:t>Composite </a:t>
+            </a:r>
+            <a:r>
+              <a:rPr lang="bg-BG" dirty="0"/>
+              <a:t>клас</a:t>
+            </a:r>
+            <a:r>
+              <a:rPr lang="en-US" dirty="0"/>
+              <a:t> (2)</a:t>
             </a:r>
           </a:p>
         </p:txBody>
@@ -19355,8 +19876,32 @@
           <a:lstStyle/>
           <a:p>
             <a:r>
-              <a:rPr lang="en-US"/>
-              <a:t>Definition, Solutions and Elements</a:t>
+              <a:rPr lang="bg-BG" dirty="0"/>
+              <a:t>Дефиниция</a:t>
+            </a:r>
+            <a:r>
+              <a:rPr lang="en-US" dirty="0"/>
+              <a:t>, </a:t>
+            </a:r>
+            <a:r>
+              <a:rPr lang="bg-BG" dirty="0"/>
+              <a:t>решения</a:t>
+            </a:r>
+            <a:r>
+              <a:rPr lang="en-US" dirty="0"/>
+              <a:t> </a:t>
+            </a:r>
+            <a:r>
+              <a:rPr lang="bg-BG" dirty="0"/>
+              <a:t>и</a:t>
+            </a:r>
+            <a:r>
+              <a:rPr lang="en-US" dirty="0"/>
+              <a:t> </a:t>
+            </a:r>
+            <a:r>
+              <a:rPr lang="bg-BG" dirty="0"/>
+              <a:t>елементи</a:t>
             </a:r>
             <a:endParaRPr lang="en-US" dirty="0"/>
           </a:p>
@@ -19417,8 +19962,13 @@
           <a:p>
             <a:r>
               <a:rPr lang="en-US" dirty="0"/>
-              <a:t>The Leaf Class</a:t>
-            </a:r>
+              <a:t>Leaf </a:t>
+            </a:r>
+            <a:r>
+              <a:rPr lang="bg-BG" dirty="0"/>
+              <a:t>клас</a:t>
+            </a:r>
+            <a:endParaRPr lang="en-US" dirty="0"/>
           </a:p>
         </p:txBody>
       </p:sp>
@@ -19985,9 +20535,18 @@
           <a:lstStyle/>
           <a:p>
             <a:r>
-              <a:rPr lang="en-GB"/>
-              <a:t>Behavioral Patterns</a:t>
-            </a:r>
+              <a:rPr lang="en-GB" dirty="0" err="1"/>
+              <a:t>Behavioral</a:t>
+            </a:r>
+            <a:r>
+              <a:rPr lang="en-GB" dirty="0"/>
+              <a:t> </a:t>
+            </a:r>
+            <a:r>
+              <a:rPr lang="bg-BG" dirty="0"/>
+              <a:t>шаблони</a:t>
+            </a:r>
+            <a:endParaRPr lang="en-GB" dirty="0"/>
           </a:p>
         </p:txBody>
       </p:sp>
@@ -20055,21 +20614,34 @@
               </a:buClr>
             </a:pPr>
             <a:r>
+              <a:rPr lang="bg-BG" sz="3600" dirty="0"/>
+              <a:t>Свързани са с </a:t>
+            </a:r>
+            <a:r>
+              <a:rPr lang="bg-BG" sz="3600" b="1" dirty="0">
+                <a:solidFill>
+                  <a:schemeClr val="bg1"/>
+                </a:solidFill>
+              </a:rPr>
+              <a:t>интеракцията</a:t>
+            </a:r>
+            <a:r>
               <a:rPr lang="en-US" sz="3600" dirty="0"/>
-              <a:t>Concerned with </a:t>
-            </a:r>
-            <a:r>
-              <a:rPr lang="en-US" sz="3600" b="1" dirty="0">
-                <a:solidFill>
-                  <a:schemeClr val="bg1"/>
-                </a:solidFill>
-              </a:rPr>
-              <a:t>interaction</a:t>
+              <a:t> </a:t>
+            </a:r>
+            <a:r>
+              <a:rPr lang="bg-BG" sz="3600" dirty="0"/>
+              <a:t>между</a:t>
             </a:r>
             <a:r>
               <a:rPr lang="en-US" sz="3600" dirty="0"/>
-              <a:t> between objects</a:t>
-            </a:r>
+              <a:t> </a:t>
+            </a:r>
+            <a:r>
+              <a:rPr lang="bg-BG" sz="3600" dirty="0"/>
+              <a:t>обекти</a:t>
+            </a:r>
+            <a:endParaRPr lang="en-US" sz="3600" dirty="0"/>
           </a:p>
           <a:p>
             <a:pPr marL="990266" lvl="1" indent="-457200">
@@ -20081,8 +20653,16 @@
               </a:buClr>
             </a:pPr>
             <a:r>
-              <a:rPr lang="en-US" sz="3400" dirty="0"/>
-              <a:t>Either with the </a:t>
+              <a:rPr lang="bg-BG" sz="3400" dirty="0"/>
+              <a:t>Или с </a:t>
+            </a:r>
+            <a:r>
+              <a:rPr lang="bg-BG" sz="3400" b="1" dirty="0">
+                <a:solidFill>
+                  <a:schemeClr val="bg1"/>
+                </a:solidFill>
+              </a:rPr>
+              <a:t>разпределянето</a:t>
             </a:r>
             <a:r>
               <a:rPr lang="en-US" sz="3400" b="1" dirty="0">
@@ -20090,15 +20670,40 @@
                   <a:schemeClr val="bg1"/>
                 </a:solidFill>
               </a:rPr>
-              <a:t>assignment of responsibilities</a:t>
+              <a:t> </a:t>
+            </a:r>
+            <a:r>
+              <a:rPr lang="bg-BG" sz="3400" b="1" dirty="0">
+                <a:solidFill>
+                  <a:schemeClr val="bg1"/>
+                </a:solidFill>
+              </a:rPr>
+              <a:t>на</a:t>
+            </a:r>
+            <a:r>
+              <a:rPr lang="en-US" sz="3400" b="1" dirty="0">
+                <a:solidFill>
+                  <a:schemeClr val="bg1"/>
+                </a:solidFill>
+              </a:rPr>
+              <a:t> </a:t>
+            </a:r>
+            <a:r>
+              <a:rPr lang="bg-BG" sz="3400" b="1" dirty="0">
+                <a:solidFill>
+                  <a:schemeClr val="bg1"/>
+                </a:solidFill>
+              </a:rPr>
+              <a:t>отговорности</a:t>
             </a:r>
             <a:br>
               <a:rPr lang="en-US" sz="3400" dirty="0"/>
             </a:br>
             <a:r>
-              <a:rPr lang="en-US" sz="3400" dirty="0"/>
-              <a:t>between objects</a:t>
-            </a:r>
+              <a:rPr lang="bg-BG" sz="3400" dirty="0"/>
+              <a:t>между обекти</a:t>
+            </a:r>
+            <a:endParaRPr lang="en-US" sz="3400" dirty="0"/>
           </a:p>
           <a:p>
             <a:pPr marL="990266" lvl="1" indent="-457200">
@@ -20110,8 +20715,28 @@
               </a:buClr>
             </a:pPr>
             <a:r>
+              <a:rPr lang="bg-BG" sz="3400" dirty="0"/>
+              <a:t>Или с</a:t>
+            </a:r>
+            <a:r>
               <a:rPr lang="en-US" sz="3400" dirty="0"/>
-              <a:t>Or </a:t>
+              <a:t> </a:t>
+            </a:r>
+            <a:r>
+              <a:rPr lang="bg-BG" sz="3400" b="1" dirty="0" err="1">
+                <a:solidFill>
+                  <a:schemeClr val="bg1"/>
+                </a:solidFill>
+              </a:rPr>
+              <a:t>енкапсулирането</a:t>
+            </a:r>
+            <a:r>
+              <a:rPr lang="bg-BG" sz="3400" b="1" dirty="0">
+                <a:solidFill>
+                  <a:schemeClr val="bg1"/>
+                </a:solidFill>
+              </a:rPr>
+              <a:t> на поведение</a:t>
             </a:r>
             <a:r>
               <a:rPr lang="en-US" sz="3400" b="1" dirty="0">
@@ -20119,19 +20744,13 @@
                   <a:schemeClr val="bg1"/>
                 </a:solidFill>
               </a:rPr>
-              <a:t>encapsulating behavior </a:t>
-            </a:r>
-            <a:r>
-              <a:rPr lang="en-US" sz="3400" dirty="0"/>
-              <a:t>in an object and</a:t>
-            </a:r>
-            <a:br>
-              <a:rPr lang="en-US" sz="3400" dirty="0"/>
-            </a:br>
-            <a:r>
-              <a:rPr lang="en-US" sz="3400" dirty="0"/>
-              <a:t>delegating requests to it</a:t>
-            </a:r>
+              <a:t> </a:t>
+            </a:r>
+            <a:r>
+              <a:rPr lang="bg-BG" sz="3400" dirty="0"/>
+              <a:t>в обект и делегирането на заявки към него</a:t>
+            </a:r>
+            <a:endParaRPr lang="en-US" sz="3400" dirty="0"/>
           </a:p>
           <a:p>
             <a:pPr marL="457200" indent="-457200">
@@ -20143,28 +20762,30 @@
               </a:buClr>
             </a:pPr>
             <a:r>
+              <a:rPr lang="bg-BG" sz="3600" dirty="0"/>
+              <a:t>Увеличава</a:t>
+            </a:r>
+            <a:r>
               <a:rPr lang="en-US" sz="3600" dirty="0"/>
-              <a:t>Increases </a:t>
-            </a:r>
-            <a:r>
-              <a:rPr lang="en-US" sz="3600" b="1" dirty="0">
+              <a:t> </a:t>
+            </a:r>
+            <a:r>
+              <a:rPr lang="bg-BG" sz="3600" b="1" dirty="0">
                 <a:solidFill>
                   <a:schemeClr val="bg1"/>
                 </a:solidFill>
               </a:rPr>
-              <a:t>flexibility</a:t>
+              <a:t>гъвкавостта</a:t>
             </a:r>
             <a:r>
               <a:rPr lang="en-US" sz="3600" dirty="0"/>
-              <a:t> in carrying out cross-classes</a:t>
-            </a:r>
-            <a:br>
-              <a:rPr lang="en-US" sz="3600" dirty="0"/>
-            </a:br>
-            <a:r>
-              <a:rPr lang="en-US" sz="3600" dirty="0"/>
-              <a:t>communication</a:t>
-            </a:r>
+              <a:t> </a:t>
+            </a:r>
+            <a:r>
+              <a:rPr lang="bg-BG" sz="3600" dirty="0"/>
+              <a:t>при провеждането на комуникация между класове</a:t>
+            </a:r>
+            <a:endParaRPr lang="en-US" sz="3600" dirty="0"/>
           </a:p>
         </p:txBody>
       </p:sp>
@@ -20186,9 +20807,10 @@
           <a:lstStyle/>
           <a:p>
             <a:r>
-              <a:rPr lang="en-US" dirty="0"/>
-              <a:t>Purposes</a:t>
-            </a:r>
+              <a:rPr lang="bg-BG" dirty="0"/>
+              <a:t>Цели</a:t>
+            </a:r>
+            <a:endParaRPr lang="en-US" dirty="0"/>
           </a:p>
         </p:txBody>
       </p:sp>
@@ -20470,8 +21092,20 @@
           <a:lstStyle/>
           <a:p>
             <a:r>
+              <a:rPr lang="bg-BG" dirty="0"/>
+              <a:t>Списък с </a:t>
+            </a:r>
+            <a:r>
               <a:rPr lang="en-US" dirty="0"/>
-              <a:t>List of Behavioral Patterns (1)</a:t>
+              <a:t>Behavioral </a:t>
+            </a:r>
+            <a:r>
+              <a:rPr lang="bg-BG" dirty="0"/>
+              <a:t>шаблони </a:t>
+            </a:r>
+            <a:r>
+              <a:rPr lang="en-US" dirty="0"/>
+              <a:t>(1)</a:t>
             </a:r>
             <a:endParaRPr lang="bg-BG" dirty="0"/>
           </a:p>
@@ -21256,8 +21890,20 @@
           <a:lstStyle/>
           <a:p>
             <a:r>
+              <a:rPr lang="bg-BG" dirty="0"/>
+              <a:t>Списък с </a:t>
+            </a:r>
+            <a:r>
               <a:rPr lang="en-US" dirty="0"/>
-              <a:t>List of Behavioral Patterns (2)</a:t>
+              <a:t>Behavioral </a:t>
+            </a:r>
+            <a:r>
+              <a:rPr lang="bg-BG" dirty="0"/>
+              <a:t>шаблони </a:t>
+            </a:r>
+            <a:r>
+              <a:rPr lang="en-US" dirty="0"/>
+              <a:t>(2)</a:t>
             </a:r>
             <a:endParaRPr lang="bg-BG" dirty="0"/>
           </a:p>
@@ -21901,28 +22547,29 @@
           <a:lstStyle/>
           <a:p>
             <a:r>
+              <a:rPr lang="bg-BG" dirty="0"/>
+              <a:t>Обект, който </a:t>
+            </a:r>
+            <a:r>
+              <a:rPr lang="bg-BG" b="1" dirty="0" err="1">
+                <a:solidFill>
+                  <a:schemeClr val="bg1"/>
+                </a:solidFill>
+              </a:rPr>
+              <a:t>енкапсулира</a:t>
+            </a:r>
+            <a:r>
               <a:rPr lang="en-GB" dirty="0"/>
-              <a:t>An object </a:t>
-            </a:r>
-            <a:r>
-              <a:rPr lang="en-GB" b="1" dirty="0">
-                <a:solidFill>
-                  <a:schemeClr val="bg1"/>
-                </a:solidFill>
-              </a:rPr>
-              <a:t>encapsulates</a:t>
-            </a:r>
-            <a:r>
-              <a:rPr lang="en-GB" dirty="0"/>
-              <a:t> all the information needed to call</a:t>
+              <a:t> </a:t>
+            </a:r>
+            <a:r>
+              <a:rPr lang="bg-BG" dirty="0"/>
+              <a:t>цялата информация, нужна за да се извика метод по-късно</a:t>
             </a:r>
             <a:br>
               <a:rPr lang="en-GB" dirty="0"/>
             </a:br>
-            <a:r>
-              <a:rPr lang="en-GB" dirty="0"/>
-              <a:t>a method at a later time</a:t>
-            </a:r>
+            <a:endParaRPr lang="en-GB" dirty="0"/>
           </a:p>
         </p:txBody>
       </p:sp>
@@ -21943,8 +22590,13 @@
           <a:p>
             <a:r>
               <a:rPr lang="en-US" dirty="0"/>
-              <a:t>Command Pattern</a:t>
-            </a:r>
+              <a:t>Command </a:t>
+            </a:r>
+            <a:r>
+              <a:rPr lang="bg-BG" dirty="0"/>
+              <a:t>шаблон</a:t>
+            </a:r>
+            <a:endParaRPr lang="en-US" dirty="0"/>
           </a:p>
         </p:txBody>
       </p:sp>
@@ -21957,15 +22609,15 @@
           <p:nvPr/>
         </p:nvPicPr>
         <p:blipFill>
-          <a:blip r:embed="rId2"/>
+          <a:blip r:embed="rId3"/>
           <a:stretch>
             <a:fillRect/>
           </a:stretch>
         </p:blipFill>
         <p:spPr>
           <a:xfrm>
-            <a:off x="4447036" y="2250830"/>
-            <a:ext cx="7498964" cy="4256169"/>
+            <a:off x="5103773" y="2250831"/>
+            <a:ext cx="6832964" cy="3878169"/>
           </a:xfrm>
           <a:prstGeom prst="rect">
             <a:avLst/>
@@ -22168,21 +22820,42 @@
           </a:lstStyle>
           <a:p>
             <a:r>
+              <a:rPr lang="bg-BG" dirty="0"/>
+              <a:t>Позволява </a:t>
+            </a:r>
+            <a:r>
+              <a:rPr lang="bg-BG" b="1" dirty="0" err="1">
+                <a:solidFill>
+                  <a:schemeClr val="bg1"/>
+                </a:solidFill>
+              </a:rPr>
+              <a:t>параметризирането</a:t>
+            </a:r>
+            <a:r>
               <a:rPr lang="en-GB" dirty="0"/>
-              <a:t>Lets you </a:t>
-            </a:r>
-            <a:r>
-              <a:rPr lang="en-GB" b="1" dirty="0">
-                <a:solidFill>
-                  <a:schemeClr val="bg1"/>
-                </a:solidFill>
-              </a:rPr>
-              <a:t>parameterize</a:t>
+              <a:t> </a:t>
+            </a:r>
+            <a:r>
+              <a:rPr lang="bg-BG" dirty="0"/>
+              <a:t>на клиенти</a:t>
             </a:r>
             <a:r>
               <a:rPr lang="en-GB" dirty="0"/>
-              <a:t> clients with different requests, queue or log requests, and support undoable operations</a:t>
-            </a:r>
+              <a:t> </a:t>
+            </a:r>
+            <a:r>
+              <a:rPr lang="bg-BG" dirty="0"/>
+              <a:t>с</a:t>
+            </a:r>
+            <a:r>
+              <a:rPr lang="en-GB" dirty="0"/>
+              <a:t> </a:t>
+            </a:r>
+            <a:r>
+              <a:rPr lang="bg-BG" dirty="0"/>
+              <a:t>различни заявки</a:t>
+            </a:r>
+            <a:endParaRPr lang="en-GB" dirty="0"/>
           </a:p>
         </p:txBody>
       </p:sp>
@@ -22364,8 +23037,13 @@
           <a:p>
             <a:r>
               <a:rPr lang="en-US" dirty="0"/>
-              <a:t>The Command Abstract Class</a:t>
-            </a:r>
+              <a:t>Command </a:t>
+            </a:r>
+            <a:r>
+              <a:rPr lang="bg-BG" dirty="0"/>
+              <a:t>абстрактен клас</a:t>
+            </a:r>
+            <a:endParaRPr lang="en-US" dirty="0"/>
           </a:p>
         </p:txBody>
       </p:sp>
@@ -22876,8 +23554,13 @@
           <a:p>
             <a:r>
               <a:rPr lang="en-US" dirty="0"/>
-              <a:t>Concrete Command Class</a:t>
-            </a:r>
+              <a:t>Concrete Command </a:t>
+            </a:r>
+            <a:r>
+              <a:rPr lang="bg-BG" dirty="0"/>
+              <a:t>клас</a:t>
+            </a:r>
+            <a:endParaRPr lang="en-US" dirty="0"/>
           </a:p>
         </p:txBody>
       </p:sp>
@@ -23288,8 +23971,13 @@
           <a:p>
             <a:r>
               <a:rPr lang="en-US" dirty="0"/>
-              <a:t>The Receiver Class</a:t>
-            </a:r>
+              <a:t>Receiver </a:t>
+            </a:r>
+            <a:r>
+              <a:rPr lang="bg-BG" dirty="0"/>
+              <a:t>клас</a:t>
+            </a:r>
+            <a:endParaRPr lang="en-US" dirty="0"/>
           </a:p>
         </p:txBody>
       </p:sp>
@@ -23688,8 +24376,13 @@
           <a:p>
             <a:r>
               <a:rPr lang="en-US" dirty="0"/>
-              <a:t>The Invoker Class</a:t>
-            </a:r>
+              <a:t>Invoker </a:t>
+            </a:r>
+            <a:r>
+              <a:rPr lang="bg-BG" dirty="0"/>
+              <a:t>клас</a:t>
+            </a:r>
+            <a:endParaRPr lang="en-US" dirty="0"/>
           </a:p>
         </p:txBody>
       </p:sp>
@@ -24173,48 +24866,81 @@
               </a:buClr>
             </a:pPr>
             <a:r>
-              <a:rPr lang="en-US" sz="4000" b="1" dirty="0">
+              <a:rPr lang="bg-BG" sz="4000" b="1" dirty="0">
                 <a:solidFill>
                   <a:schemeClr val="bg1"/>
                 </a:solidFill>
               </a:rPr>
-              <a:t>General</a:t>
-            </a:r>
-            <a:r>
-              <a:rPr lang="en-US" sz="4000" dirty="0"/>
-              <a:t> and </a:t>
-            </a:r>
-            <a:r>
-              <a:rPr lang="en-US" sz="4000" b="1" dirty="0">
-                <a:solidFill>
-                  <a:schemeClr val="bg1"/>
-                </a:solidFill>
-              </a:rPr>
-              <a:t>reusable</a:t>
+              <a:t>Генерални</a:t>
             </a:r>
             <a:r>
               <a:rPr lang="en-US" sz="4000" dirty="0"/>
               <a:t> </a:t>
             </a:r>
             <a:r>
-              <a:rPr lang="en-US" sz="4000" b="1" dirty="0">
+              <a:rPr lang="bg-BG" sz="4000" dirty="0"/>
+              <a:t>и</a:t>
+            </a:r>
+            <a:r>
+              <a:rPr lang="en-US" sz="4000" dirty="0"/>
+              <a:t> </a:t>
+            </a:r>
+            <a:r>
+              <a:rPr lang="bg-BG" sz="4000" b="1" dirty="0" err="1">
                 <a:solidFill>
                   <a:schemeClr val="bg1"/>
                 </a:solidFill>
               </a:rPr>
-              <a:t>solutions</a:t>
+              <a:t>преизползваеми</a:t>
             </a:r>
             <a:r>
               <a:rPr lang="en-US" sz="4000" dirty="0"/>
-              <a:t> to common</a:t>
-            </a:r>
-            <a:br>
+              <a:t> </a:t>
+            </a:r>
+            <a:r>
+              <a:rPr lang="bg-BG" sz="4000" b="1" dirty="0">
+                <a:solidFill>
+                  <a:schemeClr val="bg1"/>
+                </a:solidFill>
+              </a:rPr>
+              <a:t>решения</a:t>
+            </a:r>
+            <a:r>
               <a:rPr lang="en-US" sz="4000" dirty="0"/>
-            </a:br>
+              <a:t> </a:t>
+            </a:r>
+            <a:r>
+              <a:rPr lang="bg-BG" sz="4000" dirty="0"/>
+              <a:t>на често срещани казуси в софтуерния дизайн</a:t>
+            </a:r>
+            <a:endParaRPr lang="en-US" sz="4000" dirty="0"/>
+          </a:p>
+          <a:p>
+            <a:pPr>
+              <a:lnSpc>
+                <a:spcPct val="100000"/>
+              </a:lnSpc>
+              <a:buClr>
+                <a:schemeClr val="tx1"/>
+              </a:buClr>
+            </a:pPr>
+            <a:r>
+              <a:rPr lang="bg-BG" sz="4000" b="1" dirty="0">
+                <a:solidFill>
+                  <a:schemeClr val="bg1"/>
+                </a:solidFill>
+              </a:rPr>
+              <a:t>Шаблон</a:t>
+            </a:r>
             <a:r>
               <a:rPr lang="en-US" sz="4000" dirty="0"/>
-              <a:t>problems in software design</a:t>
-            </a:r>
+              <a:t> </a:t>
+            </a:r>
+            <a:r>
+              <a:rPr lang="bg-BG" sz="4000" dirty="0"/>
+              <a:t>за решаване на проблеми</a:t>
+            </a:r>
+            <a:endParaRPr lang="en-US" sz="4000" dirty="0"/>
           </a:p>
           <a:p>
             <a:pPr>
@@ -24223,44 +24949,26 @@
               </a:lnSpc>
             </a:pPr>
             <a:r>
+              <a:rPr lang="bg-BG" sz="4000" dirty="0"/>
+              <a:t>Добавя допълнителни слоеве на</a:t>
+            </a:r>
+            <a:r>
               <a:rPr lang="en-US" sz="4000" dirty="0"/>
-              <a:t>A </a:t>
-            </a:r>
-            <a:r>
-              <a:rPr lang="en-US" sz="4000" b="1" dirty="0">
+              <a:t> </a:t>
+            </a:r>
+            <a:r>
+              <a:rPr lang="bg-BG" sz="4000" b="1" dirty="0">
                 <a:solidFill>
                   <a:schemeClr val="bg1"/>
                 </a:solidFill>
               </a:rPr>
-              <a:t>template</a:t>
-            </a:r>
-            <a:r>
-              <a:rPr lang="en-US" sz="4000" dirty="0"/>
-              <a:t> for solving given problems</a:t>
-            </a:r>
-          </a:p>
-          <a:p>
-            <a:pPr>
-              <a:lnSpc>
-                <a:spcPct val="100000"/>
-              </a:lnSpc>
-            </a:pPr>
-            <a:r>
-              <a:rPr lang="en-US" sz="4000" dirty="0"/>
-              <a:t>Add additional layers of </a:t>
-            </a:r>
-            <a:r>
-              <a:rPr lang="en-US" sz="4000" b="1" dirty="0">
-                <a:solidFill>
-                  <a:schemeClr val="bg1"/>
-                </a:solidFill>
-              </a:rPr>
-              <a:t>abstraction</a:t>
-            </a:r>
-            <a:r>
-              <a:rPr lang="en-US" sz="4000" dirty="0"/>
-              <a:t> in order to reach flexibility</a:t>
-            </a:r>
+              <a:t>абстракция</a:t>
+            </a:r>
+            <a:r>
+              <a:rPr lang="bg-BG" sz="4000" dirty="0"/>
+              <a:t>, за да се постигне гъвкавост</a:t>
+            </a:r>
+            <a:endParaRPr lang="en-US" sz="4000" dirty="0"/>
           </a:p>
         </p:txBody>
       </p:sp>
@@ -24276,12 +24984,18 @@
         </p:nvSpPr>
         <p:spPr/>
         <p:txBody>
-          <a:bodyPr/>
+          <a:bodyPr>
+            <a:normAutofit fontScale="90000"/>
+          </a:bodyPr>
           <a:lstStyle/>
           <a:p>
             <a:r>
+              <a:rPr lang="bg-BG" dirty="0"/>
+              <a:t>Какво представляват шаблоните за дизайн</a:t>
+            </a:r>
+            <a:r>
               <a:rPr lang="en-US" dirty="0"/>
-              <a:t>What Are Design Patterns?</a:t>
+              <a:t>?</a:t>
             </a:r>
             <a:endParaRPr lang="bg-BG" dirty="0"/>
           </a:p>
@@ -24522,51 +25236,81 @@
           <a:lstStyle/>
           <a:p>
             <a:r>
+              <a:rPr lang="bg-BG" dirty="0"/>
+              <a:t>Дефинира </a:t>
+            </a:r>
+            <a:r>
+              <a:rPr lang="bg-BG" b="1" dirty="0">
+                <a:solidFill>
+                  <a:schemeClr val="bg1"/>
+                </a:solidFill>
+              </a:rPr>
+              <a:t>скелет</a:t>
+            </a:r>
+            <a:r>
               <a:rPr lang="en-GB" dirty="0"/>
-              <a:t>Define the </a:t>
-            </a:r>
-            <a:r>
-              <a:rPr lang="en-GB" b="1" dirty="0">
+              <a:t> </a:t>
+            </a:r>
+            <a:r>
+              <a:rPr lang="bg-BG" dirty="0"/>
+              <a:t>за алгоритъм в метод</a:t>
+            </a:r>
+            <a:r>
+              <a:rPr lang="en-GB" dirty="0"/>
+              <a:t>, </a:t>
+            </a:r>
+            <a:r>
+              <a:rPr lang="bg-BG" dirty="0"/>
+              <a:t>като оставя част от имплементацията на подкласовете</a:t>
+            </a:r>
+            <a:endParaRPr lang="en-GB" dirty="0"/>
+          </a:p>
+          <a:p>
+            <a:r>
+              <a:rPr lang="bg-BG" dirty="0"/>
+              <a:t>Позволява на подкласовете да </a:t>
+            </a:r>
+            <a:r>
+              <a:rPr lang="bg-BG" b="1" dirty="0" err="1">
                 <a:solidFill>
                   <a:schemeClr val="bg1"/>
                 </a:solidFill>
               </a:rPr>
-              <a:t>skeleton</a:t>
+              <a:t>редефинират</a:t>
             </a:r>
             <a:r>
               <a:rPr lang="en-GB" dirty="0"/>
-              <a:t> of an algorithm in a method, leaving some implementation to its subclasses</a:t>
-            </a:r>
-          </a:p>
-          <a:p>
+              <a:t> </a:t>
+            </a:r>
+            <a:r>
+              <a:rPr lang="bg-BG" dirty="0"/>
+              <a:t>имплементацията на някои </a:t>
+            </a:r>
+            <a:r>
+              <a:rPr lang="bg-BG" b="1" dirty="0">
+                <a:solidFill>
+                  <a:schemeClr val="bg1"/>
+                </a:solidFill>
+              </a:rPr>
+              <a:t>части</a:t>
+            </a:r>
             <a:r>
               <a:rPr lang="en-GB" dirty="0"/>
-              <a:t>Allows the subclasses to </a:t>
-            </a:r>
-            <a:r>
-              <a:rPr lang="en-GB" b="1" dirty="0">
-                <a:solidFill>
-                  <a:schemeClr val="bg1"/>
-                </a:solidFill>
-              </a:rPr>
-              <a:t>redefine</a:t>
+              <a:t> </a:t>
+            </a:r>
+            <a:r>
+              <a:rPr lang="bg-BG" dirty="0"/>
+              <a:t>от алгоритъма</a:t>
             </a:r>
             <a:r>
               <a:rPr lang="en-GB" dirty="0"/>
-              <a:t> the implementation of some of the </a:t>
-            </a:r>
-            <a:r>
-              <a:rPr lang="en-GB" b="1" dirty="0">
-                <a:solidFill>
-                  <a:schemeClr val="bg1"/>
-                </a:solidFill>
-              </a:rPr>
-              <a:t>parts</a:t>
-            </a:r>
-            <a:r>
-              <a:rPr lang="en-GB" dirty="0"/>
-              <a:t> of the algorithm, but not its structure</a:t>
-            </a:r>
+              <a:t>, </a:t>
+            </a:r>
+            <a:r>
+              <a:rPr lang="bg-BG" dirty="0"/>
+              <a:t>но не неговата структура</a:t>
+            </a:r>
+            <a:endParaRPr lang="en-GB" dirty="0"/>
           </a:p>
         </p:txBody>
       </p:sp>
@@ -24587,8 +25331,13 @@
           <a:p>
             <a:r>
               <a:rPr lang="en-US" dirty="0"/>
-              <a:t>Template Method Pattern</a:t>
-            </a:r>
+              <a:t>Template Method </a:t>
+            </a:r>
+            <a:r>
+              <a:rPr lang="bg-BG" dirty="0"/>
+              <a:t>шаблон</a:t>
+            </a:r>
+            <a:endParaRPr lang="en-US" dirty="0"/>
           </a:p>
         </p:txBody>
       </p:sp>
@@ -24794,8 +25543,13 @@
           <a:p>
             <a:r>
               <a:rPr lang="en-US" dirty="0"/>
-              <a:t>The Abstract Class</a:t>
-            </a:r>
+              <a:t>Abstract </a:t>
+            </a:r>
+            <a:r>
+              <a:rPr lang="bg-BG" dirty="0"/>
+              <a:t>клас</a:t>
+            </a:r>
+            <a:endParaRPr lang="en-US" dirty="0"/>
           </a:p>
         </p:txBody>
       </p:sp>
@@ -25219,8 +25973,13 @@
           <a:p>
             <a:r>
               <a:rPr lang="en-US" dirty="0"/>
-              <a:t>A Concrete Class</a:t>
-            </a:r>
+              <a:t>Concrete </a:t>
+            </a:r>
+            <a:r>
+              <a:rPr lang="bg-BG" dirty="0"/>
+              <a:t>клас</a:t>
+            </a:r>
+            <a:endParaRPr lang="en-US" dirty="0"/>
           </a:p>
         </p:txBody>
       </p:sp>
@@ -25759,9 +26518,10 @@
           <a:lstStyle/>
           <a:p>
             <a:r>
-              <a:rPr lang="en-US" dirty="0"/>
-              <a:t>Summary</a:t>
-            </a:r>
+              <a:rPr lang="bg-BG" dirty="0"/>
+              <a:t>Обобщение</a:t>
+            </a:r>
+            <a:endParaRPr lang="en-US" dirty="0"/>
           </a:p>
         </p:txBody>
       </p:sp>
@@ -26012,8 +26772,8 @@
         </p:nvSpPr>
         <p:spPr>
           <a:xfrm>
-            <a:off x="543073" y="1723767"/>
-            <a:ext cx="11815018" cy="5201066"/>
+            <a:off x="498386" y="1624495"/>
+            <a:ext cx="8201388" cy="5201066"/>
           </a:xfrm>
           <a:prstGeom prst="rect">
             <a:avLst/>
@@ -26021,7 +26781,7 @@
         </p:spPr>
         <p:txBody>
           <a:bodyPr vert="horz" lIns="108000" tIns="36000" rIns="108000" bIns="36000" rtlCol="0">
-            <a:normAutofit/>
+            <a:normAutofit fontScale="92500" lnSpcReduction="10000"/>
           </a:bodyPr>
           <a:lstStyle>
             <a:lvl1pPr marL="456915" indent="-456915" algn="l" defTabSz="1218438" rtl="0" eaLnBrk="1" latinLnBrk="1" hangingPunct="1">
@@ -26200,7 +26960,7 @@
               </a:buClr>
             </a:pPr>
             <a:r>
-              <a:rPr lang="en-US" sz="3600" b="1" dirty="0">
+              <a:rPr lang="bg-BG" sz="3600" b="1" dirty="0">
                 <a:solidFill>
                   <a:schemeClr val="bg1">
                     <a:lumMod val="60000"/>
@@ -26208,8 +26968,16 @@
                   </a:schemeClr>
                 </a:solidFill>
               </a:rPr>
-              <a:t>Design Patterns</a:t>
-            </a:r>
+              <a:t>Шаблони за дизайн</a:t>
+            </a:r>
+            <a:endParaRPr lang="en-US" sz="3600" b="1" dirty="0">
+              <a:solidFill>
+                <a:schemeClr val="bg1">
+                  <a:lumMod val="60000"/>
+                  <a:lumOff val="40000"/>
+                </a:schemeClr>
+              </a:solidFill>
+            </a:endParaRPr>
           </a:p>
           <a:p>
             <a:pPr lvl="1">
@@ -26218,13 +26986,33 @@
               </a:lnSpc>
             </a:pPr>
             <a:r>
-              <a:rPr lang="en-US" sz="3400" dirty="0">
+              <a:rPr lang="bg-BG" sz="3400" dirty="0">
                 <a:solidFill>
                   <a:schemeClr val="bg2"/>
                 </a:solidFill>
               </a:rPr>
-              <a:t>Provide solution to common problems</a:t>
-            </a:r>
+              <a:t>Дават решение на често срещани </a:t>
+            </a:r>
+            <a:br>
+              <a:rPr lang="bg-BG" sz="3400" dirty="0">
+                <a:solidFill>
+                  <a:schemeClr val="bg2"/>
+                </a:solidFill>
+              </a:rPr>
+            </a:br>
+            <a:r>
+              <a:rPr lang="bg-BG" sz="3400" dirty="0">
+                <a:solidFill>
+                  <a:schemeClr val="bg2"/>
+                </a:solidFill>
+              </a:rPr>
+              <a:t>проблеми</a:t>
+            </a:r>
+            <a:endParaRPr lang="en-US" sz="3400" dirty="0">
+              <a:solidFill>
+                <a:schemeClr val="bg2"/>
+              </a:solidFill>
+            </a:endParaRPr>
           </a:p>
           <a:p>
             <a:pPr lvl="1">
@@ -26233,15 +27021,22 @@
               </a:lnSpc>
             </a:pPr>
             <a:r>
-              <a:rPr lang="en-US" sz="3400" dirty="0">
+              <a:rPr lang="bg-BG" sz="3400" dirty="0">
                 <a:solidFill>
                   <a:schemeClr val="bg2"/>
                 </a:solidFill>
               </a:rPr>
-              <a:t>Add additional layers of </a:t>
-            </a:r>
-            <a:r>
-              <a:rPr lang="en-US" sz="3400" b="1" dirty="0">
+              <a:t>Създава допълнителни слоеве на </a:t>
+            </a:r>
+            <a:br>
+              <a:rPr lang="bg-BG" sz="3400" dirty="0">
+                <a:solidFill>
+                  <a:schemeClr val="bg2"/>
+                </a:solidFill>
+              </a:rPr>
+            </a:br>
+            <a:r>
+              <a:rPr lang="bg-BG" sz="3400" b="1" dirty="0">
                 <a:solidFill>
                   <a:schemeClr val="bg1">
                     <a:lumMod val="60000"/>
@@ -26249,8 +27044,16 @@
                   </a:schemeClr>
                 </a:solidFill>
               </a:rPr>
-              <a:t>abstraction</a:t>
-            </a:r>
+              <a:t>абстракция</a:t>
+            </a:r>
+            <a:endParaRPr lang="en-US" sz="3400" b="1" dirty="0">
+              <a:solidFill>
+                <a:schemeClr val="bg1">
+                  <a:lumMod val="60000"/>
+                  <a:lumOff val="40000"/>
+                </a:schemeClr>
+              </a:solidFill>
+            </a:endParaRPr>
           </a:p>
           <a:p>
             <a:pPr>
@@ -26259,15 +27062,15 @@
               </a:lnSpc>
             </a:pPr>
             <a:r>
-              <a:rPr lang="en-US" sz="3600" dirty="0">
+              <a:rPr lang="bg-BG" sz="3600" dirty="0">
                 <a:solidFill>
                   <a:schemeClr val="bg2"/>
                 </a:solidFill>
               </a:rPr>
-              <a:t>Three main </a:t>
-            </a:r>
-            <a:r>
-              <a:rPr lang="en-US" sz="3600" b="1" dirty="0">
+              <a:t>Три главни </a:t>
+            </a:r>
+            <a:r>
+              <a:rPr lang="bg-BG" sz="3600" b="1" dirty="0">
                 <a:solidFill>
                   <a:schemeClr val="bg1">
                     <a:lumMod val="60000"/>
@@ -26275,7 +27078,7 @@
                   </a:schemeClr>
                 </a:solidFill>
               </a:rPr>
-              <a:t>types</a:t>
+              <a:t>типа</a:t>
             </a:r>
             <a:r>
               <a:rPr lang="en-US" sz="3600" dirty="0">
@@ -26283,8 +27086,21 @@
                   <a:schemeClr val="bg2"/>
                 </a:solidFill>
               </a:rPr>
-              <a:t> of Design Patterns</a:t>
-            </a:r>
+              <a:t> </a:t>
+            </a:r>
+            <a:r>
+              <a:rPr lang="bg-BG" sz="3600" dirty="0">
+                <a:solidFill>
+                  <a:schemeClr val="bg2"/>
+                </a:solidFill>
+              </a:rPr>
+              <a:t>шаблони за дизайн</a:t>
+            </a:r>
+            <a:endParaRPr lang="en-US" sz="3600" dirty="0">
+              <a:solidFill>
+                <a:schemeClr val="bg2"/>
+              </a:solidFill>
+            </a:endParaRPr>
           </a:p>
           <a:p>
             <a:pPr lvl="1">
@@ -26692,12 +27508,20 @@
           <a:lstStyle/>
           <a:p>
             <a:r>
+              <a:rPr lang="bg-BG" sz="8800" dirty="0">
+                <a:solidFill>
+                  <a:srgbClr val="234465"/>
+                </a:solidFill>
+              </a:rPr>
+              <a:t>Въпроси</a:t>
+            </a:r>
+            <a:r>
               <a:rPr lang="en-US" sz="8800" dirty="0">
                 <a:solidFill>
                   <a:srgbClr val="234465"/>
                 </a:solidFill>
               </a:rPr>
-              <a:t>Questions?</a:t>
+              <a:t>?</a:t>
             </a:r>
             <a:endParaRPr lang="en-US" sz="8800" dirty="0"/>
           </a:p>
@@ -26773,12 +27597,32 @@
               </a:lnSpc>
             </a:pPr>
             <a:r>
+              <a:rPr lang="bg-BG" dirty="0"/>
+              <a:t>Този курс</a:t>
+            </a:r>
+            <a:r>
               <a:rPr lang="en-US" dirty="0"/>
-              <a:t>This course (slides, examples, demos, exercises, homework, documents, videos and other assets) is </a:t>
-            </a:r>
-            <a:r>
-              <a:rPr lang="en-US" b="1" dirty="0"/>
-              <a:t>copyrighted content</a:t>
+              <a:t> (</a:t>
+            </a:r>
+            <a:r>
+              <a:rPr lang="bg-BG" dirty="0"/>
+              <a:t>презентации, примери, демонстрационен код, упражнения, домашни, видео и други активи</a:t>
+            </a:r>
+            <a:r>
+              <a:rPr lang="en-US" dirty="0"/>
+              <a:t>) </a:t>
+            </a:r>
+            <a:r>
+              <a:rPr lang="bg-BG" dirty="0"/>
+              <a:t>представлява</a:t>
+            </a:r>
+            <a:r>
+              <a:rPr lang="en-US" dirty="0"/>
+              <a:t> </a:t>
+            </a:r>
+            <a:r>
+              <a:rPr lang="bg-BG" b="1" dirty="0"/>
+              <a:t>защитено авторско съдържание</a:t>
             </a:r>
             <a:endParaRPr lang="en-US" dirty="0"/>
           </a:p>
@@ -26789,8 +27633,16 @@
               </a:lnSpc>
             </a:pPr>
             <a:r>
+              <a:rPr lang="bg-BG" dirty="0"/>
+              <a:t>Нерегламентирано копиране</a:t>
+            </a:r>
+            <a:r>
               <a:rPr lang="en-US" dirty="0"/>
-              <a:t>Unauthorized copy, reproduction or use is illegal</a:t>
+              <a:t>,</a:t>
+            </a:r>
+            <a:r>
+              <a:rPr lang="bg-BG" dirty="0"/>
+              <a:t> разпространение или използване е незаконно</a:t>
             </a:r>
           </a:p>
           <a:p>
@@ -26801,7 +27653,15 @@
             </a:pPr>
             <a:r>
               <a:rPr lang="en-US" dirty="0"/>
-              <a:t>© SoftUni – </a:t>
+              <a:t>© </a:t>
+            </a:r>
+            <a:r>
+              <a:rPr lang="bg-BG" dirty="0" err="1"/>
+              <a:t>СофтУни</a:t>
+            </a:r>
+            <a:r>
+              <a:rPr lang="en-US" dirty="0"/>
+              <a:t> – </a:t>
             </a:r>
             <a:r>
               <a:rPr lang="en-US" dirty="0">
@@ -26819,7 +27679,15 @@
             </a:pPr>
             <a:r>
               <a:rPr lang="en-US" dirty="0"/>
-              <a:t>© Software University – </a:t>
+              <a:t>© </a:t>
+            </a:r>
+            <a:r>
+              <a:rPr lang="bg-BG" dirty="0"/>
+              <a:t>Софтуерен университет</a:t>
+            </a:r>
+            <a:r>
+              <a:rPr lang="en-US" dirty="0"/>
+              <a:t> – </a:t>
             </a:r>
             <a:r>
               <a:rPr lang="en-US" dirty="0">
@@ -26827,6 +27695,15 @@
               </a:rPr>
               <a:t>https://softuni.bg</a:t>
             </a:r>
+            <a:endParaRPr lang="bg-BG" dirty="0"/>
+          </a:p>
+          <a:p>
+            <a:pPr marL="0" indent="0">
+              <a:lnSpc>
+                <a:spcPct val="120000"/>
+              </a:lnSpc>
+              <a:buNone/>
+            </a:pPr>
             <a:endParaRPr lang="bg-BG" dirty="0"/>
           </a:p>
         </p:txBody>
@@ -26894,10 +27771,9 @@
           <a:lstStyle/>
           <a:p>
             <a:r>
-              <a:rPr lang="en-US" dirty="0"/>
-              <a:t>License</a:t>
-            </a:r>
-            <a:endParaRPr lang="bg-BG" dirty="0"/>
+              <a:rPr lang="bg-BG" dirty="0"/>
+              <a:t>Лиценз</a:t>
+            </a:r>
           </a:p>
         </p:txBody>
       </p:sp>
@@ -27007,20 +27883,28 @@
               </a:buClr>
             </a:pPr>
             <a:r>
+              <a:rPr lang="bg-BG" sz="4400" dirty="0"/>
+              <a:t>Шаблоните решават</a:t>
+            </a:r>
+            <a:r>
               <a:rPr lang="en-US" sz="4400" dirty="0"/>
-              <a:t>Patterns solve </a:t>
-            </a:r>
-            <a:r>
-              <a:rPr lang="en-US" sz="4400" b="1" dirty="0">
+              <a:t> </a:t>
+            </a:r>
+            <a:r>
+              <a:rPr lang="bg-BG" sz="4400" b="1" dirty="0">
                 <a:solidFill>
                   <a:schemeClr val="bg1"/>
                 </a:solidFill>
               </a:rPr>
-              <a:t>software structural problems </a:t>
+              <a:t>структурни софтуерни проблеми </a:t>
+            </a:r>
+            <a:r>
+              <a:rPr lang="bg-BG" sz="4400" dirty="0"/>
+              <a:t>като</a:t>
             </a:r>
             <a:r>
               <a:rPr lang="en-US" sz="4400" dirty="0"/>
-              <a:t>like:</a:t>
+              <a:t>:</a:t>
             </a:r>
           </a:p>
           <a:p>
@@ -27033,9 +27917,10 @@
               </a:buClr>
             </a:pPr>
             <a:r>
-              <a:rPr lang="en-US" sz="4000" dirty="0"/>
-              <a:t>Abstraction</a:t>
-            </a:r>
+              <a:rPr lang="bg-BG" sz="4000" dirty="0"/>
+              <a:t>Абстракция</a:t>
+            </a:r>
+            <a:endParaRPr lang="en-US" sz="4000" dirty="0"/>
           </a:p>
           <a:p>
             <a:pPr marL="990266" lvl="1" indent="-457200">
@@ -27047,9 +27932,10 @@
               </a:buClr>
             </a:pPr>
             <a:r>
-              <a:rPr lang="en-US" sz="4000" dirty="0"/>
-              <a:t>Encapsulation</a:t>
-            </a:r>
+              <a:rPr lang="bg-BG" sz="4000" dirty="0" err="1"/>
+              <a:t>Енкапсулация</a:t>
+            </a:r>
+            <a:endParaRPr lang="en-US" sz="4000" dirty="0"/>
           </a:p>
           <a:p>
             <a:pPr marL="990266" lvl="1" indent="-457200">
@@ -27089,9 +27975,42 @@
               </a:buClr>
             </a:pPr>
             <a:r>
+              <a:rPr lang="bg-BG" sz="4000" dirty="0"/>
+              <a:t>Разделяне</a:t>
+            </a:r>
+            <a:r>
               <a:rPr lang="en-US" sz="4000" dirty="0"/>
-              <a:t>Separation of interface and implementation</a:t>
-            </a:r>
+              <a:t> </a:t>
+            </a:r>
+            <a:r>
+              <a:rPr lang="bg-BG" sz="4000" dirty="0"/>
+              <a:t>на</a:t>
+            </a:r>
+            <a:r>
+              <a:rPr lang="en-US" sz="4000" dirty="0"/>
+              <a:t> </a:t>
+            </a:r>
+            <a:r>
+              <a:rPr lang="bg-BG" sz="4000" dirty="0"/>
+              <a:t>интерфейс</a:t>
+            </a:r>
+            <a:r>
+              <a:rPr lang="en-US" sz="4000" dirty="0"/>
+              <a:t> </a:t>
+            </a:r>
+            <a:r>
+              <a:rPr lang="bg-BG" sz="4000" dirty="0"/>
+              <a:t>и</a:t>
+            </a:r>
+            <a:r>
+              <a:rPr lang="en-US" sz="4000" dirty="0"/>
+              <a:t> </a:t>
+            </a:r>
+            <a:r>
+              <a:rPr lang="bg-BG" sz="4000" dirty="0"/>
+              <a:t>имплементация</a:t>
+            </a:r>
+            <a:endParaRPr lang="en-US" sz="4000" dirty="0"/>
           </a:p>
         </p:txBody>
       </p:sp>
@@ -27108,15 +28027,18 @@
         <p:spPr/>
         <p:txBody>
           <a:bodyPr>
-            <a:normAutofit/>
+            <a:noAutofit/>
           </a:bodyPr>
           <a:lstStyle/>
           <a:p>
             <a:r>
-              <a:rPr lang="en-US"/>
-              <a:t>What Do Design Patterns Solve?</a:t>
-            </a:r>
-            <a:endParaRPr lang="en-US" dirty="0"/>
+              <a:rPr lang="bg-BG" sz="3400" dirty="0"/>
+              <a:t>Какви проблеми решават шаблоните за дизайн</a:t>
+            </a:r>
+            <a:r>
+              <a:rPr lang="en-US" sz="3400" dirty="0"/>
+              <a:t>?</a:t>
+            </a:r>
           </a:p>
         </p:txBody>
       </p:sp>
@@ -27436,7 +28358,12 @@
             <p:ph type="body" sz="quarter" idx="10"/>
           </p:nvPr>
         </p:nvSpPr>
-        <p:spPr/>
+        <p:spPr>
+          <a:xfrm>
+            <a:off x="190402" y="1196125"/>
+            <a:ext cx="12001598" cy="5528766"/>
+          </a:xfrm>
+        </p:spPr>
         <p:txBody>
           <a:bodyPr>
             <a:normAutofit/>
@@ -27452,21 +28379,38 @@
               </a:buClr>
             </a:pPr>
             <a:r>
-              <a:rPr lang="en-US" sz="4000" dirty="0"/>
-              <a:t>Pattern name - Increases </a:t>
-            </a:r>
-            <a:r>
-              <a:rPr lang="en-US" sz="4000" b="1" dirty="0">
+              <a:rPr lang="bg-BG" sz="3600" dirty="0"/>
+              <a:t>Име на шаблона </a:t>
+            </a:r>
+            <a:r>
+              <a:rPr lang="en-US" sz="3600" dirty="0"/>
+              <a:t>- </a:t>
+            </a:r>
+            <a:r>
+              <a:rPr lang="bg-BG" sz="3600" dirty="0"/>
+              <a:t>обогатява</a:t>
+            </a:r>
+            <a:r>
+              <a:rPr lang="en-US" sz="3600" dirty="0"/>
+              <a:t> </a:t>
+            </a:r>
+            <a:r>
+              <a:rPr lang="bg-BG" sz="3600" b="1" dirty="0">
                 <a:solidFill>
                   <a:schemeClr val="bg1"/>
                 </a:solidFill>
               </a:rPr>
-              <a:t>vocabulary</a:t>
-            </a:r>
-            <a:r>
-              <a:rPr lang="en-US" sz="4000" dirty="0"/>
-              <a:t> of designers</a:t>
-            </a:r>
+              <a:t>лексиката</a:t>
+            </a:r>
+            <a:r>
+              <a:rPr lang="en-US" sz="3600" dirty="0"/>
+              <a:t> </a:t>
+            </a:r>
+            <a:r>
+              <a:rPr lang="bg-BG" sz="3600" dirty="0"/>
+              <a:t>на дизайнерите</a:t>
+            </a:r>
+            <a:endParaRPr lang="en-US" sz="3600" dirty="0"/>
           </a:p>
           <a:p>
             <a:pPr marL="457200" indent="-457200">
@@ -27478,21 +28422,46 @@
               </a:buClr>
             </a:pPr>
             <a:r>
-              <a:rPr lang="en-US" sz="4000" dirty="0"/>
-              <a:t>Problem - </a:t>
-            </a:r>
-            <a:r>
-              <a:rPr lang="en-US" sz="4000" b="1" dirty="0">
+              <a:rPr lang="bg-BG" sz="3600" dirty="0"/>
+              <a:t>Проблем</a:t>
+            </a:r>
+            <a:r>
+              <a:rPr lang="en-US" sz="3600" dirty="0"/>
+              <a:t> - </a:t>
+            </a:r>
+            <a:r>
+              <a:rPr lang="bg-BG" sz="3600" b="1" dirty="0">
                 <a:solidFill>
                   <a:schemeClr val="bg1"/>
                 </a:solidFill>
               </a:rPr>
-              <a:t>Intent</a:t>
-            </a:r>
-            <a:r>
-              <a:rPr lang="en-US" sz="4000" dirty="0"/>
-              <a:t>, context and when to apply</a:t>
-            </a:r>
+              <a:t>намерение</a:t>
+            </a:r>
+            <a:r>
+              <a:rPr lang="en-US" sz="3600" dirty="0"/>
+              <a:t>, </a:t>
+            </a:r>
+            <a:r>
+              <a:rPr lang="bg-BG" sz="3600" dirty="0"/>
+              <a:t>контекст</a:t>
+            </a:r>
+            <a:r>
+              <a:rPr lang="en-US" sz="3600" dirty="0"/>
+              <a:t> </a:t>
+            </a:r>
+            <a:r>
+              <a:rPr lang="bg-BG" sz="3600" dirty="0"/>
+              <a:t>и</a:t>
+            </a:r>
+            <a:r>
+              <a:rPr lang="en-US" sz="3600" dirty="0"/>
+              <a:t> </a:t>
+            </a:r>
+            <a:r>
+              <a:rPr lang="bg-BG" sz="3600" dirty="0"/>
+              <a:t>как да се приложи</a:t>
+            </a:r>
+            <a:endParaRPr lang="en-US" sz="3600" dirty="0"/>
           </a:p>
           <a:p>
             <a:pPr marL="457200" indent="-457200">
@@ -27504,21 +28473,30 @@
               </a:buClr>
             </a:pPr>
             <a:r>
-              <a:rPr lang="en-US" sz="4000" dirty="0"/>
-              <a:t>Solution - </a:t>
-            </a:r>
-            <a:r>
-              <a:rPr lang="en-US" sz="4000" b="1" dirty="0">
+              <a:rPr lang="bg-BG" sz="3600" dirty="0"/>
+              <a:t>Решение</a:t>
+            </a:r>
+            <a:r>
+              <a:rPr lang="en-US" sz="3600" dirty="0"/>
+              <a:t> - </a:t>
+            </a:r>
+            <a:r>
+              <a:rPr lang="bg-BG" sz="3600" b="1" dirty="0">
                 <a:solidFill>
                   <a:schemeClr val="bg1"/>
                 </a:solidFill>
               </a:rPr>
-              <a:t>Abstract</a:t>
-            </a:r>
-            <a:r>
-              <a:rPr lang="en-US" sz="4000" dirty="0"/>
-              <a:t> code</a:t>
-            </a:r>
+              <a:t>абстрактен</a:t>
+            </a:r>
+            <a:r>
+              <a:rPr lang="en-US" sz="3600" dirty="0"/>
+              <a:t> </a:t>
+            </a:r>
+            <a:r>
+              <a:rPr lang="bg-BG" sz="3600" dirty="0"/>
+              <a:t>код</a:t>
+            </a:r>
+            <a:endParaRPr lang="en-US" sz="3600" dirty="0"/>
           </a:p>
           <a:p>
             <a:pPr marL="457200" indent="-457200">
@@ -27530,20 +28508,32 @@
               </a:buClr>
             </a:pPr>
             <a:r>
-              <a:rPr lang="en-US" sz="4000" dirty="0"/>
-              <a:t>Consequences - </a:t>
-            </a:r>
-            <a:r>
-              <a:rPr lang="en-US" sz="4000" b="1" dirty="0">
+              <a:rPr lang="bg-BG" sz="3600" dirty="0"/>
+              <a:t>Последствия</a:t>
+            </a:r>
+            <a:r>
+              <a:rPr lang="en-US" sz="3600" dirty="0"/>
+              <a:t> - </a:t>
+            </a:r>
+            <a:r>
+              <a:rPr lang="bg-BG" sz="3600" b="1" dirty="0">
                 <a:solidFill>
                   <a:schemeClr val="bg1"/>
                 </a:solidFill>
               </a:rPr>
-              <a:t>Results</a:t>
-            </a:r>
-            <a:r>
-              <a:rPr lang="en-US" sz="4000" dirty="0"/>
-              <a:t> and trade-offs</a:t>
+              <a:t>резултати</a:t>
+            </a:r>
+            <a:r>
+              <a:rPr lang="en-US" sz="3600" dirty="0"/>
+              <a:t> </a:t>
+            </a:r>
+            <a:r>
+              <a:rPr lang="bg-BG" sz="3600" dirty="0"/>
+              <a:t>и</a:t>
+            </a:r>
+            <a:r>
+              <a:rPr lang="en-US" sz="3600" dirty="0"/>
+              <a:t> trade-offs</a:t>
             </a:r>
           </a:p>
         </p:txBody>
@@ -27566,9 +28556,18 @@
           <a:lstStyle/>
           <a:p>
             <a:r>
+              <a:rPr lang="bg-BG" dirty="0"/>
+              <a:t>Елементи</a:t>
+            </a:r>
+            <a:r>
               <a:rPr lang="en-US" dirty="0"/>
-              <a:t>Elements of a Design Pattern</a:t>
-            </a:r>
+              <a:t> </a:t>
+            </a:r>
+            <a:r>
+              <a:rPr lang="bg-BG" dirty="0"/>
+              <a:t>на шаблоните за дизайн</a:t>
+            </a:r>
+            <a:endParaRPr lang="en-US" dirty="0"/>
           </a:p>
         </p:txBody>
       </p:sp>
@@ -27847,7 +28846,7 @@
         </p:nvSpPr>
         <p:spPr>
           <a:xfrm>
-            <a:off x="6231000" y="1134000"/>
+            <a:off x="6365769" y="1138916"/>
             <a:ext cx="5850000" cy="5473069"/>
           </a:xfrm>
         </p:spPr>
@@ -27872,9 +28871,10 @@
               </a:buClr>
             </a:pPr>
             <a:r>
-              <a:rPr lang="en-US" sz="3600" dirty="0"/>
-              <a:t>Drawbacks</a:t>
-            </a:r>
+              <a:rPr lang="bg-BG" sz="3100" dirty="0"/>
+              <a:t>Недостатъци</a:t>
+            </a:r>
+            <a:endParaRPr lang="en-US" sz="3100" dirty="0"/>
           </a:p>
           <a:p>
             <a:pPr lvl="1">
@@ -27889,9 +28889,34 @@
               </a:spcAft>
             </a:pPr>
             <a:r>
-              <a:rPr lang="en-US" sz="3200" dirty="0"/>
-              <a:t>Deceptively simple</a:t>
-            </a:r>
+              <a:rPr lang="bg-BG" sz="3100" dirty="0"/>
+              <a:t>Разработчиците могат да изпитат </a:t>
+            </a:r>
+            <a:r>
+              <a:rPr lang="bg-BG" sz="3100" b="1" dirty="0" err="1">
+                <a:solidFill>
+                  <a:schemeClr val="bg1"/>
+                </a:solidFill>
+              </a:rPr>
+              <a:t>пренатоварване</a:t>
+            </a:r>
+            <a:r>
+              <a:rPr lang="bg-BG" sz="3100" dirty="0"/>
+              <a:t> с </a:t>
+            </a:r>
+            <a:r>
+              <a:rPr lang="bg-BG" sz="3100" b="1" dirty="0">
+                <a:solidFill>
+                  <a:schemeClr val="bg1"/>
+                </a:solidFill>
+              </a:rPr>
+              <a:t>шаблони</a:t>
+            </a:r>
+            <a:endParaRPr lang="en-US" sz="3100" b="1" dirty="0">
+              <a:solidFill>
+                <a:schemeClr val="bg1"/>
+              </a:solidFill>
+            </a:endParaRPr>
           </a:p>
           <a:p>
             <a:pPr lvl="1">
@@ -27906,29 +28931,38 @@
               </a:spcAft>
             </a:pPr>
             <a:r>
-              <a:rPr lang="en-US" sz="3200" dirty="0"/>
-              <a:t>Developers may suffer from </a:t>
-            </a:r>
-            <a:r>
-              <a:rPr lang="en-US" sz="3200" b="1" dirty="0">
+              <a:rPr lang="bg-BG" sz="3100" dirty="0"/>
+              <a:t>Валидират се чрез </a:t>
+            </a:r>
+            <a:r>
+              <a:rPr lang="bg-BG" sz="3100" b="1" dirty="0">
                 <a:solidFill>
                   <a:schemeClr val="bg1"/>
                 </a:solidFill>
               </a:rPr>
-              <a:t>pattern overload </a:t>
-            </a:r>
-            <a:r>
-              <a:rPr lang="en-US" sz="3200" dirty="0"/>
-              <a:t>and </a:t>
-            </a:r>
-            <a:r>
-              <a:rPr lang="en-US" sz="3200" b="1" dirty="0">
+              <a:t>дискусии</a:t>
+            </a:r>
+            <a:r>
+              <a:rPr lang="bg-BG" sz="3100" dirty="0"/>
+              <a:t> и чрез </a:t>
+            </a:r>
+            <a:r>
+              <a:rPr lang="bg-BG" sz="3100" b="1" dirty="0">
                 <a:solidFill>
                   <a:schemeClr val="bg1"/>
                 </a:solidFill>
               </a:rPr>
-              <a:t>overdesign</a:t>
-            </a:r>
+              <a:t>опит</a:t>
+            </a:r>
+            <a:r>
+              <a:rPr lang="en-US" sz="3100" dirty="0"/>
+              <a:t>, </a:t>
+            </a:r>
+            <a:r>
+              <a:rPr lang="bg-BG" sz="3100" dirty="0"/>
+              <a:t>а не чрез автоматизирано тестване</a:t>
+            </a:r>
+            <a:endParaRPr lang="en-US" sz="3100" dirty="0"/>
           </a:p>
           <a:p>
             <a:pPr lvl="1">
@@ -27943,46 +28977,22 @@
               </a:spcAft>
             </a:pPr>
             <a:r>
-              <a:rPr lang="en-US" sz="3200" dirty="0"/>
-              <a:t>Validated by </a:t>
-            </a:r>
-            <a:r>
-              <a:rPr lang="en-US" sz="3200" b="1" dirty="0">
+              <a:rPr lang="bg-BG" sz="3100" dirty="0"/>
+              <a:t>Използват се само ако са </a:t>
+            </a:r>
+            <a:r>
+              <a:rPr lang="bg-BG" sz="3100" b="1" dirty="0">
                 <a:solidFill>
                   <a:schemeClr val="bg1"/>
                 </a:solidFill>
               </a:rPr>
-              <a:t>experience</a:t>
-            </a:r>
-            <a:r>
-              <a:rPr lang="en-US" sz="3200" dirty="0"/>
-              <a:t> and discussion, not by automated testing</a:t>
-            </a:r>
-          </a:p>
-          <a:p>
-            <a:pPr lvl="1">
-              <a:lnSpc>
-                <a:spcPct val="100000"/>
-              </a:lnSpc>
-              <a:spcBef>
-                <a:spcPts val="200"/>
-              </a:spcBef>
-              <a:spcAft>
-                <a:spcPts val="200"/>
-              </a:spcAft>
-            </a:pPr>
-            <a:r>
-              <a:rPr lang="en-US" sz="3200" dirty="0"/>
-              <a:t>Should be used only if </a:t>
-            </a:r>
-            <a:r>
-              <a:rPr lang="en-US" sz="3200" b="1" dirty="0">
-                <a:solidFill>
-                  <a:schemeClr val="bg1"/>
-                </a:solidFill>
-              </a:rPr>
-              <a:t>understood well</a:t>
-            </a:r>
+              <a:t>добре разбрани</a:t>
+            </a:r>
+            <a:endParaRPr lang="en-US" sz="3100" b="1" dirty="0">
+              <a:solidFill>
+                <a:schemeClr val="bg1"/>
+              </a:solidFill>
+            </a:endParaRPr>
           </a:p>
         </p:txBody>
       </p:sp>
@@ -28004,13 +29014,13 @@
         </p:nvSpPr>
         <p:spPr>
           <a:xfrm>
-            <a:off x="190402" y="1147500"/>
+            <a:off x="66000" y="1138916"/>
             <a:ext cx="5275598" cy="4957073"/>
           </a:xfrm>
         </p:spPr>
         <p:txBody>
           <a:bodyPr>
-            <a:normAutofit lnSpcReduction="10000"/>
+            <a:noAutofit/>
           </a:bodyPr>
           <a:lstStyle/>
           <a:p>
@@ -28020,9 +29030,10 @@
               </a:lnSpc>
             </a:pPr>
             <a:r>
-              <a:rPr lang="en-GB" sz="3600" dirty="0"/>
-              <a:t>Benefits</a:t>
-            </a:r>
+              <a:rPr lang="bg-BG" sz="2800" dirty="0"/>
+              <a:t>Предимства</a:t>
+            </a:r>
+            <a:endParaRPr lang="en-GB" sz="2800" dirty="0"/>
           </a:p>
           <a:p>
             <a:pPr lvl="1">
@@ -28034,9 +29045,10 @@
               </a:buClr>
             </a:pPr>
             <a:r>
-              <a:rPr lang="en-US" sz="3200" dirty="0"/>
-              <a:t>Names form a common vocabulary</a:t>
-            </a:r>
+              <a:rPr lang="bg-BG" sz="2800" dirty="0"/>
+              <a:t>Имената формират сходна лексика</a:t>
+            </a:r>
+            <a:endParaRPr lang="en-US" sz="2800" dirty="0"/>
           </a:p>
           <a:p>
             <a:pPr lvl="1">
@@ -28048,21 +29060,34 @@
               </a:buClr>
             </a:pPr>
             <a:r>
-              <a:rPr lang="en-US" sz="3200" dirty="0"/>
-              <a:t>Enable large-scale </a:t>
-            </a:r>
-            <a:r>
-              <a:rPr lang="en-US" sz="3200" b="1" dirty="0">
+              <a:rPr lang="bg-BG" sz="2800" dirty="0"/>
+              <a:t>Осигуряват</a:t>
+            </a:r>
+            <a:r>
+              <a:rPr lang="en-US" sz="2800" dirty="0"/>
+              <a:t> </a:t>
+            </a:r>
+            <a:r>
+              <a:rPr lang="bg-BG" sz="2800" b="1" dirty="0" err="1">
                 <a:solidFill>
                   <a:schemeClr val="bg1"/>
                 </a:solidFill>
               </a:rPr>
-              <a:t>reuse</a:t>
-            </a:r>
-            <a:r>
-              <a:rPr lang="en-US" sz="3200" dirty="0"/>
-              <a:t> of software architectures</a:t>
-            </a:r>
+              <a:t>преизползване</a:t>
+            </a:r>
+            <a:r>
+              <a:rPr lang="en-US" sz="2800" b="1" dirty="0">
+                <a:solidFill>
+                  <a:schemeClr val="bg1"/>
+                </a:solidFill>
+              </a:rPr>
+              <a:t> </a:t>
+            </a:r>
+            <a:r>
+              <a:rPr lang="bg-BG" sz="2800" dirty="0"/>
+              <a:t>на софтуерни архитектури в голям мащаб</a:t>
+            </a:r>
+            <a:endParaRPr lang="en-US" sz="2800" dirty="0"/>
           </a:p>
           <a:p>
             <a:pPr lvl="1">
@@ -28074,17 +29099,22 @@
               </a:buClr>
             </a:pPr>
             <a:r>
-              <a:rPr lang="en-US" sz="3200" dirty="0"/>
-              <a:t>Help improve developer </a:t>
-            </a:r>
-            <a:r>
-              <a:rPr lang="en-US" sz="3200" b="1" dirty="0">
+              <a:rPr lang="bg-BG" sz="2800" dirty="0"/>
+              <a:t>Помагат за подобряване на </a:t>
+            </a:r>
+            <a:r>
+              <a:rPr lang="bg-BG" sz="2800" b="1" dirty="0">
                 <a:solidFill>
                   <a:schemeClr val="bg1"/>
                 </a:solidFill>
               </a:rPr>
-              <a:t>communication</a:t>
-            </a:r>
+              <a:t>комуникацията</a:t>
+            </a:r>
+            <a:endParaRPr lang="en-US" sz="2800" b="1" dirty="0">
+              <a:solidFill>
+                <a:schemeClr val="bg1"/>
+              </a:solidFill>
+            </a:endParaRPr>
           </a:p>
           <a:p>
             <a:pPr lvl="1">
@@ -28096,24 +29126,25 @@
               </a:buClr>
             </a:pPr>
             <a:r>
-              <a:rPr lang="en-US" sz="3200" dirty="0"/>
-              <a:t>Can </a:t>
-            </a:r>
-            <a:r>
-              <a:rPr lang="en-US" sz="3200" b="1" dirty="0">
+              <a:rPr lang="bg-BG" sz="2800" b="1" dirty="0">
                 <a:solidFill>
                   <a:schemeClr val="bg1"/>
                 </a:solidFill>
               </a:rPr>
-              <a:t>speed-up</a:t>
-            </a:r>
-            <a:r>
-              <a:rPr lang="en-US" sz="3200" dirty="0"/>
-              <a:t> the development</a:t>
-            </a:r>
-          </a:p>
-          <a:p>
-            <a:endParaRPr lang="en-GB" sz="3000" dirty="0"/>
+              <a:t>Забързват</a:t>
+            </a:r>
+            <a:r>
+              <a:rPr lang="en-US" sz="2800" dirty="0"/>
+              <a:t> </a:t>
+            </a:r>
+            <a:r>
+              <a:rPr lang="bg-BG" sz="2800" dirty="0"/>
+              <a:t>разработката на кода</a:t>
+            </a:r>
+            <a:endParaRPr lang="en-US" sz="2800" dirty="0"/>
+          </a:p>
+          <a:p>
+            <a:endParaRPr lang="en-GB" sz="2800" dirty="0"/>
           </a:p>
         </p:txBody>
       </p:sp>
@@ -28139,8 +29170,8 @@
           <a:lstStyle/>
           <a:p>
             <a:r>
-              <a:rPr lang="en-US" dirty="0"/>
-              <a:t>Benefits and Drawbacks</a:t>
+              <a:rPr lang="bg-BG" dirty="0"/>
+              <a:t>Предимства и недостатъци</a:t>
             </a:r>
             <a:endParaRPr lang="en-GB" dirty="0"/>
           </a:p>
@@ -28492,15 +29523,33 @@
                                   </p:childTnLst>
                                 </p:cTn>
                               </p:par>
+                            </p:childTnLst>
+                          </p:cTn>
+                        </p:par>
+                      </p:childTnLst>
+                    </p:cTn>
+                  </p:par>
+                  <p:par>
+                    <p:cTn id="19" fill="hold">
+                      <p:stCondLst>
+                        <p:cond delay="indefinite"/>
+                      </p:stCondLst>
+                      <p:childTnLst>
+                        <p:par>
+                          <p:cTn id="20" fill="hold">
+                            <p:stCondLst>
+                              <p:cond delay="0"/>
+                            </p:stCondLst>
+                            <p:childTnLst>
                               <p:par>
-                                <p:cTn id="19" presetID="1" presetClass="entr" presetSubtype="0" fill="hold" nodeType="withEffect">
+                                <p:cTn id="21" presetID="1" presetClass="entr" presetSubtype="0" fill="hold" nodeType="clickEffect">
                                   <p:stCondLst>
                                     <p:cond delay="0"/>
                                   </p:stCondLst>
                                   <p:childTnLst>
                                     <p:set>
                                       <p:cBhvr>
-                                        <p:cTn id="20" dur="1" fill="hold">
+                                        <p:cTn id="22" dur="1" fill="hold">
                                           <p:stCondLst>
                                             <p:cond delay="0"/>
                                           </p:stCondLst>
@@ -28530,26 +29579,26 @@
                     </p:cTn>
                   </p:par>
                   <p:par>
-                    <p:cTn id="21" fill="hold">
+                    <p:cTn id="23" fill="hold">
                       <p:stCondLst>
                         <p:cond delay="indefinite"/>
                       </p:stCondLst>
                       <p:childTnLst>
                         <p:par>
-                          <p:cTn id="22" fill="hold">
+                          <p:cTn id="24" fill="hold">
                             <p:stCondLst>
                               <p:cond delay="0"/>
                             </p:stCondLst>
                             <p:childTnLst>
                               <p:par>
-                                <p:cTn id="23" presetID="1" presetClass="entr" presetSubtype="0" fill="hold" nodeType="clickEffect">
+                                <p:cTn id="25" presetID="1" presetClass="entr" presetSubtype="0" fill="hold" nodeType="clickEffect">
                                   <p:stCondLst>
                                     <p:cond delay="0"/>
                                   </p:stCondLst>
                                   <p:childTnLst>
                                     <p:set>
                                       <p:cBhvr>
-                                        <p:cTn id="24" dur="1" fill="hold">
+                                        <p:cTn id="26" dur="1" fill="hold">
                                           <p:stCondLst>
                                             <p:cond delay="0"/>
                                           </p:stCondLst>
@@ -28579,26 +29628,26 @@
                     </p:cTn>
                   </p:par>
                   <p:par>
-                    <p:cTn id="25" fill="hold">
+                    <p:cTn id="27" fill="hold">
                       <p:stCondLst>
                         <p:cond delay="indefinite"/>
                       </p:stCondLst>
                       <p:childTnLst>
                         <p:par>
-                          <p:cTn id="26" fill="hold">
+                          <p:cTn id="28" fill="hold">
                             <p:stCondLst>
                               <p:cond delay="0"/>
                             </p:stCondLst>
                             <p:childTnLst>
                               <p:par>
-                                <p:cTn id="27" presetID="1" presetClass="entr" presetSubtype="0" fill="hold" nodeType="clickEffect">
+                                <p:cTn id="29" presetID="1" presetClass="entr" presetSubtype="0" fill="hold" nodeType="clickEffect">
                                   <p:stCondLst>
                                     <p:cond delay="0"/>
                                   </p:stCondLst>
                                   <p:childTnLst>
                                     <p:set>
                                       <p:cBhvr>
-                                        <p:cTn id="28" dur="1" fill="hold">
+                                        <p:cTn id="30" dur="1" fill="hold">
                                           <p:stCondLst>
                                             <p:cond delay="0"/>
                                           </p:stCondLst>
@@ -28607,55 +29656,6 @@
                                           <p:spTgt spid="7">
                                             <p:txEl>
                                               <p:pRg st="3" end="3"/>
-                                            </p:txEl>
-                                          </p:spTgt>
-                                        </p:tgtEl>
-                                        <p:attrNameLst>
-                                          <p:attrName>style.visibility</p:attrName>
-                                        </p:attrNameLst>
-                                      </p:cBhvr>
-                                      <p:to>
-                                        <p:strVal val="visible"/>
-                                      </p:to>
-                                    </p:set>
-                                  </p:childTnLst>
-                                </p:cTn>
-                              </p:par>
-                            </p:childTnLst>
-                          </p:cTn>
-                        </p:par>
-                      </p:childTnLst>
-                    </p:cTn>
-                  </p:par>
-                  <p:par>
-                    <p:cTn id="29" fill="hold">
-                      <p:stCondLst>
-                        <p:cond delay="indefinite"/>
-                      </p:stCondLst>
-                      <p:childTnLst>
-                        <p:par>
-                          <p:cTn id="30" fill="hold">
-                            <p:stCondLst>
-                              <p:cond delay="0"/>
-                            </p:stCondLst>
-                            <p:childTnLst>
-                              <p:par>
-                                <p:cTn id="31" presetID="1" presetClass="entr" presetSubtype="0" fill="hold" nodeType="clickEffect">
-                                  <p:stCondLst>
-                                    <p:cond delay="0"/>
-                                  </p:stCondLst>
-                                  <p:childTnLst>
-                                    <p:set>
-                                      <p:cBhvr>
-                                        <p:cTn id="32" dur="1" fill="hold">
-                                          <p:stCondLst>
-                                            <p:cond delay="0"/>
-                                          </p:stCondLst>
-                                        </p:cTn>
-                                        <p:tgtEl>
-                                          <p:spTgt spid="7">
-                                            <p:txEl>
-                                              <p:pRg st="4" end="4"/>
                                             </p:txEl>
                                           </p:spTgt>
                                         </p:tgtEl>
@@ -28830,9 +29830,10 @@
           <a:lstStyle/>
           <a:p>
             <a:r>
-              <a:rPr lang="en-GB"/>
-              <a:t>Types of Design Patterns</a:t>
-            </a:r>
+              <a:rPr lang="bg-BG" dirty="0"/>
+              <a:t>Видове шаблони за дизайн</a:t>
+            </a:r>
+            <a:endParaRPr lang="en-GB" dirty="0"/>
           </a:p>
         </p:txBody>
       </p:sp>
@@ -28892,9 +29893,10 @@
           <a:lstStyle/>
           <a:p>
             <a:r>
-              <a:rPr lang="en-US" dirty="0"/>
-              <a:t>Main Types</a:t>
-            </a:r>
+              <a:rPr lang="bg-BG" dirty="0"/>
+              <a:t>Главни типове</a:t>
+            </a:r>
+            <a:endParaRPr lang="en-US" dirty="0"/>
           </a:p>
         </p:txBody>
       </p:sp>
@@ -28915,7 +29917,7 @@
         <p:spPr>
           <a:xfrm>
             <a:off x="6928219" y="3699000"/>
-            <a:ext cx="5062781" cy="3036366"/>
+            <a:ext cx="5060170" cy="3034800"/>
           </a:xfrm>
           <a:prstGeom prst="rect">
             <a:avLst/>
@@ -29068,7 +30070,7 @@
         </p:nvSpPr>
         <p:spPr>
           <a:xfrm>
-            <a:off x="191989" y="1190138"/>
+            <a:off x="156000" y="1235138"/>
             <a:ext cx="11808021" cy="5478862"/>
           </a:xfrm>
           <a:prstGeom prst="rect">
@@ -29262,7 +30264,7 @@
               </a:buClr>
             </a:pPr>
             <a:r>
-              <a:rPr lang="en-US" sz="3400" b="1">
+              <a:rPr lang="en-US" sz="3400" b="1" dirty="0">
                 <a:solidFill>
                   <a:schemeClr val="bg1"/>
                 </a:solidFill>
@@ -29270,9 +30272,14 @@
               <a:t>Creational</a:t>
             </a:r>
             <a:r>
-              <a:rPr lang="en-US" sz="3400"/>
-              <a:t> patterns</a:t>
-            </a:r>
+              <a:rPr lang="en-US" sz="3400" dirty="0"/>
+              <a:t> </a:t>
+            </a:r>
+            <a:r>
+              <a:rPr lang="bg-BG" sz="3400" dirty="0"/>
+              <a:t>шаблони</a:t>
+            </a:r>
+            <a:endParaRPr lang="en-US" sz="3400" dirty="0"/>
           </a:p>
           <a:p>
             <a:pPr marL="1066419" lvl="1" indent="-457200">
@@ -29290,21 +30297,58 @@
               </a:buClr>
             </a:pPr>
             <a:r>
-              <a:rPr lang="en-US" sz="3200"/>
-              <a:t>Deal with </a:t>
-            </a:r>
-            <a:r>
-              <a:rPr lang="en-US" sz="3200" b="1">
+              <a:rPr lang="bg-BG" sz="3200" b="1" dirty="0">
                 <a:solidFill>
                   <a:schemeClr val="bg1"/>
                 </a:solidFill>
               </a:rPr>
-              <a:t>initialization and configuration </a:t>
-            </a:r>
-            <a:r>
-              <a:rPr lang="en-US" sz="3200"/>
-              <a:t>of classes and objects</a:t>
-            </a:r>
+              <a:t>Инициализация</a:t>
+            </a:r>
+            <a:r>
+              <a:rPr lang="en-US" sz="3200" b="1" dirty="0">
+                <a:solidFill>
+                  <a:schemeClr val="bg1"/>
+                </a:solidFill>
+              </a:rPr>
+              <a:t> </a:t>
+            </a:r>
+            <a:r>
+              <a:rPr lang="bg-BG" sz="3200" b="1" dirty="0">
+                <a:solidFill>
+                  <a:schemeClr val="bg1"/>
+                </a:solidFill>
+              </a:rPr>
+              <a:t>и</a:t>
+            </a:r>
+            <a:r>
+              <a:rPr lang="en-US" sz="3200" b="1" dirty="0">
+                <a:solidFill>
+                  <a:schemeClr val="bg1"/>
+                </a:solidFill>
+              </a:rPr>
+              <a:t> </a:t>
+            </a:r>
+            <a:r>
+              <a:rPr lang="bg-BG" sz="3200" b="1" dirty="0">
+                <a:solidFill>
+                  <a:schemeClr val="bg1"/>
+                </a:solidFill>
+              </a:rPr>
+              <a:t>конфигурация</a:t>
+            </a:r>
+            <a:r>
+              <a:rPr lang="en-US" sz="3200" b="1" dirty="0">
+                <a:solidFill>
+                  <a:schemeClr val="bg1"/>
+                </a:solidFill>
+              </a:rPr>
+              <a:t> </a:t>
+            </a:r>
+            <a:r>
+              <a:rPr lang="bg-BG" sz="3200" dirty="0"/>
+              <a:t>на класове и обекти</a:t>
+            </a:r>
+            <a:endParaRPr lang="en-US" sz="3200" dirty="0"/>
           </a:p>
           <a:p>
             <a:pPr marL="457200" indent="-457200">
@@ -29322,7 +30366,7 @@
               </a:buClr>
             </a:pPr>
             <a:r>
-              <a:rPr lang="en-US" sz="3400" b="1">
+              <a:rPr lang="en-US" sz="3400" b="1" dirty="0">
                 <a:solidFill>
                   <a:schemeClr val="bg1"/>
                 </a:solidFill>
@@ -29330,9 +30374,14 @@
               <a:t>Structural</a:t>
             </a:r>
             <a:r>
-              <a:rPr lang="en-US" sz="3400"/>
-              <a:t> patterns</a:t>
-            </a:r>
+              <a:rPr lang="en-US" sz="3400" dirty="0"/>
+              <a:t> </a:t>
+            </a:r>
+            <a:r>
+              <a:rPr lang="bg-BG" sz="3400" dirty="0"/>
+              <a:t>шаблони</a:t>
+            </a:r>
+            <a:endParaRPr lang="en-US" sz="3400" dirty="0"/>
           </a:p>
           <a:p>
             <a:pPr marL="1066419" lvl="1" indent="-457200">
@@ -29350,29 +30399,38 @@
               </a:buClr>
             </a:pPr>
             <a:r>
-              <a:rPr lang="en-US" sz="3200"/>
-              <a:t>Describe ways to </a:t>
-            </a:r>
-            <a:r>
-              <a:rPr lang="en-US" sz="3200" b="1">
+              <a:rPr lang="bg-BG" sz="3200" dirty="0"/>
+              <a:t>Използват начини за </a:t>
+            </a:r>
+            <a:r>
+              <a:rPr lang="bg-BG" sz="3200" b="1" dirty="0">
                 <a:solidFill>
                   <a:schemeClr val="bg1"/>
                 </a:solidFill>
               </a:rPr>
-              <a:t>assemble</a:t>
-            </a:r>
-            <a:r>
-              <a:rPr lang="en-US" sz="3200"/>
-              <a:t> objects to implement </a:t>
-            </a:r>
-            <a:r>
-              <a:rPr lang="en-US" sz="3200" b="1">
+              <a:t>структуриране</a:t>
+            </a:r>
+            <a:r>
+              <a:rPr lang="en-US" sz="3200" dirty="0"/>
+              <a:t> </a:t>
+            </a:r>
+            <a:r>
+              <a:rPr lang="bg-BG" sz="3200" dirty="0"/>
+              <a:t>на обекти, за да имплементират </a:t>
+            </a:r>
+            <a:r>
+              <a:rPr lang="bg-BG" sz="3200" b="1" dirty="0">
                 <a:solidFill>
                   <a:schemeClr val="bg1"/>
                 </a:solidFill>
               </a:rPr>
-              <a:t>new functionality</a:t>
-            </a:r>
+              <a:t>нова функционалност</a:t>
+            </a:r>
+            <a:endParaRPr lang="en-US" sz="3200" b="1" dirty="0">
+              <a:solidFill>
+                <a:schemeClr val="bg1"/>
+              </a:solidFill>
+            </a:endParaRPr>
           </a:p>
           <a:p>
             <a:pPr marL="1066419" lvl="1" indent="-457200">
@@ -29390,17 +30448,22 @@
               </a:buClr>
             </a:pPr>
             <a:r>
-              <a:rPr lang="en-US" sz="3200" b="1">
+              <a:rPr lang="bg-BG" sz="3200" b="1" dirty="0">
                 <a:solidFill>
                   <a:schemeClr val="bg1"/>
                 </a:solidFill>
               </a:rPr>
-              <a:t>Composition</a:t>
-            </a:r>
-            <a:r>
-              <a:rPr lang="en-US" sz="3200"/>
-              <a:t> of classes and objects</a:t>
-            </a:r>
+              <a:t>Композиция</a:t>
+            </a:r>
+            <a:r>
+              <a:rPr lang="en-US" sz="3200" dirty="0"/>
+              <a:t> </a:t>
+            </a:r>
+            <a:r>
+              <a:rPr lang="bg-BG" sz="3200" dirty="0"/>
+              <a:t>на класове и обекти</a:t>
+            </a:r>
+            <a:endParaRPr lang="en-US" sz="3200" dirty="0"/>
           </a:p>
           <a:p>
             <a:pPr marL="457200" indent="-457200">
@@ -29418,7 +30481,7 @@
               </a:buClr>
             </a:pPr>
             <a:r>
-              <a:rPr lang="en-US" sz="3400" b="1">
+              <a:rPr lang="en-US" sz="3400" b="1" dirty="0">
                 <a:solidFill>
                   <a:schemeClr val="bg1"/>
                 </a:solidFill>
@@ -29426,9 +30489,14 @@
               <a:t>Behavioral</a:t>
             </a:r>
             <a:r>
-              <a:rPr lang="en-US" sz="3400"/>
-              <a:t> patterns</a:t>
-            </a:r>
+              <a:rPr lang="en-US" sz="3400" dirty="0"/>
+              <a:t> </a:t>
+            </a:r>
+            <a:r>
+              <a:rPr lang="bg-BG" sz="3400" dirty="0"/>
+              <a:t>шаблони</a:t>
+            </a:r>
+            <a:endParaRPr lang="en-US" sz="3400" dirty="0"/>
           </a:p>
           <a:p>
             <a:pPr marL="1066419" lvl="1" indent="-457200">
@@ -29446,24 +30514,24 @@
               </a:buClr>
             </a:pPr>
             <a:r>
-              <a:rPr lang="en-US" sz="3200"/>
-              <a:t>Deal with dynamic </a:t>
-            </a:r>
-            <a:r>
-              <a:rPr lang="en-US" sz="3200" b="1">
+              <a:rPr lang="bg-BG" sz="3200" dirty="0"/>
+              <a:t>Динамични </a:t>
+            </a:r>
+            <a:r>
+              <a:rPr lang="bg-BG" sz="3200" b="1" dirty="0">
                 <a:solidFill>
                   <a:schemeClr val="bg1"/>
                 </a:solidFill>
               </a:rPr>
-              <a:t>interactions</a:t>
-            </a:r>
-            <a:r>
-              <a:rPr lang="en-US" sz="3200"/>
+              <a:t>интеракции</a:t>
+            </a:r>
+            <a:r>
+              <a:rPr lang="en-US" sz="3200" dirty="0"/>
               <a:t> </a:t>
             </a:r>
           </a:p>
           <a:p>
-            <a:pPr lvl="1">
+            <a:pPr marL="1066419" lvl="1" indent="-457200">
               <a:lnSpc>
                 <a:spcPct val="100000"/>
               </a:lnSpc>
@@ -29478,36 +30546,43 @@
               </a:buClr>
             </a:pPr>
             <a:r>
-              <a:rPr lang="en-US" sz="3200"/>
-              <a:t>     among societies of classes</a:t>
-            </a:r>
-          </a:p>
-          <a:p>
-            <a:pPr marL="1066419" lvl="1" indent="-457200">
-              <a:lnSpc>
-                <a:spcPct val="100000"/>
-              </a:lnSpc>
-              <a:spcBef>
-                <a:spcPts val="100"/>
-              </a:spcBef>
-              <a:spcAft>
-                <a:spcPts val="100"/>
-              </a:spcAft>
-              <a:buClr>
-                <a:srgbClr val="234465"/>
-              </a:buClr>
-            </a:pPr>
-            <a:r>
-              <a:rPr lang="en-US" sz="3200"/>
-              <a:t>Distribute </a:t>
-            </a:r>
-            <a:r>
-              <a:rPr lang="en-US" sz="3200" b="1">
+              <a:rPr lang="bg-BG" sz="3200" dirty="0"/>
+              <a:t>Разпределят </a:t>
+            </a:r>
+            <a:r>
+              <a:rPr lang="en-US" sz="3200" dirty="0"/>
+              <a:t> </a:t>
+            </a:r>
+            <a:r>
+              <a:rPr lang="bg-BG" sz="3200" b="1" dirty="0">
+                <a:solidFill>
+                  <a:schemeClr val="bg1"/>
+                </a:solidFill>
+              </a:rPr>
+              <a:t>отговорност</a:t>
+            </a:r>
+            <a:r>
+              <a:rPr lang="bg-BG" sz="3200" dirty="0"/>
+              <a:t> </a:t>
+            </a:r>
+            <a:br>
+              <a:rPr lang="bg-BG" sz="3200" dirty="0"/>
+            </a:br>
+            <a:r>
+              <a:rPr lang="bg-BG" sz="3200" dirty="0"/>
+              <a:t>(</a:t>
+            </a:r>
+            <a:r>
+              <a:rPr lang="en-US" sz="3200" b="1" dirty="0">
                 <a:solidFill>
                   <a:schemeClr val="bg1"/>
                 </a:solidFill>
               </a:rPr>
               <a:t>responsibility</a:t>
+            </a:r>
+            <a:r>
+              <a:rPr lang="bg-BG" sz="3200" dirty="0"/>
+              <a:t>)</a:t>
             </a:r>
             <a:endParaRPr lang="en-US" sz="3200" b="1" dirty="0">
               <a:solidFill>
@@ -29791,15 +30866,33 @@
                                   </p:childTnLst>
                                 </p:cTn>
                               </p:par>
+                            </p:childTnLst>
+                          </p:cTn>
+                        </p:par>
+                      </p:childTnLst>
+                    </p:cTn>
+                  </p:par>
+                  <p:par>
+                    <p:cTn id="23" fill="hold">
+                      <p:stCondLst>
+                        <p:cond delay="indefinite"/>
+                      </p:stCondLst>
+                      <p:childTnLst>
+                        <p:par>
+                          <p:cTn id="24" fill="hold">
+                            <p:stCondLst>
+                              <p:cond delay="0"/>
+                            </p:stCondLst>
+                            <p:childTnLst>
                               <p:par>
-                                <p:cTn id="23" presetID="1" presetClass="entr" presetSubtype="0" fill="hold" nodeType="withEffect">
+                                <p:cTn id="25" presetID="1" presetClass="entr" presetSubtype="0" fill="hold" nodeType="clickEffect">
                                   <p:stCondLst>
                                     <p:cond delay="0"/>
                                   </p:stCondLst>
                                   <p:childTnLst>
                                     <p:set>
                                       <p:cBhvr>
-                                        <p:cTn id="24" dur="1" fill="hold">
+                                        <p:cTn id="26" dur="1" fill="hold">
                                           <p:stCondLst>
                                             <p:cond delay="0"/>
                                           </p:stCondLst>
@@ -29808,55 +30901,6 @@
                                           <p:spTgt spid="9">
                                             <p:txEl>
                                               <p:pRg st="7" end="7"/>
-                                            </p:txEl>
-                                          </p:spTgt>
-                                        </p:tgtEl>
-                                        <p:attrNameLst>
-                                          <p:attrName>style.visibility</p:attrName>
-                                        </p:attrNameLst>
-                                      </p:cBhvr>
-                                      <p:to>
-                                        <p:strVal val="visible"/>
-                                      </p:to>
-                                    </p:set>
-                                  </p:childTnLst>
-                                </p:cTn>
-                              </p:par>
-                            </p:childTnLst>
-                          </p:cTn>
-                        </p:par>
-                      </p:childTnLst>
-                    </p:cTn>
-                  </p:par>
-                  <p:par>
-                    <p:cTn id="25" fill="hold">
-                      <p:stCondLst>
-                        <p:cond delay="indefinite"/>
-                      </p:stCondLst>
-                      <p:childTnLst>
-                        <p:par>
-                          <p:cTn id="26" fill="hold">
-                            <p:stCondLst>
-                              <p:cond delay="0"/>
-                            </p:stCondLst>
-                            <p:childTnLst>
-                              <p:par>
-                                <p:cTn id="27" presetID="1" presetClass="entr" presetSubtype="0" fill="hold" nodeType="clickEffect">
-                                  <p:stCondLst>
-                                    <p:cond delay="0"/>
-                                  </p:stCondLst>
-                                  <p:childTnLst>
-                                    <p:set>
-                                      <p:cBhvr>
-                                        <p:cTn id="28" dur="1" fill="hold">
-                                          <p:stCondLst>
-                                            <p:cond delay="0"/>
-                                          </p:stCondLst>
-                                        </p:cTn>
-                                        <p:tgtEl>
-                                          <p:spTgt spid="9">
-                                            <p:txEl>
-                                              <p:pRg st="8" end="8"/>
                                             </p:txEl>
                                           </p:spTgt>
                                         </p:tgtEl>

--- a/Courses/Software-Sciences/Module-1-OOP-New/15-Design-Patterns/15-Design-Patterns.pptx
+++ b/Courses/Software-Sciences/Module-1-OOP-New/15-Design-Patterns/15-Design-Patterns.pptx
@@ -347,7 +347,7 @@
           <a:p>
             <a:fld id="{4E087215-0C8F-4762-A664-737A353EC9A4}" type="datetimeFigureOut">
               <a:rPr lang="bg-BG" smtClean="0"/>
-              <a:t>13.01.23 г.</a:t>
+              <a:t>13.1.2023 г.</a:t>
             </a:fld>
             <a:endParaRPr lang="bg-BG"/>
           </a:p>
@@ -538,7 +538,7 @@
           <a:p>
             <a:fld id="{72D84649-876A-46C9-8472-14CB09C070D8}" type="datetimeFigureOut">
               <a:rPr lang="en-US" smtClean="0"/>
-              <a:t>1/13/23</a:t>
+              <a:t>13-Jan-23</a:t>
             </a:fld>
             <a:endParaRPr lang="en-US"/>
           </a:p>
@@ -9680,13 +9680,13 @@
         </p:nvSpPr>
         <p:spPr>
           <a:xfrm>
-            <a:off x="554182" y="620006"/>
-            <a:ext cx="11083636" cy="882654"/>
+            <a:off x="554182" y="403959"/>
+            <a:ext cx="11083636" cy="1720041"/>
           </a:xfrm>
         </p:spPr>
         <p:txBody>
           <a:bodyPr>
-            <a:normAutofit fontScale="90000"/>
+            <a:normAutofit/>
           </a:bodyPr>
           <a:lstStyle/>
           <a:p>
@@ -9735,7 +9735,7 @@
         </p:blipFill>
         <p:spPr>
           <a:xfrm>
-            <a:off x="4926000" y="2034000"/>
+            <a:off x="4926000" y="2597960"/>
             <a:ext cx="2181040" cy="2181040"/>
           </a:xfrm>
           <a:prstGeom prst="rect">
@@ -9798,7 +9798,7 @@
           <a:p>
             <a:r>
               <a:rPr lang="bg-BG" dirty="0"/>
-              <a:t>Видове</a:t>
+              <a:t>Видове шаблони на ниво клас и обект</a:t>
             </a:r>
             <a:endParaRPr lang="en-US" dirty="0"/>
           </a:p>
@@ -9954,7 +9954,12 @@
             <p:ph type="title" sz="quarter" idx="10"/>
           </p:nvPr>
         </p:nvSpPr>
-        <p:spPr/>
+        <p:spPr>
+          <a:xfrm>
+            <a:off x="615109" y="4704824"/>
+            <a:ext cx="10961783" cy="884175"/>
+          </a:xfrm>
+        </p:spPr>
         <p:txBody>
           <a:bodyPr/>
           <a:lstStyle/>
@@ -10035,18 +10040,32 @@
               </a:buClr>
             </a:pPr>
             <a:r>
-              <a:rPr lang="bg-BG" sz="3600" dirty="0"/>
-              <a:t>Създаване на </a:t>
-            </a:r>
-            <a:r>
-              <a:rPr lang="bg-BG" sz="3600" b="1" dirty="0">
+              <a:rPr lang="bg-BG" sz="3600" b="1" dirty="0"/>
+              <a:t>Шаблони за създаване</a:t>
+            </a:r>
+          </a:p>
+          <a:p>
+            <a:pPr marL="900112" lvl="1" indent="-457200">
+              <a:lnSpc>
+                <a:spcPct val="100000"/>
+              </a:lnSpc>
+              <a:buClr>
+                <a:srgbClr val="234465"/>
+              </a:buClr>
+            </a:pPr>
+            <a:r>
+              <a:rPr lang="bg-BG" sz="3400" dirty="0"/>
+              <a:t>Предоставят </a:t>
+            </a:r>
+            <a:r>
+              <a:rPr lang="bg-BG" sz="3400" b="1" dirty="0">
                 <a:solidFill>
                   <a:schemeClr val="bg1"/>
                 </a:solidFill>
               </a:rPr>
-              <a:t>механизми за обекти</a:t>
-            </a:r>
-            <a:endParaRPr lang="en-US" sz="3600" dirty="0"/>
+              <a:t>механизми за създаване на обекти</a:t>
+            </a:r>
+            <a:endParaRPr lang="en-US" sz="3400" dirty="0"/>
           </a:p>
           <a:p>
             <a:pPr marL="457200" indent="-457200">
@@ -10179,8 +10198,16 @@
           <a:lstStyle/>
           <a:p>
             <a:r>
-              <a:rPr lang="bg-BG" dirty="0"/>
-              <a:t>Цели</a:t>
+              <a:rPr lang="bg-BG" sz="4000" b="1" dirty="0"/>
+              <a:t>Шаблони за създаване </a:t>
+            </a:r>
+            <a:r>
+              <a:rPr lang="bg-BG" sz="4000" b="1"/>
+              <a:t>– ц</a:t>
+            </a:r>
+            <a:r>
+              <a:rPr lang="bg-BG"/>
+              <a:t>ели</a:t>
             </a:r>
             <a:endParaRPr lang="en-US" dirty="0"/>
           </a:p>
@@ -10282,7 +10309,7 @@
                                         <p:tgtEl>
                                           <p:spTgt spid="3">
                                             <p:txEl>
-                                              <p:pRg st="1" end="1"/>
+                                              <p:pRg st="2" end="2"/>
                                             </p:txEl>
                                           </p:spTgt>
                                         </p:tgtEl>
@@ -10331,7 +10358,7 @@
                                         <p:tgtEl>
                                           <p:spTgt spid="3">
                                             <p:txEl>
-                                              <p:pRg st="2" end="2"/>
+                                              <p:pRg st="3" end="3"/>
                                             </p:txEl>
                                           </p:spTgt>
                                         </p:tgtEl>
@@ -10362,7 +10389,7 @@
                                         <p:tgtEl>
                                           <p:spTgt spid="3">
                                             <p:txEl>
-                                              <p:pRg st="3" end="3"/>
+                                              <p:pRg st="4" end="4"/>
                                             </p:txEl>
                                           </p:spTgt>
                                         </p:tgtEl>
@@ -10411,7 +10438,7 @@
                                         <p:tgtEl>
                                           <p:spTgt spid="3">
                                             <p:txEl>
-                                              <p:pRg st="4" end="4"/>
+                                              <p:pRg st="5" end="5"/>
                                             </p:txEl>
                                           </p:spTgt>
                                         </p:tgtEl>
@@ -11579,8 +11606,8 @@
         </p:blipFill>
         <p:spPr>
           <a:xfrm>
-            <a:off x="5170543" y="3339000"/>
-            <a:ext cx="6562927" cy="3061640"/>
+            <a:off x="5363467" y="3429000"/>
+            <a:ext cx="6370003" cy="2971640"/>
           </a:xfrm>
           <a:prstGeom prst="rect">
             <a:avLst/>
@@ -12454,7 +12481,15 @@
             </a:r>
             <a:r>
               <a:rPr lang="en-US" sz="3400" noProof="1"/>
-              <a:t>“new"</a:t>
+              <a:t>“</a:t>
+            </a:r>
+            <a:r>
+              <a:rPr lang="en-US" sz="3400" b="1" noProof="1"/>
+              <a:t>new</a:t>
+            </a:r>
+            <a:r>
+              <a:rPr lang="en-US" sz="3400" noProof="1"/>
+              <a:t>"</a:t>
             </a:r>
             <a:endParaRPr lang="bg-BG" sz="3400" noProof="1"/>
           </a:p>
@@ -13825,38 +13860,35 @@
           <a:p>
             <a:pPr lvl="1"/>
             <a:r>
+              <a:rPr lang="bg-BG" sz="3400" dirty="0"/>
+              <a:t>Шаблони за създаване (</a:t>
+            </a:r>
+            <a:r>
               <a:rPr lang="en-US" sz="3400" dirty="0"/>
-              <a:t>Creational </a:t>
-            </a:r>
+              <a:t>Creational Patterns)</a:t>
+            </a:r>
+          </a:p>
+          <a:p>
+            <a:pPr lvl="1"/>
             <a:r>
               <a:rPr lang="bg-BG" sz="3400" dirty="0"/>
-              <a:t>шаблони</a:t>
-            </a:r>
-            <a:endParaRPr lang="en-US" sz="3400" dirty="0"/>
+              <a:t>Структурни шаблони (</a:t>
+            </a:r>
+            <a:r>
+              <a:rPr lang="en-US" sz="3400" dirty="0"/>
+              <a:t>Structural Patterns)</a:t>
+            </a:r>
           </a:p>
           <a:p>
             <a:pPr lvl="1"/>
             <a:r>
+              <a:rPr lang="bg-BG" sz="3400" dirty="0"/>
+              <a:t>Поведенчески шаблони (</a:t>
+            </a:r>
+            <a:r>
               <a:rPr lang="en-US" sz="3400" dirty="0"/>
-              <a:t>Structural </a:t>
-            </a:r>
-            <a:r>
-              <a:rPr lang="bg-BG" sz="3400" dirty="0"/>
-              <a:t>шаблони</a:t>
-            </a:r>
-            <a:endParaRPr lang="en-US" sz="3400" dirty="0"/>
-          </a:p>
-          <a:p>
-            <a:pPr lvl="1"/>
-            <a:r>
-              <a:rPr lang="en-US" sz="3400" dirty="0"/>
-              <a:t>Behavioral </a:t>
-            </a:r>
-            <a:r>
-              <a:rPr lang="bg-BG" sz="3400" dirty="0"/>
-              <a:t>шаблони</a:t>
-            </a:r>
-            <a:endParaRPr lang="en-US" sz="3400" dirty="0"/>
+              <a:t>Behavioral Patterns)</a:t>
+            </a:r>
           </a:p>
           <a:p>
             <a:endParaRPr lang="en-US" dirty="0"/>
@@ -15736,7 +15768,7 @@
         </p:blipFill>
         <p:spPr bwMode="auto">
           <a:xfrm>
-            <a:off x="4867374" y="3339000"/>
+            <a:off x="2281674" y="3259134"/>
             <a:ext cx="3345491" cy="3375000"/>
           </a:xfrm>
           <a:prstGeom prst="rect">
@@ -15775,7 +15807,7 @@
         </p:blipFill>
         <p:spPr bwMode="auto">
           <a:xfrm>
-            <a:off x="8681700" y="3328866"/>
+            <a:off x="6096000" y="3249000"/>
             <a:ext cx="3305591" cy="3375000"/>
           </a:xfrm>
           <a:prstGeom prst="rect">
@@ -15809,8 +15841,8 @@
         </p:nvSpPr>
         <p:spPr>
           <a:xfrm>
-            <a:off x="168300" y="2079000"/>
-            <a:ext cx="6220598" cy="3375000"/>
+            <a:off x="168300" y="1944000"/>
+            <a:ext cx="9842700" cy="3375000"/>
           </a:xfrm>
           <a:prstGeom prst="rect">
             <a:avLst/>
@@ -15998,7 +16030,7 @@
                   <a:schemeClr val="bg1"/>
                 </a:solidFill>
               </a:rPr>
-              <a:t>интерфейс от по-висок ред</a:t>
+              <a:t>интерфейс от по-високо ниво</a:t>
             </a:r>
             <a:r>
               <a:rPr lang="bg-BG" sz="3400" dirty="0"/>
@@ -17918,11 +17950,11 @@
               </a:lnSpc>
             </a:pPr>
             <a:r>
-              <a:rPr lang="bg-BG" sz="2800" dirty="0"/>
+              <a:rPr lang="bg-BG" sz="3200" dirty="0"/>
               <a:t>Позволява </a:t>
             </a:r>
             <a:r>
-              <a:rPr lang="bg-BG" sz="2800" b="1" dirty="0">
+              <a:rPr lang="bg-BG" sz="3200" b="1" dirty="0">
                 <a:solidFill>
                   <a:schemeClr val="bg1"/>
                 </a:solidFill>
@@ -17930,14 +17962,14 @@
               <a:t>комбинирането</a:t>
             </a:r>
             <a:r>
-              <a:rPr lang="en-GB" sz="2800" dirty="0"/>
+              <a:rPr lang="en-GB" sz="3200" dirty="0"/>
               <a:t> </a:t>
             </a:r>
             <a:r>
-              <a:rPr lang="bg-BG" sz="2800" dirty="0"/>
+              <a:rPr lang="bg-BG" sz="3200" dirty="0"/>
               <a:t>на различни типове обекти в дървовидни структури</a:t>
             </a:r>
-            <a:endParaRPr lang="en-US" sz="2800" dirty="0"/>
+            <a:endParaRPr lang="en-US" sz="3200" dirty="0"/>
           </a:p>
           <a:p>
             <a:pPr>
@@ -17946,7 +17978,7 @@
               </a:lnSpc>
             </a:pPr>
             <a:r>
-              <a:rPr lang="bg-BG" sz="2800" dirty="0"/>
+              <a:rPr lang="bg-BG" sz="3200" dirty="0"/>
               <a:t>Използва се, когато:</a:t>
             </a:r>
           </a:p>
@@ -17957,25 +17989,25 @@
               </a:lnSpc>
             </a:pPr>
             <a:r>
-              <a:rPr lang="bg-BG" sz="2800" dirty="0"/>
+              <a:rPr lang="bg-BG" sz="3200" dirty="0"/>
               <a:t>Имате различни</a:t>
             </a:r>
             <a:br>
-              <a:rPr lang="bg-BG" sz="2800" dirty="0"/>
+              <a:rPr lang="bg-BG" sz="3200" dirty="0"/>
             </a:br>
             <a:r>
-              <a:rPr lang="bg-BG" sz="2800" dirty="0"/>
+              <a:rPr lang="bg-BG" sz="3200" dirty="0"/>
               <a:t>обекти, които </a:t>
             </a:r>
             <a:br>
-              <a:rPr lang="bg-BG" sz="2800" dirty="0"/>
+              <a:rPr lang="bg-BG" sz="3200" dirty="0"/>
             </a:br>
             <a:r>
-              <a:rPr lang="bg-BG" sz="2800" dirty="0"/>
+              <a:rPr lang="bg-BG" sz="3200" dirty="0"/>
               <a:t>искате да </a:t>
             </a:r>
             <a:r>
-              <a:rPr lang="bg-BG" sz="2800" b="1" dirty="0">
+              <a:rPr lang="bg-BG" sz="3200" b="1" dirty="0">
                 <a:solidFill>
                   <a:schemeClr val="bg1"/>
                 </a:solidFill>
@@ -17983,14 +18015,14 @@
               <a:t>третирате </a:t>
             </a:r>
             <a:br>
-              <a:rPr lang="bg-BG" sz="2800" b="1" dirty="0">
+              <a:rPr lang="bg-BG" sz="3200" b="1" dirty="0">
                 <a:solidFill>
                   <a:schemeClr val="bg1"/>
                 </a:solidFill>
               </a:rPr>
             </a:br>
             <a:r>
-              <a:rPr lang="bg-BG" sz="2800" b="1" dirty="0">
+              <a:rPr lang="bg-BG" sz="3200" b="1" dirty="0">
                 <a:solidFill>
                   <a:schemeClr val="bg1"/>
                 </a:solidFill>
@@ -18005,14 +18037,14 @@
               </a:lnSpc>
             </a:pPr>
             <a:r>
-              <a:rPr lang="bg-BG" sz="2800" dirty="0"/>
+              <a:rPr lang="bg-BG" sz="3200" dirty="0"/>
               <a:t>Искате да представите</a:t>
             </a:r>
             <a:br>
-              <a:rPr lang="bg-BG" sz="2800" dirty="0"/>
+              <a:rPr lang="bg-BG" sz="3200" dirty="0"/>
             </a:br>
             <a:r>
-              <a:rPr lang="bg-BG" sz="2800" b="1" dirty="0">
+              <a:rPr lang="bg-BG" sz="3200" b="1" dirty="0">
                 <a:solidFill>
                   <a:schemeClr val="bg1"/>
                 </a:solidFill>
@@ -18020,10 +18052,10 @@
               <a:t>йерархия</a:t>
             </a:r>
             <a:r>
-              <a:rPr lang="bg-BG" sz="2800" dirty="0"/>
+              <a:rPr lang="bg-BG" sz="3200" dirty="0"/>
               <a:t> от обекти</a:t>
             </a:r>
-            <a:endParaRPr lang="en-GB" sz="2800" dirty="0"/>
+            <a:endParaRPr lang="en-GB" sz="3200" dirty="0"/>
           </a:p>
         </p:txBody>
       </p:sp>
@@ -19856,6 +19888,59 @@
       </p:pic>
       <p:sp>
         <p:nvSpPr>
+          <p:cNvPr id="3" name="Subtitle 2">
+            <a:extLst>
+              <a:ext uri="{FF2B5EF4-FFF2-40B4-BE49-F238E27FC236}">
+                <a16:creationId xmlns:a16="http://schemas.microsoft.com/office/drawing/2014/main" id="{C963C7D9-552D-C690-7350-25BD2D835FD9}"/>
+              </a:ext>
+            </a:extLst>
+          </p:cNvPr>
+          <p:cNvSpPr>
+            <a:spLocks noGrp="1"/>
+          </p:cNvSpPr>
+          <p:nvPr>
+            <p:ph type="subTitle" sz="quarter" idx="11"/>
+          </p:nvPr>
+        </p:nvSpPr>
+        <p:spPr/>
+        <p:txBody>
+          <a:bodyPr/>
+          <a:lstStyle/>
+          <a:p>
+            <a:r>
+              <a:rPr lang="bg-BG" dirty="0"/>
+              <a:t>Дефиниция</a:t>
+            </a:r>
+            <a:r>
+              <a:rPr lang="en-US" dirty="0"/>
+              <a:t>, </a:t>
+            </a:r>
+            <a:r>
+              <a:rPr lang="bg-BG" dirty="0"/>
+              <a:t>решения</a:t>
+            </a:r>
+            <a:r>
+              <a:rPr lang="en-US" dirty="0"/>
+              <a:t> </a:t>
+            </a:r>
+            <a:r>
+              <a:rPr lang="bg-BG" dirty="0"/>
+              <a:t>и</a:t>
+            </a:r>
+            <a:r>
+              <a:rPr lang="en-US" dirty="0"/>
+              <a:t> </a:t>
+            </a:r>
+            <a:r>
+              <a:rPr lang="bg-BG" dirty="0"/>
+              <a:t>елементи</a:t>
+            </a:r>
+            <a:endParaRPr lang="en-US" dirty="0"/>
+          </a:p>
+        </p:txBody>
+      </p:sp>
+      <p:sp>
+        <p:nvSpPr>
           <p:cNvPr id="6" name="Title 5">
             <a:extLst>
               <a:ext uri="{FF2B5EF4-FFF2-40B4-BE49-F238E27FC236}">
@@ -19877,31 +19962,7 @@
           <a:p>
             <a:r>
               <a:rPr lang="bg-BG" dirty="0"/>
-              <a:t>Дефиниция</a:t>
-            </a:r>
-            <a:r>
-              <a:rPr lang="en-US" dirty="0"/>
-              <a:t>, </a:t>
-            </a:r>
-            <a:r>
-              <a:rPr lang="bg-BG" dirty="0"/>
-              <a:t>решения</a:t>
-            </a:r>
-            <a:r>
-              <a:rPr lang="en-US" dirty="0"/>
-              <a:t> </a:t>
-            </a:r>
-            <a:r>
-              <a:rPr lang="bg-BG" dirty="0"/>
-              <a:t>и</a:t>
-            </a:r>
-            <a:r>
-              <a:rPr lang="en-US" dirty="0"/>
-              <a:t> </a:t>
-            </a:r>
-            <a:r>
-              <a:rPr lang="bg-BG" dirty="0"/>
-              <a:t>елементи</a:t>
+              <a:t>Шаблони за дизайн</a:t>
             </a:r>
             <a:endParaRPr lang="en-US" dirty="0"/>
           </a:p>
@@ -24871,22 +24932,57 @@
                   <a:schemeClr val="bg1"/>
                 </a:solidFill>
               </a:rPr>
+              <a:t>Шаблони за дизайн</a:t>
+            </a:r>
+            <a:r>
+              <a:rPr lang="bg-BG" sz="4000" dirty="0"/>
+              <a:t> (</a:t>
+            </a:r>
+            <a:r>
+              <a:rPr lang="en-US" sz="4000" dirty="0"/>
+              <a:t>design patterns</a:t>
+            </a:r>
+            <a:r>
+              <a:rPr lang="bg-BG" sz="4000" dirty="0"/>
+              <a:t>)</a:t>
+            </a:r>
+            <a:endParaRPr lang="bg-BG" sz="4000" b="1" dirty="0">
+              <a:solidFill>
+                <a:schemeClr val="bg1"/>
+              </a:solidFill>
+            </a:endParaRPr>
+          </a:p>
+          <a:p>
+            <a:pPr lvl="1">
+              <a:lnSpc>
+                <a:spcPct val="100000"/>
+              </a:lnSpc>
+              <a:buClr>
+                <a:schemeClr val="tx2"/>
+              </a:buClr>
+            </a:pPr>
+            <a:r>
+              <a:rPr lang="bg-BG" sz="3800" b="1" dirty="0">
+                <a:solidFill>
+                  <a:schemeClr val="bg1"/>
+                </a:solidFill>
+              </a:rPr>
               <a:t>Генерални</a:t>
             </a:r>
             <a:r>
-              <a:rPr lang="en-US" sz="4000" dirty="0"/>
+              <a:rPr lang="en-US" sz="3800" dirty="0"/>
               <a:t> </a:t>
             </a:r>
             <a:r>
-              <a:rPr lang="bg-BG" sz="4000" dirty="0"/>
+              <a:rPr lang="bg-BG" sz="3800" dirty="0"/>
               <a:t>и</a:t>
             </a:r>
             <a:r>
-              <a:rPr lang="en-US" sz="4000" dirty="0"/>
+              <a:rPr lang="en-US" sz="3800" dirty="0"/>
               <a:t> </a:t>
             </a:r>
             <a:r>
-              <a:rPr lang="bg-BG" sz="4000" b="1" dirty="0" err="1">
+              <a:rPr lang="bg-BG" sz="3800" b="1" dirty="0" err="1">
                 <a:solidFill>
                   <a:schemeClr val="bg1"/>
                 </a:solidFill>
@@ -24894,11 +24990,11 @@
               <a:t>преизползваеми</a:t>
             </a:r>
             <a:r>
-              <a:rPr lang="en-US" sz="4000" dirty="0"/>
+              <a:rPr lang="en-US" sz="3800" dirty="0"/>
               <a:t> </a:t>
             </a:r>
             <a:r>
-              <a:rPr lang="bg-BG" sz="4000" b="1" dirty="0">
+              <a:rPr lang="bg-BG" sz="3800" b="1" dirty="0">
                 <a:solidFill>
                   <a:schemeClr val="bg1"/>
                 </a:solidFill>
@@ -24906,17 +25002,17 @@
               <a:t>решения</a:t>
             </a:r>
             <a:r>
-              <a:rPr lang="en-US" sz="4000" dirty="0"/>
+              <a:rPr lang="en-US" sz="3800" dirty="0"/>
               <a:t> </a:t>
             </a:r>
             <a:r>
-              <a:rPr lang="bg-BG" sz="4000" dirty="0"/>
+              <a:rPr lang="bg-BG" sz="3800" dirty="0"/>
               <a:t>на често срещани казуси в софтуерния дизайн</a:t>
             </a:r>
-            <a:endParaRPr lang="en-US" sz="4000" dirty="0"/>
-          </a:p>
-          <a:p>
-            <a:pPr>
+            <a:endParaRPr lang="en-US" sz="3800" dirty="0"/>
+          </a:p>
+          <a:p>
+            <a:pPr lvl="1">
               <a:lnSpc>
                 <a:spcPct val="100000"/>
               </a:lnSpc>
@@ -24925,7 +25021,7 @@
               </a:buClr>
             </a:pPr>
             <a:r>
-              <a:rPr lang="bg-BG" sz="4000" b="1" dirty="0">
+              <a:rPr lang="bg-BG" sz="3800" b="1" dirty="0">
                 <a:solidFill>
                   <a:schemeClr val="bg1"/>
                 </a:solidFill>
@@ -24933,31 +25029,31 @@
               <a:t>Шаблон</a:t>
             </a:r>
             <a:r>
-              <a:rPr lang="en-US" sz="4000" dirty="0"/>
+              <a:rPr lang="en-US" sz="3800" dirty="0"/>
               <a:t> </a:t>
             </a:r>
             <a:r>
-              <a:rPr lang="bg-BG" sz="4000" dirty="0"/>
+              <a:rPr lang="bg-BG" sz="3800" dirty="0"/>
               <a:t>за решаване на проблеми</a:t>
             </a:r>
-            <a:endParaRPr lang="en-US" sz="4000" dirty="0"/>
-          </a:p>
-          <a:p>
-            <a:pPr>
+            <a:endParaRPr lang="en-US" sz="3800" dirty="0"/>
+          </a:p>
+          <a:p>
+            <a:pPr lvl="1">
               <a:lnSpc>
                 <a:spcPct val="100000"/>
               </a:lnSpc>
             </a:pPr>
             <a:r>
-              <a:rPr lang="bg-BG" sz="4000" dirty="0"/>
+              <a:rPr lang="bg-BG" sz="3800" dirty="0"/>
               <a:t>Добавя допълнителни слоеве на</a:t>
             </a:r>
             <a:r>
-              <a:rPr lang="en-US" sz="4000" dirty="0"/>
+              <a:rPr lang="en-US" sz="3800" dirty="0"/>
               <a:t> </a:t>
             </a:r>
             <a:r>
-              <a:rPr lang="bg-BG" sz="4000" b="1" dirty="0">
+              <a:rPr lang="bg-BG" sz="3800" b="1" dirty="0">
                 <a:solidFill>
                   <a:schemeClr val="bg1"/>
                 </a:solidFill>
@@ -24965,10 +25061,10 @@
               <a:t>абстракция</a:t>
             </a:r>
             <a:r>
-              <a:rPr lang="bg-BG" sz="4000" dirty="0"/>
+              <a:rPr lang="bg-BG" sz="3800" dirty="0"/>
               <a:t>, за да се постигне гъвкавост</a:t>
             </a:r>
-            <a:endParaRPr lang="en-US" sz="4000" dirty="0"/>
+            <a:endParaRPr lang="en-US" sz="3800" dirty="0"/>
           </a:p>
         </p:txBody>
       </p:sp>
@@ -24985,19 +25081,19 @@
         <p:spPr/>
         <p:txBody>
           <a:bodyPr>
-            <a:normAutofit fontScale="90000"/>
+            <a:normAutofit/>
           </a:bodyPr>
           <a:lstStyle/>
           <a:p>
             <a:r>
-              <a:rPr lang="bg-BG" dirty="0"/>
+              <a:rPr lang="bg-BG" sz="3800" dirty="0"/>
               <a:t>Какво представляват шаблоните за дизайн</a:t>
             </a:r>
             <a:r>
-              <a:rPr lang="en-US" dirty="0"/>
+              <a:rPr lang="en-US" sz="3800" dirty="0"/>
               <a:t>?</a:t>
             </a:r>
-            <a:endParaRPr lang="bg-BG" dirty="0"/>
+            <a:endParaRPr lang="bg-BG" sz="3800" dirty="0"/>
           </a:p>
         </p:txBody>
       </p:sp>
@@ -25097,7 +25193,7 @@
                                         <p:tgtEl>
                                           <p:spTgt spid="428035">
                                             <p:txEl>
-                                              <p:pRg st="1" end="1"/>
+                                              <p:pRg st="2" end="2"/>
                                             </p:txEl>
                                           </p:spTgt>
                                         </p:tgtEl>
@@ -25146,7 +25242,7 @@
                                         <p:tgtEl>
                                           <p:spTgt spid="428035">
                                             <p:txEl>
-                                              <p:pRg st="2" end="2"/>
+                                              <p:pRg st="3" end="3"/>
                                             </p:txEl>
                                           </p:spTgt>
                                         </p:tgtEl>
@@ -27883,15 +27979,15 @@
               </a:buClr>
             </a:pPr>
             <a:r>
-              <a:rPr lang="bg-BG" sz="4400" dirty="0"/>
+              <a:rPr lang="bg-BG" sz="4000" dirty="0"/>
               <a:t>Шаблоните решават</a:t>
             </a:r>
             <a:r>
-              <a:rPr lang="en-US" sz="4400" dirty="0"/>
+              <a:rPr lang="en-US" sz="4000" dirty="0"/>
               <a:t> </a:t>
             </a:r>
             <a:r>
-              <a:rPr lang="bg-BG" sz="4400" b="1" dirty="0">
+              <a:rPr lang="bg-BG" sz="4000" b="1" dirty="0">
                 <a:solidFill>
                   <a:schemeClr val="bg1"/>
                 </a:solidFill>
@@ -27899,11 +27995,11 @@
               <a:t>структурни софтуерни проблеми </a:t>
             </a:r>
             <a:r>
-              <a:rPr lang="bg-BG" sz="4400" dirty="0"/>
+              <a:rPr lang="bg-BG" sz="4000" dirty="0"/>
               <a:t>като</a:t>
             </a:r>
             <a:r>
-              <a:rPr lang="en-US" sz="4400" dirty="0"/>
+              <a:rPr lang="en-US" sz="4000" dirty="0"/>
               <a:t>:</a:t>
             </a:r>
           </a:p>
@@ -27917,10 +28013,13 @@
               </a:buClr>
             </a:pPr>
             <a:r>
-              <a:rPr lang="bg-BG" sz="4000" dirty="0"/>
-              <a:t>Абстракция</a:t>
-            </a:r>
-            <a:endParaRPr lang="en-US" sz="4000" dirty="0"/>
+              <a:rPr lang="bg-BG" sz="3600" dirty="0"/>
+              <a:t>Абстракция (</a:t>
+            </a:r>
+            <a:r>
+              <a:rPr lang="en-US" sz="3600" dirty="0"/>
+              <a:t>abstraction)</a:t>
+            </a:r>
           </a:p>
           <a:p>
             <a:pPr marL="990266" lvl="1" indent="-457200">
@@ -27932,10 +28031,13 @@
               </a:buClr>
             </a:pPr>
             <a:r>
-              <a:rPr lang="bg-BG" sz="4000" dirty="0" err="1"/>
+              <a:rPr lang="bg-BG" sz="3600" dirty="0" err="1"/>
               <a:t>Енкапсулация</a:t>
             </a:r>
-            <a:endParaRPr lang="en-US" sz="4000" dirty="0"/>
+            <a:r>
+              <a:rPr lang="en-US" sz="3600" dirty="0"/>
+              <a:t> (encapsulation)</a:t>
+            </a:r>
           </a:p>
           <a:p>
             <a:pPr marL="990266" lvl="1" indent="-457200">
@@ -27947,9 +28049,26 @@
               </a:buClr>
             </a:pPr>
             <a:r>
-              <a:rPr lang="en-US" sz="4000" dirty="0"/>
-              <a:t>Separation of concerns</a:t>
-            </a:r>
+              <a:rPr lang="bg-BG" sz="3600" dirty="0"/>
+              <a:t>Разделяне на</a:t>
+            </a:r>
+            <a:r>
+              <a:rPr lang="en-US" sz="3600" dirty="0"/>
+              <a:t> </a:t>
+            </a:r>
+            <a:r>
+              <a:rPr lang="bg-BG" sz="3600" dirty="0"/>
+              <a:t>отговорностите (</a:t>
+            </a:r>
+            <a:r>
+              <a:rPr lang="en-US" sz="3600" dirty="0"/>
+              <a:t>separation of concerns</a:t>
+            </a:r>
+            <a:r>
+              <a:rPr lang="bg-BG" sz="3600" dirty="0"/>
+              <a:t>)</a:t>
+            </a:r>
+            <a:endParaRPr lang="en-US" sz="3600" dirty="0"/>
           </a:p>
           <a:p>
             <a:pPr marL="990266" lvl="1" indent="-457200">
@@ -27961,9 +28080,22 @@
               </a:buClr>
             </a:pPr>
             <a:r>
-              <a:rPr lang="en-US" sz="4000" dirty="0"/>
-              <a:t>Coupling and cohesion</a:t>
-            </a:r>
+              <a:rPr lang="bg-BG" sz="3600" dirty="0"/>
+              <a:t>Свързаност на отговорностите (</a:t>
+            </a:r>
+            <a:r>
+              <a:rPr lang="en-US" sz="3600" dirty="0"/>
+              <a:t>cohesion)</a:t>
+            </a:r>
+            <a:r>
+              <a:rPr lang="bg-BG" sz="3600" dirty="0"/>
+              <a:t> и функционално обвързване (</a:t>
+            </a:r>
+            <a:r>
+              <a:rPr lang="en-US" sz="3600" dirty="0"/>
+              <a:t>coupling)</a:t>
+            </a:r>
+            <a:endParaRPr lang="bg-BG" sz="3600" dirty="0"/>
           </a:p>
           <a:p>
             <a:pPr marL="990266" lvl="1" indent="-457200">
@@ -27975,42 +28107,42 @@
               </a:buClr>
             </a:pPr>
             <a:r>
-              <a:rPr lang="bg-BG" sz="4000" dirty="0"/>
+              <a:rPr lang="bg-BG" sz="3600" dirty="0"/>
               <a:t>Разделяне</a:t>
             </a:r>
             <a:r>
-              <a:rPr lang="en-US" sz="4000" dirty="0"/>
+              <a:rPr lang="en-US" sz="3600" dirty="0"/>
               <a:t> </a:t>
             </a:r>
             <a:r>
-              <a:rPr lang="bg-BG" sz="4000" dirty="0"/>
+              <a:rPr lang="bg-BG" sz="3600" dirty="0"/>
               <a:t>на</a:t>
             </a:r>
             <a:r>
-              <a:rPr lang="en-US" sz="4000" dirty="0"/>
+              <a:rPr lang="en-US" sz="3600" dirty="0"/>
               <a:t> </a:t>
             </a:r>
             <a:r>
-              <a:rPr lang="bg-BG" sz="4000" dirty="0"/>
+              <a:rPr lang="bg-BG" sz="3600" dirty="0"/>
               <a:t>интерфейс</a:t>
             </a:r>
             <a:r>
-              <a:rPr lang="en-US" sz="4000" dirty="0"/>
+              <a:rPr lang="en-US" sz="3600" dirty="0"/>
               <a:t> </a:t>
             </a:r>
             <a:r>
-              <a:rPr lang="bg-BG" sz="4000" dirty="0"/>
+              <a:rPr lang="bg-BG" sz="3600" dirty="0"/>
               <a:t>и</a:t>
             </a:r>
             <a:r>
-              <a:rPr lang="en-US" sz="4000" dirty="0"/>
+              <a:rPr lang="en-US" sz="3600" dirty="0"/>
               <a:t> </a:t>
             </a:r>
             <a:r>
-              <a:rPr lang="bg-BG" sz="4000" dirty="0"/>
+              <a:rPr lang="bg-BG" sz="3600" dirty="0"/>
               <a:t>имплементация</a:t>
             </a:r>
-            <a:endParaRPr lang="en-US" sz="4000" dirty="0"/>
+            <a:endParaRPr lang="en-US" sz="3600" dirty="0"/>
           </a:p>
         </p:txBody>
       </p:sp>
@@ -28408,7 +28540,7 @@
             </a:r>
             <a:r>
               <a:rPr lang="bg-BG" sz="3600" dirty="0"/>
-              <a:t>на дизайнерите</a:t>
+              <a:t>на софтуерните дизайнери</a:t>
             </a:r>
             <a:endParaRPr lang="en-US" sz="3600" dirty="0"/>
           </a:p>
@@ -28533,8 +28665,21 @@
             </a:r>
             <a:r>
               <a:rPr lang="en-US" sz="3600" dirty="0"/>
-              <a:t> trade-offs</a:t>
-            </a:r>
+              <a:t> </a:t>
+            </a:r>
+            <a:r>
+              <a:rPr lang="bg-BG" sz="3600" dirty="0"/>
+              <a:t>плюсове и минуси (</a:t>
+            </a:r>
+            <a:r>
+              <a:rPr lang="en-US" sz="3600" dirty="0"/>
+              <a:t>trade-offs</a:t>
+            </a:r>
+            <a:r>
+              <a:rPr lang="bg-BG" sz="3600" dirty="0"/>
+              <a:t>)</a:t>
+            </a:r>
+            <a:endParaRPr lang="en-US" sz="3600" dirty="0"/>
           </a:p>
         </p:txBody>
       </p:sp>
@@ -28846,8 +28991,8 @@
         </p:nvSpPr>
         <p:spPr>
           <a:xfrm>
-            <a:off x="6365769" y="1138916"/>
-            <a:ext cx="5850000" cy="5473069"/>
+            <a:off x="6276000" y="1138917"/>
+            <a:ext cx="5850000" cy="5035084"/>
           </a:xfrm>
         </p:spPr>
         <p:txBody>
@@ -28871,10 +29016,10 @@
               </a:buClr>
             </a:pPr>
             <a:r>
-              <a:rPr lang="bg-BG" sz="3100" dirty="0"/>
+              <a:rPr lang="bg-BG" sz="3200" b="1" dirty="0"/>
               <a:t>Недостатъци</a:t>
             </a:r>
-            <a:endParaRPr lang="en-US" sz="3100" dirty="0"/>
+            <a:endParaRPr lang="en-US" sz="3100" b="1" dirty="0"/>
           </a:p>
           <a:p>
             <a:pPr lvl="1">
@@ -29014,8 +29159,8 @@
         </p:nvSpPr>
         <p:spPr>
           <a:xfrm>
-            <a:off x="66000" y="1138916"/>
-            <a:ext cx="5275598" cy="4957073"/>
+            <a:off x="145402" y="1138916"/>
+            <a:ext cx="5230598" cy="5125084"/>
           </a:xfrm>
         </p:spPr>
         <p:txBody>
@@ -29030,10 +29175,10 @@
               </a:lnSpc>
             </a:pPr>
             <a:r>
-              <a:rPr lang="bg-BG" sz="2800" dirty="0"/>
+              <a:rPr lang="bg-BG" sz="3200" b="1" dirty="0"/>
               <a:t>Предимства</a:t>
             </a:r>
-            <a:endParaRPr lang="en-GB" sz="2800" dirty="0"/>
+            <a:endParaRPr lang="en-GB" sz="2800" b="1" dirty="0"/>
           </a:p>
           <a:p>
             <a:pPr lvl="1">

--- a/Courses/Software-Sciences/Module-1-OOP-New/15-Design-Patterns/15-Design-Patterns.pptx
+++ b/Courses/Software-Sciences/Module-1-OOP-New/15-Design-Patterns/15-Design-Patterns.pptx
@@ -179,7 +179,7 @@
             <p14:sldId id="495"/>
           </p14:sldIdLst>
         </p14:section>
-        <p14:section name="Creational шаблони" id="{9245A61C-C383-496A-8C32-90D8A4D551CE}">
+        <p14:section name="Шаблони за създаване" id="{9245A61C-C383-496A-8C32-90D8A4D551CE}">
           <p14:sldIdLst>
             <p14:sldId id="303"/>
             <p14:sldId id="304"/>
@@ -191,7 +191,7 @@
             <p14:sldId id="310"/>
           </p14:sldIdLst>
         </p14:section>
-        <p14:section name="Structural шаблони" id="{264A1D7D-1B6E-4C7C-A3A7-401F58145BC7}">
+        <p14:section name="Структурни шаблони" id="{264A1D7D-1B6E-4C7C-A3A7-401F58145BC7}">
           <p14:sldIdLst>
             <p14:sldId id="311"/>
             <p14:sldId id="312"/>
@@ -207,7 +207,7 @@
             <p14:sldId id="322"/>
           </p14:sldIdLst>
         </p14:section>
-        <p14:section name="Behavioral шаблони" id="{33DDB4CA-31A3-437D-9DAC-6302010EA2AC}">
+        <p14:section name="Поведенчески шаблони" id="{33DDB4CA-31A3-437D-9DAC-6302010EA2AC}">
           <p14:sldIdLst>
             <p14:sldId id="323"/>
             <p14:sldId id="324"/>
@@ -347,7 +347,7 @@
           <a:p>
             <a:fld id="{4E087215-0C8F-4762-A664-737A353EC9A4}" type="datetimeFigureOut">
               <a:rPr lang="bg-BG" smtClean="0"/>
-              <a:t>13.1.2023 г.</a:t>
+              <a:t>18.01.23 г.</a:t>
             </a:fld>
             <a:endParaRPr lang="bg-BG"/>
           </a:p>
@@ -538,7 +538,7 @@
           <a:p>
             <a:fld id="{72D84649-876A-46C9-8472-14CB09C070D8}" type="datetimeFigureOut">
               <a:rPr lang="en-US" smtClean="0"/>
-              <a:t>13-Jan-23</a:t>
+              <a:t>1/18/23</a:t>
             </a:fld>
             <a:endParaRPr lang="en-US"/>
           </a:p>
@@ -1025,7 +1025,7 @@
           <a:p>
             <a:fld id="{2BF067CD-8E6B-4360-9AA8-C5DF2A48A6D1}" type="slidenum">
               <a:rPr lang="en-US" smtClean="0"/>
-              <a:t>22</a:t>
+              <a:t>21</a:t>
             </a:fld>
             <a:endParaRPr lang="en-US" dirty="0"/>
           </a:p>
@@ -1067,7 +1067,7 @@
     </p:spTree>
     <p:extLst>
       <p:ext uri="{BB962C8B-B14F-4D97-AF65-F5344CB8AC3E}">
-        <p14:creationId xmlns:p14="http://schemas.microsoft.com/office/powerpoint/2010/main" val="1406144760"/>
+        <p14:creationId xmlns:p14="http://schemas.microsoft.com/office/powerpoint/2010/main" val="3047481589"/>
       </p:ext>
     </p:extLst>
   </p:cSld>
@@ -1121,7 +1121,7 @@
           <a:bodyPr/>
           <a:lstStyle/>
           <a:p>
-            <a:endParaRPr lang="en-US" dirty="0"/>
+            <a:endParaRPr lang="en-BG" dirty="0"/>
           </a:p>
         </p:txBody>
       </p:sp>
@@ -1132,7 +1132,7 @@
             <a:spLocks noGrp="1"/>
           </p:cNvSpPr>
           <p:nvPr>
-            <p:ph type="sldNum" sz="quarter" idx="10"/>
+            <p:ph type="sldNum" sz="quarter" idx="5"/>
           </p:nvPr>
         </p:nvSpPr>
         <p:spPr/>
@@ -1140,10 +1140,9 @@
           <a:bodyPr/>
           <a:lstStyle/>
           <a:p>
-            <a:fld id="{3EBA5BD7-F043-4D1B-AA17-CD412FC534DE}" type="slidenum">
+            <a:fld id="{2BF067CD-8E6B-4360-9AA8-C5DF2A48A6D1}" type="slidenum">
               <a:rPr lang="en-US" smtClean="0"/>
-              <a:pPr/>
-              <a:t>31</a:t>
+              <a:t>22</a:t>
             </a:fld>
             <a:endParaRPr lang="en-US" dirty="0"/>
           </a:p>
@@ -1151,13 +1150,7 @@
       </p:sp>
       <p:sp>
         <p:nvSpPr>
-          <p:cNvPr id="6" name="Footer Placeholder 7">
-            <a:extLst>
-              <a:ext uri="{FF2B5EF4-FFF2-40B4-BE49-F238E27FC236}">
-                <a16:creationId xmlns:a16="http://schemas.microsoft.com/office/drawing/2014/main" id="{88DC02A7-7D70-4E63-8E2D-381DBEC499A1}"/>
-              </a:ext>
-            </a:extLst>
-          </p:cNvPr>
+          <p:cNvPr id="5" name="Footer Placeholder 4"/>
           <p:cNvSpPr>
             <a:spLocks noGrp="1"/>
           </p:cNvSpPr>
@@ -1165,44 +1158,33 @@
             <p:ph type="ftr" sz="quarter" idx="4"/>
           </p:nvPr>
         </p:nvSpPr>
-        <p:spPr>
-          <a:xfrm>
-            <a:off x="-1" y="8847000"/>
-            <a:ext cx="6488999" cy="297000"/>
-          </a:xfrm>
-          <a:prstGeom prst="rect">
-            <a:avLst/>
-          </a:prstGeom>
-        </p:spPr>
+        <p:spPr/>
         <p:txBody>
-          <a:bodyPr vert="horz" lIns="91440" tIns="45720" rIns="91440" bIns="45720" rtlCol="0" anchor="b"/>
-          <a:lstStyle>
-            <a:lvl1pPr algn="l">
-              <a:defRPr sz="1100"/>
-            </a:lvl1pPr>
-          </a:lstStyle>
-          <a:p>
-            <a:r>
-              <a:rPr lang="en-US" dirty="0"/>
+          <a:bodyPr/>
+          <a:lstStyle/>
+          <a:p>
+            <a:r>
+              <a:rPr lang="en-US"/>
               <a:t>© SoftUni – </a:t>
             </a:r>
             <a:r>
-              <a:rPr lang="en-US" u="sng" dirty="0">
+              <a:rPr lang="en-US" u="sng">
                 <a:hlinkClick r:id="rId3"/>
               </a:rPr>
               <a:t>https://softuni.org</a:t>
             </a:r>
             <a:r>
-              <a:rPr lang="en-US" dirty="0"/>
+              <a:rPr lang="en-US"/>
               <a:t>. Copyrighted document. Unauthorized copy or reproduction is not permitted.</a:t>
             </a:r>
+            <a:endParaRPr lang="en-US" dirty="0"/>
           </a:p>
         </p:txBody>
       </p:sp>
     </p:spTree>
     <p:extLst>
       <p:ext uri="{BB962C8B-B14F-4D97-AF65-F5344CB8AC3E}">
-        <p14:creationId xmlns:p14="http://schemas.microsoft.com/office/powerpoint/2010/main" val="1778616773"/>
+        <p14:creationId xmlns:p14="http://schemas.microsoft.com/office/powerpoint/2010/main" val="1406144760"/>
       </p:ext>
     </p:extLst>
   </p:cSld>
@@ -1256,7 +1238,7 @@
           <a:bodyPr/>
           <a:lstStyle/>
           <a:p>
-            <a:endParaRPr lang="en-BG" dirty="0"/>
+            <a:endParaRPr lang="en-US" dirty="0"/>
           </a:p>
         </p:txBody>
       </p:sp>
@@ -1267,7 +1249,7 @@
             <a:spLocks noGrp="1"/>
           </p:cNvSpPr>
           <p:nvPr>
-            <p:ph type="sldNum" sz="quarter" idx="5"/>
+            <p:ph type="sldNum" sz="quarter" idx="10"/>
           </p:nvPr>
         </p:nvSpPr>
         <p:spPr/>
@@ -1275,9 +1257,10 @@
           <a:bodyPr/>
           <a:lstStyle/>
           <a:p>
-            <a:fld id="{2BF067CD-8E6B-4360-9AA8-C5DF2A48A6D1}" type="slidenum">
+            <a:fld id="{3EBA5BD7-F043-4D1B-AA17-CD412FC534DE}" type="slidenum">
               <a:rPr lang="en-US" smtClean="0"/>
-              <a:t>32</a:t>
+              <a:pPr/>
+              <a:t>31</a:t>
             </a:fld>
             <a:endParaRPr lang="en-US" dirty="0"/>
           </a:p>
@@ -1285,7 +1268,13 @@
       </p:sp>
       <p:sp>
         <p:nvSpPr>
-          <p:cNvPr id="5" name="Footer Placeholder 4"/>
+          <p:cNvPr id="6" name="Footer Placeholder 7">
+            <a:extLst>
+              <a:ext uri="{FF2B5EF4-FFF2-40B4-BE49-F238E27FC236}">
+                <a16:creationId xmlns:a16="http://schemas.microsoft.com/office/drawing/2014/main" id="{88DC02A7-7D70-4E63-8E2D-381DBEC499A1}"/>
+              </a:ext>
+            </a:extLst>
+          </p:cNvPr>
           <p:cNvSpPr>
             <a:spLocks noGrp="1"/>
           </p:cNvSpPr>
@@ -1293,33 +1282,44 @@
             <p:ph type="ftr" sz="quarter" idx="4"/>
           </p:nvPr>
         </p:nvSpPr>
-        <p:spPr/>
+        <p:spPr>
+          <a:xfrm>
+            <a:off x="-1" y="8847000"/>
+            <a:ext cx="6488999" cy="297000"/>
+          </a:xfrm>
+          <a:prstGeom prst="rect">
+            <a:avLst/>
+          </a:prstGeom>
+        </p:spPr>
         <p:txBody>
-          <a:bodyPr/>
-          <a:lstStyle/>
-          <a:p>
-            <a:r>
-              <a:rPr lang="en-US"/>
+          <a:bodyPr vert="horz" lIns="91440" tIns="45720" rIns="91440" bIns="45720" rtlCol="0" anchor="b"/>
+          <a:lstStyle>
+            <a:lvl1pPr algn="l">
+              <a:defRPr sz="1100"/>
+            </a:lvl1pPr>
+          </a:lstStyle>
+          <a:p>
+            <a:r>
+              <a:rPr lang="en-US" dirty="0"/>
               <a:t>© SoftUni – </a:t>
             </a:r>
             <a:r>
-              <a:rPr lang="en-US" u="sng">
+              <a:rPr lang="en-US" u="sng" dirty="0">
                 <a:hlinkClick r:id="rId3"/>
               </a:rPr>
               <a:t>https://softuni.org</a:t>
             </a:r>
             <a:r>
-              <a:rPr lang="en-US"/>
+              <a:rPr lang="en-US" dirty="0"/>
               <a:t>. Copyrighted document. Unauthorized copy or reproduction is not permitted.</a:t>
             </a:r>
-            <a:endParaRPr lang="en-US" dirty="0"/>
           </a:p>
         </p:txBody>
       </p:sp>
     </p:spTree>
     <p:extLst>
       <p:ext uri="{BB962C8B-B14F-4D97-AF65-F5344CB8AC3E}">
-        <p14:creationId xmlns:p14="http://schemas.microsoft.com/office/powerpoint/2010/main" val="1542359863"/>
+        <p14:creationId xmlns:p14="http://schemas.microsoft.com/office/powerpoint/2010/main" val="1778616773"/>
       </p:ext>
     </p:extLst>
   </p:cSld>
@@ -1394,7 +1394,7 @@
           <a:p>
             <a:fld id="{2BF067CD-8E6B-4360-9AA8-C5DF2A48A6D1}" type="slidenum">
               <a:rPr lang="en-US" smtClean="0"/>
-              <a:t>35</a:t>
+              <a:t>32</a:t>
             </a:fld>
             <a:endParaRPr lang="en-US" dirty="0"/>
           </a:p>
@@ -1436,7 +1436,7 @@
     </p:spTree>
     <p:extLst>
       <p:ext uri="{BB962C8B-B14F-4D97-AF65-F5344CB8AC3E}">
-        <p14:creationId xmlns:p14="http://schemas.microsoft.com/office/powerpoint/2010/main" val="3124796468"/>
+        <p14:creationId xmlns:p14="http://schemas.microsoft.com/office/powerpoint/2010/main" val="1542359863"/>
       </p:ext>
     </p:extLst>
   </p:cSld>
@@ -1490,18 +1490,18 @@
           <a:bodyPr/>
           <a:lstStyle/>
           <a:p>
-            <a:endParaRPr lang="en-US" dirty="0"/>
+            <a:endParaRPr lang="en-BG" dirty="0"/>
           </a:p>
         </p:txBody>
       </p:sp>
       <p:sp>
         <p:nvSpPr>
-          <p:cNvPr id="5" name="Slide Number Placeholder 4"/>
+          <p:cNvPr id="4" name="Slide Number Placeholder 3"/>
           <p:cNvSpPr>
             <a:spLocks noGrp="1"/>
           </p:cNvSpPr>
           <p:nvPr>
-            <p:ph type="sldNum" sz="quarter" idx="11"/>
+            <p:ph type="sldNum" sz="quarter" idx="5"/>
           </p:nvPr>
         </p:nvSpPr>
         <p:spPr/>
@@ -1509,10 +1509,9 @@
           <a:bodyPr/>
           <a:lstStyle/>
           <a:p>
-            <a:fld id="{3EBA5BD7-F043-4D1B-AA17-CD412FC534DE}" type="slidenum">
+            <a:fld id="{2BF067CD-8E6B-4360-9AA8-C5DF2A48A6D1}" type="slidenum">
               <a:rPr lang="en-US" smtClean="0"/>
-              <a:pPr/>
-              <a:t>43</a:t>
+              <a:t>35</a:t>
             </a:fld>
             <a:endParaRPr lang="en-US" dirty="0"/>
           </a:p>
@@ -1520,13 +1519,7 @@
       </p:sp>
       <p:sp>
         <p:nvSpPr>
-          <p:cNvPr id="6" name="Footer Placeholder 7">
-            <a:extLst>
-              <a:ext uri="{FF2B5EF4-FFF2-40B4-BE49-F238E27FC236}">
-                <a16:creationId xmlns:a16="http://schemas.microsoft.com/office/drawing/2014/main" id="{54A34148-6056-478C-9CDD-88D6360416CE}"/>
-              </a:ext>
-            </a:extLst>
-          </p:cNvPr>
+          <p:cNvPr id="5" name="Footer Placeholder 4"/>
           <p:cNvSpPr>
             <a:spLocks noGrp="1"/>
           </p:cNvSpPr>
@@ -1534,44 +1527,33 @@
             <p:ph type="ftr" sz="quarter" idx="4"/>
           </p:nvPr>
         </p:nvSpPr>
-        <p:spPr>
-          <a:xfrm>
-            <a:off x="-1" y="8847000"/>
-            <a:ext cx="6488999" cy="297000"/>
-          </a:xfrm>
-          <a:prstGeom prst="rect">
-            <a:avLst/>
-          </a:prstGeom>
-        </p:spPr>
+        <p:spPr/>
         <p:txBody>
-          <a:bodyPr vert="horz" lIns="91440" tIns="45720" rIns="91440" bIns="45720" rtlCol="0" anchor="b"/>
-          <a:lstStyle>
-            <a:lvl1pPr algn="l">
-              <a:defRPr sz="1100"/>
-            </a:lvl1pPr>
-          </a:lstStyle>
-          <a:p>
-            <a:r>
-              <a:rPr lang="en-US" dirty="0"/>
+          <a:bodyPr/>
+          <a:lstStyle/>
+          <a:p>
+            <a:r>
+              <a:rPr lang="en-US"/>
               <a:t>© SoftUni – </a:t>
             </a:r>
             <a:r>
-              <a:rPr lang="en-US" u="sng" dirty="0">
+              <a:rPr lang="en-US" u="sng">
                 <a:hlinkClick r:id="rId3"/>
               </a:rPr>
               <a:t>https://softuni.org</a:t>
             </a:r>
             <a:r>
-              <a:rPr lang="en-US" dirty="0"/>
+              <a:rPr lang="en-US"/>
               <a:t>. Copyrighted document. Unauthorized copy or reproduction is not permitted.</a:t>
             </a:r>
+            <a:endParaRPr lang="en-US" dirty="0"/>
           </a:p>
         </p:txBody>
       </p:sp>
     </p:spTree>
     <p:extLst>
       <p:ext uri="{BB962C8B-B14F-4D97-AF65-F5344CB8AC3E}">
-        <p14:creationId xmlns:p14="http://schemas.microsoft.com/office/powerpoint/2010/main" val="2071545545"/>
+        <p14:creationId xmlns:p14="http://schemas.microsoft.com/office/powerpoint/2010/main" val="3124796468"/>
       </p:ext>
     </p:extLst>
   </p:cSld>
@@ -1631,6 +1613,141 @@
       </p:sp>
       <p:sp>
         <p:nvSpPr>
+          <p:cNvPr id="5" name="Slide Number Placeholder 4"/>
+          <p:cNvSpPr>
+            <a:spLocks noGrp="1"/>
+          </p:cNvSpPr>
+          <p:nvPr>
+            <p:ph type="sldNum" sz="quarter" idx="11"/>
+          </p:nvPr>
+        </p:nvSpPr>
+        <p:spPr/>
+        <p:txBody>
+          <a:bodyPr/>
+          <a:lstStyle/>
+          <a:p>
+            <a:fld id="{3EBA5BD7-F043-4D1B-AA17-CD412FC534DE}" type="slidenum">
+              <a:rPr lang="en-US" smtClean="0"/>
+              <a:pPr/>
+              <a:t>43</a:t>
+            </a:fld>
+            <a:endParaRPr lang="en-US" dirty="0"/>
+          </a:p>
+        </p:txBody>
+      </p:sp>
+      <p:sp>
+        <p:nvSpPr>
+          <p:cNvPr id="6" name="Footer Placeholder 7">
+            <a:extLst>
+              <a:ext uri="{FF2B5EF4-FFF2-40B4-BE49-F238E27FC236}">
+                <a16:creationId xmlns:a16="http://schemas.microsoft.com/office/drawing/2014/main" id="{54A34148-6056-478C-9CDD-88D6360416CE}"/>
+              </a:ext>
+            </a:extLst>
+          </p:cNvPr>
+          <p:cNvSpPr>
+            <a:spLocks noGrp="1"/>
+          </p:cNvSpPr>
+          <p:nvPr>
+            <p:ph type="ftr" sz="quarter" idx="4"/>
+          </p:nvPr>
+        </p:nvSpPr>
+        <p:spPr>
+          <a:xfrm>
+            <a:off x="-1" y="8847000"/>
+            <a:ext cx="6488999" cy="297000"/>
+          </a:xfrm>
+          <a:prstGeom prst="rect">
+            <a:avLst/>
+          </a:prstGeom>
+        </p:spPr>
+        <p:txBody>
+          <a:bodyPr vert="horz" lIns="91440" tIns="45720" rIns="91440" bIns="45720" rtlCol="0" anchor="b"/>
+          <a:lstStyle>
+            <a:lvl1pPr algn="l">
+              <a:defRPr sz="1100"/>
+            </a:lvl1pPr>
+          </a:lstStyle>
+          <a:p>
+            <a:r>
+              <a:rPr lang="en-US" dirty="0"/>
+              <a:t>© SoftUni – </a:t>
+            </a:r>
+            <a:r>
+              <a:rPr lang="en-US" u="sng" dirty="0">
+                <a:hlinkClick r:id="rId3"/>
+              </a:rPr>
+              <a:t>https://softuni.org</a:t>
+            </a:r>
+            <a:r>
+              <a:rPr lang="en-US" dirty="0"/>
+              <a:t>. Copyrighted document. Unauthorized copy or reproduction is not permitted.</a:t>
+            </a:r>
+          </a:p>
+        </p:txBody>
+      </p:sp>
+    </p:spTree>
+    <p:extLst>
+      <p:ext uri="{BB962C8B-B14F-4D97-AF65-F5344CB8AC3E}">
+        <p14:creationId xmlns:p14="http://schemas.microsoft.com/office/powerpoint/2010/main" val="2071545545"/>
+      </p:ext>
+    </p:extLst>
+  </p:cSld>
+  <p:clrMapOvr>
+    <a:masterClrMapping/>
+  </p:clrMapOvr>
+</p:notes>
+</file>
+
+<file path=ppt/notesSlides/notesSlide16.xml><?xml version="1.0" encoding="utf-8"?>
+<p:notes xmlns:a="http://schemas.openxmlformats.org/drawingml/2006/main" xmlns:r="http://schemas.openxmlformats.org/officeDocument/2006/relationships" xmlns:p="http://schemas.openxmlformats.org/presentationml/2006/main">
+  <p:cSld>
+    <p:spTree>
+      <p:nvGrpSpPr>
+        <p:cNvPr id="1" name=""/>
+        <p:cNvGrpSpPr/>
+        <p:nvPr/>
+      </p:nvGrpSpPr>
+      <p:grpSpPr>
+        <a:xfrm>
+          <a:off x="0" y="0"/>
+          <a:ext cx="0" cy="0"/>
+          <a:chOff x="0" y="0"/>
+          <a:chExt cx="0" cy="0"/>
+        </a:xfrm>
+      </p:grpSpPr>
+      <p:sp>
+        <p:nvSpPr>
+          <p:cNvPr id="2" name="Slide Image Placeholder 1"/>
+          <p:cNvSpPr>
+            <a:spLocks noGrp="1" noRot="1" noChangeAspect="1"/>
+          </p:cNvSpPr>
+          <p:nvPr>
+            <p:ph type="sldImg"/>
+          </p:nvPr>
+        </p:nvSpPr>
+        <p:spPr/>
+      </p:sp>
+      <p:sp>
+        <p:nvSpPr>
+          <p:cNvPr id="3" name="Notes Placeholder 2"/>
+          <p:cNvSpPr>
+            <a:spLocks noGrp="1"/>
+          </p:cNvSpPr>
+          <p:nvPr>
+            <p:ph type="body" idx="1"/>
+          </p:nvPr>
+        </p:nvSpPr>
+        <p:spPr/>
+        <p:txBody>
+          <a:bodyPr/>
+          <a:lstStyle/>
+          <a:p>
+            <a:endParaRPr lang="en-US" dirty="0"/>
+          </a:p>
+        </p:txBody>
+      </p:sp>
+      <p:sp>
+        <p:nvSpPr>
           <p:cNvPr id="7" name="Slide Number Placeholder 5">
             <a:extLst>
               <a:ext uri="{FF2B5EF4-FFF2-40B4-BE49-F238E27FC236}">
@@ -1822,7 +1939,7 @@
 </p:notes>
 </file>
 
-<file path=ppt/notesSlides/notesSlide16.xml><?xml version="1.0" encoding="utf-8"?>
+<file path=ppt/notesSlides/notesSlide17.xml><?xml version="1.0" encoding="utf-8"?>
 <p:notes xmlns:a="http://schemas.openxmlformats.org/drawingml/2006/main" xmlns:r="http://schemas.openxmlformats.org/officeDocument/2006/relationships" xmlns:p="http://schemas.openxmlformats.org/presentationml/2006/main">
   <p:cSld>
     <p:spTree>
@@ -9965,12 +10082,8 @@
           <a:lstStyle/>
           <a:p>
             <a:r>
-              <a:rPr lang="en-GB" dirty="0"/>
-              <a:t>Creational </a:t>
-            </a:r>
-            <a:r>
               <a:rPr lang="bg-BG" dirty="0"/>
-              <a:t>шаблони</a:t>
+              <a:t>Шаблони за създаване</a:t>
             </a:r>
             <a:endParaRPr lang="en-GB" dirty="0"/>
           </a:p>
@@ -10663,15 +10776,7 @@
           <a:p>
             <a:r>
               <a:rPr lang="bg-BG" dirty="0"/>
-              <a:t>Списък с </a:t>
-            </a:r>
-            <a:r>
-              <a:rPr lang="en-US" dirty="0"/>
-              <a:t>Creational </a:t>
-            </a:r>
-            <a:r>
-              <a:rPr lang="bg-BG" dirty="0"/>
-              <a:t>шаблони</a:t>
+              <a:t>Списък с шаблони за създаване</a:t>
             </a:r>
           </a:p>
         </p:txBody>
@@ -11479,11 +11584,11 @@
             </a:r>
             <a:r>
               <a:rPr lang="en-GB" sz="3600" dirty="0"/>
-              <a:t> creational </a:t>
+              <a:t> </a:t>
             </a:r>
             <a:r>
               <a:rPr lang="bg-BG" sz="3600" dirty="0"/>
-              <a:t>шаблони за дизайн</a:t>
+              <a:t>шаблон за създаване</a:t>
             </a:r>
             <a:endParaRPr lang="en-GB" sz="3600" dirty="0"/>
           </a:p>
@@ -13764,8 +13869,12 @@
           <a:lstStyle/>
           <a:p>
             <a:r>
+              <a:rPr lang="bg-BG" dirty="0"/>
+              <a:t>Структурни</a:t>
+            </a:r>
+            <a:r>
               <a:rPr lang="en-GB" dirty="0"/>
-              <a:t>Structural </a:t>
+              <a:t> </a:t>
             </a:r>
             <a:r>
               <a:rPr lang="bg-BG" dirty="0"/>
@@ -14821,7 +14930,15 @@
             </a:r>
             <a:r>
               <a:rPr lang="en-US" dirty="0"/>
-              <a:t> Structural </a:t>
+              <a:t> </a:t>
+            </a:r>
+            <a:r>
+              <a:rPr lang="bg-BG" dirty="0"/>
+              <a:t>структурни</a:t>
+            </a:r>
+            <a:r>
+              <a:rPr lang="en-US" dirty="0"/>
+              <a:t> </a:t>
             </a:r>
             <a:r>
               <a:rPr lang="bg-BG" dirty="0"/>
@@ -14839,7 +14956,7 @@
           <p:nvPr/>
         </p:nvPicPr>
         <p:blipFill>
-          <a:blip r:embed="rId2">
+          <a:blip r:embed="rId3">
             <a:extLst>
               <a:ext uri="{28A0092B-C50C-407E-A947-70E740481C1C}">
                 <a14:useLocalDpi xmlns:a14="http://schemas.microsoft.com/office/drawing/2010/main"/>
@@ -14875,7 +14992,7 @@
           <p:nvPr/>
         </p:nvPicPr>
         <p:blipFill>
-          <a:blip r:embed="rId3"/>
+          <a:blip r:embed="rId4"/>
           <a:stretch>
             <a:fillRect/>
           </a:stretch>
@@ -14904,7 +15021,7 @@
           <p:nvPr/>
         </p:nvPicPr>
         <p:blipFill>
-          <a:blip r:embed="rId4">
+          <a:blip r:embed="rId5">
             <a:extLst>
               <a:ext uri="{28A0092B-C50C-407E-A947-70E740481C1C}">
                 <a14:useLocalDpi xmlns:a14="http://schemas.microsoft.com/office/drawing/2010/main" val="0"/>
@@ -14949,7 +15066,7 @@
           <p:nvPr/>
         </p:nvPicPr>
         <p:blipFill>
-          <a:blip r:embed="rId5">
+          <a:blip r:embed="rId6">
             <a:extLst>
               <a:ext uri="{28A0092B-C50C-407E-A947-70E740481C1C}">
                 <a14:useLocalDpi xmlns:a14="http://schemas.microsoft.com/office/drawing/2010/main" val="0"/>
@@ -14994,7 +15111,7 @@
           <p:nvPr/>
         </p:nvPicPr>
         <p:blipFill>
-          <a:blip r:embed="rId6">
+          <a:blip r:embed="rId7">
             <a:extLst>
               <a:ext uri="{28A0092B-C50C-407E-A947-70E740481C1C}">
                 <a14:useLocalDpi xmlns:a14="http://schemas.microsoft.com/office/drawing/2010/main" val="0"/>
@@ -15039,7 +15156,7 @@
           <p:nvPr/>
         </p:nvPicPr>
         <p:blipFill>
-          <a:blip r:embed="rId7"/>
+          <a:blip r:embed="rId8"/>
           <a:stretch>
             <a:fillRect/>
           </a:stretch>
@@ -15068,7 +15185,7 @@
           <p:nvPr/>
         </p:nvPicPr>
         <p:blipFill>
-          <a:blip r:embed="rId8" cstate="print">
+          <a:blip r:embed="rId9" cstate="print">
             <a:extLst>
               <a:ext uri="{28A0092B-C50C-407E-A947-70E740481C1C}">
                 <a14:useLocalDpi xmlns:a14="http://schemas.microsoft.com/office/drawing/2010/main" val="0"/>
@@ -20596,8 +20713,8 @@
           <a:lstStyle/>
           <a:p>
             <a:r>
-              <a:rPr lang="en-GB" dirty="0" err="1"/>
-              <a:t>Behavioral</a:t>
+              <a:rPr lang="bg-BG" dirty="0"/>
+              <a:t>Поведенчески</a:t>
             </a:r>
             <a:r>
               <a:rPr lang="en-GB" dirty="0"/>
@@ -21154,11 +21271,11 @@
           <a:p>
             <a:r>
               <a:rPr lang="bg-BG" dirty="0"/>
-              <a:t>Списък с </a:t>
+              <a:t>Списък с поведенчески</a:t>
             </a:r>
             <a:r>
               <a:rPr lang="en-US" dirty="0"/>
-              <a:t>Behavioral </a:t>
+              <a:t> </a:t>
             </a:r>
             <a:r>
               <a:rPr lang="bg-BG" dirty="0"/>
@@ -21952,11 +22069,11 @@
           <a:p>
             <a:r>
               <a:rPr lang="bg-BG" dirty="0"/>
-              <a:t>Списък с </a:t>
+              <a:t>Списък с поведенчески</a:t>
             </a:r>
             <a:r>
               <a:rPr lang="en-US" dirty="0"/>
-              <a:t>Behavioral </a:t>
+              <a:t> </a:t>
             </a:r>
             <a:r>
               <a:rPr lang="bg-BG" dirty="0"/>
@@ -27205,13 +27322,18 @@
               </a:lnSpc>
             </a:pPr>
             <a:r>
-              <a:rPr lang="en-US" sz="3400" dirty="0">
+              <a:rPr lang="bg-BG" sz="3400" dirty="0">
                 <a:solidFill>
                   <a:schemeClr val="bg2"/>
                 </a:solidFill>
               </a:rPr>
-              <a:t>Creational</a:t>
-            </a:r>
+              <a:t>За създаване</a:t>
+            </a:r>
+            <a:endParaRPr lang="en-US" sz="3400" dirty="0">
+              <a:solidFill>
+                <a:schemeClr val="bg2"/>
+              </a:solidFill>
+            </a:endParaRPr>
           </a:p>
           <a:p>
             <a:pPr lvl="1">
@@ -27220,13 +27342,18 @@
               </a:lnSpc>
             </a:pPr>
             <a:r>
-              <a:rPr lang="en-US" sz="3400" dirty="0">
+              <a:rPr lang="bg-BG" sz="3400" dirty="0">
                 <a:solidFill>
                   <a:schemeClr val="bg2"/>
                 </a:solidFill>
               </a:rPr>
-              <a:t>Structural</a:t>
-            </a:r>
+              <a:t>Структурни</a:t>
+            </a:r>
+            <a:endParaRPr lang="en-US" sz="3400" dirty="0">
+              <a:solidFill>
+                <a:schemeClr val="bg2"/>
+              </a:solidFill>
+            </a:endParaRPr>
           </a:p>
           <a:p>
             <a:pPr lvl="1">
@@ -27235,13 +27362,18 @@
               </a:lnSpc>
             </a:pPr>
             <a:r>
-              <a:rPr lang="en-US" sz="3400" dirty="0">
+              <a:rPr lang="bg-BG" sz="3400" dirty="0">
                 <a:solidFill>
                   <a:schemeClr val="bg2"/>
                 </a:solidFill>
               </a:rPr>
-              <a:t>Behavioral</a:t>
-            </a:r>
+              <a:t>Поведенчески</a:t>
+            </a:r>
+            <a:endParaRPr lang="en-US" sz="3400" dirty="0">
+              <a:solidFill>
+                <a:schemeClr val="bg2"/>
+              </a:solidFill>
+            </a:endParaRPr>
           </a:p>
         </p:txBody>
       </p:sp>
@@ -30409,22 +30541,22 @@
               </a:buClr>
             </a:pPr>
             <a:r>
-              <a:rPr lang="en-US" sz="3400" b="1" dirty="0">
+              <a:rPr lang="bg-BG" sz="3400" dirty="0"/>
+              <a:t>Шаблони за </a:t>
+            </a:r>
+            <a:r>
+              <a:rPr lang="bg-BG" sz="3400" b="1" dirty="0">
                 <a:solidFill>
                   <a:schemeClr val="bg1"/>
                 </a:solidFill>
               </a:rPr>
-              <a:t>Creational</a:t>
-            </a:r>
-            <a:r>
-              <a:rPr lang="en-US" sz="3400" dirty="0"/>
-              <a:t> </a:t>
-            </a:r>
-            <a:r>
-              <a:rPr lang="bg-BG" sz="3400" dirty="0"/>
-              <a:t>шаблони</a:t>
-            </a:r>
-            <a:endParaRPr lang="en-US" sz="3400" dirty="0"/>
+              <a:t>създаване</a:t>
+            </a:r>
+            <a:endParaRPr lang="en-US" sz="3400" dirty="0">
+              <a:solidFill>
+                <a:schemeClr val="bg1"/>
+              </a:solidFill>
+            </a:endParaRPr>
           </a:p>
           <a:p>
             <a:pPr marL="1066419" lvl="1" indent="-457200">
@@ -30511,12 +30643,12 @@
               </a:buClr>
             </a:pPr>
             <a:r>
-              <a:rPr lang="en-US" sz="3400" b="1" dirty="0">
+              <a:rPr lang="bg-BG" sz="3400" b="1" dirty="0">
                 <a:solidFill>
                   <a:schemeClr val="bg1"/>
                 </a:solidFill>
               </a:rPr>
-              <a:t>Structural</a:t>
+              <a:t>Структурни</a:t>
             </a:r>
             <a:r>
               <a:rPr lang="en-US" sz="3400" dirty="0"/>
@@ -30626,12 +30758,12 @@
               </a:buClr>
             </a:pPr>
             <a:r>
-              <a:rPr lang="en-US" sz="3400" b="1" dirty="0">
+              <a:rPr lang="bg-BG" sz="3400" b="1" dirty="0">
                 <a:solidFill>
                   <a:schemeClr val="bg1"/>
                 </a:solidFill>
               </a:rPr>
-              <a:t>Behavioral</a:t>
+              <a:t>Поведенчески</a:t>
             </a:r>
             <a:r>
               <a:rPr lang="en-US" sz="3400" dirty="0"/>
